--- a/Präsentation/Vorgehen.pptx
+++ b/Präsentation/Vorgehen.pptx
@@ -5,14 +5,17 @@
     <p:sldMasterId id="2147483713" r:id="rId4"/>
   </p:sldMasterIdLst>
   <p:notesMasterIdLst>
-    <p:notesMasterId r:id="rId7"/>
+    <p:notesMasterId r:id="rId10"/>
   </p:notesMasterIdLst>
   <p:handoutMasterIdLst>
-    <p:handoutMasterId r:id="rId8"/>
+    <p:handoutMasterId r:id="rId11"/>
   </p:handoutMasterIdLst>
   <p:sldIdLst>
     <p:sldId id="256" r:id="rId5"/>
-    <p:sldId id="257" r:id="rId6"/>
+    <p:sldId id="258" r:id="rId6"/>
+    <p:sldId id="261" r:id="rId7"/>
+    <p:sldId id="262" r:id="rId8"/>
+    <p:sldId id="257" r:id="rId9"/>
   </p:sldIdLst>
   <p:sldSz cx="10082213" cy="7561263"/>
   <p:notesSz cx="6858000" cy="9144000"/>
@@ -161,6 +164,197 @@
     </p:ext>
   </p:extLst>
 </p:presentation>
+</file>
+
+<file path=ppt/revisionInfo.xml><?xml version="1.0" encoding="utf-8"?>
+<p1510:revInfo xmlns:a="http://schemas.openxmlformats.org/drawingml/2006/main" xmlns:r="http://schemas.openxmlformats.org/officeDocument/2006/relationships" xmlns:p1510="http://schemas.microsoft.com/office/powerpoint/2015/10/main">
+  <p1510:revLst>
+    <p1510:client id="{5C1EF3E6-ECC6-481F-880D-B0E35D51F7D3}" v="30" dt="2022-01-20T10:15:18.693"/>
+  </p1510:revLst>
+</p1510:revInfo>
+</file>
+
+<file path=ppt/changesInfos/changesInfo1.xml><?xml version="1.0" encoding="utf-8"?>
+<pc:chgInfo xmlns:a="http://schemas.openxmlformats.org/drawingml/2006/main" xmlns:r="http://schemas.openxmlformats.org/officeDocument/2006/relationships" xmlns:ac="http://schemas.microsoft.com/office/drawing/2013/main/command" xmlns:pc="http://schemas.microsoft.com/office/powerpoint/2013/main/command">
+  <pc:docChgLst>
+    <pc:chgData name="Julia Lobatón (s)" userId="03631203-4130-44e4-8322-dc08ad4e2bed" providerId="ADAL" clId="{5C1EF3E6-ECC6-481F-880D-B0E35D51F7D3}"/>
+    <pc:docChg chg="undo custSel addSld delSld modSld">
+      <pc:chgData name="Julia Lobatón (s)" userId="03631203-4130-44e4-8322-dc08ad4e2bed" providerId="ADAL" clId="{5C1EF3E6-ECC6-481F-880D-B0E35D51F7D3}" dt="2022-01-20T10:15:18.692" v="267" actId="1076"/>
+      <pc:docMkLst>
+        <pc:docMk/>
+      </pc:docMkLst>
+      <pc:sldChg chg="modSp mod">
+        <pc:chgData name="Julia Lobatón (s)" userId="03631203-4130-44e4-8322-dc08ad4e2bed" providerId="ADAL" clId="{5C1EF3E6-ECC6-481F-880D-B0E35D51F7D3}" dt="2022-01-20T10:01:03.884" v="31" actId="20577"/>
+        <pc:sldMkLst>
+          <pc:docMk/>
+          <pc:sldMk cId="167053416" sldId="257"/>
+        </pc:sldMkLst>
+        <pc:spChg chg="mod">
+          <ac:chgData name="Julia Lobatón (s)" userId="03631203-4130-44e4-8322-dc08ad4e2bed" providerId="ADAL" clId="{5C1EF3E6-ECC6-481F-880D-B0E35D51F7D3}" dt="2022-01-20T10:01:03.884" v="31" actId="20577"/>
+          <ac:spMkLst>
+            <pc:docMk/>
+            <pc:sldMk cId="167053416" sldId="257"/>
+            <ac:spMk id="3" creationId="{78BDEE6F-9346-4E36-9928-7DD404669CBA}"/>
+          </ac:spMkLst>
+        </pc:spChg>
+      </pc:sldChg>
+      <pc:sldChg chg="addSp delSp modSp new mod">
+        <pc:chgData name="Julia Lobatón (s)" userId="03631203-4130-44e4-8322-dc08ad4e2bed" providerId="ADAL" clId="{5C1EF3E6-ECC6-481F-880D-B0E35D51F7D3}" dt="2022-01-20T10:07:32.794" v="149" actId="20577"/>
+        <pc:sldMkLst>
+          <pc:docMk/>
+          <pc:sldMk cId="2846429837" sldId="258"/>
+        </pc:sldMkLst>
+        <pc:spChg chg="mod">
+          <ac:chgData name="Julia Lobatón (s)" userId="03631203-4130-44e4-8322-dc08ad4e2bed" providerId="ADAL" clId="{5C1EF3E6-ECC6-481F-880D-B0E35D51F7D3}" dt="2022-01-20T10:07:32.794" v="149" actId="20577"/>
+          <ac:spMkLst>
+            <pc:docMk/>
+            <pc:sldMk cId="2846429837" sldId="258"/>
+            <ac:spMk id="5" creationId="{6E14347E-2883-429B-9815-FB966326E7D3}"/>
+          </ac:spMkLst>
+        </pc:spChg>
+        <pc:spChg chg="mod">
+          <ac:chgData name="Julia Lobatón (s)" userId="03631203-4130-44e4-8322-dc08ad4e2bed" providerId="ADAL" clId="{5C1EF3E6-ECC6-481F-880D-B0E35D51F7D3}" dt="2022-01-20T10:07:22.468" v="121" actId="20577"/>
+          <ac:spMkLst>
+            <pc:docMk/>
+            <pc:sldMk cId="2846429837" sldId="258"/>
+            <ac:spMk id="6" creationId="{6971CC47-1854-4AB3-B2A8-D158C4CBF752}"/>
+          </ac:spMkLst>
+        </pc:spChg>
+        <pc:picChg chg="add del mod">
+          <ac:chgData name="Julia Lobatón (s)" userId="03631203-4130-44e4-8322-dc08ad4e2bed" providerId="ADAL" clId="{5C1EF3E6-ECC6-481F-880D-B0E35D51F7D3}" dt="2022-01-20T10:02:20.938" v="35" actId="478"/>
+          <ac:picMkLst>
+            <pc:docMk/>
+            <pc:sldMk cId="2846429837" sldId="258"/>
+            <ac:picMk id="1026" creationId="{1841CF00-EEC3-4170-9B9A-1FE3571D25E0}"/>
+          </ac:picMkLst>
+        </pc:picChg>
+      </pc:sldChg>
+      <pc:sldChg chg="add del">
+        <pc:chgData name="Julia Lobatón (s)" userId="03631203-4130-44e4-8322-dc08ad4e2bed" providerId="ADAL" clId="{5C1EF3E6-ECC6-481F-880D-B0E35D51F7D3}" dt="2022-01-20T10:10:30.368" v="221" actId="47"/>
+        <pc:sldMkLst>
+          <pc:docMk/>
+          <pc:sldMk cId="399773446" sldId="259"/>
+        </pc:sldMkLst>
+      </pc:sldChg>
+      <pc:sldChg chg="modSp add del mod">
+        <pc:chgData name="Julia Lobatón (s)" userId="03631203-4130-44e4-8322-dc08ad4e2bed" providerId="ADAL" clId="{5C1EF3E6-ECC6-481F-880D-B0E35D51F7D3}" dt="2022-01-20T10:11:18.250" v="238" actId="47"/>
+        <pc:sldMkLst>
+          <pc:docMk/>
+          <pc:sldMk cId="2153272750" sldId="260"/>
+        </pc:sldMkLst>
+        <pc:spChg chg="mod">
+          <ac:chgData name="Julia Lobatón (s)" userId="03631203-4130-44e4-8322-dc08ad4e2bed" providerId="ADAL" clId="{5C1EF3E6-ECC6-481F-880D-B0E35D51F7D3}" dt="2022-01-20T10:04:29.057" v="39" actId="27636"/>
+          <ac:spMkLst>
+            <pc:docMk/>
+            <pc:sldMk cId="2153272750" sldId="260"/>
+            <ac:spMk id="3" creationId="{AFB2D6D0-1476-E34A-AEBD-609462949387}"/>
+          </ac:spMkLst>
+        </pc:spChg>
+      </pc:sldChg>
+      <pc:sldChg chg="addSp modSp new mod modAnim">
+        <pc:chgData name="Julia Lobatón (s)" userId="03631203-4130-44e4-8322-dc08ad4e2bed" providerId="ADAL" clId="{5C1EF3E6-ECC6-481F-880D-B0E35D51F7D3}" dt="2022-01-20T10:15:18.692" v="267" actId="1076"/>
+        <pc:sldMkLst>
+          <pc:docMk/>
+          <pc:sldMk cId="3256045482" sldId="261"/>
+        </pc:sldMkLst>
+        <pc:spChg chg="mod">
+          <ac:chgData name="Julia Lobatón (s)" userId="03631203-4130-44e4-8322-dc08ad4e2bed" providerId="ADAL" clId="{5C1EF3E6-ECC6-481F-880D-B0E35D51F7D3}" dt="2022-01-20T10:08:17.444" v="166" actId="20577"/>
+          <ac:spMkLst>
+            <pc:docMk/>
+            <pc:sldMk cId="3256045482" sldId="261"/>
+            <ac:spMk id="5" creationId="{81B4A35A-C9F4-4FF4-B4C9-9905BA7531F7}"/>
+          </ac:spMkLst>
+        </pc:spChg>
+        <pc:spChg chg="mod">
+          <ac:chgData name="Julia Lobatón (s)" userId="03631203-4130-44e4-8322-dc08ad4e2bed" providerId="ADAL" clId="{5C1EF3E6-ECC6-481F-880D-B0E35D51F7D3}" dt="2022-01-20T10:09:35.546" v="216" actId="20577"/>
+          <ac:spMkLst>
+            <pc:docMk/>
+            <pc:sldMk cId="3256045482" sldId="261"/>
+            <ac:spMk id="6" creationId="{7CB4CB42-F00B-4587-B93C-A6E9E85A2023}"/>
+          </ac:spMkLst>
+        </pc:spChg>
+        <pc:picChg chg="add mod">
+          <ac:chgData name="Julia Lobatón (s)" userId="03631203-4130-44e4-8322-dc08ad4e2bed" providerId="ADAL" clId="{5C1EF3E6-ECC6-481F-880D-B0E35D51F7D3}" dt="2022-01-20T10:15:18.692" v="267" actId="1076"/>
+          <ac:picMkLst>
+            <pc:docMk/>
+            <pc:sldMk cId="3256045482" sldId="261"/>
+            <ac:picMk id="7" creationId="{FA982381-D696-42C9-A07A-5B9F6E3A19F2}"/>
+          </ac:picMkLst>
+        </pc:picChg>
+        <pc:picChg chg="add mod">
+          <ac:chgData name="Julia Lobatón (s)" userId="03631203-4130-44e4-8322-dc08ad4e2bed" providerId="ADAL" clId="{5C1EF3E6-ECC6-481F-880D-B0E35D51F7D3}" dt="2022-01-20T10:15:18.692" v="267" actId="1076"/>
+          <ac:picMkLst>
+            <pc:docMk/>
+            <pc:sldMk cId="3256045482" sldId="261"/>
+            <ac:picMk id="8" creationId="{65C9996F-BE1E-415B-A706-7208875D004A}"/>
+          </ac:picMkLst>
+        </pc:picChg>
+        <pc:picChg chg="add mod">
+          <ac:chgData name="Julia Lobatón (s)" userId="03631203-4130-44e4-8322-dc08ad4e2bed" providerId="ADAL" clId="{5C1EF3E6-ECC6-481F-880D-B0E35D51F7D3}" dt="2022-01-20T10:15:18.692" v="267" actId="1076"/>
+          <ac:picMkLst>
+            <pc:docMk/>
+            <pc:sldMk cId="3256045482" sldId="261"/>
+            <ac:picMk id="9" creationId="{0A9ADD74-4274-46A5-92B7-4AA2605DAB47}"/>
+          </ac:picMkLst>
+        </pc:picChg>
+        <pc:picChg chg="add mod">
+          <ac:chgData name="Julia Lobatón (s)" userId="03631203-4130-44e4-8322-dc08ad4e2bed" providerId="ADAL" clId="{5C1EF3E6-ECC6-481F-880D-B0E35D51F7D3}" dt="2022-01-20T10:15:18.692" v="267" actId="1076"/>
+          <ac:picMkLst>
+            <pc:docMk/>
+            <pc:sldMk cId="3256045482" sldId="261"/>
+            <ac:picMk id="10" creationId="{6B5B63FC-B794-4BF9-97BD-57531F052F70}"/>
+          </ac:picMkLst>
+        </pc:picChg>
+        <pc:picChg chg="add mod">
+          <ac:chgData name="Julia Lobatón (s)" userId="03631203-4130-44e4-8322-dc08ad4e2bed" providerId="ADAL" clId="{5C1EF3E6-ECC6-481F-880D-B0E35D51F7D3}" dt="2022-01-20T10:15:18.692" v="267" actId="1076"/>
+          <ac:picMkLst>
+            <pc:docMk/>
+            <pc:sldMk cId="3256045482" sldId="261"/>
+            <ac:picMk id="11" creationId="{EE8833BE-176B-4F0C-BF5A-01DA4B3DEB18}"/>
+          </ac:picMkLst>
+        </pc:picChg>
+      </pc:sldChg>
+      <pc:sldChg chg="modSp new mod">
+        <pc:chgData name="Julia Lobatón (s)" userId="03631203-4130-44e4-8322-dc08ad4e2bed" providerId="ADAL" clId="{5C1EF3E6-ECC6-481F-880D-B0E35D51F7D3}" dt="2022-01-20T10:12:07.307" v="246" actId="20577"/>
+        <pc:sldMkLst>
+          <pc:docMk/>
+          <pc:sldMk cId="829703314" sldId="262"/>
+        </pc:sldMkLst>
+        <pc:spChg chg="mod">
+          <ac:chgData name="Julia Lobatón (s)" userId="03631203-4130-44e4-8322-dc08ad4e2bed" providerId="ADAL" clId="{5C1EF3E6-ECC6-481F-880D-B0E35D51F7D3}" dt="2022-01-20T10:10:37.025" v="229" actId="20577"/>
+          <ac:spMkLst>
+            <pc:docMk/>
+            <pc:sldMk cId="829703314" sldId="262"/>
+            <ac:spMk id="5" creationId="{7F670212-DD83-4E79-8377-078151B05ECC}"/>
+          </ac:spMkLst>
+        </pc:spChg>
+        <pc:spChg chg="mod">
+          <ac:chgData name="Julia Lobatón (s)" userId="03631203-4130-44e4-8322-dc08ad4e2bed" providerId="ADAL" clId="{5C1EF3E6-ECC6-481F-880D-B0E35D51F7D3}" dt="2022-01-20T10:12:07.307" v="246" actId="20577"/>
+          <ac:spMkLst>
+            <pc:docMk/>
+            <pc:sldMk cId="829703314" sldId="262"/>
+            <ac:spMk id="6" creationId="{8D1C922C-A852-4356-98EE-0FBCFACDB6FA}"/>
+          </ac:spMkLst>
+        </pc:spChg>
+      </pc:sldChg>
+      <pc:sldMasterChg chg="delSldLayout">
+        <pc:chgData name="Julia Lobatón (s)" userId="03631203-4130-44e4-8322-dc08ad4e2bed" providerId="ADAL" clId="{5C1EF3E6-ECC6-481F-880D-B0E35D51F7D3}" dt="2022-01-20T10:11:18.250" v="238" actId="47"/>
+        <pc:sldMasterMkLst>
+          <pc:docMk/>
+          <pc:sldMasterMk cId="2291402503" sldId="2147483713"/>
+        </pc:sldMasterMkLst>
+        <pc:sldLayoutChg chg="del">
+          <pc:chgData name="Julia Lobatón (s)" userId="03631203-4130-44e4-8322-dc08ad4e2bed" providerId="ADAL" clId="{5C1EF3E6-ECC6-481F-880D-B0E35D51F7D3}" dt="2022-01-20T10:11:18.250" v="238" actId="47"/>
+          <pc:sldLayoutMkLst>
+            <pc:docMk/>
+            <pc:sldMasterMk cId="2291402503" sldId="2147483713"/>
+            <pc:sldLayoutMk cId="3992720030" sldId="2147483730"/>
+          </pc:sldLayoutMkLst>
+        </pc:sldLayoutChg>
+      </pc:sldMasterChg>
+    </pc:docChg>
+  </pc:docChgLst>
+</pc:chgInfo>
 </file>
 
 <file path=ppt/handoutMasters/handoutMaster1.xml><?xml version="1.0" encoding="utf-8"?>
@@ -1369,7 +1563,7 @@
                   <a:srgbClr val="000000"/>
                 </a:solidFill>
               </a:rPr>
-              <a:t>13.01.2022</a:t>
+              <a:t>20.01.2022</a:t>
             </a:fld>
             <a:endParaRPr lang="de-CH">
               <a:solidFill>
@@ -1566,7 +1760,7 @@
                   <a:srgbClr val="000000"/>
                 </a:solidFill>
               </a:rPr>
-              <a:t>13.01.2022</a:t>
+              <a:t>20.01.2022</a:t>
             </a:fld>
             <a:endParaRPr lang="de-CH">
               <a:solidFill>
@@ -1767,7 +1961,7 @@
                   <a:srgbClr val="000000"/>
                 </a:solidFill>
               </a:rPr>
-              <a:t>13.01.2022</a:t>
+              <a:t>20.01.2022</a:t>
             </a:fld>
             <a:endParaRPr lang="de-CH">
               <a:solidFill>
@@ -1968,7 +2162,7 @@
                   <a:srgbClr val="000000"/>
                 </a:solidFill>
               </a:rPr>
-              <a:t>13.01.2022</a:t>
+              <a:t>20.01.2022</a:t>
             </a:fld>
             <a:endParaRPr lang="de-CH">
               <a:solidFill>
@@ -2418,7 +2612,7 @@
                   <a:srgbClr val="000000"/>
                 </a:solidFill>
               </a:rPr>
-              <a:t>13.01.2022</a:t>
+              <a:t>20.01.2022</a:t>
             </a:fld>
             <a:endParaRPr lang="de-CH">
               <a:solidFill>
@@ -3219,6 +3413,1477 @@
           <p:cNvPr id="2" name="Datumsplatzhalter 1">
             <a:extLst>
               <a:ext uri="{FF2B5EF4-FFF2-40B4-BE49-F238E27FC236}">
+                <a16:creationId xmlns:a16="http://schemas.microsoft.com/office/drawing/2014/main" id="{A9EBD42C-9BD0-426B-988A-EFEB31C1C8E6}"/>
+              </a:ext>
+            </a:extLst>
+          </p:cNvPr>
+          <p:cNvSpPr>
+            <a:spLocks noGrp="1"/>
+          </p:cNvSpPr>
+          <p:nvPr>
+            <p:ph type="dt" sz="half" idx="10"/>
+          </p:nvPr>
+        </p:nvSpPr>
+        <p:spPr/>
+        <p:txBody>
+          <a:bodyPr/>
+          <a:lstStyle/>
+          <a:p>
+            <a:fld id="{5E48492E-72D1-4785-9351-8AE1E40FBA2D}" type="datetime1">
+              <a:rPr lang="de-CH" smtClean="0">
+                <a:solidFill>
+                  <a:srgbClr val="000000"/>
+                </a:solidFill>
+              </a:rPr>
+              <a:t>20.01.2022</a:t>
+            </a:fld>
+            <a:endParaRPr lang="de-CH">
+              <a:solidFill>
+                <a:srgbClr val="000000"/>
+              </a:solidFill>
+            </a:endParaRPr>
+          </a:p>
+        </p:txBody>
+      </p:sp>
+      <p:sp>
+        <p:nvSpPr>
+          <p:cNvPr id="3" name="Fußzeilenplatzhalter 2">
+            <a:extLst>
+              <a:ext uri="{FF2B5EF4-FFF2-40B4-BE49-F238E27FC236}">
+                <a16:creationId xmlns:a16="http://schemas.microsoft.com/office/drawing/2014/main" id="{79741CD7-B0EC-4BC7-95D7-6B24CB59D70B}"/>
+              </a:ext>
+            </a:extLst>
+          </p:cNvPr>
+          <p:cNvSpPr>
+            <a:spLocks noGrp="1"/>
+          </p:cNvSpPr>
+          <p:nvPr>
+            <p:ph type="ftr" sz="quarter" idx="11"/>
+          </p:nvPr>
+        </p:nvSpPr>
+        <p:spPr/>
+        <p:txBody>
+          <a:bodyPr/>
+          <a:lstStyle/>
+          <a:p>
+            <a:r>
+              <a:rPr lang="de-CH">
+                <a:solidFill>
+                  <a:srgbClr val="000000"/>
+                </a:solidFill>
+              </a:rPr>
+              <a:t>Institut</a:t>
+            </a:r>
+          </a:p>
+        </p:txBody>
+      </p:sp>
+      <p:sp>
+        <p:nvSpPr>
+          <p:cNvPr id="4" name="Foliennummernplatzhalter 3">
+            <a:extLst>
+              <a:ext uri="{FF2B5EF4-FFF2-40B4-BE49-F238E27FC236}">
+                <a16:creationId xmlns:a16="http://schemas.microsoft.com/office/drawing/2014/main" id="{35C2EE67-9E90-4368-8331-8C0AC2CDA696}"/>
+              </a:ext>
+            </a:extLst>
+          </p:cNvPr>
+          <p:cNvSpPr>
+            <a:spLocks noGrp="1"/>
+          </p:cNvSpPr>
+          <p:nvPr>
+            <p:ph type="sldNum" sz="quarter" idx="12"/>
+          </p:nvPr>
+        </p:nvSpPr>
+        <p:spPr/>
+        <p:txBody>
+          <a:bodyPr/>
+          <a:lstStyle/>
+          <a:p>
+            <a:fld id="{351188DD-6605-4EF4-9E67-B567F731CE68}" type="slidenum">
+              <a:rPr lang="de-CH" smtClean="0">
+                <a:solidFill>
+                  <a:srgbClr val="000000"/>
+                </a:solidFill>
+              </a:rPr>
+              <a:pPr/>
+              <a:t>2</a:t>
+            </a:fld>
+            <a:endParaRPr lang="de-CH">
+              <a:solidFill>
+                <a:srgbClr val="000000"/>
+              </a:solidFill>
+            </a:endParaRPr>
+          </a:p>
+        </p:txBody>
+      </p:sp>
+      <p:sp>
+        <p:nvSpPr>
+          <p:cNvPr id="5" name="Titel 4">
+            <a:extLst>
+              <a:ext uri="{FF2B5EF4-FFF2-40B4-BE49-F238E27FC236}">
+                <a16:creationId xmlns:a16="http://schemas.microsoft.com/office/drawing/2014/main" id="{6E14347E-2883-429B-9815-FB966326E7D3}"/>
+              </a:ext>
+            </a:extLst>
+          </p:cNvPr>
+          <p:cNvSpPr>
+            <a:spLocks noGrp="1"/>
+          </p:cNvSpPr>
+          <p:nvPr>
+            <p:ph type="title"/>
+          </p:nvPr>
+        </p:nvSpPr>
+        <p:spPr/>
+        <p:txBody>
+          <a:bodyPr/>
+          <a:lstStyle/>
+          <a:p>
+            <a:r>
+              <a:rPr lang="de-CH" dirty="0"/>
+              <a:t>Aufgabenstellung</a:t>
+            </a:r>
+          </a:p>
+        </p:txBody>
+      </p:sp>
+      <p:sp>
+        <p:nvSpPr>
+          <p:cNvPr id="6" name="Textplatzhalter 5">
+            <a:extLst>
+              <a:ext uri="{FF2B5EF4-FFF2-40B4-BE49-F238E27FC236}">
+                <a16:creationId xmlns:a16="http://schemas.microsoft.com/office/drawing/2014/main" id="{6971CC47-1854-4AB3-B2A8-D158C4CBF752}"/>
+              </a:ext>
+            </a:extLst>
+          </p:cNvPr>
+          <p:cNvSpPr>
+            <a:spLocks noGrp="1"/>
+          </p:cNvSpPr>
+          <p:nvPr>
+            <p:ph type="body" idx="1"/>
+          </p:nvPr>
+        </p:nvSpPr>
+        <p:spPr/>
+        <p:txBody>
+          <a:bodyPr/>
+          <a:lstStyle/>
+          <a:p>
+            <a:pPr marL="342900" indent="-342900">
+              <a:buFont typeface="Arial" panose="020B0604020202020204" pitchFamily="34" charset="0"/>
+              <a:buChar char="•"/>
+            </a:pPr>
+            <a:r>
+              <a:rPr lang="en-CH" dirty="0"/>
+              <a:t>Challenge Vorstellung</a:t>
+            </a:r>
+            <a:endParaRPr lang="de-CH" dirty="0"/>
+          </a:p>
+          <a:p>
+            <a:pPr marL="675166" lvl="1" indent="-342900">
+              <a:buFont typeface="Arial" panose="020B0604020202020204" pitchFamily="34" charset="0"/>
+              <a:buChar char="•"/>
+            </a:pPr>
+            <a:r>
+              <a:rPr lang="de-CH" sz="1800" dirty="0"/>
+              <a:t>K</a:t>
+            </a:r>
+            <a:r>
+              <a:rPr lang="en-CH" sz="1800" dirty="0"/>
+              <a:t>urze </a:t>
+            </a:r>
+            <a:r>
+              <a:rPr lang="de-CH" sz="1800" dirty="0"/>
+              <a:t>Z</a:t>
+            </a:r>
+            <a:r>
+              <a:rPr lang="en-CH" sz="1800" dirty="0"/>
+              <a:t>usammenfassung</a:t>
+            </a:r>
+          </a:p>
+          <a:p>
+            <a:pPr marL="342900" indent="-342900">
+              <a:buFont typeface="Arial" panose="020B0604020202020204" pitchFamily="34" charset="0"/>
+              <a:buChar char="•"/>
+            </a:pPr>
+            <a:r>
+              <a:rPr lang="en-CH" dirty="0"/>
+              <a:t>Sicherheit für Menschen </a:t>
+            </a:r>
+            <a:r>
+              <a:rPr lang="de-CH" dirty="0"/>
+              <a:t>gewährleisten</a:t>
+            </a:r>
+          </a:p>
+          <a:p>
+            <a:pPr marL="675166" lvl="1" indent="-342900">
+              <a:buFont typeface="Arial" panose="020B0604020202020204" pitchFamily="34" charset="0"/>
+              <a:buChar char="•"/>
+            </a:pPr>
+            <a:r>
+              <a:rPr lang="en-CH" sz="1800" dirty="0"/>
+              <a:t>Risiko </a:t>
+            </a:r>
+            <a:r>
+              <a:rPr lang="de-CH" sz="1800" dirty="0"/>
+              <a:t>eines</a:t>
+            </a:r>
+            <a:r>
+              <a:rPr lang="en-CH" sz="1800" dirty="0"/>
+              <a:t> </a:t>
+            </a:r>
+            <a:r>
+              <a:rPr lang="de-CH" sz="1800" dirty="0"/>
+              <a:t>T</a:t>
+            </a:r>
+            <a:r>
+              <a:rPr lang="en-CH" sz="1800" dirty="0"/>
+              <a:t>o</a:t>
+            </a:r>
+            <a:r>
+              <a:rPr lang="de-CH" sz="1800" dirty="0"/>
+              <a:t>d</a:t>
+            </a:r>
+            <a:r>
+              <a:rPr lang="en-CH" sz="1800" dirty="0"/>
+              <a:t>esfall</a:t>
+            </a:r>
+            <a:r>
+              <a:rPr lang="de-CH" sz="1800" dirty="0"/>
+              <a:t>es</a:t>
+            </a:r>
+            <a:r>
+              <a:rPr lang="en-CH" sz="1800" dirty="0"/>
+              <a:t> durch Steinschlag und </a:t>
+            </a:r>
+            <a:r>
+              <a:rPr lang="de-CH" sz="1800" dirty="0"/>
+              <a:t>offener</a:t>
+            </a:r>
+            <a:r>
+              <a:rPr lang="en-CH" sz="1800" dirty="0"/>
+              <a:t> Strasse</a:t>
+            </a:r>
+          </a:p>
+          <a:p>
+            <a:pPr marL="342900" indent="-342900">
+              <a:buFont typeface="Arial" panose="020B0604020202020204" pitchFamily="34" charset="0"/>
+              <a:buChar char="•"/>
+            </a:pPr>
+            <a:r>
+              <a:rPr lang="en-CH" dirty="0"/>
+              <a:t>Umgebung</a:t>
+            </a:r>
+            <a:endParaRPr lang="de-CH" dirty="0"/>
+          </a:p>
+          <a:p>
+            <a:pPr marL="675166" lvl="1" indent="-342900">
+              <a:buFont typeface="Arial" panose="020B0604020202020204" pitchFamily="34" charset="0"/>
+              <a:buChar char="•"/>
+            </a:pPr>
+            <a:r>
+              <a:rPr lang="en-CH" sz="1800" dirty="0"/>
+              <a:t>Kantonsstrasse in Schiers, Graubünden</a:t>
+            </a:r>
+          </a:p>
+          <a:p>
+            <a:endParaRPr lang="de-CH" dirty="0"/>
+          </a:p>
+        </p:txBody>
+      </p:sp>
+    </p:spTree>
+    <p:extLst>
+      <p:ext uri="{BB962C8B-B14F-4D97-AF65-F5344CB8AC3E}">
+        <p14:creationId xmlns:p14="http://schemas.microsoft.com/office/powerpoint/2010/main" val="2846429837"/>
+      </p:ext>
+    </p:extLst>
+  </p:cSld>
+  <p:clrMapOvr>
+    <a:masterClrMapping/>
+  </p:clrMapOvr>
+</p:sld>
+</file>
+
+<file path=ppt/slides/slide3.xml><?xml version="1.0" encoding="utf-8"?>
+<p:sld xmlns:a="http://schemas.openxmlformats.org/drawingml/2006/main" xmlns:r="http://schemas.openxmlformats.org/officeDocument/2006/relationships" xmlns:p="http://schemas.openxmlformats.org/presentationml/2006/main">
+  <p:cSld>
+    <p:spTree>
+      <p:nvGrpSpPr>
+        <p:cNvPr id="1" name=""/>
+        <p:cNvGrpSpPr/>
+        <p:nvPr/>
+      </p:nvGrpSpPr>
+      <p:grpSpPr>
+        <a:xfrm>
+          <a:off x="0" y="0"/>
+          <a:ext cx="0" cy="0"/>
+          <a:chOff x="0" y="0"/>
+          <a:chExt cx="0" cy="0"/>
+        </a:xfrm>
+      </p:grpSpPr>
+      <p:sp>
+        <p:nvSpPr>
+          <p:cNvPr id="2" name="Datumsplatzhalter 1">
+            <a:extLst>
+              <a:ext uri="{FF2B5EF4-FFF2-40B4-BE49-F238E27FC236}">
+                <a16:creationId xmlns:a16="http://schemas.microsoft.com/office/drawing/2014/main" id="{20C78911-2D15-4BC5-82C8-6373BA119D42}"/>
+              </a:ext>
+            </a:extLst>
+          </p:cNvPr>
+          <p:cNvSpPr>
+            <a:spLocks noGrp="1"/>
+          </p:cNvSpPr>
+          <p:nvPr>
+            <p:ph type="dt" sz="half" idx="10"/>
+          </p:nvPr>
+        </p:nvSpPr>
+        <p:spPr/>
+        <p:txBody>
+          <a:bodyPr/>
+          <a:lstStyle/>
+          <a:p>
+            <a:fld id="{5E48492E-72D1-4785-9351-8AE1E40FBA2D}" type="datetime1">
+              <a:rPr lang="de-CH" smtClean="0">
+                <a:solidFill>
+                  <a:srgbClr val="000000"/>
+                </a:solidFill>
+              </a:rPr>
+              <a:t>20.01.2022</a:t>
+            </a:fld>
+            <a:endParaRPr lang="de-CH">
+              <a:solidFill>
+                <a:srgbClr val="000000"/>
+              </a:solidFill>
+            </a:endParaRPr>
+          </a:p>
+        </p:txBody>
+      </p:sp>
+      <p:sp>
+        <p:nvSpPr>
+          <p:cNvPr id="3" name="Fußzeilenplatzhalter 2">
+            <a:extLst>
+              <a:ext uri="{FF2B5EF4-FFF2-40B4-BE49-F238E27FC236}">
+                <a16:creationId xmlns:a16="http://schemas.microsoft.com/office/drawing/2014/main" id="{376392EA-958A-4A67-8C48-4CBF74BA2B72}"/>
+              </a:ext>
+            </a:extLst>
+          </p:cNvPr>
+          <p:cNvSpPr>
+            <a:spLocks noGrp="1"/>
+          </p:cNvSpPr>
+          <p:nvPr>
+            <p:ph type="ftr" sz="quarter" idx="11"/>
+          </p:nvPr>
+        </p:nvSpPr>
+        <p:spPr/>
+        <p:txBody>
+          <a:bodyPr/>
+          <a:lstStyle/>
+          <a:p>
+            <a:r>
+              <a:rPr lang="de-CH" dirty="0">
+                <a:solidFill>
+                  <a:srgbClr val="000000"/>
+                </a:solidFill>
+              </a:rPr>
+              <a:t>Institut</a:t>
+            </a:r>
+          </a:p>
+        </p:txBody>
+      </p:sp>
+      <p:sp>
+        <p:nvSpPr>
+          <p:cNvPr id="4" name="Foliennummernplatzhalter 3">
+            <a:extLst>
+              <a:ext uri="{FF2B5EF4-FFF2-40B4-BE49-F238E27FC236}">
+                <a16:creationId xmlns:a16="http://schemas.microsoft.com/office/drawing/2014/main" id="{A5D9CE97-15EF-47C0-946C-3C1BD413E18D}"/>
+              </a:ext>
+            </a:extLst>
+          </p:cNvPr>
+          <p:cNvSpPr>
+            <a:spLocks noGrp="1"/>
+          </p:cNvSpPr>
+          <p:nvPr>
+            <p:ph type="sldNum" sz="quarter" idx="12"/>
+          </p:nvPr>
+        </p:nvSpPr>
+        <p:spPr/>
+        <p:txBody>
+          <a:bodyPr/>
+          <a:lstStyle/>
+          <a:p>
+            <a:fld id="{351188DD-6605-4EF4-9E67-B567F731CE68}" type="slidenum">
+              <a:rPr lang="de-CH" smtClean="0">
+                <a:solidFill>
+                  <a:srgbClr val="000000"/>
+                </a:solidFill>
+              </a:rPr>
+              <a:pPr/>
+              <a:t>3</a:t>
+            </a:fld>
+            <a:endParaRPr lang="de-CH">
+              <a:solidFill>
+                <a:srgbClr val="000000"/>
+              </a:solidFill>
+            </a:endParaRPr>
+          </a:p>
+        </p:txBody>
+      </p:sp>
+      <p:sp>
+        <p:nvSpPr>
+          <p:cNvPr id="5" name="Titel 4">
+            <a:extLst>
+              <a:ext uri="{FF2B5EF4-FFF2-40B4-BE49-F238E27FC236}">
+                <a16:creationId xmlns:a16="http://schemas.microsoft.com/office/drawing/2014/main" id="{81B4A35A-C9F4-4FF4-B4C9-9905BA7531F7}"/>
+              </a:ext>
+            </a:extLst>
+          </p:cNvPr>
+          <p:cNvSpPr>
+            <a:spLocks noGrp="1"/>
+          </p:cNvSpPr>
+          <p:nvPr>
+            <p:ph type="title"/>
+          </p:nvPr>
+        </p:nvSpPr>
+        <p:spPr/>
+        <p:txBody>
+          <a:bodyPr/>
+          <a:lstStyle/>
+          <a:p>
+            <a:r>
+              <a:rPr lang="de-CH" dirty="0"/>
+              <a:t>Ausgangslage</a:t>
+            </a:r>
+          </a:p>
+        </p:txBody>
+      </p:sp>
+      <p:sp>
+        <p:nvSpPr>
+          <p:cNvPr id="6" name="Textplatzhalter 5">
+            <a:extLst>
+              <a:ext uri="{FF2B5EF4-FFF2-40B4-BE49-F238E27FC236}">
+                <a16:creationId xmlns:a16="http://schemas.microsoft.com/office/drawing/2014/main" id="{7CB4CB42-F00B-4587-B93C-A6E9E85A2023}"/>
+              </a:ext>
+            </a:extLst>
+          </p:cNvPr>
+          <p:cNvSpPr>
+            <a:spLocks noGrp="1"/>
+          </p:cNvSpPr>
+          <p:nvPr>
+            <p:ph type="body" idx="1"/>
+          </p:nvPr>
+        </p:nvSpPr>
+        <p:spPr/>
+        <p:txBody>
+          <a:bodyPr/>
+          <a:lstStyle/>
+          <a:p>
+            <a:pPr marL="342900" indent="-342900">
+              <a:buFont typeface="Arial" panose="020B0604020202020204" pitchFamily="34" charset="0"/>
+              <a:buChar char="•"/>
+            </a:pPr>
+            <a:r>
+              <a:rPr lang="en-CH" dirty="0"/>
+              <a:t>Planung der neuen Sicherheitsnetze</a:t>
+            </a:r>
+          </a:p>
+          <a:p>
+            <a:pPr marL="342900" indent="-342900">
+              <a:buFont typeface="Arial" panose="020B0604020202020204" pitchFamily="34" charset="0"/>
+              <a:buChar char="•"/>
+            </a:pPr>
+            <a:r>
+              <a:rPr lang="en-CH" dirty="0"/>
+              <a:t>Steinschlagmessungen (Geschwindigkeit, Masse, Zeitpunkt)</a:t>
+            </a:r>
+          </a:p>
+          <a:p>
+            <a:pPr marL="342900" indent="-342900">
+              <a:buFont typeface="Arial" panose="020B0604020202020204" pitchFamily="34" charset="0"/>
+              <a:buChar char="•"/>
+            </a:pPr>
+            <a:r>
+              <a:rPr lang="en-CH" dirty="0"/>
+              <a:t>Kontrolle des Netzes (</a:t>
+            </a:r>
+            <a:r>
+              <a:rPr lang="de-CH" dirty="0"/>
+              <a:t>innerhalb</a:t>
+            </a:r>
+            <a:r>
+              <a:rPr lang="en-CH" dirty="0"/>
+              <a:t> 24h)</a:t>
+            </a:r>
+          </a:p>
+          <a:p>
+            <a:pPr marL="342900" indent="-342900">
+              <a:buFont typeface="Arial" panose="020B0604020202020204" pitchFamily="34" charset="0"/>
+              <a:buChar char="•"/>
+            </a:pPr>
+            <a:r>
+              <a:rPr lang="en-CH" dirty="0"/>
+              <a:t>Verkehr </a:t>
+            </a:r>
+            <a:r>
+              <a:rPr lang="de-CH" dirty="0"/>
+              <a:t>in der Gefahrenzone</a:t>
+            </a:r>
+            <a:endParaRPr lang="en-CH" dirty="0"/>
+          </a:p>
+          <a:p>
+            <a:pPr marL="342900" indent="-342900">
+              <a:buFont typeface="Arial" panose="020B0604020202020204" pitchFamily="34" charset="0"/>
+              <a:buChar char="•"/>
+            </a:pPr>
+            <a:r>
+              <a:rPr lang="en-CH" dirty="0"/>
+              <a:t>En</a:t>
+            </a:r>
+            <a:r>
+              <a:rPr lang="de-CH" dirty="0"/>
+              <a:t>t</a:t>
+            </a:r>
+            <a:r>
+              <a:rPr lang="en-CH" dirty="0"/>
+              <a:t>scheidung über dem Sperrung der Strasse</a:t>
+            </a:r>
+          </a:p>
+          <a:p>
+            <a:endParaRPr lang="de-CH" dirty="0"/>
+          </a:p>
+        </p:txBody>
+      </p:sp>
+      <p:pic>
+        <p:nvPicPr>
+          <p:cNvPr id="7" name="Picture 2" descr="Bauplanung: Die wichtigsten Tipps zur Bauplanung in der CH">
+            <a:extLst>
+              <a:ext uri="{FF2B5EF4-FFF2-40B4-BE49-F238E27FC236}">
+                <a16:creationId xmlns:a16="http://schemas.microsoft.com/office/drawing/2014/main" id="{FA982381-D696-42C9-A07A-5B9F6E3A19F2}"/>
+              </a:ext>
+            </a:extLst>
+          </p:cNvPr>
+          <p:cNvPicPr>
+            <a:picLocks noChangeAspect="1" noChangeArrowheads="1"/>
+          </p:cNvPicPr>
+          <p:nvPr/>
+        </p:nvPicPr>
+        <p:blipFill>
+          <a:blip r:embed="rId2">
+            <a:extLst>
+              <a:ext uri="{28A0092B-C50C-407E-A947-70E740481C1C}">
+                <a14:useLocalDpi xmlns:a14="http://schemas.microsoft.com/office/drawing/2010/main" val="0"/>
+              </a:ext>
+            </a:extLst>
+          </a:blip>
+          <a:srcRect/>
+          <a:stretch>
+            <a:fillRect/>
+          </a:stretch>
+        </p:blipFill>
+        <p:spPr bwMode="auto">
+          <a:xfrm>
+            <a:off x="781647" y="5193607"/>
+            <a:ext cx="1834449" cy="1208933"/>
+          </a:xfrm>
+          <a:prstGeom prst="rect">
+            <a:avLst/>
+          </a:prstGeom>
+          <a:noFill/>
+          <a:extLst>
+            <a:ext uri="{909E8E84-426E-40DD-AFC4-6F175D3DCCD1}">
+              <a14:hiddenFill xmlns:a14="http://schemas.microsoft.com/office/drawing/2010/main">
+                <a:solidFill>
+                  <a:srgbClr val="FFFFFF"/>
+                </a:solidFill>
+              </a14:hiddenFill>
+            </a:ext>
+          </a:extLst>
+        </p:spPr>
+      </p:pic>
+      <p:pic>
+        <p:nvPicPr>
+          <p:cNvPr id="8" name="Picture 4" descr="Justice for Wage Theft Campaign • Call for an Urgent Justice Mechanism for  Repatriated Migrant Workers">
+            <a:extLst>
+              <a:ext uri="{FF2B5EF4-FFF2-40B4-BE49-F238E27FC236}">
+                <a16:creationId xmlns:a16="http://schemas.microsoft.com/office/drawing/2014/main" id="{65C9996F-BE1E-415B-A706-7208875D004A}"/>
+              </a:ext>
+            </a:extLst>
+          </p:cNvPr>
+          <p:cNvPicPr>
+            <a:picLocks noChangeAspect="1" noChangeArrowheads="1"/>
+          </p:cNvPicPr>
+          <p:nvPr/>
+        </p:nvPicPr>
+        <p:blipFill>
+          <a:blip r:embed="rId3">
+            <a:extLst>
+              <a:ext uri="{28A0092B-C50C-407E-A947-70E740481C1C}">
+                <a14:useLocalDpi xmlns:a14="http://schemas.microsoft.com/office/drawing/2010/main" val="0"/>
+              </a:ext>
+            </a:extLst>
+          </a:blip>
+          <a:srcRect/>
+          <a:stretch>
+            <a:fillRect/>
+          </a:stretch>
+        </p:blipFill>
+        <p:spPr bwMode="auto">
+          <a:xfrm>
+            <a:off x="2814249" y="5197785"/>
+            <a:ext cx="1250098" cy="1211637"/>
+          </a:xfrm>
+          <a:prstGeom prst="rect">
+            <a:avLst/>
+          </a:prstGeom>
+          <a:noFill/>
+          <a:extLst>
+            <a:ext uri="{909E8E84-426E-40DD-AFC4-6F175D3DCCD1}">
+              <a14:hiddenFill xmlns:a14="http://schemas.microsoft.com/office/drawing/2010/main">
+                <a:solidFill>
+                  <a:srgbClr val="FFFFFF"/>
+                </a:solidFill>
+              </a14:hiddenFill>
+            </a:ext>
+          </a:extLst>
+        </p:spPr>
+      </p:pic>
+      <p:pic>
+        <p:nvPicPr>
+          <p:cNvPr id="9" name="Picture 6" descr="Control (settings Icon) Black Glossy Round Button Stock Photo, Picture And  Royalty Free Image. Image 56217644.">
+            <a:extLst>
+              <a:ext uri="{FF2B5EF4-FFF2-40B4-BE49-F238E27FC236}">
+                <a16:creationId xmlns:a16="http://schemas.microsoft.com/office/drawing/2014/main" id="{0A9ADD74-4274-46A5-92B7-4AA2605DAB47}"/>
+              </a:ext>
+            </a:extLst>
+          </p:cNvPr>
+          <p:cNvPicPr>
+            <a:picLocks noChangeAspect="1" noChangeArrowheads="1"/>
+          </p:cNvPicPr>
+          <p:nvPr/>
+        </p:nvPicPr>
+        <p:blipFill>
+          <a:blip r:embed="rId4">
+            <a:extLst>
+              <a:ext uri="{28A0092B-C50C-407E-A947-70E740481C1C}">
+                <a14:useLocalDpi xmlns:a14="http://schemas.microsoft.com/office/drawing/2010/main" val="0"/>
+              </a:ext>
+            </a:extLst>
+          </a:blip>
+          <a:srcRect/>
+          <a:stretch>
+            <a:fillRect/>
+          </a:stretch>
+        </p:blipFill>
+        <p:spPr bwMode="auto">
+          <a:xfrm>
+            <a:off x="4278216" y="5082887"/>
+            <a:ext cx="1362040" cy="1362040"/>
+          </a:xfrm>
+          <a:prstGeom prst="rect">
+            <a:avLst/>
+          </a:prstGeom>
+          <a:noFill/>
+          <a:extLst>
+            <a:ext uri="{909E8E84-426E-40DD-AFC4-6F175D3DCCD1}">
+              <a14:hiddenFill xmlns:a14="http://schemas.microsoft.com/office/drawing/2010/main">
+                <a:solidFill>
+                  <a:srgbClr val="FFFFFF"/>
+                </a:solidFill>
+              </a14:hiddenFill>
+            </a:ext>
+          </a:extLst>
+        </p:spPr>
+      </p:pic>
+      <p:pic>
+        <p:nvPicPr>
+          <p:cNvPr id="10" name="Picture 8" descr="Super Mario Odyssey: „capert“ das Wiener Rathaus - PixelCritics">
+            <a:extLst>
+              <a:ext uri="{FF2B5EF4-FFF2-40B4-BE49-F238E27FC236}">
+                <a16:creationId xmlns:a16="http://schemas.microsoft.com/office/drawing/2014/main" id="{6B5B63FC-B794-4BF9-97BD-57531F052F70}"/>
+              </a:ext>
+            </a:extLst>
+          </p:cNvPr>
+          <p:cNvPicPr>
+            <a:picLocks noChangeAspect="1" noChangeArrowheads="1"/>
+          </p:cNvPicPr>
+          <p:nvPr/>
+        </p:nvPicPr>
+        <p:blipFill>
+          <a:blip r:embed="rId5">
+            <a:extLst>
+              <a:ext uri="{28A0092B-C50C-407E-A947-70E740481C1C}">
+                <a14:useLocalDpi xmlns:a14="http://schemas.microsoft.com/office/drawing/2010/main" val="0"/>
+              </a:ext>
+            </a:extLst>
+          </a:blip>
+          <a:srcRect/>
+          <a:stretch>
+            <a:fillRect/>
+          </a:stretch>
+        </p:blipFill>
+        <p:spPr bwMode="auto">
+          <a:xfrm>
+            <a:off x="5854125" y="5162927"/>
+            <a:ext cx="1598248" cy="1208933"/>
+          </a:xfrm>
+          <a:prstGeom prst="rect">
+            <a:avLst/>
+          </a:prstGeom>
+          <a:noFill/>
+          <a:extLst>
+            <a:ext uri="{909E8E84-426E-40DD-AFC4-6F175D3DCCD1}">
+              <a14:hiddenFill xmlns:a14="http://schemas.microsoft.com/office/drawing/2010/main">
+                <a:solidFill>
+                  <a:srgbClr val="FFFFFF"/>
+                </a:solidFill>
+              </a14:hiddenFill>
+            </a:ext>
+          </a:extLst>
+        </p:spPr>
+      </p:pic>
+      <p:pic>
+        <p:nvPicPr>
+          <p:cNvPr id="11" name="Picture 12" descr="Straßensperrung zwischen Augustusburg und Erdmannsdorf › Stadt Augustusburg">
+            <a:extLst>
+              <a:ext uri="{FF2B5EF4-FFF2-40B4-BE49-F238E27FC236}">
+                <a16:creationId xmlns:a16="http://schemas.microsoft.com/office/drawing/2014/main" id="{EE8833BE-176B-4F0C-BF5A-01DA4B3DEB18}"/>
+              </a:ext>
+            </a:extLst>
+          </p:cNvPr>
+          <p:cNvPicPr>
+            <a:picLocks noChangeAspect="1" noChangeArrowheads="1"/>
+          </p:cNvPicPr>
+          <p:nvPr/>
+        </p:nvPicPr>
+        <p:blipFill>
+          <a:blip r:embed="rId6">
+            <a:extLst>
+              <a:ext uri="{28A0092B-C50C-407E-A947-70E740481C1C}">
+                <a14:useLocalDpi xmlns:a14="http://schemas.microsoft.com/office/drawing/2010/main" val="0"/>
+              </a:ext>
+            </a:extLst>
+          </a:blip>
+          <a:srcRect/>
+          <a:stretch>
+            <a:fillRect/>
+          </a:stretch>
+        </p:blipFill>
+        <p:spPr bwMode="auto">
+          <a:xfrm>
+            <a:off x="7666242" y="5148783"/>
+            <a:ext cx="1715484" cy="1296144"/>
+          </a:xfrm>
+          <a:prstGeom prst="rect">
+            <a:avLst/>
+          </a:prstGeom>
+          <a:noFill/>
+          <a:extLst>
+            <a:ext uri="{909E8E84-426E-40DD-AFC4-6F175D3DCCD1}">
+              <a14:hiddenFill xmlns:a14="http://schemas.microsoft.com/office/drawing/2010/main">
+                <a:solidFill>
+                  <a:srgbClr val="FFFFFF"/>
+                </a:solidFill>
+              </a14:hiddenFill>
+            </a:ext>
+          </a:extLst>
+        </p:spPr>
+      </p:pic>
+    </p:spTree>
+    <p:extLst>
+      <p:ext uri="{BB962C8B-B14F-4D97-AF65-F5344CB8AC3E}">
+        <p14:creationId xmlns:p14="http://schemas.microsoft.com/office/powerpoint/2010/main" val="3256045482"/>
+      </p:ext>
+    </p:extLst>
+  </p:cSld>
+  <p:clrMapOvr>
+    <a:masterClrMapping/>
+  </p:clrMapOvr>
+  <p:timing>
+    <p:tnLst>
+      <p:par>
+        <p:cTn id="1" dur="indefinite" restart="never" nodeType="tmRoot">
+          <p:childTnLst>
+            <p:seq concurrent="1" nextAc="seek">
+              <p:cTn id="2" dur="indefinite" nodeType="mainSeq">
+                <p:childTnLst>
+                  <p:par>
+                    <p:cTn id="3" fill="hold">
+                      <p:stCondLst>
+                        <p:cond delay="indefinite"/>
+                      </p:stCondLst>
+                      <p:childTnLst>
+                        <p:par>
+                          <p:cTn id="4" fill="hold">
+                            <p:stCondLst>
+                              <p:cond delay="0"/>
+                            </p:stCondLst>
+                            <p:childTnLst>
+                              <p:par>
+                                <p:cTn id="5" presetID="1" presetClass="entr" presetSubtype="0" fill="hold" nodeType="clickEffect">
+                                  <p:stCondLst>
+                                    <p:cond delay="0"/>
+                                  </p:stCondLst>
+                                  <p:childTnLst>
+                                    <p:set>
+                                      <p:cBhvr>
+                                        <p:cTn id="6" dur="1" fill="hold">
+                                          <p:stCondLst>
+                                            <p:cond delay="0"/>
+                                          </p:stCondLst>
+                                        </p:cTn>
+                                        <p:tgtEl>
+                                          <p:spTgt spid="7"/>
+                                        </p:tgtEl>
+                                        <p:attrNameLst>
+                                          <p:attrName>style.visibility</p:attrName>
+                                        </p:attrNameLst>
+                                      </p:cBhvr>
+                                      <p:to>
+                                        <p:strVal val="visible"/>
+                                      </p:to>
+                                    </p:set>
+                                  </p:childTnLst>
+                                </p:cTn>
+                              </p:par>
+                            </p:childTnLst>
+                          </p:cTn>
+                        </p:par>
+                      </p:childTnLst>
+                    </p:cTn>
+                  </p:par>
+                  <p:par>
+                    <p:cTn id="7" fill="hold">
+                      <p:stCondLst>
+                        <p:cond delay="indefinite"/>
+                      </p:stCondLst>
+                      <p:childTnLst>
+                        <p:par>
+                          <p:cTn id="8" fill="hold">
+                            <p:stCondLst>
+                              <p:cond delay="0"/>
+                            </p:stCondLst>
+                            <p:childTnLst>
+                              <p:par>
+                                <p:cTn id="9" presetID="1" presetClass="entr" presetSubtype="0" fill="hold" nodeType="clickEffect">
+                                  <p:stCondLst>
+                                    <p:cond delay="0"/>
+                                  </p:stCondLst>
+                                  <p:childTnLst>
+                                    <p:set>
+                                      <p:cBhvr>
+                                        <p:cTn id="10" dur="1" fill="hold">
+                                          <p:stCondLst>
+                                            <p:cond delay="0"/>
+                                          </p:stCondLst>
+                                        </p:cTn>
+                                        <p:tgtEl>
+                                          <p:spTgt spid="8"/>
+                                        </p:tgtEl>
+                                        <p:attrNameLst>
+                                          <p:attrName>style.visibility</p:attrName>
+                                        </p:attrNameLst>
+                                      </p:cBhvr>
+                                      <p:to>
+                                        <p:strVal val="visible"/>
+                                      </p:to>
+                                    </p:set>
+                                  </p:childTnLst>
+                                </p:cTn>
+                              </p:par>
+                            </p:childTnLst>
+                          </p:cTn>
+                        </p:par>
+                      </p:childTnLst>
+                    </p:cTn>
+                  </p:par>
+                  <p:par>
+                    <p:cTn id="11" fill="hold">
+                      <p:stCondLst>
+                        <p:cond delay="indefinite"/>
+                      </p:stCondLst>
+                      <p:childTnLst>
+                        <p:par>
+                          <p:cTn id="12" fill="hold">
+                            <p:stCondLst>
+                              <p:cond delay="0"/>
+                            </p:stCondLst>
+                            <p:childTnLst>
+                              <p:par>
+                                <p:cTn id="13" presetID="1" presetClass="entr" presetSubtype="0" fill="hold" nodeType="clickEffect">
+                                  <p:stCondLst>
+                                    <p:cond delay="0"/>
+                                  </p:stCondLst>
+                                  <p:childTnLst>
+                                    <p:set>
+                                      <p:cBhvr>
+                                        <p:cTn id="14" dur="1" fill="hold">
+                                          <p:stCondLst>
+                                            <p:cond delay="0"/>
+                                          </p:stCondLst>
+                                        </p:cTn>
+                                        <p:tgtEl>
+                                          <p:spTgt spid="9"/>
+                                        </p:tgtEl>
+                                        <p:attrNameLst>
+                                          <p:attrName>style.visibility</p:attrName>
+                                        </p:attrNameLst>
+                                      </p:cBhvr>
+                                      <p:to>
+                                        <p:strVal val="visible"/>
+                                      </p:to>
+                                    </p:set>
+                                  </p:childTnLst>
+                                </p:cTn>
+                              </p:par>
+                            </p:childTnLst>
+                          </p:cTn>
+                        </p:par>
+                      </p:childTnLst>
+                    </p:cTn>
+                  </p:par>
+                  <p:par>
+                    <p:cTn id="15" fill="hold">
+                      <p:stCondLst>
+                        <p:cond delay="indefinite"/>
+                      </p:stCondLst>
+                      <p:childTnLst>
+                        <p:par>
+                          <p:cTn id="16" fill="hold">
+                            <p:stCondLst>
+                              <p:cond delay="0"/>
+                            </p:stCondLst>
+                            <p:childTnLst>
+                              <p:par>
+                                <p:cTn id="17" presetID="1" presetClass="entr" presetSubtype="0" fill="hold" nodeType="clickEffect">
+                                  <p:stCondLst>
+                                    <p:cond delay="0"/>
+                                  </p:stCondLst>
+                                  <p:childTnLst>
+                                    <p:set>
+                                      <p:cBhvr>
+                                        <p:cTn id="18" dur="1" fill="hold">
+                                          <p:stCondLst>
+                                            <p:cond delay="0"/>
+                                          </p:stCondLst>
+                                        </p:cTn>
+                                        <p:tgtEl>
+                                          <p:spTgt spid="10"/>
+                                        </p:tgtEl>
+                                        <p:attrNameLst>
+                                          <p:attrName>style.visibility</p:attrName>
+                                        </p:attrNameLst>
+                                      </p:cBhvr>
+                                      <p:to>
+                                        <p:strVal val="visible"/>
+                                      </p:to>
+                                    </p:set>
+                                  </p:childTnLst>
+                                </p:cTn>
+                              </p:par>
+                            </p:childTnLst>
+                          </p:cTn>
+                        </p:par>
+                      </p:childTnLst>
+                    </p:cTn>
+                  </p:par>
+                  <p:par>
+                    <p:cTn id="19" fill="hold">
+                      <p:stCondLst>
+                        <p:cond delay="indefinite"/>
+                      </p:stCondLst>
+                      <p:childTnLst>
+                        <p:par>
+                          <p:cTn id="20" fill="hold">
+                            <p:stCondLst>
+                              <p:cond delay="0"/>
+                            </p:stCondLst>
+                            <p:childTnLst>
+                              <p:par>
+                                <p:cTn id="21" presetID="1" presetClass="entr" presetSubtype="0" fill="hold" nodeType="clickEffect">
+                                  <p:stCondLst>
+                                    <p:cond delay="0"/>
+                                  </p:stCondLst>
+                                  <p:childTnLst>
+                                    <p:set>
+                                      <p:cBhvr>
+                                        <p:cTn id="22" dur="1" fill="hold">
+                                          <p:stCondLst>
+                                            <p:cond delay="0"/>
+                                          </p:stCondLst>
+                                        </p:cTn>
+                                        <p:tgtEl>
+                                          <p:spTgt spid="11"/>
+                                        </p:tgtEl>
+                                        <p:attrNameLst>
+                                          <p:attrName>style.visibility</p:attrName>
+                                        </p:attrNameLst>
+                                      </p:cBhvr>
+                                      <p:to>
+                                        <p:strVal val="visible"/>
+                                      </p:to>
+                                    </p:set>
+                                  </p:childTnLst>
+                                </p:cTn>
+                              </p:par>
+                            </p:childTnLst>
+                          </p:cTn>
+                        </p:par>
+                      </p:childTnLst>
+                    </p:cTn>
+                  </p:par>
+                </p:childTnLst>
+              </p:cTn>
+              <p:prevCondLst>
+                <p:cond evt="onPrev" delay="0">
+                  <p:tgtEl>
+                    <p:sldTgt/>
+                  </p:tgtEl>
+                </p:cond>
+              </p:prevCondLst>
+              <p:nextCondLst>
+                <p:cond evt="onNext" delay="0">
+                  <p:tgtEl>
+                    <p:sldTgt/>
+                  </p:tgtEl>
+                </p:cond>
+              </p:nextCondLst>
+            </p:seq>
+          </p:childTnLst>
+        </p:cTn>
+      </p:par>
+    </p:tnLst>
+  </p:timing>
+</p:sld>
+</file>
+
+<file path=ppt/slides/slide4.xml><?xml version="1.0" encoding="utf-8"?>
+<p:sld xmlns:a="http://schemas.openxmlformats.org/drawingml/2006/main" xmlns:r="http://schemas.openxmlformats.org/officeDocument/2006/relationships" xmlns:p="http://schemas.openxmlformats.org/presentationml/2006/main">
+  <p:cSld>
+    <p:spTree>
+      <p:nvGrpSpPr>
+        <p:cNvPr id="1" name=""/>
+        <p:cNvGrpSpPr/>
+        <p:nvPr/>
+      </p:nvGrpSpPr>
+      <p:grpSpPr>
+        <a:xfrm>
+          <a:off x="0" y="0"/>
+          <a:ext cx="0" cy="0"/>
+          <a:chOff x="0" y="0"/>
+          <a:chExt cx="0" cy="0"/>
+        </a:xfrm>
+      </p:grpSpPr>
+      <p:sp>
+        <p:nvSpPr>
+          <p:cNvPr id="2" name="Datumsplatzhalter 1">
+            <a:extLst>
+              <a:ext uri="{FF2B5EF4-FFF2-40B4-BE49-F238E27FC236}">
+                <a16:creationId xmlns:a16="http://schemas.microsoft.com/office/drawing/2014/main" id="{FB56C107-9EB4-4A83-819A-C7CE80697548}"/>
+              </a:ext>
+            </a:extLst>
+          </p:cNvPr>
+          <p:cNvSpPr>
+            <a:spLocks noGrp="1"/>
+          </p:cNvSpPr>
+          <p:nvPr>
+            <p:ph type="dt" sz="half" idx="10"/>
+          </p:nvPr>
+        </p:nvSpPr>
+        <p:spPr/>
+        <p:txBody>
+          <a:bodyPr/>
+          <a:lstStyle/>
+          <a:p>
+            <a:fld id="{5E48492E-72D1-4785-9351-8AE1E40FBA2D}" type="datetime1">
+              <a:rPr lang="de-CH" smtClean="0">
+                <a:solidFill>
+                  <a:srgbClr val="000000"/>
+                </a:solidFill>
+              </a:rPr>
+              <a:t>20.01.2022</a:t>
+            </a:fld>
+            <a:endParaRPr lang="de-CH">
+              <a:solidFill>
+                <a:srgbClr val="000000"/>
+              </a:solidFill>
+            </a:endParaRPr>
+          </a:p>
+        </p:txBody>
+      </p:sp>
+      <p:sp>
+        <p:nvSpPr>
+          <p:cNvPr id="3" name="Fußzeilenplatzhalter 2">
+            <a:extLst>
+              <a:ext uri="{FF2B5EF4-FFF2-40B4-BE49-F238E27FC236}">
+                <a16:creationId xmlns:a16="http://schemas.microsoft.com/office/drawing/2014/main" id="{6F161E53-DE5A-4624-BB45-8A8062AC7923}"/>
+              </a:ext>
+            </a:extLst>
+          </p:cNvPr>
+          <p:cNvSpPr>
+            <a:spLocks noGrp="1"/>
+          </p:cNvSpPr>
+          <p:nvPr>
+            <p:ph type="ftr" sz="quarter" idx="11"/>
+          </p:nvPr>
+        </p:nvSpPr>
+        <p:spPr/>
+        <p:txBody>
+          <a:bodyPr/>
+          <a:lstStyle/>
+          <a:p>
+            <a:r>
+              <a:rPr lang="de-CH">
+                <a:solidFill>
+                  <a:srgbClr val="000000"/>
+                </a:solidFill>
+              </a:rPr>
+              <a:t>Institut</a:t>
+            </a:r>
+          </a:p>
+        </p:txBody>
+      </p:sp>
+      <p:sp>
+        <p:nvSpPr>
+          <p:cNvPr id="4" name="Foliennummernplatzhalter 3">
+            <a:extLst>
+              <a:ext uri="{FF2B5EF4-FFF2-40B4-BE49-F238E27FC236}">
+                <a16:creationId xmlns:a16="http://schemas.microsoft.com/office/drawing/2014/main" id="{197A6D72-4615-4D7A-963E-F1A94B1028B4}"/>
+              </a:ext>
+            </a:extLst>
+          </p:cNvPr>
+          <p:cNvSpPr>
+            <a:spLocks noGrp="1"/>
+          </p:cNvSpPr>
+          <p:nvPr>
+            <p:ph type="sldNum" sz="quarter" idx="12"/>
+          </p:nvPr>
+        </p:nvSpPr>
+        <p:spPr/>
+        <p:txBody>
+          <a:bodyPr/>
+          <a:lstStyle/>
+          <a:p>
+            <a:fld id="{351188DD-6605-4EF4-9E67-B567F731CE68}" type="slidenum">
+              <a:rPr lang="de-CH" smtClean="0">
+                <a:solidFill>
+                  <a:srgbClr val="000000"/>
+                </a:solidFill>
+              </a:rPr>
+              <a:pPr/>
+              <a:t>4</a:t>
+            </a:fld>
+            <a:endParaRPr lang="de-CH">
+              <a:solidFill>
+                <a:srgbClr val="000000"/>
+              </a:solidFill>
+            </a:endParaRPr>
+          </a:p>
+        </p:txBody>
+      </p:sp>
+      <p:sp>
+        <p:nvSpPr>
+          <p:cNvPr id="5" name="Titel 4">
+            <a:extLst>
+              <a:ext uri="{FF2B5EF4-FFF2-40B4-BE49-F238E27FC236}">
+                <a16:creationId xmlns:a16="http://schemas.microsoft.com/office/drawing/2014/main" id="{7F670212-DD83-4E79-8377-078151B05ECC}"/>
+              </a:ext>
+            </a:extLst>
+          </p:cNvPr>
+          <p:cNvSpPr>
+            <a:spLocks noGrp="1"/>
+          </p:cNvSpPr>
+          <p:nvPr>
+            <p:ph type="title"/>
+          </p:nvPr>
+        </p:nvSpPr>
+        <p:spPr/>
+        <p:txBody>
+          <a:bodyPr/>
+          <a:lstStyle/>
+          <a:p>
+            <a:r>
+              <a:rPr lang="de-CH" dirty="0"/>
+              <a:t>Quellen</a:t>
+            </a:r>
+          </a:p>
+        </p:txBody>
+      </p:sp>
+      <p:sp>
+        <p:nvSpPr>
+          <p:cNvPr id="6" name="Textplatzhalter 5">
+            <a:extLst>
+              <a:ext uri="{FF2B5EF4-FFF2-40B4-BE49-F238E27FC236}">
+                <a16:creationId xmlns:a16="http://schemas.microsoft.com/office/drawing/2014/main" id="{8D1C922C-A852-4356-98EE-0FBCFACDB6FA}"/>
+              </a:ext>
+            </a:extLst>
+          </p:cNvPr>
+          <p:cNvSpPr>
+            <a:spLocks noGrp="1"/>
+          </p:cNvSpPr>
+          <p:nvPr>
+            <p:ph type="body" idx="1"/>
+          </p:nvPr>
+        </p:nvSpPr>
+        <p:spPr/>
+        <p:txBody>
+          <a:bodyPr/>
+          <a:lstStyle/>
+          <a:p>
+            <a:r>
+              <a:rPr lang="en-GB" sz="1400" dirty="0" err="1"/>
+              <a:t>BaZ</a:t>
+            </a:r>
+            <a:r>
+              <a:rPr lang="en-GB" sz="1400" dirty="0"/>
+              <a:t>. (2018, Mai 7). </a:t>
+            </a:r>
+            <a:r>
+              <a:rPr lang="en-GB" sz="1400" i="1" dirty="0"/>
+              <a:t>Autos </a:t>
+            </a:r>
+            <a:r>
+              <a:rPr lang="en-GB" sz="1400" i="1" dirty="0" err="1"/>
+              <a:t>werden</a:t>
+            </a:r>
+            <a:r>
+              <a:rPr lang="en-GB" sz="1400" i="1" dirty="0"/>
+              <a:t> </a:t>
+            </a:r>
+            <a:r>
+              <a:rPr lang="en-GB" sz="1400" i="1" dirty="0" err="1"/>
+              <a:t>immer</a:t>
+            </a:r>
+            <a:r>
+              <a:rPr lang="en-GB" sz="1400" i="1" dirty="0"/>
+              <a:t> </a:t>
+            </a:r>
+            <a:r>
+              <a:rPr lang="en-GB" sz="1400" i="1" dirty="0" err="1"/>
+              <a:t>breiter</a:t>
+            </a:r>
+            <a:r>
+              <a:rPr lang="en-GB" sz="1400" i="1" dirty="0"/>
+              <a:t> und </a:t>
+            </a:r>
+            <a:r>
+              <a:rPr lang="en-GB" sz="1400" i="1" dirty="0" err="1"/>
+              <a:t>länger</a:t>
+            </a:r>
+            <a:r>
+              <a:rPr lang="en-GB" sz="1400" dirty="0"/>
+              <a:t>. https://www.bazonline.ch/auto/autos-werden-immer-breiter-und-laenger/story/25635086 </a:t>
+            </a:r>
+          </a:p>
+          <a:p>
+            <a:r>
+              <a:rPr lang="en-GB" sz="1400" dirty="0"/>
+              <a:t>Brunner Images. (2017). </a:t>
+            </a:r>
+            <a:r>
+              <a:rPr lang="en-GB" sz="1400" i="1" dirty="0"/>
+              <a:t>Bild</a:t>
+            </a:r>
+            <a:r>
+              <a:rPr lang="en-GB" sz="1400" dirty="0"/>
+              <a:t>. https://oekastatic.orf.at/static/images/site/oeka/20170935/steinschlag.5649584.jpg </a:t>
+            </a:r>
+          </a:p>
+          <a:p>
+            <a:r>
+              <a:rPr lang="en-GB" sz="1400" dirty="0"/>
+              <a:t>Gebhardt, M. (2018, April 24). </a:t>
+            </a:r>
+            <a:r>
+              <a:rPr lang="en-GB" sz="1400" i="1" dirty="0" err="1"/>
+              <a:t>Bremsweg</a:t>
+            </a:r>
+            <a:r>
+              <a:rPr lang="en-GB" sz="1400" i="1" dirty="0"/>
+              <a:t> </a:t>
+            </a:r>
+            <a:r>
+              <a:rPr lang="en-GB" sz="1400" i="1" dirty="0" err="1"/>
+              <a:t>Berechnung</a:t>
+            </a:r>
+            <a:r>
+              <a:rPr lang="en-GB" sz="1400" dirty="0"/>
+              <a:t>. So </a:t>
+            </a:r>
+            <a:r>
+              <a:rPr lang="en-GB" sz="1400" dirty="0" err="1"/>
+              <a:t>wird</a:t>
+            </a:r>
+            <a:r>
+              <a:rPr lang="en-GB" sz="1400" dirty="0"/>
+              <a:t> der </a:t>
+            </a:r>
+            <a:r>
+              <a:rPr lang="en-GB" sz="1400" dirty="0" err="1"/>
+              <a:t>Bremsweg</a:t>
+            </a:r>
+            <a:r>
+              <a:rPr lang="en-GB" sz="1400" dirty="0"/>
+              <a:t> </a:t>
+            </a:r>
+            <a:r>
+              <a:rPr lang="en-GB" sz="1400" dirty="0" err="1"/>
+              <a:t>berechnet</a:t>
+            </a:r>
+            <a:r>
+              <a:rPr lang="en-GB" sz="1400" dirty="0"/>
+              <a:t>. https://www.autobild.de/artikel/bremsweg-formel-13443369.html#anchor_1 </a:t>
+            </a:r>
+          </a:p>
+          <a:p>
+            <a:r>
+              <a:rPr lang="en-GB" sz="1400" dirty="0" err="1"/>
+              <a:t>Geopraevent</a:t>
+            </a:r>
+            <a:r>
+              <a:rPr lang="en-GB" sz="1400" dirty="0"/>
+              <a:t>. (2018, November 25). </a:t>
+            </a:r>
+            <a:r>
+              <a:rPr lang="en-GB" sz="1400" i="1" dirty="0" err="1"/>
+              <a:t>Steinschlagradar</a:t>
+            </a:r>
+            <a:r>
+              <a:rPr lang="en-GB" sz="1400" i="1" dirty="0"/>
+              <a:t> Brienz</a:t>
+            </a:r>
+            <a:r>
+              <a:rPr lang="en-GB" sz="1400" dirty="0"/>
+              <a:t>. https://www.geopraevent.ch/project/steinschlagradar-brienz/ </a:t>
+            </a:r>
+          </a:p>
+          <a:p>
+            <a:r>
+              <a:rPr lang="en-GB" sz="1400" dirty="0"/>
+              <a:t>Gerber, W. (2019). </a:t>
+            </a:r>
+            <a:r>
+              <a:rPr lang="en-GB" sz="1400" i="1" dirty="0" err="1"/>
+              <a:t>Naturgefahr</a:t>
+            </a:r>
+            <a:r>
+              <a:rPr lang="en-GB" sz="1400" i="1" dirty="0"/>
+              <a:t> </a:t>
+            </a:r>
+            <a:r>
+              <a:rPr lang="en-GB" sz="1400" i="1" dirty="0" err="1"/>
+              <a:t>Steinschlag</a:t>
+            </a:r>
+            <a:r>
+              <a:rPr lang="en-GB" sz="1400" i="1" dirty="0"/>
+              <a:t> – </a:t>
+            </a:r>
+            <a:r>
+              <a:rPr lang="en-GB" sz="1400" i="1" dirty="0" err="1"/>
+              <a:t>Erfahrungen</a:t>
+            </a:r>
+            <a:r>
+              <a:rPr lang="en-GB" sz="1400" i="1" dirty="0"/>
+              <a:t> und </a:t>
+            </a:r>
+            <a:r>
+              <a:rPr lang="en-GB" sz="1400" i="1" dirty="0" err="1"/>
+              <a:t>Erkenntnisse</a:t>
+            </a:r>
+            <a:r>
+              <a:rPr lang="en-GB" sz="1400" i="1" dirty="0"/>
+              <a:t>—SLF</a:t>
+            </a:r>
+            <a:r>
+              <a:rPr lang="en-GB" sz="1400" dirty="0"/>
+              <a:t>. https://www.slf.ch/de/newsseiten/2019/03/naturgefahr-steinschlag-erfahrungen-und- erkenntnisse.html  </a:t>
+            </a:r>
+          </a:p>
+          <a:p>
+            <a:r>
+              <a:rPr lang="en-GB" sz="1400" dirty="0"/>
+              <a:t>Hartmann, P., &amp; Walter, P. (2018, April 1). </a:t>
+            </a:r>
+            <a:r>
+              <a:rPr lang="en-GB" sz="1400" i="1" dirty="0" err="1"/>
+              <a:t>Mikrozensus</a:t>
+            </a:r>
+            <a:r>
+              <a:rPr lang="en-GB" sz="1400" i="1" dirty="0"/>
+              <a:t> </a:t>
+            </a:r>
+            <a:r>
+              <a:rPr lang="en-GB" sz="1400" i="1" dirty="0" err="1"/>
+              <a:t>Graubünden</a:t>
+            </a:r>
+            <a:r>
+              <a:rPr lang="en-GB" sz="1400" dirty="0"/>
+              <a:t>. </a:t>
+            </a:r>
+            <a:r>
+              <a:rPr lang="en-GB" sz="1400" dirty="0" err="1"/>
+              <a:t>Mobilität</a:t>
+            </a:r>
+            <a:r>
+              <a:rPr lang="en-GB" sz="1400" dirty="0"/>
+              <a:t> in </a:t>
+            </a:r>
+            <a:r>
+              <a:rPr lang="en-GB" sz="1400" dirty="0" err="1"/>
+              <a:t>Graubünden</a:t>
+            </a:r>
+            <a:r>
+              <a:rPr lang="en-GB" sz="1400" dirty="0"/>
+              <a:t>. https://www.gr.ch/DE/Medien/Mitteilungen/MMStaka/2018/MedienDokumente/Bericht_Mikrozen sus_2015_ohneAnhang.pdf </a:t>
+            </a:r>
+          </a:p>
+          <a:p>
+            <a:r>
+              <a:rPr lang="en-GB" sz="1400" dirty="0"/>
+              <a:t>Scott, T. (2021, November 8). </a:t>
+            </a:r>
+            <a:r>
+              <a:rPr lang="en-GB" sz="1400" i="1" dirty="0"/>
+              <a:t>Why this „falling rocks“ sign is more important than most</a:t>
+            </a:r>
+            <a:r>
+              <a:rPr lang="en-GB" sz="1400" dirty="0"/>
+              <a:t>. https://www.youtube.com/watch?v=o-oVXYkBwgw </a:t>
+            </a:r>
+          </a:p>
+          <a:p>
+            <a:endParaRPr lang="de-CH" dirty="0"/>
+          </a:p>
+        </p:txBody>
+      </p:sp>
+    </p:spTree>
+    <p:extLst>
+      <p:ext uri="{BB962C8B-B14F-4D97-AF65-F5344CB8AC3E}">
+        <p14:creationId xmlns:p14="http://schemas.microsoft.com/office/powerpoint/2010/main" val="829703314"/>
+      </p:ext>
+    </p:extLst>
+  </p:cSld>
+  <p:clrMapOvr>
+    <a:masterClrMapping/>
+  </p:clrMapOvr>
+</p:sld>
+</file>
+
+<file path=ppt/slides/slide5.xml><?xml version="1.0" encoding="utf-8"?>
+<p:sld xmlns:a="http://schemas.openxmlformats.org/drawingml/2006/main" xmlns:r="http://schemas.openxmlformats.org/officeDocument/2006/relationships" xmlns:p="http://schemas.openxmlformats.org/presentationml/2006/main">
+  <p:cSld>
+    <p:spTree>
+      <p:nvGrpSpPr>
+        <p:cNvPr id="1" name=""/>
+        <p:cNvGrpSpPr/>
+        <p:nvPr/>
+      </p:nvGrpSpPr>
+      <p:grpSpPr>
+        <a:xfrm>
+          <a:off x="0" y="0"/>
+          <a:ext cx="0" cy="0"/>
+          <a:chOff x="0" y="0"/>
+          <a:chExt cx="0" cy="0"/>
+        </a:xfrm>
+      </p:grpSpPr>
+      <p:sp>
+        <p:nvSpPr>
+          <p:cNvPr id="2" name="Datumsplatzhalter 1">
+            <a:extLst>
+              <a:ext uri="{FF2B5EF4-FFF2-40B4-BE49-F238E27FC236}">
                 <a16:creationId xmlns:a16="http://schemas.microsoft.com/office/drawing/2014/main" id="{6A637E5E-7D44-4BD1-AA8E-43CD940CEDA0}"/>
               </a:ext>
             </a:extLst>
@@ -3241,7 +4906,7 @@
                   <a:srgbClr val="000000"/>
                 </a:solidFill>
               </a:rPr>
-              <a:t>13.01.2022</a:t>
+              <a:t>20.01.2022</a:t>
             </a:fld>
             <a:endParaRPr lang="de-CH">
               <a:solidFill>
@@ -3273,12 +4938,12 @@
           <a:lstStyle/>
           <a:p>
             <a:r>
-              <a:rPr lang="de-CH">
+              <a:rPr lang="de-CH" dirty="0">
                 <a:solidFill>
                   <a:srgbClr val="000000"/>
                 </a:solidFill>
               </a:rPr>
-              <a:t>Institut</a:t>
+              <a:t>Hochschule Technik</a:t>
             </a:r>
           </a:p>
         </p:txBody>
@@ -3311,7 +4976,7 @@
                 </a:solidFill>
               </a:rPr>
               <a:pPr/>
-              <a:t>2</a:t>
+              <a:t>5</a:t>
             </a:fld>
             <a:endParaRPr lang="de-CH">
               <a:solidFill>
@@ -4906,26 +6571,6 @@
 </file>
 
 <file path=customXml/item1.xml><?xml version="1.0" encoding="utf-8"?>
-<?mso-contentType ?>
-<FormTemplates xmlns="http://schemas.microsoft.com/sharepoint/v3/contenttype/forms">
-  <Display>DocumentLibraryForm</Display>
-  <Edit>DocumentLibraryForm</Edit>
-  <New>DocumentLibraryForm</New>
-</FormTemplates>
-</file>
-
-<file path=customXml/item2.xml><?xml version="1.0" encoding="utf-8"?>
-<p:properties xmlns:p="http://schemas.microsoft.com/office/2006/metadata/properties" xmlns:xsi="http://www.w3.org/2001/XMLSchema-instance" xmlns:pc="http://schemas.microsoft.com/office/infopath/2007/PartnerControls">
-  <documentManagement>
-    <Sprache xmlns="69e60002-4b69-4aad-9e3a-e3a9db2b0f4f">Deutsch</Sprache>
-    <Format xmlns="69e60002-4b69-4aad-9e3a-e3a9db2b0f4f" xsi:nil="true"/>
-    <Organisation_x0020__x002f__x0020_Hochschule xmlns="69e60002-4b69-4aad-9e3a-e3a9db2b0f4f">HT</Organisation_x0020__x002f__x0020_Hochschule>
-    <Vorlage xmlns="69e60002-4b69-4aad-9e3a-e3a9db2b0f4f">Power Point</Vorlage>
-  </documentManagement>
-</p:properties>
-</file>
-
-<file path=customXml/item3.xml><?xml version="1.0" encoding="utf-8"?>
 <ct:contentTypeSchema xmlns:ct="http://schemas.microsoft.com/office/2006/metadata/contentType" xmlns:ma="http://schemas.microsoft.com/office/2006/metadata/properties/metaAttributes" ct:_="" ma:_="" ma:contentTypeName="Dokument" ma:contentTypeID="0x010100AC764BFD121A654BAFEE3F0D30D09696" ma:contentTypeVersion="4" ma:contentTypeDescription="Ein neues Dokument erstellen." ma:contentTypeScope="" ma:versionID="f0b21a448d18db25e00af343419af742">
   <xsd:schema xmlns:xsd="http://www.w3.org/2001/XMLSchema" xmlns:xs="http://www.w3.org/2001/XMLSchema" xmlns:p="http://schemas.microsoft.com/office/2006/metadata/properties" xmlns:ns2="69e60002-4b69-4aad-9e3a-e3a9db2b0f4f" targetNamespace="http://schemas.microsoft.com/office/2006/metadata/properties" ma:root="true" ma:fieldsID="a976930b042ac8693047c70f2498f757" ns2:_="">
     <xsd:import namespace="69e60002-4b69-4aad-9e3a-e3a9db2b0f4f"/>
@@ -5100,10 +6745,40 @@
 </ct:contentTypeSchema>
 </file>
 
+<file path=customXml/item2.xml><?xml version="1.0" encoding="utf-8"?>
+<p:properties xmlns:p="http://schemas.microsoft.com/office/2006/metadata/properties" xmlns:xsi="http://www.w3.org/2001/XMLSchema-instance" xmlns:pc="http://schemas.microsoft.com/office/infopath/2007/PartnerControls">
+  <documentManagement>
+    <Sprache xmlns="69e60002-4b69-4aad-9e3a-e3a9db2b0f4f">Deutsch</Sprache>
+    <Format xmlns="69e60002-4b69-4aad-9e3a-e3a9db2b0f4f" xsi:nil="true"/>
+    <Organisation_x0020__x002f__x0020_Hochschule xmlns="69e60002-4b69-4aad-9e3a-e3a9db2b0f4f">HT</Organisation_x0020__x002f__x0020_Hochschule>
+    <Vorlage xmlns="69e60002-4b69-4aad-9e3a-e3a9db2b0f4f">Power Point</Vorlage>
+  </documentManagement>
+</p:properties>
+</file>
+
+<file path=customXml/item3.xml><?xml version="1.0" encoding="utf-8"?>
+<?mso-contentType ?>
+<FormTemplates xmlns="http://schemas.microsoft.com/sharepoint/v3/contenttype/forms">
+  <Display>DocumentLibraryForm</Display>
+  <Edit>DocumentLibraryForm</Edit>
+  <New>DocumentLibraryForm</New>
+</FormTemplates>
+</file>
+
 <file path=customXml/itemProps1.xml><?xml version="1.0" encoding="utf-8"?>
-<ds:datastoreItem xmlns:ds="http://schemas.openxmlformats.org/officeDocument/2006/customXml" ds:itemID="{1F9AB8FE-BD0C-400C-B543-7D7BB2885DFE}">
+<ds:datastoreItem xmlns:ds="http://schemas.openxmlformats.org/officeDocument/2006/customXml" ds:itemID="{0498FCD4-62F2-4C59-824F-30F9B51F9401}">
   <ds:schemaRefs>
-    <ds:schemaRef ds:uri="http://schemas.microsoft.com/sharepoint/v3/contenttype/forms"/>
+    <ds:schemaRef ds:uri="http://schemas.microsoft.com/office/2006/metadata/contentType"/>
+    <ds:schemaRef ds:uri="http://schemas.microsoft.com/office/2006/metadata/properties/metaAttributes"/>
+    <ds:schemaRef ds:uri="http://www.w3.org/2001/XMLSchema"/>
+    <ds:schemaRef ds:uri="http://schemas.microsoft.com/office/2006/metadata/properties"/>
+    <ds:schemaRef ds:uri="69e60002-4b69-4aad-9e3a-e3a9db2b0f4f"/>
+    <ds:schemaRef ds:uri="http://schemas.microsoft.com/office/2006/documentManagement/types"/>
+    <ds:schemaRef ds:uri="http://schemas.microsoft.com/office/infopath/2007/PartnerControls"/>
+    <ds:schemaRef ds:uri="http://schemas.openxmlformats.org/package/2006/metadata/core-properties"/>
+    <ds:schemaRef ds:uri="http://purl.org/dc/elements/1.1/"/>
+    <ds:schemaRef ds:uri="http://purl.org/dc/terms/"/>
+    <ds:schemaRef ds:uri="http://schemas.microsoft.com/internal/obd"/>
   </ds:schemaRefs>
 </ds:datastoreItem>
 </file>
@@ -5119,19 +6794,9 @@
 </file>
 
 <file path=customXml/itemProps3.xml><?xml version="1.0" encoding="utf-8"?>
-<ds:datastoreItem xmlns:ds="http://schemas.openxmlformats.org/officeDocument/2006/customXml" ds:itemID="{0498FCD4-62F2-4C59-824F-30F9B51F9401}">
+<ds:datastoreItem xmlns:ds="http://schemas.openxmlformats.org/officeDocument/2006/customXml" ds:itemID="{1F9AB8FE-BD0C-400C-B543-7D7BB2885DFE}">
   <ds:schemaRefs>
-    <ds:schemaRef ds:uri="http://schemas.microsoft.com/office/2006/metadata/contentType"/>
-    <ds:schemaRef ds:uri="http://schemas.microsoft.com/office/2006/metadata/properties/metaAttributes"/>
-    <ds:schemaRef ds:uri="http://www.w3.org/2001/XMLSchema"/>
-    <ds:schemaRef ds:uri="http://schemas.microsoft.com/office/2006/metadata/properties"/>
-    <ds:schemaRef ds:uri="69e60002-4b69-4aad-9e3a-e3a9db2b0f4f"/>
-    <ds:schemaRef ds:uri="http://schemas.microsoft.com/office/2006/documentManagement/types"/>
-    <ds:schemaRef ds:uri="http://schemas.microsoft.com/office/infopath/2007/PartnerControls"/>
-    <ds:schemaRef ds:uri="http://schemas.openxmlformats.org/package/2006/metadata/core-properties"/>
-    <ds:schemaRef ds:uri="http://purl.org/dc/elements/1.1/"/>
-    <ds:schemaRef ds:uri="http://purl.org/dc/terms/"/>
-    <ds:schemaRef ds:uri="http://schemas.microsoft.com/internal/obd"/>
+    <ds:schemaRef ds:uri="http://schemas.microsoft.com/sharepoint/v3/contenttype/forms"/>
   </ds:schemaRefs>
 </ds:datastoreItem>
 </file>
--- a/Präsentation/Vorgehen.pptx
+++ b/Präsentation/Vorgehen.pptx
@@ -5,20 +5,35 @@
     <p:sldMasterId id="2147483713" r:id="rId4"/>
   </p:sldMasterIdLst>
   <p:notesMasterIdLst>
-    <p:notesMasterId r:id="rId10"/>
+    <p:notesMasterId r:id="rId16"/>
   </p:notesMasterIdLst>
   <p:handoutMasterIdLst>
-    <p:handoutMasterId r:id="rId11"/>
+    <p:handoutMasterId r:id="rId17"/>
   </p:handoutMasterIdLst>
   <p:sldIdLst>
     <p:sldId id="256" r:id="rId5"/>
     <p:sldId id="258" r:id="rId6"/>
     <p:sldId id="261" r:id="rId7"/>
-    <p:sldId id="262" r:id="rId8"/>
-    <p:sldId id="257" r:id="rId9"/>
+    <p:sldId id="263" r:id="rId8"/>
+    <p:sldId id="264" r:id="rId9"/>
+    <p:sldId id="265" r:id="rId10"/>
+    <p:sldId id="266" r:id="rId11"/>
+    <p:sldId id="267" r:id="rId12"/>
+    <p:sldId id="268" r:id="rId13"/>
+    <p:sldId id="257" r:id="rId14"/>
+    <p:sldId id="262" r:id="rId15"/>
   </p:sldIdLst>
   <p:sldSz cx="10082213" cy="7561263"/>
   <p:notesSz cx="6858000" cy="9144000"/>
+  <p:embeddedFontLst>
+    <p:embeddedFont>
+      <p:font typeface="Calibri" panose="020F0502020204030204" pitchFamily="34" charset="0"/>
+      <p:regular r:id="rId18"/>
+      <p:bold r:id="rId19"/>
+      <p:italic r:id="rId20"/>
+      <p:boldItalic r:id="rId21"/>
+    </p:embeddedFont>
+  </p:embeddedFontLst>
   <p:defaultTextStyle>
     <a:defPPr>
       <a:defRPr lang="de-CH"/>
@@ -170,6 +185,7 @@
 <p1510:revInfo xmlns:a="http://schemas.openxmlformats.org/drawingml/2006/main" xmlns:r="http://schemas.openxmlformats.org/officeDocument/2006/relationships" xmlns:p1510="http://schemas.microsoft.com/office/powerpoint/2015/10/main">
   <p1510:revLst>
     <p1510:client id="{5C1EF3E6-ECC6-481F-880D-B0E35D51F7D3}" v="30" dt="2022-01-20T10:15:18.693"/>
+    <p1510:client id="{C836EF19-E232-49E4-AE3F-6127B56BBCF6}" v="9" dt="2022-01-20T10:35:23.762"/>
   </p1510:revLst>
 </p1510:revInfo>
 </file>
@@ -354,6 +370,685 @@
       </pc:sldMasterChg>
     </pc:docChg>
   </pc:docChgLst>
+  <pc:docChgLst>
+    <pc:chgData name="Thomas Mandelz" userId="8d3a597e08c542e1" providerId="LiveId" clId="{C836EF19-E232-49E4-AE3F-6127B56BBCF6}"/>
+    <pc:docChg chg="undo custSel addSld delSld modSld sldOrd modMainMaster addSection delSection modSection">
+      <pc:chgData name="Thomas Mandelz" userId="8d3a597e08c542e1" providerId="LiveId" clId="{C836EF19-E232-49E4-AE3F-6127B56BBCF6}" dt="2022-01-20T10:35:44.388" v="266"/>
+      <pc:docMkLst>
+        <pc:docMk/>
+      </pc:docMkLst>
+      <pc:sldChg chg="addSp delSp modSp mod chgLayout">
+        <pc:chgData name="Thomas Mandelz" userId="8d3a597e08c542e1" providerId="LiveId" clId="{C836EF19-E232-49E4-AE3F-6127B56BBCF6}" dt="2022-01-20T10:24:22.723" v="165" actId="700"/>
+        <pc:sldMkLst>
+          <pc:docMk/>
+          <pc:sldMk cId="1565490079" sldId="256"/>
+        </pc:sldMkLst>
+        <pc:spChg chg="add mod ord">
+          <ac:chgData name="Thomas Mandelz" userId="8d3a597e08c542e1" providerId="LiveId" clId="{C836EF19-E232-49E4-AE3F-6127B56BBCF6}" dt="2022-01-20T10:24:22.723" v="165" actId="700"/>
+          <ac:spMkLst>
+            <pc:docMk/>
+            <pc:sldMk cId="1565490079" sldId="256"/>
+            <ac:spMk id="2" creationId="{2A1B54F5-4440-4F71-8CB5-CD27E940E538}"/>
+          </ac:spMkLst>
+        </pc:spChg>
+        <pc:spChg chg="add mod ord">
+          <ac:chgData name="Thomas Mandelz" userId="8d3a597e08c542e1" providerId="LiveId" clId="{C836EF19-E232-49E4-AE3F-6127B56BBCF6}" dt="2022-01-20T10:24:22.723" v="165" actId="700"/>
+          <ac:spMkLst>
+            <pc:docMk/>
+            <pc:sldMk cId="1565490079" sldId="256"/>
+            <ac:spMk id="3" creationId="{EEFFBEBE-A755-4284-B079-84443278B633}"/>
+          </ac:spMkLst>
+        </pc:spChg>
+        <pc:spChg chg="add mod ord">
+          <ac:chgData name="Thomas Mandelz" userId="8d3a597e08c542e1" providerId="LiveId" clId="{C836EF19-E232-49E4-AE3F-6127B56BBCF6}" dt="2022-01-20T10:24:22.723" v="165" actId="700"/>
+          <ac:spMkLst>
+            <pc:docMk/>
+            <pc:sldMk cId="1565490079" sldId="256"/>
+            <ac:spMk id="4" creationId="{522BEE71-1897-4CA2-9731-F794575FC8BA}"/>
+          </ac:spMkLst>
+        </pc:spChg>
+        <pc:spChg chg="mod ord">
+          <ac:chgData name="Thomas Mandelz" userId="8d3a597e08c542e1" providerId="LiveId" clId="{C836EF19-E232-49E4-AE3F-6127B56BBCF6}" dt="2022-01-20T10:24:22.723" v="165" actId="700"/>
+          <ac:spMkLst>
+            <pc:docMk/>
+            <pc:sldMk cId="1565490079" sldId="256"/>
+            <ac:spMk id="11" creationId="{00000000-0000-0000-0000-000000000000}"/>
+          </ac:spMkLst>
+        </pc:spChg>
+        <pc:spChg chg="del">
+          <ac:chgData name="Thomas Mandelz" userId="8d3a597e08c542e1" providerId="LiveId" clId="{C836EF19-E232-49E4-AE3F-6127B56BBCF6}" dt="2022-01-20T10:24:22.723" v="165" actId="700"/>
+          <ac:spMkLst>
+            <pc:docMk/>
+            <pc:sldMk cId="1565490079" sldId="256"/>
+            <ac:spMk id="12" creationId="{00000000-0000-0000-0000-000000000000}"/>
+          </ac:spMkLst>
+        </pc:spChg>
+        <pc:spChg chg="del">
+          <ac:chgData name="Thomas Mandelz" userId="8d3a597e08c542e1" providerId="LiveId" clId="{C836EF19-E232-49E4-AE3F-6127B56BBCF6}" dt="2022-01-20T10:24:22.723" v="165" actId="700"/>
+          <ac:spMkLst>
+            <pc:docMk/>
+            <pc:sldMk cId="1565490079" sldId="256"/>
+            <ac:spMk id="13" creationId="{00000000-0000-0000-0000-000000000000}"/>
+          </ac:spMkLst>
+        </pc:spChg>
+        <pc:spChg chg="del">
+          <ac:chgData name="Thomas Mandelz" userId="8d3a597e08c542e1" providerId="LiveId" clId="{C836EF19-E232-49E4-AE3F-6127B56BBCF6}" dt="2022-01-20T10:24:22.723" v="165" actId="700"/>
+          <ac:spMkLst>
+            <pc:docMk/>
+            <pc:sldMk cId="1565490079" sldId="256"/>
+            <ac:spMk id="14" creationId="{00000000-0000-0000-0000-000000000000}"/>
+          </ac:spMkLst>
+        </pc:spChg>
+      </pc:sldChg>
+      <pc:sldChg chg="modSp mod ord chgLayout modNotesTx">
+        <pc:chgData name="Thomas Mandelz" userId="8d3a597e08c542e1" providerId="LiveId" clId="{C836EF19-E232-49E4-AE3F-6127B56BBCF6}" dt="2022-01-20T10:35:39.548" v="265" actId="20577"/>
+        <pc:sldMkLst>
+          <pc:docMk/>
+          <pc:sldMk cId="167053416" sldId="257"/>
+        </pc:sldMkLst>
+        <pc:spChg chg="mod ord">
+          <ac:chgData name="Thomas Mandelz" userId="8d3a597e08c542e1" providerId="LiveId" clId="{C836EF19-E232-49E4-AE3F-6127B56BBCF6}" dt="2022-01-20T10:26:48.102" v="213" actId="700"/>
+          <ac:spMkLst>
+            <pc:docMk/>
+            <pc:sldMk cId="167053416" sldId="257"/>
+            <ac:spMk id="2" creationId="{6A637E5E-7D44-4BD1-AA8E-43CD940CEDA0}"/>
+          </ac:spMkLst>
+        </pc:spChg>
+        <pc:spChg chg="mod ord">
+          <ac:chgData name="Thomas Mandelz" userId="8d3a597e08c542e1" providerId="LiveId" clId="{C836EF19-E232-49E4-AE3F-6127B56BBCF6}" dt="2022-01-20T10:35:39.548" v="265" actId="20577"/>
+          <ac:spMkLst>
+            <pc:docMk/>
+            <pc:sldMk cId="167053416" sldId="257"/>
+            <ac:spMk id="3" creationId="{78BDEE6F-9346-4E36-9928-7DD404669CBA}"/>
+          </ac:spMkLst>
+        </pc:spChg>
+        <pc:spChg chg="mod ord">
+          <ac:chgData name="Thomas Mandelz" userId="8d3a597e08c542e1" providerId="LiveId" clId="{C836EF19-E232-49E4-AE3F-6127B56BBCF6}" dt="2022-01-20T10:26:48.102" v="213" actId="700"/>
+          <ac:spMkLst>
+            <pc:docMk/>
+            <pc:sldMk cId="167053416" sldId="257"/>
+            <ac:spMk id="4" creationId="{F377F38E-D17E-47C7-9B57-4862E268311F}"/>
+          </ac:spMkLst>
+        </pc:spChg>
+        <pc:spChg chg="mod ord">
+          <ac:chgData name="Thomas Mandelz" userId="8d3a597e08c542e1" providerId="LiveId" clId="{C836EF19-E232-49E4-AE3F-6127B56BBCF6}" dt="2022-01-20T10:26:48.102" v="213" actId="700"/>
+          <ac:spMkLst>
+            <pc:docMk/>
+            <pc:sldMk cId="167053416" sldId="257"/>
+            <ac:spMk id="5" creationId="{E8D3B194-D365-4A47-895A-779B89CDF225}"/>
+          </ac:spMkLst>
+        </pc:spChg>
+        <pc:spChg chg="mod ord">
+          <ac:chgData name="Thomas Mandelz" userId="8d3a597e08c542e1" providerId="LiveId" clId="{C836EF19-E232-49E4-AE3F-6127B56BBCF6}" dt="2022-01-20T10:26:48.102" v="213" actId="700"/>
+          <ac:spMkLst>
+            <pc:docMk/>
+            <pc:sldMk cId="167053416" sldId="257"/>
+            <ac:spMk id="6" creationId="{E5F19C17-8FA1-4AA2-874D-DF5936B1FBF9}"/>
+          </ac:spMkLst>
+        </pc:spChg>
+      </pc:sldChg>
+      <pc:sldChg chg="addSp delSp modSp mod chgLayout">
+        <pc:chgData name="Thomas Mandelz" userId="8d3a597e08c542e1" providerId="LiveId" clId="{C836EF19-E232-49E4-AE3F-6127B56BBCF6}" dt="2022-01-20T10:34:16.103" v="236" actId="20577"/>
+        <pc:sldMkLst>
+          <pc:docMk/>
+          <pc:sldMk cId="2846429837" sldId="258"/>
+        </pc:sldMkLst>
+        <pc:spChg chg="mod ord">
+          <ac:chgData name="Thomas Mandelz" userId="8d3a597e08c542e1" providerId="LiveId" clId="{C836EF19-E232-49E4-AE3F-6127B56BBCF6}" dt="2022-01-20T10:32:57.819" v="229" actId="6264"/>
+          <ac:spMkLst>
+            <pc:docMk/>
+            <pc:sldMk cId="2846429837" sldId="258"/>
+            <ac:spMk id="2" creationId="{A9EBD42C-9BD0-426B-988A-EFEB31C1C8E6}"/>
+          </ac:spMkLst>
+        </pc:spChg>
+        <pc:spChg chg="mod ord">
+          <ac:chgData name="Thomas Mandelz" userId="8d3a597e08c542e1" providerId="LiveId" clId="{C836EF19-E232-49E4-AE3F-6127B56BBCF6}" dt="2022-01-20T10:34:16.103" v="236" actId="20577"/>
+          <ac:spMkLst>
+            <pc:docMk/>
+            <pc:sldMk cId="2846429837" sldId="258"/>
+            <ac:spMk id="3" creationId="{79741CD7-B0EC-4BC7-95D7-6B24CB59D70B}"/>
+          </ac:spMkLst>
+        </pc:spChg>
+        <pc:spChg chg="mod ord">
+          <ac:chgData name="Thomas Mandelz" userId="8d3a597e08c542e1" providerId="LiveId" clId="{C836EF19-E232-49E4-AE3F-6127B56BBCF6}" dt="2022-01-20T10:32:57.819" v="229" actId="6264"/>
+          <ac:spMkLst>
+            <pc:docMk/>
+            <pc:sldMk cId="2846429837" sldId="258"/>
+            <ac:spMk id="4" creationId="{35C2EE67-9E90-4368-8331-8C0AC2CDA696}"/>
+          </ac:spMkLst>
+        </pc:spChg>
+        <pc:spChg chg="mod ord">
+          <ac:chgData name="Thomas Mandelz" userId="8d3a597e08c542e1" providerId="LiveId" clId="{C836EF19-E232-49E4-AE3F-6127B56BBCF6}" dt="2022-01-20T10:32:57.819" v="229" actId="6264"/>
+          <ac:spMkLst>
+            <pc:docMk/>
+            <pc:sldMk cId="2846429837" sldId="258"/>
+            <ac:spMk id="5" creationId="{6E14347E-2883-429B-9815-FB966326E7D3}"/>
+          </ac:spMkLst>
+        </pc:spChg>
+        <pc:spChg chg="mod ord">
+          <ac:chgData name="Thomas Mandelz" userId="8d3a597e08c542e1" providerId="LiveId" clId="{C836EF19-E232-49E4-AE3F-6127B56BBCF6}" dt="2022-01-20T10:32:57.819" v="229" actId="6264"/>
+          <ac:spMkLst>
+            <pc:docMk/>
+            <pc:sldMk cId="2846429837" sldId="258"/>
+            <ac:spMk id="6" creationId="{6971CC47-1854-4AB3-B2A8-D158C4CBF752}"/>
+          </ac:spMkLst>
+        </pc:spChg>
+        <pc:spChg chg="add del mod">
+          <ac:chgData name="Thomas Mandelz" userId="8d3a597e08c542e1" providerId="LiveId" clId="{C836EF19-E232-49E4-AE3F-6127B56BBCF6}" dt="2022-01-20T10:32:57.819" v="229" actId="6264"/>
+          <ac:spMkLst>
+            <pc:docMk/>
+            <pc:sldMk cId="2846429837" sldId="258"/>
+            <ac:spMk id="7" creationId="{CE002C3C-059A-4F63-829E-925338B40903}"/>
+          </ac:spMkLst>
+        </pc:spChg>
+        <pc:spChg chg="add del mod">
+          <ac:chgData name="Thomas Mandelz" userId="8d3a597e08c542e1" providerId="LiveId" clId="{C836EF19-E232-49E4-AE3F-6127B56BBCF6}" dt="2022-01-20T10:32:57.819" v="229" actId="6264"/>
+          <ac:spMkLst>
+            <pc:docMk/>
+            <pc:sldMk cId="2846429837" sldId="258"/>
+            <ac:spMk id="8" creationId="{99849763-6184-429C-994A-801E8D190693}"/>
+          </ac:spMkLst>
+        </pc:spChg>
+        <pc:spChg chg="add del mod">
+          <ac:chgData name="Thomas Mandelz" userId="8d3a597e08c542e1" providerId="LiveId" clId="{C836EF19-E232-49E4-AE3F-6127B56BBCF6}" dt="2022-01-20T10:32:57.819" v="229" actId="6264"/>
+          <ac:spMkLst>
+            <pc:docMk/>
+            <pc:sldMk cId="2846429837" sldId="258"/>
+            <ac:spMk id="9" creationId="{59B07AD0-CC6B-480B-BC34-D92D06743389}"/>
+          </ac:spMkLst>
+        </pc:spChg>
+        <pc:spChg chg="add del mod">
+          <ac:chgData name="Thomas Mandelz" userId="8d3a597e08c542e1" providerId="LiveId" clId="{C836EF19-E232-49E4-AE3F-6127B56BBCF6}" dt="2022-01-20T10:32:57.819" v="229" actId="6264"/>
+          <ac:spMkLst>
+            <pc:docMk/>
+            <pc:sldMk cId="2846429837" sldId="258"/>
+            <ac:spMk id="10" creationId="{294BB5BE-511A-4D04-B455-90045BAE97F5}"/>
+          </ac:spMkLst>
+        </pc:spChg>
+        <pc:spChg chg="add del mod">
+          <ac:chgData name="Thomas Mandelz" userId="8d3a597e08c542e1" providerId="LiveId" clId="{C836EF19-E232-49E4-AE3F-6127B56BBCF6}" dt="2022-01-20T10:32:57.819" v="229" actId="6264"/>
+          <ac:spMkLst>
+            <pc:docMk/>
+            <pc:sldMk cId="2846429837" sldId="258"/>
+            <ac:spMk id="11" creationId="{DC7683C0-0FEF-4F23-9374-B04B5F3F270C}"/>
+          </ac:spMkLst>
+        </pc:spChg>
+      </pc:sldChg>
+      <pc:sldChg chg="modSp mod">
+        <pc:chgData name="Thomas Mandelz" userId="8d3a597e08c542e1" providerId="LiveId" clId="{C836EF19-E232-49E4-AE3F-6127B56BBCF6}" dt="2022-01-20T10:34:31.348" v="238" actId="20577"/>
+        <pc:sldMkLst>
+          <pc:docMk/>
+          <pc:sldMk cId="3256045482" sldId="261"/>
+        </pc:sldMkLst>
+        <pc:spChg chg="mod">
+          <ac:chgData name="Thomas Mandelz" userId="8d3a597e08c542e1" providerId="LiveId" clId="{C836EF19-E232-49E4-AE3F-6127B56BBCF6}" dt="2022-01-20T10:34:31.348" v="238" actId="20577"/>
+          <ac:spMkLst>
+            <pc:docMk/>
+            <pc:sldMk cId="3256045482" sldId="261"/>
+            <ac:spMk id="3" creationId="{376392EA-958A-4A67-8C48-4CBF74BA2B72}"/>
+          </ac:spMkLst>
+        </pc:spChg>
+      </pc:sldChg>
+      <pc:sldChg chg="addSp delSp modSp mod modClrScheme chgLayout modNotesTx">
+        <pc:chgData name="Thomas Mandelz" userId="8d3a597e08c542e1" providerId="LiveId" clId="{C836EF19-E232-49E4-AE3F-6127B56BBCF6}" dt="2022-01-20T10:35:44.388" v="266"/>
+        <pc:sldMkLst>
+          <pc:docMk/>
+          <pc:sldMk cId="829703314" sldId="262"/>
+        </pc:sldMkLst>
+        <pc:spChg chg="mod ord">
+          <ac:chgData name="Thomas Mandelz" userId="8d3a597e08c542e1" providerId="LiveId" clId="{C836EF19-E232-49E4-AE3F-6127B56BBCF6}" dt="2022-01-20T10:27:05.195" v="216" actId="700"/>
+          <ac:spMkLst>
+            <pc:docMk/>
+            <pc:sldMk cId="829703314" sldId="262"/>
+            <ac:spMk id="2" creationId="{FB56C107-9EB4-4A83-819A-C7CE80697548}"/>
+          </ac:spMkLst>
+        </pc:spChg>
+        <pc:spChg chg="mod ord">
+          <ac:chgData name="Thomas Mandelz" userId="8d3a597e08c542e1" providerId="LiveId" clId="{C836EF19-E232-49E4-AE3F-6127B56BBCF6}" dt="2022-01-20T10:35:44.388" v="266"/>
+          <ac:spMkLst>
+            <pc:docMk/>
+            <pc:sldMk cId="829703314" sldId="262"/>
+            <ac:spMk id="3" creationId="{6F161E53-DE5A-4624-BB45-8A8062AC7923}"/>
+          </ac:spMkLst>
+        </pc:spChg>
+        <pc:spChg chg="mod ord">
+          <ac:chgData name="Thomas Mandelz" userId="8d3a597e08c542e1" providerId="LiveId" clId="{C836EF19-E232-49E4-AE3F-6127B56BBCF6}" dt="2022-01-20T10:27:05.195" v="216" actId="700"/>
+          <ac:spMkLst>
+            <pc:docMk/>
+            <pc:sldMk cId="829703314" sldId="262"/>
+            <ac:spMk id="4" creationId="{197A6D72-4615-4D7A-963E-F1A94B1028B4}"/>
+          </ac:spMkLst>
+        </pc:spChg>
+        <pc:spChg chg="mod ord">
+          <ac:chgData name="Thomas Mandelz" userId="8d3a597e08c542e1" providerId="LiveId" clId="{C836EF19-E232-49E4-AE3F-6127B56BBCF6}" dt="2022-01-20T10:27:05.195" v="216" actId="700"/>
+          <ac:spMkLst>
+            <pc:docMk/>
+            <pc:sldMk cId="829703314" sldId="262"/>
+            <ac:spMk id="5" creationId="{7F670212-DD83-4E79-8377-078151B05ECC}"/>
+          </ac:spMkLst>
+        </pc:spChg>
+        <pc:spChg chg="mod ord">
+          <ac:chgData name="Thomas Mandelz" userId="8d3a597e08c542e1" providerId="LiveId" clId="{C836EF19-E232-49E4-AE3F-6127B56BBCF6}" dt="2022-01-20T10:27:05.195" v="216" actId="700"/>
+          <ac:spMkLst>
+            <pc:docMk/>
+            <pc:sldMk cId="829703314" sldId="262"/>
+            <ac:spMk id="6" creationId="{8D1C922C-A852-4356-98EE-0FBCFACDB6FA}"/>
+          </ac:spMkLst>
+        </pc:spChg>
+        <pc:spChg chg="add del mod ord">
+          <ac:chgData name="Thomas Mandelz" userId="8d3a597e08c542e1" providerId="LiveId" clId="{C836EF19-E232-49E4-AE3F-6127B56BBCF6}" dt="2022-01-20T10:27:05.195" v="216" actId="700"/>
+          <ac:spMkLst>
+            <pc:docMk/>
+            <pc:sldMk cId="829703314" sldId="262"/>
+            <ac:spMk id="7" creationId="{D143E9C1-0272-4B2C-AAB8-6BF6B48E9892}"/>
+          </ac:spMkLst>
+        </pc:spChg>
+      </pc:sldChg>
+      <pc:sldChg chg="modSp new mod ord modNotesTx">
+        <pc:chgData name="Thomas Mandelz" userId="8d3a597e08c542e1" providerId="LiveId" clId="{C836EF19-E232-49E4-AE3F-6127B56BBCF6}" dt="2022-01-20T10:34:43.484" v="242" actId="20577"/>
+        <pc:sldMkLst>
+          <pc:docMk/>
+          <pc:sldMk cId="1959079473" sldId="263"/>
+        </pc:sldMkLst>
+        <pc:spChg chg="mod">
+          <ac:chgData name="Thomas Mandelz" userId="8d3a597e08c542e1" providerId="LiveId" clId="{C836EF19-E232-49E4-AE3F-6127B56BBCF6}" dt="2022-01-20T10:34:43.484" v="242" actId="20577"/>
+          <ac:spMkLst>
+            <pc:docMk/>
+            <pc:sldMk cId="1959079473" sldId="263"/>
+            <ac:spMk id="3" creationId="{685FAFE3-9987-4E31-8760-FF4E55E0A543}"/>
+          </ac:spMkLst>
+        </pc:spChg>
+        <pc:spChg chg="mod">
+          <ac:chgData name="Thomas Mandelz" userId="8d3a597e08c542e1" providerId="LiveId" clId="{C836EF19-E232-49E4-AE3F-6127B56BBCF6}" dt="2022-01-20T10:18:05.228" v="5"/>
+          <ac:spMkLst>
+            <pc:docMk/>
+            <pc:sldMk cId="1959079473" sldId="263"/>
+            <ac:spMk id="5" creationId="{51617950-D507-4842-83F8-BD8D62FE8FEF}"/>
+          </ac:spMkLst>
+        </pc:spChg>
+        <pc:spChg chg="mod">
+          <ac:chgData name="Thomas Mandelz" userId="8d3a597e08c542e1" providerId="LiveId" clId="{C836EF19-E232-49E4-AE3F-6127B56BBCF6}" dt="2022-01-20T10:18:30.366" v="58" actId="20577"/>
+          <ac:spMkLst>
+            <pc:docMk/>
+            <pc:sldMk cId="1959079473" sldId="263"/>
+            <ac:spMk id="6" creationId="{1EDF0314-3A6C-4B70-BA52-AA4E2E3AD062}"/>
+          </ac:spMkLst>
+        </pc:spChg>
+      </pc:sldChg>
+      <pc:sldChg chg="addSp delSp modSp new mod modClrScheme chgLayout modNotesTx">
+        <pc:chgData name="Thomas Mandelz" userId="8d3a597e08c542e1" providerId="LiveId" clId="{C836EF19-E232-49E4-AE3F-6127B56BBCF6}" dt="2022-01-20T10:34:54.872" v="246" actId="20577"/>
+        <pc:sldMkLst>
+          <pc:docMk/>
+          <pc:sldMk cId="3779323427" sldId="264"/>
+        </pc:sldMkLst>
+        <pc:spChg chg="mod ord">
+          <ac:chgData name="Thomas Mandelz" userId="8d3a597e08c542e1" providerId="LiveId" clId="{C836EF19-E232-49E4-AE3F-6127B56BBCF6}" dt="2022-01-20T10:28:41.373" v="223" actId="700"/>
+          <ac:spMkLst>
+            <pc:docMk/>
+            <pc:sldMk cId="3779323427" sldId="264"/>
+            <ac:spMk id="2" creationId="{ED741506-91C6-43DA-89DA-B78B74D866BE}"/>
+          </ac:spMkLst>
+        </pc:spChg>
+        <pc:spChg chg="mod ord">
+          <ac:chgData name="Thomas Mandelz" userId="8d3a597e08c542e1" providerId="LiveId" clId="{C836EF19-E232-49E4-AE3F-6127B56BBCF6}" dt="2022-01-20T10:34:54.872" v="246" actId="20577"/>
+          <ac:spMkLst>
+            <pc:docMk/>
+            <pc:sldMk cId="3779323427" sldId="264"/>
+            <ac:spMk id="3" creationId="{249AF704-A0A8-43F3-B94D-5EAD3D8BE2AC}"/>
+          </ac:spMkLst>
+        </pc:spChg>
+        <pc:spChg chg="mod ord">
+          <ac:chgData name="Thomas Mandelz" userId="8d3a597e08c542e1" providerId="LiveId" clId="{C836EF19-E232-49E4-AE3F-6127B56BBCF6}" dt="2022-01-20T10:28:41.373" v="223" actId="700"/>
+          <ac:spMkLst>
+            <pc:docMk/>
+            <pc:sldMk cId="3779323427" sldId="264"/>
+            <ac:spMk id="4" creationId="{0519A21A-3F47-4F26-B8B1-9E5B2C23C079}"/>
+          </ac:spMkLst>
+        </pc:spChg>
+        <pc:spChg chg="mod ord">
+          <ac:chgData name="Thomas Mandelz" userId="8d3a597e08c542e1" providerId="LiveId" clId="{C836EF19-E232-49E4-AE3F-6127B56BBCF6}" dt="2022-01-20T10:28:41.373" v="223" actId="700"/>
+          <ac:spMkLst>
+            <pc:docMk/>
+            <pc:sldMk cId="3779323427" sldId="264"/>
+            <ac:spMk id="5" creationId="{E6A0F4BF-078E-4655-B23D-A3C0D3C50C6E}"/>
+          </ac:spMkLst>
+        </pc:spChg>
+        <pc:spChg chg="mod ord">
+          <ac:chgData name="Thomas Mandelz" userId="8d3a597e08c542e1" providerId="LiveId" clId="{C836EF19-E232-49E4-AE3F-6127B56BBCF6}" dt="2022-01-20T10:28:41.373" v="223" actId="700"/>
+          <ac:spMkLst>
+            <pc:docMk/>
+            <pc:sldMk cId="3779323427" sldId="264"/>
+            <ac:spMk id="6" creationId="{EB5DE208-696B-474A-BD6A-10F05B5E0CF7}"/>
+          </ac:spMkLst>
+        </pc:spChg>
+        <pc:spChg chg="add del mod">
+          <ac:chgData name="Thomas Mandelz" userId="8d3a597e08c542e1" providerId="LiveId" clId="{C836EF19-E232-49E4-AE3F-6127B56BBCF6}" dt="2022-01-20T10:19:00.217" v="63"/>
+          <ac:spMkLst>
+            <pc:docMk/>
+            <pc:sldMk cId="3779323427" sldId="264"/>
+            <ac:spMk id="7" creationId="{93E8E265-A179-417A-9B6B-238F1E18ED18}"/>
+          </ac:spMkLst>
+        </pc:spChg>
+        <pc:spChg chg="add del mod">
+          <ac:chgData name="Thomas Mandelz" userId="8d3a597e08c542e1" providerId="LiveId" clId="{C836EF19-E232-49E4-AE3F-6127B56BBCF6}" dt="2022-01-20T10:28:15.487" v="220" actId="6264"/>
+          <ac:spMkLst>
+            <pc:docMk/>
+            <pc:sldMk cId="3779323427" sldId="264"/>
+            <ac:spMk id="10" creationId="{B6097289-482F-497C-A008-749EEBF65128}"/>
+          </ac:spMkLst>
+        </pc:spChg>
+        <pc:spChg chg="add del mod">
+          <ac:chgData name="Thomas Mandelz" userId="8d3a597e08c542e1" providerId="LiveId" clId="{C836EF19-E232-49E4-AE3F-6127B56BBCF6}" dt="2022-01-20T10:28:15.487" v="220" actId="6264"/>
+          <ac:spMkLst>
+            <pc:docMk/>
+            <pc:sldMk cId="3779323427" sldId="264"/>
+            <ac:spMk id="11" creationId="{82F4292B-469B-45D6-957B-44A5C5BAD556}"/>
+          </ac:spMkLst>
+        </pc:spChg>
+        <pc:spChg chg="add del mod">
+          <ac:chgData name="Thomas Mandelz" userId="8d3a597e08c542e1" providerId="LiveId" clId="{C836EF19-E232-49E4-AE3F-6127B56BBCF6}" dt="2022-01-20T10:28:15.487" v="220" actId="6264"/>
+          <ac:spMkLst>
+            <pc:docMk/>
+            <pc:sldMk cId="3779323427" sldId="264"/>
+            <ac:spMk id="12" creationId="{DED62E48-4607-45D2-9084-712A019B38B6}"/>
+          </ac:spMkLst>
+        </pc:spChg>
+        <pc:spChg chg="add del mod">
+          <ac:chgData name="Thomas Mandelz" userId="8d3a597e08c542e1" providerId="LiveId" clId="{C836EF19-E232-49E4-AE3F-6127B56BBCF6}" dt="2022-01-20T10:28:15.487" v="220" actId="6264"/>
+          <ac:spMkLst>
+            <pc:docMk/>
+            <pc:sldMk cId="3779323427" sldId="264"/>
+            <ac:spMk id="13" creationId="{B95BFD99-88ED-439F-9B44-8AD9FF5E9B30}"/>
+          </ac:spMkLst>
+        </pc:spChg>
+        <pc:spChg chg="add del mod">
+          <ac:chgData name="Thomas Mandelz" userId="8d3a597e08c542e1" providerId="LiveId" clId="{C836EF19-E232-49E4-AE3F-6127B56BBCF6}" dt="2022-01-20T10:28:15.487" v="220" actId="6264"/>
+          <ac:spMkLst>
+            <pc:docMk/>
+            <pc:sldMk cId="3779323427" sldId="264"/>
+            <ac:spMk id="14" creationId="{095BCCFA-E7AD-4ED3-8918-42886A7CD95C}"/>
+          </ac:spMkLst>
+        </pc:spChg>
+        <pc:spChg chg="add del mod ord">
+          <ac:chgData name="Thomas Mandelz" userId="8d3a597e08c542e1" providerId="LiveId" clId="{C836EF19-E232-49E4-AE3F-6127B56BBCF6}" dt="2022-01-20T10:28:24.707" v="222" actId="700"/>
+          <ac:spMkLst>
+            <pc:docMk/>
+            <pc:sldMk cId="3779323427" sldId="264"/>
+            <ac:spMk id="15" creationId="{B7449266-A92F-48B0-8749-299ED8754293}"/>
+          </ac:spMkLst>
+        </pc:spChg>
+        <pc:spChg chg="add del mod ord">
+          <ac:chgData name="Thomas Mandelz" userId="8d3a597e08c542e1" providerId="LiveId" clId="{C836EF19-E232-49E4-AE3F-6127B56BBCF6}" dt="2022-01-20T10:28:24.707" v="222" actId="700"/>
+          <ac:spMkLst>
+            <pc:docMk/>
+            <pc:sldMk cId="3779323427" sldId="264"/>
+            <ac:spMk id="16" creationId="{8B85D442-722F-4119-8214-FBB435EFB9B1}"/>
+          </ac:spMkLst>
+        </pc:spChg>
+        <pc:picChg chg="add del mod">
+          <ac:chgData name="Thomas Mandelz" userId="8d3a597e08c542e1" providerId="LiveId" clId="{C836EF19-E232-49E4-AE3F-6127B56BBCF6}" dt="2022-01-20T10:19:00.217" v="63"/>
+          <ac:picMkLst>
+            <pc:docMk/>
+            <pc:sldMk cId="3779323427" sldId="264"/>
+            <ac:picMk id="8" creationId="{3D4D63AF-2448-42F6-9154-F21A3160E578}"/>
+          </ac:picMkLst>
+        </pc:picChg>
+        <pc:picChg chg="add mod">
+          <ac:chgData name="Thomas Mandelz" userId="8d3a597e08c542e1" providerId="LiveId" clId="{C836EF19-E232-49E4-AE3F-6127B56BBCF6}" dt="2022-01-20T10:19:22.353" v="74" actId="1076"/>
+          <ac:picMkLst>
+            <pc:docMk/>
+            <pc:sldMk cId="3779323427" sldId="264"/>
+            <ac:picMk id="9" creationId="{62A5C0F0-2881-47C5-9AFC-DB8C438701E1}"/>
+          </ac:picMkLst>
+        </pc:picChg>
+      </pc:sldChg>
+      <pc:sldChg chg="addSp modSp new mod modNotesTx">
+        <pc:chgData name="Thomas Mandelz" userId="8d3a597e08c542e1" providerId="LiveId" clId="{C836EF19-E232-49E4-AE3F-6127B56BBCF6}" dt="2022-01-20T10:34:59.688" v="248" actId="20577"/>
+        <pc:sldMkLst>
+          <pc:docMk/>
+          <pc:sldMk cId="3227672474" sldId="265"/>
+        </pc:sldMkLst>
+        <pc:spChg chg="mod">
+          <ac:chgData name="Thomas Mandelz" userId="8d3a597e08c542e1" providerId="LiveId" clId="{C836EF19-E232-49E4-AE3F-6127B56BBCF6}" dt="2022-01-20T10:34:59.688" v="248" actId="20577"/>
+          <ac:spMkLst>
+            <pc:docMk/>
+            <pc:sldMk cId="3227672474" sldId="265"/>
+            <ac:spMk id="3" creationId="{D09A4938-1025-4524-94E0-E0E15E018248}"/>
+          </ac:spMkLst>
+        </pc:spChg>
+        <pc:spChg chg="mod">
+          <ac:chgData name="Thomas Mandelz" userId="8d3a597e08c542e1" providerId="LiveId" clId="{C836EF19-E232-49E4-AE3F-6127B56BBCF6}" dt="2022-01-20T10:20:36.781" v="86"/>
+          <ac:spMkLst>
+            <pc:docMk/>
+            <pc:sldMk cId="3227672474" sldId="265"/>
+            <ac:spMk id="5" creationId="{14C14231-906A-4970-9E8F-E8957705A43E}"/>
+          </ac:spMkLst>
+        </pc:spChg>
+        <pc:spChg chg="mod">
+          <ac:chgData name="Thomas Mandelz" userId="8d3a597e08c542e1" providerId="LiveId" clId="{C836EF19-E232-49E4-AE3F-6127B56BBCF6}" dt="2022-01-20T10:20:07.824" v="83" actId="12"/>
+          <ac:spMkLst>
+            <pc:docMk/>
+            <pc:sldMk cId="3227672474" sldId="265"/>
+            <ac:spMk id="6" creationId="{975BC3A1-87A5-49EE-8109-4ED7721F08A6}"/>
+          </ac:spMkLst>
+        </pc:spChg>
+        <pc:picChg chg="add mod">
+          <ac:chgData name="Thomas Mandelz" userId="8d3a597e08c542e1" providerId="LiveId" clId="{C836EF19-E232-49E4-AE3F-6127B56BBCF6}" dt="2022-01-20T10:20:31.147" v="85" actId="1076"/>
+          <ac:picMkLst>
+            <pc:docMk/>
+            <pc:sldMk cId="3227672474" sldId="265"/>
+            <ac:picMk id="7" creationId="{5327B90C-621B-491B-88DF-65F26346D454}"/>
+          </ac:picMkLst>
+        </pc:picChg>
+        <pc:picChg chg="add mod">
+          <ac:chgData name="Thomas Mandelz" userId="8d3a597e08c542e1" providerId="LiveId" clId="{C836EF19-E232-49E4-AE3F-6127B56BBCF6}" dt="2022-01-20T10:20:31.147" v="85" actId="1076"/>
+          <ac:picMkLst>
+            <pc:docMk/>
+            <pc:sldMk cId="3227672474" sldId="265"/>
+            <ac:picMk id="8" creationId="{CAEA42E3-69F5-40B9-B985-0E47109E4CC0}"/>
+          </ac:picMkLst>
+        </pc:picChg>
+        <pc:picChg chg="add mod">
+          <ac:chgData name="Thomas Mandelz" userId="8d3a597e08c542e1" providerId="LiveId" clId="{C836EF19-E232-49E4-AE3F-6127B56BBCF6}" dt="2022-01-20T10:20:31.147" v="85" actId="1076"/>
+          <ac:picMkLst>
+            <pc:docMk/>
+            <pc:sldMk cId="3227672474" sldId="265"/>
+            <ac:picMk id="9" creationId="{55674157-E2BF-47D0-A5C2-A2FDC6461465}"/>
+          </ac:picMkLst>
+        </pc:picChg>
+      </pc:sldChg>
+      <pc:sldChg chg="modSp new mod modNotesTx">
+        <pc:chgData name="Thomas Mandelz" userId="8d3a597e08c542e1" providerId="LiveId" clId="{C836EF19-E232-49E4-AE3F-6127B56BBCF6}" dt="2022-01-20T10:35:05.167" v="250" actId="20577"/>
+        <pc:sldMkLst>
+          <pc:docMk/>
+          <pc:sldMk cId="4102609991" sldId="266"/>
+        </pc:sldMkLst>
+        <pc:spChg chg="mod">
+          <ac:chgData name="Thomas Mandelz" userId="8d3a597e08c542e1" providerId="LiveId" clId="{C836EF19-E232-49E4-AE3F-6127B56BBCF6}" dt="2022-01-20T10:35:05.167" v="250" actId="20577"/>
+          <ac:spMkLst>
+            <pc:docMk/>
+            <pc:sldMk cId="4102609991" sldId="266"/>
+            <ac:spMk id="3" creationId="{9D6060B6-5DF1-4FF9-8088-922AEB39305A}"/>
+          </ac:spMkLst>
+        </pc:spChg>
+        <pc:spChg chg="mod">
+          <ac:chgData name="Thomas Mandelz" userId="8d3a597e08c542e1" providerId="LiveId" clId="{C836EF19-E232-49E4-AE3F-6127B56BBCF6}" dt="2022-01-20T10:20:52.940" v="89"/>
+          <ac:spMkLst>
+            <pc:docMk/>
+            <pc:sldMk cId="4102609991" sldId="266"/>
+            <ac:spMk id="5" creationId="{C15D73FE-4B87-4BB0-9477-2FECB70C9C7A}"/>
+          </ac:spMkLst>
+        </pc:spChg>
+        <pc:spChg chg="mod">
+          <ac:chgData name="Thomas Mandelz" userId="8d3a597e08c542e1" providerId="LiveId" clId="{C836EF19-E232-49E4-AE3F-6127B56BBCF6}" dt="2022-01-20T10:21:06.363" v="94" actId="12"/>
+          <ac:spMkLst>
+            <pc:docMk/>
+            <pc:sldMk cId="4102609991" sldId="266"/>
+            <ac:spMk id="6" creationId="{C441A34F-BF68-4E06-B6EA-18E4E7BE98EB}"/>
+          </ac:spMkLst>
+        </pc:spChg>
+      </pc:sldChg>
+      <pc:sldChg chg="modSp new mod modNotesTx">
+        <pc:chgData name="Thomas Mandelz" userId="8d3a597e08c542e1" providerId="LiveId" clId="{C836EF19-E232-49E4-AE3F-6127B56BBCF6}" dt="2022-01-20T10:35:12.196" v="260" actId="20577"/>
+        <pc:sldMkLst>
+          <pc:docMk/>
+          <pc:sldMk cId="2332655269" sldId="267"/>
+        </pc:sldMkLst>
+        <pc:spChg chg="mod">
+          <ac:chgData name="Thomas Mandelz" userId="8d3a597e08c542e1" providerId="LiveId" clId="{C836EF19-E232-49E4-AE3F-6127B56BBCF6}" dt="2022-01-20T10:35:12.196" v="260" actId="20577"/>
+          <ac:spMkLst>
+            <pc:docMk/>
+            <pc:sldMk cId="2332655269" sldId="267"/>
+            <ac:spMk id="3" creationId="{CF8F83BF-0BE0-41AB-88FE-975D825037C9}"/>
+          </ac:spMkLst>
+        </pc:spChg>
+        <pc:spChg chg="mod">
+          <ac:chgData name="Thomas Mandelz" userId="8d3a597e08c542e1" providerId="LiveId" clId="{C836EF19-E232-49E4-AE3F-6127B56BBCF6}" dt="2022-01-20T10:21:21.857" v="97"/>
+          <ac:spMkLst>
+            <pc:docMk/>
+            <pc:sldMk cId="2332655269" sldId="267"/>
+            <ac:spMk id="5" creationId="{E071FFB7-E340-4C82-9EF3-F550023A778B}"/>
+          </ac:spMkLst>
+        </pc:spChg>
+        <pc:spChg chg="mod">
+          <ac:chgData name="Thomas Mandelz" userId="8d3a597e08c542e1" providerId="LiveId" clId="{C836EF19-E232-49E4-AE3F-6127B56BBCF6}" dt="2022-01-20T10:21:28.767" v="100" actId="12"/>
+          <ac:spMkLst>
+            <pc:docMk/>
+            <pc:sldMk cId="2332655269" sldId="267"/>
+            <ac:spMk id="6" creationId="{6F22A4B4-9E87-4120-9B2C-AA25BAE6300E}"/>
+          </ac:spMkLst>
+        </pc:spChg>
+      </pc:sldChg>
+      <pc:sldChg chg="modSp new mod modNotesTx">
+        <pc:chgData name="Thomas Mandelz" userId="8d3a597e08c542e1" providerId="LiveId" clId="{C836EF19-E232-49E4-AE3F-6127B56BBCF6}" dt="2022-01-20T10:35:31.401" v="262"/>
+        <pc:sldMkLst>
+          <pc:docMk/>
+          <pc:sldMk cId="800577293" sldId="268"/>
+        </pc:sldMkLst>
+        <pc:spChg chg="mod">
+          <ac:chgData name="Thomas Mandelz" userId="8d3a597e08c542e1" providerId="LiveId" clId="{C836EF19-E232-49E4-AE3F-6127B56BBCF6}" dt="2022-01-20T10:35:31.401" v="262"/>
+          <ac:spMkLst>
+            <pc:docMk/>
+            <pc:sldMk cId="800577293" sldId="268"/>
+            <ac:spMk id="3" creationId="{F3F2052E-8FEE-458B-AA4F-E32691CFF408}"/>
+          </ac:spMkLst>
+        </pc:spChg>
+        <pc:spChg chg="mod">
+          <ac:chgData name="Thomas Mandelz" userId="8d3a597e08c542e1" providerId="LiveId" clId="{C836EF19-E232-49E4-AE3F-6127B56BBCF6}" dt="2022-01-20T10:21:45.987" v="103"/>
+          <ac:spMkLst>
+            <pc:docMk/>
+            <pc:sldMk cId="800577293" sldId="268"/>
+            <ac:spMk id="5" creationId="{6F3F5574-E086-4BAC-A9AF-0FA0718FEE77}"/>
+          </ac:spMkLst>
+        </pc:spChg>
+        <pc:spChg chg="mod">
+          <ac:chgData name="Thomas Mandelz" userId="8d3a597e08c542e1" providerId="LiveId" clId="{C836EF19-E232-49E4-AE3F-6127B56BBCF6}" dt="2022-01-20T10:35:23.762" v="261" actId="14100"/>
+          <ac:spMkLst>
+            <pc:docMk/>
+            <pc:sldMk cId="800577293" sldId="268"/>
+            <ac:spMk id="6" creationId="{1BEAC416-4F92-4165-9BD7-B2A346EBA8AC}"/>
+          </ac:spMkLst>
+        </pc:spChg>
+      </pc:sldChg>
+      <pc:sldChg chg="new add del">
+        <pc:chgData name="Thomas Mandelz" userId="8d3a597e08c542e1" providerId="LiveId" clId="{C836EF19-E232-49E4-AE3F-6127B56BBCF6}" dt="2022-01-20T10:33:19.800" v="233" actId="47"/>
+        <pc:sldMkLst>
+          <pc:docMk/>
+          <pc:sldMk cId="2512396365" sldId="269"/>
+        </pc:sldMkLst>
+      </pc:sldChg>
+      <pc:sldChg chg="new del">
+        <pc:chgData name="Thomas Mandelz" userId="8d3a597e08c542e1" providerId="LiveId" clId="{C836EF19-E232-49E4-AE3F-6127B56BBCF6}" dt="2022-01-20T10:27:31.844" v="218" actId="2696"/>
+        <pc:sldMkLst>
+          <pc:docMk/>
+          <pc:sldMk cId="2898268236" sldId="269"/>
+        </pc:sldMkLst>
+      </pc:sldChg>
+      <pc:sldMasterChg chg="modSp mod modSldLayout">
+        <pc:chgData name="Thomas Mandelz" userId="8d3a597e08c542e1" providerId="LiveId" clId="{C836EF19-E232-49E4-AE3F-6127B56BBCF6}" dt="2022-01-20T10:25:49.414" v="212" actId="20577"/>
+        <pc:sldMasterMkLst>
+          <pc:docMk/>
+          <pc:sldMasterMk cId="2291402503" sldId="2147483713"/>
+        </pc:sldMasterMkLst>
+        <pc:spChg chg="mod">
+          <ac:chgData name="Thomas Mandelz" userId="8d3a597e08c542e1" providerId="LiveId" clId="{C836EF19-E232-49E4-AE3F-6127B56BBCF6}" dt="2022-01-20T10:24:57.970" v="196" actId="20577"/>
+          <ac:spMkLst>
+            <pc:docMk/>
+            <pc:sldMasterMk cId="2291402503" sldId="2147483713"/>
+            <ac:spMk id="1029" creationId="{00000000-0000-0000-0000-000000000000}"/>
+          </ac:spMkLst>
+        </pc:spChg>
+        <pc:sldLayoutChg chg="modSp mod">
+          <pc:chgData name="Thomas Mandelz" userId="8d3a597e08c542e1" providerId="LiveId" clId="{C836EF19-E232-49E4-AE3F-6127B56BBCF6}" dt="2022-01-20T10:25:29.921" v="198" actId="20577"/>
+          <pc:sldLayoutMkLst>
+            <pc:docMk/>
+            <pc:sldMasterMk cId="2291402503" sldId="2147483713"/>
+            <pc:sldLayoutMk cId="4017834334" sldId="2147483720"/>
+          </pc:sldLayoutMkLst>
+          <pc:spChg chg="mod">
+            <ac:chgData name="Thomas Mandelz" userId="8d3a597e08c542e1" providerId="LiveId" clId="{C836EF19-E232-49E4-AE3F-6127B56BBCF6}" dt="2022-01-20T10:25:29.921" v="198" actId="20577"/>
+            <ac:spMkLst>
+              <pc:docMk/>
+              <pc:sldMasterMk cId="2291402503" sldId="2147483713"/>
+              <pc:sldLayoutMk cId="4017834334" sldId="2147483720"/>
+              <ac:spMk id="3" creationId="{00000000-0000-0000-0000-000000000000}"/>
+            </ac:spMkLst>
+          </pc:spChg>
+        </pc:sldLayoutChg>
+        <pc:sldLayoutChg chg="modSp mod">
+          <pc:chgData name="Thomas Mandelz" userId="8d3a597e08c542e1" providerId="LiveId" clId="{C836EF19-E232-49E4-AE3F-6127B56BBCF6}" dt="2022-01-20T10:25:34.923" v="200" actId="20577"/>
+          <pc:sldLayoutMkLst>
+            <pc:docMk/>
+            <pc:sldMasterMk cId="2291402503" sldId="2147483713"/>
+            <pc:sldLayoutMk cId="1113631071" sldId="2147483727"/>
+          </pc:sldLayoutMkLst>
+          <pc:spChg chg="mod">
+            <ac:chgData name="Thomas Mandelz" userId="8d3a597e08c542e1" providerId="LiveId" clId="{C836EF19-E232-49E4-AE3F-6127B56BBCF6}" dt="2022-01-20T10:25:34.923" v="200" actId="20577"/>
+            <ac:spMkLst>
+              <pc:docMk/>
+              <pc:sldMasterMk cId="2291402503" sldId="2147483713"/>
+              <pc:sldLayoutMk cId="1113631071" sldId="2147483727"/>
+              <ac:spMk id="5" creationId="{00000000-0000-0000-0000-000000000000}"/>
+            </ac:spMkLst>
+          </pc:spChg>
+        </pc:sldLayoutChg>
+        <pc:sldLayoutChg chg="modSp mod">
+          <pc:chgData name="Thomas Mandelz" userId="8d3a597e08c542e1" providerId="LiveId" clId="{C836EF19-E232-49E4-AE3F-6127B56BBCF6}" dt="2022-01-20T10:25:43.224" v="210" actId="20577"/>
+          <pc:sldLayoutMkLst>
+            <pc:docMk/>
+            <pc:sldMasterMk cId="2291402503" sldId="2147483713"/>
+            <pc:sldLayoutMk cId="2260773854" sldId="2147483728"/>
+          </pc:sldLayoutMkLst>
+          <pc:spChg chg="mod">
+            <ac:chgData name="Thomas Mandelz" userId="8d3a597e08c542e1" providerId="LiveId" clId="{C836EF19-E232-49E4-AE3F-6127B56BBCF6}" dt="2022-01-20T10:25:43.224" v="210" actId="20577"/>
+            <ac:spMkLst>
+              <pc:docMk/>
+              <pc:sldMasterMk cId="2291402503" sldId="2147483713"/>
+              <pc:sldLayoutMk cId="2260773854" sldId="2147483728"/>
+              <ac:spMk id="5" creationId="{00000000-0000-0000-0000-000000000000}"/>
+            </ac:spMkLst>
+          </pc:spChg>
+        </pc:sldLayoutChg>
+        <pc:sldLayoutChg chg="modSp mod">
+          <pc:chgData name="Thomas Mandelz" userId="8d3a597e08c542e1" providerId="LiveId" clId="{C836EF19-E232-49E4-AE3F-6127B56BBCF6}" dt="2022-01-20T10:25:49.414" v="212" actId="20577"/>
+          <pc:sldLayoutMkLst>
+            <pc:docMk/>
+            <pc:sldMasterMk cId="2291402503" sldId="2147483713"/>
+            <pc:sldLayoutMk cId="338048498" sldId="2147483729"/>
+          </pc:sldLayoutMkLst>
+          <pc:spChg chg="mod">
+            <ac:chgData name="Thomas Mandelz" userId="8d3a597e08c542e1" providerId="LiveId" clId="{C836EF19-E232-49E4-AE3F-6127B56BBCF6}" dt="2022-01-20T10:25:49.414" v="212" actId="20577"/>
+            <ac:spMkLst>
+              <pc:docMk/>
+              <pc:sldMasterMk cId="2291402503" sldId="2147483713"/>
+              <pc:sldLayoutMk cId="338048498" sldId="2147483729"/>
+              <ac:spMk id="3" creationId="{00000000-0000-0000-0000-000000000000}"/>
+            </ac:spMkLst>
+          </pc:spChg>
+        </pc:sldLayoutChg>
+      </pc:sldMasterChg>
+    </pc:docChg>
+  </pc:docChgLst>
 </pc:chgInfo>
 </file>
 
@@ -653,7 +1348,7 @@
             <a:fld id="{C74B13BA-36C6-4300-B5B6-6C1D152DFF13}" type="slidenum">
               <a:rPr lang="de-CH"/>
               <a:pPr/>
-              <a:t>‹Nr.›</a:t>
+              <a:t>‹#›</a:t>
             </a:fld>
             <a:endParaRPr lang="de-CH"/>
           </a:p>
@@ -1106,7 +1801,7 @@
             <a:fld id="{058061DB-DF71-4765-99A4-14E22DF63CCF}" type="slidenum">
               <a:rPr lang="de-CH"/>
               <a:pPr/>
-              <a:t>‹Nr.›</a:t>
+              <a:t>‹#›</a:t>
             </a:fld>
             <a:endParaRPr lang="de-CH"/>
           </a:p>
@@ -1245,6 +1940,1673 @@
 </p:notesMaster>
 </file>
 
+<file path=ppt/notesSlides/notesSlide1.xml><?xml version="1.0" encoding="utf-8"?>
+<p:notes xmlns:a="http://schemas.openxmlformats.org/drawingml/2006/main" xmlns:r="http://schemas.openxmlformats.org/officeDocument/2006/relationships" xmlns:p="http://schemas.openxmlformats.org/presentationml/2006/main">
+  <p:cSld>
+    <p:spTree>
+      <p:nvGrpSpPr>
+        <p:cNvPr id="1" name=""/>
+        <p:cNvGrpSpPr/>
+        <p:nvPr/>
+      </p:nvGrpSpPr>
+      <p:grpSpPr>
+        <a:xfrm>
+          <a:off x="0" y="0"/>
+          <a:ext cx="0" cy="0"/>
+          <a:chOff x="0" y="0"/>
+          <a:chExt cx="0" cy="0"/>
+        </a:xfrm>
+      </p:grpSpPr>
+      <p:sp>
+        <p:nvSpPr>
+          <p:cNvPr id="2" name="Slide Image Placeholder 1"/>
+          <p:cNvSpPr>
+            <a:spLocks noGrp="1" noRot="1" noChangeAspect="1"/>
+          </p:cNvSpPr>
+          <p:nvPr>
+            <p:ph type="sldImg"/>
+          </p:nvPr>
+        </p:nvSpPr>
+        <p:spPr/>
+      </p:sp>
+      <p:sp>
+        <p:nvSpPr>
+          <p:cNvPr id="3" name="Notes Placeholder 2"/>
+          <p:cNvSpPr>
+            <a:spLocks noGrp="1"/>
+          </p:cNvSpPr>
+          <p:nvPr>
+            <p:ph type="body" idx="1"/>
+          </p:nvPr>
+        </p:nvSpPr>
+        <p:spPr/>
+        <p:txBody>
+          <a:bodyPr/>
+          <a:lstStyle/>
+          <a:p>
+            <a:pPr marL="171450" indent="-171450">
+              <a:buFont typeface="Arial" panose="020B0604020202020204" pitchFamily="34" charset="0"/>
+              <a:buChar char="•"/>
+            </a:pPr>
+            <a:r>
+              <a:rPr lang="en-CH" dirty="0" err="1"/>
+              <a:t>Beschreibung</a:t>
+            </a:r>
+            <a:r>
+              <a:rPr lang="en-CH" dirty="0"/>
+              <a:t> der </a:t>
+            </a:r>
+            <a:r>
+              <a:rPr lang="en-CH" dirty="0" err="1"/>
+              <a:t>Methodik</a:t>
+            </a:r>
+            <a:r>
+              <a:rPr lang="en-CH" dirty="0"/>
+              <a:t> und </a:t>
+            </a:r>
+            <a:r>
+              <a:rPr lang="en-CH" dirty="0" err="1"/>
+              <a:t>Werkzeuge</a:t>
+            </a:r>
+            <a:r>
+              <a:rPr lang="en-CH" dirty="0"/>
+              <a:t> in </a:t>
+            </a:r>
+            <a:r>
+              <a:rPr lang="en-CH" dirty="0" err="1"/>
+              <a:t>unserer</a:t>
+            </a:r>
+            <a:r>
+              <a:rPr lang="en-CH" dirty="0"/>
+              <a:t> Challenge</a:t>
+            </a:r>
+          </a:p>
+          <a:p>
+            <a:pPr marL="171450" indent="-171450">
+              <a:buFont typeface="Arial" panose="020B0604020202020204" pitchFamily="34" charset="0"/>
+              <a:buChar char="•"/>
+            </a:pPr>
+            <a:r>
+              <a:rPr lang="en-CH" dirty="0" err="1"/>
+              <a:t>Theorie</a:t>
+            </a:r>
+            <a:r>
+              <a:rPr lang="en-CH" dirty="0"/>
+              <a:t> der </a:t>
+            </a:r>
+            <a:r>
+              <a:rPr lang="en-CH" dirty="0" err="1"/>
+              <a:t>Methoden</a:t>
+            </a:r>
+            <a:r>
+              <a:rPr lang="en-CH" dirty="0"/>
+              <a:t> und </a:t>
+            </a:r>
+            <a:r>
+              <a:rPr lang="en-CH" dirty="0" err="1"/>
+              <a:t>Werkzeuge</a:t>
+            </a:r>
+            <a:endParaRPr lang="de-CH" dirty="0"/>
+          </a:p>
+          <a:p>
+            <a:endParaRPr lang="de-CH" dirty="0"/>
+          </a:p>
+        </p:txBody>
+      </p:sp>
+      <p:sp>
+        <p:nvSpPr>
+          <p:cNvPr id="4" name="Slide Number Placeholder 3"/>
+          <p:cNvSpPr>
+            <a:spLocks noGrp="1"/>
+          </p:cNvSpPr>
+          <p:nvPr>
+            <p:ph type="sldNum" sz="quarter" idx="5"/>
+          </p:nvPr>
+        </p:nvSpPr>
+        <p:spPr/>
+        <p:txBody>
+          <a:bodyPr/>
+          <a:lstStyle/>
+          <a:p>
+            <a:fld id="{058061DB-DF71-4765-99A4-14E22DF63CCF}" type="slidenum">
+              <a:rPr lang="de-CH" smtClean="0"/>
+              <a:pPr/>
+              <a:t>4</a:t>
+            </a:fld>
+            <a:endParaRPr lang="de-CH"/>
+          </a:p>
+        </p:txBody>
+      </p:sp>
+    </p:spTree>
+    <p:extLst>
+      <p:ext uri="{BB962C8B-B14F-4D97-AF65-F5344CB8AC3E}">
+        <p14:creationId xmlns:p14="http://schemas.microsoft.com/office/powerpoint/2010/main" val="2720882285"/>
+      </p:ext>
+    </p:extLst>
+  </p:cSld>
+  <p:clrMapOvr>
+    <a:masterClrMapping/>
+  </p:clrMapOvr>
+</p:notes>
+</file>
+
+<file path=ppt/notesSlides/notesSlide2.xml><?xml version="1.0" encoding="utf-8"?>
+<p:notes xmlns:a="http://schemas.openxmlformats.org/drawingml/2006/main" xmlns:r="http://schemas.openxmlformats.org/officeDocument/2006/relationships" xmlns:p="http://schemas.openxmlformats.org/presentationml/2006/main">
+  <p:cSld>
+    <p:spTree>
+      <p:nvGrpSpPr>
+        <p:cNvPr id="1" name=""/>
+        <p:cNvGrpSpPr/>
+        <p:nvPr/>
+      </p:nvGrpSpPr>
+      <p:grpSpPr>
+        <a:xfrm>
+          <a:off x="0" y="0"/>
+          <a:ext cx="0" cy="0"/>
+          <a:chOff x="0" y="0"/>
+          <a:chExt cx="0" cy="0"/>
+        </a:xfrm>
+      </p:grpSpPr>
+      <p:sp>
+        <p:nvSpPr>
+          <p:cNvPr id="2" name="Slide Image Placeholder 1"/>
+          <p:cNvSpPr>
+            <a:spLocks noGrp="1" noRot="1" noChangeAspect="1"/>
+          </p:cNvSpPr>
+          <p:nvPr>
+            <p:ph type="sldImg"/>
+          </p:nvPr>
+        </p:nvSpPr>
+        <p:spPr/>
+      </p:sp>
+      <p:sp>
+        <p:nvSpPr>
+          <p:cNvPr id="3" name="Notes Placeholder 2"/>
+          <p:cNvSpPr>
+            <a:spLocks noGrp="1"/>
+          </p:cNvSpPr>
+          <p:nvPr>
+            <p:ph type="body" idx="1"/>
+          </p:nvPr>
+        </p:nvSpPr>
+        <p:spPr/>
+        <p:txBody>
+          <a:bodyPr/>
+          <a:lstStyle/>
+          <a:p>
+            <a:pPr marL="171450" indent="-171450">
+              <a:buFont typeface="Arial" panose="020B0604020202020204" pitchFamily="34" charset="0"/>
+              <a:buChar char="•"/>
+            </a:pPr>
+            <a:r>
+              <a:rPr lang="en-CH" dirty="0" err="1"/>
+              <a:t>Realitätsabbildung</a:t>
+            </a:r>
+            <a:r>
+              <a:rPr lang="en-CH" dirty="0"/>
+              <a:t> </a:t>
+            </a:r>
+            <a:r>
+              <a:rPr lang="en-CH" dirty="0" err="1"/>
+              <a:t>durch</a:t>
+            </a:r>
+            <a:r>
+              <a:rPr lang="en-CH" dirty="0"/>
+              <a:t> </a:t>
+            </a:r>
+            <a:r>
+              <a:rPr lang="en-CH" dirty="0" err="1"/>
+              <a:t>physikalische</a:t>
+            </a:r>
+            <a:r>
+              <a:rPr lang="en-CH" dirty="0"/>
+              <a:t> </a:t>
+            </a:r>
+            <a:r>
+              <a:rPr lang="en-CH" dirty="0" err="1"/>
+              <a:t>Formeln</a:t>
+            </a:r>
+            <a:endParaRPr lang="en-CH" dirty="0"/>
+          </a:p>
+          <a:p>
+            <a:pPr marL="171450" indent="-171450">
+              <a:buFont typeface="Arial" panose="020B0604020202020204" pitchFamily="34" charset="0"/>
+              <a:buChar char="•"/>
+            </a:pPr>
+            <a:r>
+              <a:rPr lang="en-CH" dirty="0" err="1"/>
+              <a:t>Kinetische</a:t>
+            </a:r>
+            <a:r>
+              <a:rPr lang="en-CH" dirty="0"/>
+              <a:t> </a:t>
+            </a:r>
+            <a:r>
+              <a:rPr lang="en-CH" dirty="0" err="1"/>
+              <a:t>Energie</a:t>
+            </a:r>
+            <a:r>
+              <a:rPr lang="en-CH" dirty="0"/>
+              <a:t> </a:t>
+            </a:r>
+            <a:r>
+              <a:rPr lang="en-CH" dirty="0" err="1"/>
+              <a:t>eines</a:t>
+            </a:r>
+            <a:r>
+              <a:rPr lang="en-CH" dirty="0"/>
+              <a:t> Steins </a:t>
+            </a:r>
+            <a:r>
+              <a:rPr lang="en-CH" dirty="0" err="1"/>
+              <a:t>beim</a:t>
+            </a:r>
+            <a:r>
+              <a:rPr lang="en-CH" dirty="0"/>
+              <a:t> Fall</a:t>
+            </a:r>
+          </a:p>
+          <a:p>
+            <a:pPr marL="171450" marR="0" lvl="0" indent="-171450" algn="l" defTabSz="914400" rtl="0" eaLnBrk="1" fontAlgn="auto" latinLnBrk="0" hangingPunct="1">
+              <a:lnSpc>
+                <a:spcPct val="100000"/>
+              </a:lnSpc>
+              <a:spcBef>
+                <a:spcPts val="0"/>
+              </a:spcBef>
+              <a:spcAft>
+                <a:spcPts val="0"/>
+              </a:spcAft>
+              <a:buClrTx/>
+              <a:buSzTx/>
+              <a:buFont typeface="Arial" panose="020B0604020202020204" pitchFamily="34" charset="0"/>
+              <a:buChar char="•"/>
+              <a:tabLst/>
+              <a:defRPr/>
+            </a:pPr>
+            <a:r>
+              <a:rPr lang="de-CH" dirty="0"/>
+              <a:t>KE</a:t>
+            </a:r>
+            <a:r>
+              <a:rPr lang="en-CH" dirty="0"/>
+              <a:t> </a:t>
+            </a:r>
+            <a:r>
+              <a:rPr lang="de-CH" dirty="0"/>
+              <a:t>=</a:t>
+            </a:r>
+            <a:r>
+              <a:rPr lang="en-CH" dirty="0"/>
+              <a:t> </a:t>
+            </a:r>
+            <a:r>
+              <a:rPr lang="de-CH" dirty="0"/>
+              <a:t>1/2m</a:t>
+            </a:r>
+            <a:r>
+              <a:rPr lang="en-CH" dirty="0"/>
+              <a:t>*</a:t>
+            </a:r>
+            <a:r>
+              <a:rPr lang="de-CH" dirty="0"/>
+              <a:t>v^2</a:t>
+            </a:r>
+            <a:endParaRPr lang="en-CH" dirty="0"/>
+          </a:p>
+          <a:p>
+            <a:pPr marL="171450" indent="-171450">
+              <a:buFont typeface="Arial" panose="020B0604020202020204" pitchFamily="34" charset="0"/>
+              <a:buChar char="•"/>
+            </a:pPr>
+            <a:endParaRPr lang="en-CH" dirty="0"/>
+          </a:p>
+          <a:p>
+            <a:pPr marL="171450" indent="-171450">
+              <a:buFont typeface="Arial" panose="020B0604020202020204" pitchFamily="34" charset="0"/>
+              <a:buChar char="•"/>
+            </a:pPr>
+            <a:endParaRPr lang="de-CH" dirty="0"/>
+          </a:p>
+          <a:p>
+            <a:endParaRPr lang="de-CH" dirty="0"/>
+          </a:p>
+        </p:txBody>
+      </p:sp>
+      <p:sp>
+        <p:nvSpPr>
+          <p:cNvPr id="4" name="Slide Number Placeholder 3"/>
+          <p:cNvSpPr>
+            <a:spLocks noGrp="1"/>
+          </p:cNvSpPr>
+          <p:nvPr>
+            <p:ph type="sldNum" sz="quarter" idx="5"/>
+          </p:nvPr>
+        </p:nvSpPr>
+        <p:spPr/>
+        <p:txBody>
+          <a:bodyPr/>
+          <a:lstStyle/>
+          <a:p>
+            <a:fld id="{058061DB-DF71-4765-99A4-14E22DF63CCF}" type="slidenum">
+              <a:rPr lang="de-CH" smtClean="0"/>
+              <a:pPr/>
+              <a:t>5</a:t>
+            </a:fld>
+            <a:endParaRPr lang="de-CH"/>
+          </a:p>
+        </p:txBody>
+      </p:sp>
+    </p:spTree>
+    <p:extLst>
+      <p:ext uri="{BB962C8B-B14F-4D97-AF65-F5344CB8AC3E}">
+        <p14:creationId xmlns:p14="http://schemas.microsoft.com/office/powerpoint/2010/main" val="2789302387"/>
+      </p:ext>
+    </p:extLst>
+  </p:cSld>
+  <p:clrMapOvr>
+    <a:masterClrMapping/>
+  </p:clrMapOvr>
+</p:notes>
+</file>
+
+<file path=ppt/notesSlides/notesSlide3.xml><?xml version="1.0" encoding="utf-8"?>
+<p:notes xmlns:a="http://schemas.openxmlformats.org/drawingml/2006/main" xmlns:r="http://schemas.openxmlformats.org/officeDocument/2006/relationships" xmlns:p="http://schemas.openxmlformats.org/presentationml/2006/main">
+  <p:cSld>
+    <p:spTree>
+      <p:nvGrpSpPr>
+        <p:cNvPr id="1" name=""/>
+        <p:cNvGrpSpPr/>
+        <p:nvPr/>
+      </p:nvGrpSpPr>
+      <p:grpSpPr>
+        <a:xfrm>
+          <a:off x="0" y="0"/>
+          <a:ext cx="0" cy="0"/>
+          <a:chOff x="0" y="0"/>
+          <a:chExt cx="0" cy="0"/>
+        </a:xfrm>
+      </p:grpSpPr>
+      <p:sp>
+        <p:nvSpPr>
+          <p:cNvPr id="2" name="Slide Image Placeholder 1"/>
+          <p:cNvSpPr>
+            <a:spLocks noGrp="1" noRot="1" noChangeAspect="1"/>
+          </p:cNvSpPr>
+          <p:nvPr>
+            <p:ph type="sldImg"/>
+          </p:nvPr>
+        </p:nvSpPr>
+        <p:spPr/>
+      </p:sp>
+      <p:sp>
+        <p:nvSpPr>
+          <p:cNvPr id="3" name="Notes Placeholder 2"/>
+          <p:cNvSpPr>
+            <a:spLocks noGrp="1"/>
+          </p:cNvSpPr>
+          <p:nvPr>
+            <p:ph type="body" idx="1"/>
+          </p:nvPr>
+        </p:nvSpPr>
+        <p:spPr/>
+        <p:txBody>
+          <a:bodyPr/>
+          <a:lstStyle/>
+          <a:p>
+            <a:pPr marL="171450" indent="-171450">
+              <a:buFont typeface="Arial" panose="020B0604020202020204" pitchFamily="34" charset="0"/>
+              <a:buChar char="•"/>
+            </a:pPr>
+            <a:r>
+              <a:rPr lang="en-CH" dirty="0" err="1"/>
+              <a:t>Verteilungen</a:t>
+            </a:r>
+            <a:endParaRPr lang="en-CH" dirty="0"/>
+          </a:p>
+          <a:p>
+            <a:pPr marL="628650" lvl="1" indent="-171450">
+              <a:buFont typeface="Arial" panose="020B0604020202020204" pitchFamily="34" charset="0"/>
+              <a:buChar char="•"/>
+            </a:pPr>
+            <a:r>
+              <a:rPr lang="en-CH" dirty="0" err="1"/>
+              <a:t>Normalverteilung</a:t>
+            </a:r>
+            <a:r>
+              <a:rPr lang="en-CH" dirty="0"/>
+              <a:t> </a:t>
+            </a:r>
+            <a:r>
+              <a:rPr lang="en-CH" dirty="0" err="1"/>
+              <a:t>nach</a:t>
+            </a:r>
+            <a:r>
+              <a:rPr lang="en-CH" dirty="0"/>
+              <a:t> Gauss </a:t>
+            </a:r>
+            <a:r>
+              <a:rPr lang="en-CH" dirty="0" err="1"/>
+              <a:t>mit</a:t>
+            </a:r>
+            <a:r>
+              <a:rPr lang="en-CH" dirty="0"/>
+              <a:t> den</a:t>
+            </a:r>
+          </a:p>
+          <a:p>
+            <a:pPr marL="1085850" lvl="2" indent="-171450">
+              <a:buFont typeface="Arial" panose="020B0604020202020204" pitchFamily="34" charset="0"/>
+              <a:buChar char="•"/>
+            </a:pPr>
+            <a:r>
+              <a:rPr lang="en-CH" dirty="0"/>
+              <a:t>Parameter für </a:t>
+            </a:r>
+            <a:r>
+              <a:rPr lang="en-CH" dirty="0" err="1"/>
+              <a:t>Verteilung</a:t>
+            </a:r>
+            <a:r>
+              <a:rPr lang="en-CH" dirty="0"/>
+              <a:t> </a:t>
+            </a:r>
+            <a:r>
+              <a:rPr lang="en-CH" dirty="0" err="1"/>
+              <a:t>Standardabweichung</a:t>
+            </a:r>
+            <a:r>
+              <a:rPr lang="en-CH" dirty="0"/>
+              <a:t> und </a:t>
+            </a:r>
+            <a:r>
+              <a:rPr lang="en-CH" dirty="0" err="1"/>
+              <a:t>Mittelwert</a:t>
+            </a:r>
+            <a:r>
+              <a:rPr lang="en-CH" dirty="0"/>
+              <a:t> der </a:t>
+            </a:r>
+            <a:r>
+              <a:rPr lang="en-CH" dirty="0" err="1"/>
+              <a:t>Werte</a:t>
+            </a:r>
+            <a:r>
+              <a:rPr lang="en-CH" dirty="0"/>
+              <a:t>	</a:t>
+            </a:r>
+          </a:p>
+          <a:p>
+            <a:pPr marL="628650" lvl="1" indent="-171450">
+              <a:buFont typeface="Arial" panose="020B0604020202020204" pitchFamily="34" charset="0"/>
+              <a:buChar char="•"/>
+            </a:pPr>
+            <a:r>
+              <a:rPr lang="en-CH" dirty="0" err="1"/>
+              <a:t>Exponentialverteilung</a:t>
+            </a:r>
+            <a:r>
+              <a:rPr lang="en-CH" dirty="0"/>
+              <a:t> </a:t>
+            </a:r>
+          </a:p>
+          <a:p>
+            <a:pPr marL="1085850" lvl="2" indent="-171450">
+              <a:buFont typeface="Arial" panose="020B0604020202020204" pitchFamily="34" charset="0"/>
+              <a:buChar char="•"/>
+            </a:pPr>
+            <a:r>
+              <a:rPr lang="en-CH" dirty="0"/>
+              <a:t>Parameter </a:t>
+            </a:r>
+            <a:r>
+              <a:rPr lang="en-CH" dirty="0" err="1"/>
+              <a:t>Mittelwert</a:t>
+            </a:r>
+            <a:r>
+              <a:rPr lang="en-CH" dirty="0"/>
+              <a:t> </a:t>
+            </a:r>
+          </a:p>
+          <a:p>
+            <a:pPr marL="628650" lvl="1" indent="-171450">
+              <a:buFont typeface="Arial" panose="020B0604020202020204" pitchFamily="34" charset="0"/>
+              <a:buChar char="•"/>
+            </a:pPr>
+            <a:r>
+              <a:rPr lang="en-CH" dirty="0" err="1"/>
+              <a:t>Gammaverteilung</a:t>
+            </a:r>
+            <a:r>
+              <a:rPr lang="en-CH" dirty="0"/>
+              <a:t> , </a:t>
+            </a:r>
+            <a:r>
+              <a:rPr lang="en-CH" dirty="0" err="1"/>
+              <a:t>wie</a:t>
+            </a:r>
+            <a:r>
+              <a:rPr lang="en-CH" dirty="0"/>
+              <a:t> Exponential </a:t>
+            </a:r>
+            <a:r>
+              <a:rPr lang="en-CH" dirty="0" err="1"/>
+              <a:t>aber</a:t>
+            </a:r>
+            <a:r>
+              <a:rPr lang="en-CH" dirty="0"/>
+              <a:t> </a:t>
+            </a:r>
+            <a:r>
+              <a:rPr lang="en-CH" dirty="0" err="1"/>
+              <a:t>eine</a:t>
+            </a:r>
+            <a:r>
+              <a:rPr lang="en-CH" dirty="0"/>
+              <a:t> </a:t>
+            </a:r>
+            <a:r>
+              <a:rPr lang="en-CH" dirty="0" err="1"/>
+              <a:t>kleine</a:t>
+            </a:r>
+            <a:r>
+              <a:rPr lang="en-CH" dirty="0"/>
+              <a:t> </a:t>
+            </a:r>
+            <a:r>
+              <a:rPr lang="en-CH" dirty="0" err="1"/>
+              <a:t>Stauchung</a:t>
+            </a:r>
+            <a:r>
+              <a:rPr lang="en-CH" dirty="0"/>
+              <a:t>, </a:t>
+            </a:r>
+            <a:r>
+              <a:rPr lang="en-CH" dirty="0" err="1"/>
+              <a:t>fittete</a:t>
+            </a:r>
+            <a:r>
+              <a:rPr lang="en-CH" dirty="0"/>
+              <a:t> </a:t>
+            </a:r>
+            <a:r>
+              <a:rPr lang="en-CH" dirty="0" err="1"/>
+              <a:t>besser</a:t>
+            </a:r>
+            <a:r>
+              <a:rPr lang="en-CH" dirty="0"/>
+              <a:t> </a:t>
+            </a:r>
+            <a:r>
+              <a:rPr lang="en-CH" dirty="0" err="1"/>
+              <a:t>als</a:t>
+            </a:r>
+            <a:r>
+              <a:rPr lang="en-CH" dirty="0"/>
+              <a:t> exponential </a:t>
+            </a:r>
+            <a:r>
+              <a:rPr lang="en-CH" dirty="0" err="1"/>
+              <a:t>bei</a:t>
+            </a:r>
+            <a:r>
+              <a:rPr lang="en-CH" dirty="0"/>
+              <a:t> </a:t>
+            </a:r>
+            <a:r>
+              <a:rPr lang="en-CH" dirty="0" err="1"/>
+              <a:t>gewissen</a:t>
+            </a:r>
+            <a:r>
+              <a:rPr lang="en-CH" dirty="0"/>
+              <a:t> </a:t>
+            </a:r>
+            <a:r>
+              <a:rPr lang="en-CH" dirty="0" err="1"/>
+              <a:t>Spalten</a:t>
+            </a:r>
+            <a:endParaRPr lang="en-CH" dirty="0"/>
+          </a:p>
+          <a:p>
+            <a:pPr marL="1085850" lvl="2" indent="-171450">
+              <a:buFont typeface="Arial" panose="020B0604020202020204" pitchFamily="34" charset="0"/>
+              <a:buChar char="•"/>
+            </a:pPr>
+            <a:r>
+              <a:rPr lang="en-CH" dirty="0"/>
+              <a:t>Parameter </a:t>
+            </a:r>
+            <a:r>
+              <a:rPr lang="en-CH" dirty="0" err="1"/>
+              <a:t>Mittelwert</a:t>
+            </a:r>
+            <a:r>
+              <a:rPr lang="en-CH" dirty="0"/>
+              <a:t> </a:t>
+            </a:r>
+          </a:p>
+          <a:p>
+            <a:pPr marL="1085850" lvl="2" indent="-171450">
+              <a:buFont typeface="Arial" panose="020B0604020202020204" pitchFamily="34" charset="0"/>
+              <a:buChar char="•"/>
+            </a:pPr>
+            <a:endParaRPr lang="en-CH" dirty="0"/>
+          </a:p>
+          <a:p>
+            <a:endParaRPr lang="de-CH" dirty="0"/>
+          </a:p>
+        </p:txBody>
+      </p:sp>
+      <p:sp>
+        <p:nvSpPr>
+          <p:cNvPr id="4" name="Slide Number Placeholder 3"/>
+          <p:cNvSpPr>
+            <a:spLocks noGrp="1"/>
+          </p:cNvSpPr>
+          <p:nvPr>
+            <p:ph type="sldNum" sz="quarter" idx="5"/>
+          </p:nvPr>
+        </p:nvSpPr>
+        <p:spPr/>
+        <p:txBody>
+          <a:bodyPr/>
+          <a:lstStyle/>
+          <a:p>
+            <a:fld id="{058061DB-DF71-4765-99A4-14E22DF63CCF}" type="slidenum">
+              <a:rPr lang="de-CH" smtClean="0"/>
+              <a:pPr/>
+              <a:t>6</a:t>
+            </a:fld>
+            <a:endParaRPr lang="de-CH"/>
+          </a:p>
+        </p:txBody>
+      </p:sp>
+    </p:spTree>
+    <p:extLst>
+      <p:ext uri="{BB962C8B-B14F-4D97-AF65-F5344CB8AC3E}">
+        <p14:creationId xmlns:p14="http://schemas.microsoft.com/office/powerpoint/2010/main" val="718603456"/>
+      </p:ext>
+    </p:extLst>
+  </p:cSld>
+  <p:clrMapOvr>
+    <a:masterClrMapping/>
+  </p:clrMapOvr>
+</p:notes>
+</file>
+
+<file path=ppt/notesSlides/notesSlide4.xml><?xml version="1.0" encoding="utf-8"?>
+<p:notes xmlns:a="http://schemas.openxmlformats.org/drawingml/2006/main" xmlns:r="http://schemas.openxmlformats.org/officeDocument/2006/relationships" xmlns:p="http://schemas.openxmlformats.org/presentationml/2006/main">
+  <p:cSld>
+    <p:spTree>
+      <p:nvGrpSpPr>
+        <p:cNvPr id="1" name=""/>
+        <p:cNvGrpSpPr/>
+        <p:nvPr/>
+      </p:nvGrpSpPr>
+      <p:grpSpPr>
+        <a:xfrm>
+          <a:off x="0" y="0"/>
+          <a:ext cx="0" cy="0"/>
+          <a:chOff x="0" y="0"/>
+          <a:chExt cx="0" cy="0"/>
+        </a:xfrm>
+      </p:grpSpPr>
+      <p:sp>
+        <p:nvSpPr>
+          <p:cNvPr id="2" name="Slide Image Placeholder 1"/>
+          <p:cNvSpPr>
+            <a:spLocks noGrp="1" noRot="1" noChangeAspect="1"/>
+          </p:cNvSpPr>
+          <p:nvPr>
+            <p:ph type="sldImg"/>
+          </p:nvPr>
+        </p:nvSpPr>
+        <p:spPr/>
+      </p:sp>
+      <p:sp>
+        <p:nvSpPr>
+          <p:cNvPr id="3" name="Notes Placeholder 2"/>
+          <p:cNvSpPr>
+            <a:spLocks noGrp="1"/>
+          </p:cNvSpPr>
+          <p:nvPr>
+            <p:ph type="body" idx="1"/>
+          </p:nvPr>
+        </p:nvSpPr>
+        <p:spPr/>
+        <p:txBody>
+          <a:bodyPr/>
+          <a:lstStyle/>
+          <a:p>
+            <a:pPr marL="171450" indent="-171450">
+              <a:buFont typeface="Arial" panose="020B0604020202020204" pitchFamily="34" charset="0"/>
+              <a:buChar char="•"/>
+            </a:pPr>
+            <a:r>
+              <a:rPr lang="en-CH" dirty="0" err="1"/>
+              <a:t>Erzeugung</a:t>
+            </a:r>
+            <a:r>
+              <a:rPr lang="en-CH" dirty="0"/>
+              <a:t> von </a:t>
+            </a:r>
+            <a:r>
+              <a:rPr lang="en-CH" dirty="0" err="1"/>
+              <a:t>neuen</a:t>
+            </a:r>
+            <a:r>
+              <a:rPr lang="en-CH" dirty="0"/>
+              <a:t> </a:t>
+            </a:r>
+            <a:r>
+              <a:rPr lang="en-CH" dirty="0" err="1"/>
+              <a:t>Werten</a:t>
+            </a:r>
+            <a:r>
+              <a:rPr lang="en-CH" dirty="0"/>
+              <a:t> der </a:t>
+            </a:r>
+            <a:r>
+              <a:rPr lang="en-CH" dirty="0" err="1"/>
+              <a:t>Spalten</a:t>
+            </a:r>
+            <a:endParaRPr lang="en-CH" dirty="0"/>
+          </a:p>
+          <a:p>
+            <a:pPr marL="171450" indent="-171450">
+              <a:buFont typeface="Arial" panose="020B0604020202020204" pitchFamily="34" charset="0"/>
+              <a:buChar char="•"/>
+            </a:pPr>
+            <a:r>
+              <a:rPr lang="de-CH" dirty="0"/>
+              <a:t>M</a:t>
+            </a:r>
+            <a:r>
+              <a:rPr lang="en-CH" dirty="0" err="1"/>
+              <a:t>ittels</a:t>
+            </a:r>
+            <a:r>
+              <a:rPr lang="en-CH" dirty="0"/>
+              <a:t> </a:t>
+            </a:r>
+            <a:r>
+              <a:rPr lang="en-CH" dirty="0" err="1"/>
+              <a:t>Verteilungsparameter</a:t>
+            </a:r>
+            <a:r>
+              <a:rPr lang="en-CH" dirty="0"/>
+              <a:t> und </a:t>
+            </a:r>
+            <a:r>
+              <a:rPr lang="en-CH" dirty="0" err="1"/>
+              <a:t>Verteilungen</a:t>
+            </a:r>
+            <a:r>
+              <a:rPr lang="en-CH" dirty="0"/>
+              <a:t> </a:t>
+            </a:r>
+          </a:p>
+          <a:p>
+            <a:pPr marL="171450" indent="-171450">
+              <a:buFont typeface="Arial" panose="020B0604020202020204" pitchFamily="34" charset="0"/>
+              <a:buChar char="•"/>
+            </a:pPr>
+            <a:endParaRPr lang="de-CH" dirty="0"/>
+          </a:p>
+          <a:p>
+            <a:endParaRPr lang="de-CH" dirty="0"/>
+          </a:p>
+        </p:txBody>
+      </p:sp>
+      <p:sp>
+        <p:nvSpPr>
+          <p:cNvPr id="4" name="Slide Number Placeholder 3"/>
+          <p:cNvSpPr>
+            <a:spLocks noGrp="1"/>
+          </p:cNvSpPr>
+          <p:nvPr>
+            <p:ph type="sldNum" sz="quarter" idx="5"/>
+          </p:nvPr>
+        </p:nvSpPr>
+        <p:spPr/>
+        <p:txBody>
+          <a:bodyPr/>
+          <a:lstStyle/>
+          <a:p>
+            <a:fld id="{058061DB-DF71-4765-99A4-14E22DF63CCF}" type="slidenum">
+              <a:rPr lang="de-CH" smtClean="0"/>
+              <a:pPr/>
+              <a:t>7</a:t>
+            </a:fld>
+            <a:endParaRPr lang="de-CH"/>
+          </a:p>
+        </p:txBody>
+      </p:sp>
+    </p:spTree>
+    <p:extLst>
+      <p:ext uri="{BB962C8B-B14F-4D97-AF65-F5344CB8AC3E}">
+        <p14:creationId xmlns:p14="http://schemas.microsoft.com/office/powerpoint/2010/main" val="1906767872"/>
+      </p:ext>
+    </p:extLst>
+  </p:cSld>
+  <p:clrMapOvr>
+    <a:masterClrMapping/>
+  </p:clrMapOvr>
+</p:notes>
+</file>
+
+<file path=ppt/notesSlides/notesSlide5.xml><?xml version="1.0" encoding="utf-8"?>
+<p:notes xmlns:a="http://schemas.openxmlformats.org/drawingml/2006/main" xmlns:r="http://schemas.openxmlformats.org/officeDocument/2006/relationships" xmlns:p="http://schemas.openxmlformats.org/presentationml/2006/main">
+  <p:cSld>
+    <p:spTree>
+      <p:nvGrpSpPr>
+        <p:cNvPr id="1" name=""/>
+        <p:cNvGrpSpPr/>
+        <p:nvPr/>
+      </p:nvGrpSpPr>
+      <p:grpSpPr>
+        <a:xfrm>
+          <a:off x="0" y="0"/>
+          <a:ext cx="0" cy="0"/>
+          <a:chOff x="0" y="0"/>
+          <a:chExt cx="0" cy="0"/>
+        </a:xfrm>
+      </p:grpSpPr>
+      <p:sp>
+        <p:nvSpPr>
+          <p:cNvPr id="2" name="Slide Image Placeholder 1"/>
+          <p:cNvSpPr>
+            <a:spLocks noGrp="1" noRot="1" noChangeAspect="1"/>
+          </p:cNvSpPr>
+          <p:nvPr>
+            <p:ph type="sldImg"/>
+          </p:nvPr>
+        </p:nvSpPr>
+        <p:spPr/>
+      </p:sp>
+      <p:sp>
+        <p:nvSpPr>
+          <p:cNvPr id="3" name="Notes Placeholder 2"/>
+          <p:cNvSpPr>
+            <a:spLocks noGrp="1"/>
+          </p:cNvSpPr>
+          <p:nvPr>
+            <p:ph type="body" idx="1"/>
+          </p:nvPr>
+        </p:nvSpPr>
+        <p:spPr/>
+        <p:txBody>
+          <a:bodyPr/>
+          <a:lstStyle/>
+          <a:p>
+            <a:pPr marL="171450" indent="-171450">
+              <a:buFont typeface="Arial" panose="020B0604020202020204" pitchFamily="34" charset="0"/>
+              <a:buChar char="•"/>
+            </a:pPr>
+            <a:r>
+              <a:rPr lang="de-CH" dirty="0"/>
+              <a:t>K</a:t>
+            </a:r>
+            <a:r>
+              <a:rPr lang="en-CH" dirty="0" err="1"/>
+              <a:t>ausale</a:t>
+            </a:r>
+            <a:r>
+              <a:rPr lang="en-CH" dirty="0"/>
+              <a:t> </a:t>
+            </a:r>
+            <a:r>
+              <a:rPr lang="en-CH" dirty="0" err="1"/>
+              <a:t>Ereigniskette</a:t>
+            </a:r>
+            <a:r>
+              <a:rPr lang="en-CH" dirty="0"/>
+              <a:t> </a:t>
+            </a:r>
+          </a:p>
+          <a:p>
+            <a:pPr marL="628650" lvl="1" indent="-171450">
+              <a:buFont typeface="Arial" panose="020B0604020202020204" pitchFamily="34" charset="0"/>
+              <a:buChar char="•"/>
+            </a:pPr>
+            <a:r>
+              <a:rPr lang="en-CH" dirty="0" err="1"/>
+              <a:t>Eintreffen</a:t>
+            </a:r>
+            <a:r>
+              <a:rPr lang="en-CH" dirty="0"/>
+              <a:t> von </a:t>
+            </a:r>
+            <a:r>
+              <a:rPr lang="en-CH" dirty="0" err="1"/>
+              <a:t>Ereignissen</a:t>
+            </a:r>
+            <a:r>
+              <a:rPr lang="en-CH" dirty="0"/>
+              <a:t> in </a:t>
+            </a:r>
+            <a:r>
+              <a:rPr lang="en-CH" dirty="0" err="1"/>
+              <a:t>einer</a:t>
+            </a:r>
+            <a:r>
+              <a:rPr lang="en-CH" dirty="0"/>
+              <a:t> </a:t>
+            </a:r>
+            <a:r>
+              <a:rPr lang="en-CH" dirty="0" err="1"/>
+              <a:t>Kette</a:t>
+            </a:r>
+            <a:r>
+              <a:rPr lang="en-CH" dirty="0"/>
+              <a:t> </a:t>
+            </a:r>
+            <a:r>
+              <a:rPr lang="en-CH" dirty="0" err="1"/>
+              <a:t>verlinkt</a:t>
+            </a:r>
+            <a:endParaRPr lang="en-CH" dirty="0"/>
+          </a:p>
+          <a:p>
+            <a:pPr marL="628650" lvl="1" indent="-171450">
+              <a:buFont typeface="Arial" panose="020B0604020202020204" pitchFamily="34" charset="0"/>
+              <a:buChar char="•"/>
+            </a:pPr>
+            <a:r>
+              <a:rPr lang="en-CH" dirty="0" err="1"/>
+              <a:t>Wahrscheinlichkeit</a:t>
+            </a:r>
+            <a:r>
+              <a:rPr lang="en-CH" dirty="0"/>
+              <a:t> des </a:t>
+            </a:r>
+            <a:r>
+              <a:rPr lang="en-CH" dirty="0" err="1"/>
+              <a:t>Eintreffens</a:t>
+            </a:r>
+            <a:r>
+              <a:rPr lang="en-CH" dirty="0"/>
+              <a:t> der </a:t>
+            </a:r>
+            <a:r>
+              <a:rPr lang="en-CH" dirty="0" err="1"/>
+              <a:t>Ereignisse</a:t>
+            </a:r>
+            <a:r>
+              <a:rPr lang="en-CH" dirty="0"/>
+              <a:t> </a:t>
+            </a:r>
+            <a:r>
+              <a:rPr lang="en-CH" dirty="0" err="1"/>
+              <a:t>errechnet</a:t>
+            </a:r>
+            <a:endParaRPr lang="de-CH" dirty="0"/>
+          </a:p>
+          <a:p>
+            <a:endParaRPr lang="de-CH" dirty="0"/>
+          </a:p>
+        </p:txBody>
+      </p:sp>
+      <p:sp>
+        <p:nvSpPr>
+          <p:cNvPr id="4" name="Slide Number Placeholder 3"/>
+          <p:cNvSpPr>
+            <a:spLocks noGrp="1"/>
+          </p:cNvSpPr>
+          <p:nvPr>
+            <p:ph type="sldNum" sz="quarter" idx="5"/>
+          </p:nvPr>
+        </p:nvSpPr>
+        <p:spPr/>
+        <p:txBody>
+          <a:bodyPr/>
+          <a:lstStyle/>
+          <a:p>
+            <a:fld id="{058061DB-DF71-4765-99A4-14E22DF63CCF}" type="slidenum">
+              <a:rPr lang="de-CH" smtClean="0"/>
+              <a:pPr/>
+              <a:t>8</a:t>
+            </a:fld>
+            <a:endParaRPr lang="de-CH"/>
+          </a:p>
+        </p:txBody>
+      </p:sp>
+    </p:spTree>
+    <p:extLst>
+      <p:ext uri="{BB962C8B-B14F-4D97-AF65-F5344CB8AC3E}">
+        <p14:creationId xmlns:p14="http://schemas.microsoft.com/office/powerpoint/2010/main" val="3010708631"/>
+      </p:ext>
+    </p:extLst>
+  </p:cSld>
+  <p:clrMapOvr>
+    <a:masterClrMapping/>
+  </p:clrMapOvr>
+</p:notes>
+</file>
+
+<file path=ppt/notesSlides/notesSlide6.xml><?xml version="1.0" encoding="utf-8"?>
+<p:notes xmlns:a="http://schemas.openxmlformats.org/drawingml/2006/main" xmlns:r="http://schemas.openxmlformats.org/officeDocument/2006/relationships" xmlns:p="http://schemas.openxmlformats.org/presentationml/2006/main">
+  <p:cSld>
+    <p:spTree>
+      <p:nvGrpSpPr>
+        <p:cNvPr id="1" name=""/>
+        <p:cNvGrpSpPr/>
+        <p:nvPr/>
+      </p:nvGrpSpPr>
+      <p:grpSpPr>
+        <a:xfrm>
+          <a:off x="0" y="0"/>
+          <a:ext cx="0" cy="0"/>
+          <a:chOff x="0" y="0"/>
+          <a:chExt cx="0" cy="0"/>
+        </a:xfrm>
+      </p:grpSpPr>
+      <p:sp>
+        <p:nvSpPr>
+          <p:cNvPr id="2" name="Slide Image Placeholder 1"/>
+          <p:cNvSpPr>
+            <a:spLocks noGrp="1" noRot="1" noChangeAspect="1"/>
+          </p:cNvSpPr>
+          <p:nvPr>
+            <p:ph type="sldImg"/>
+          </p:nvPr>
+        </p:nvSpPr>
+        <p:spPr/>
+      </p:sp>
+      <p:sp>
+        <p:nvSpPr>
+          <p:cNvPr id="3" name="Notes Placeholder 2"/>
+          <p:cNvSpPr>
+            <a:spLocks noGrp="1"/>
+          </p:cNvSpPr>
+          <p:nvPr>
+            <p:ph type="body" idx="1"/>
+          </p:nvPr>
+        </p:nvSpPr>
+        <p:spPr/>
+        <p:txBody>
+          <a:bodyPr/>
+          <a:lstStyle/>
+          <a:p>
+            <a:pPr marL="171450" indent="-171450">
+              <a:buFont typeface="Arial" panose="020B0604020202020204" pitchFamily="34" charset="0"/>
+              <a:buChar char="•"/>
+            </a:pPr>
+            <a:r>
+              <a:rPr lang="en-CH" dirty="0" err="1"/>
+              <a:t>Verwendung</a:t>
+            </a:r>
+            <a:r>
+              <a:rPr lang="en-CH" dirty="0"/>
+              <a:t> von Python </a:t>
+            </a:r>
+            <a:r>
+              <a:rPr lang="en-CH" dirty="0" err="1"/>
+              <a:t>als</a:t>
+            </a:r>
+            <a:r>
+              <a:rPr lang="en-CH" dirty="0"/>
+              <a:t> </a:t>
+            </a:r>
+            <a:r>
+              <a:rPr lang="en-CH" dirty="0" err="1"/>
+              <a:t>Hauptsprache</a:t>
+            </a:r>
+            <a:endParaRPr lang="en-CH" dirty="0"/>
+          </a:p>
+          <a:p>
+            <a:pPr marL="628650" lvl="1" indent="-171450">
+              <a:buFont typeface="Arial" panose="020B0604020202020204" pitchFamily="34" charset="0"/>
+              <a:buChar char="•"/>
+            </a:pPr>
+            <a:r>
+              <a:rPr lang="en-CH" dirty="0"/>
+              <a:t>Pandas</a:t>
+            </a:r>
+          </a:p>
+          <a:p>
+            <a:pPr marL="1085850" lvl="2" indent="-171450">
+              <a:buFont typeface="Arial" panose="020B0604020202020204" pitchFamily="34" charset="0"/>
+              <a:buChar char="•"/>
+            </a:pPr>
+            <a:r>
+              <a:rPr lang="en-CH" dirty="0" err="1"/>
+              <a:t>Lesen</a:t>
+            </a:r>
+            <a:r>
+              <a:rPr lang="en-CH" dirty="0"/>
+              <a:t>, </a:t>
+            </a:r>
+            <a:r>
+              <a:rPr lang="en-CH" dirty="0" err="1"/>
+              <a:t>Bearbeiten</a:t>
+            </a:r>
+            <a:r>
+              <a:rPr lang="en-CH" dirty="0"/>
+              <a:t> und </a:t>
+            </a:r>
+            <a:r>
+              <a:rPr lang="en-CH" dirty="0" err="1"/>
+              <a:t>Ergänzen</a:t>
+            </a:r>
+            <a:r>
+              <a:rPr lang="en-CH" dirty="0"/>
+              <a:t> von </a:t>
+            </a:r>
+            <a:r>
+              <a:rPr lang="en-CH" dirty="0" err="1"/>
+              <a:t>Daten</a:t>
+            </a:r>
+            <a:endParaRPr lang="en-CH" dirty="0"/>
+          </a:p>
+          <a:p>
+            <a:pPr marL="1085850" lvl="2" indent="-171450">
+              <a:buFont typeface="Arial" panose="020B0604020202020204" pitchFamily="34" charset="0"/>
+              <a:buChar char="•"/>
+            </a:pPr>
+            <a:r>
+              <a:rPr lang="en-CH" dirty="0" err="1"/>
+              <a:t>Einfach</a:t>
+            </a:r>
+            <a:r>
+              <a:rPr lang="en-CH" dirty="0"/>
+              <a:t> </a:t>
+            </a:r>
+            <a:r>
+              <a:rPr lang="en-CH" dirty="0" err="1"/>
+              <a:t>anzuwenden</a:t>
+            </a:r>
+            <a:r>
+              <a:rPr lang="en-CH" dirty="0"/>
+              <a:t> und </a:t>
+            </a:r>
+            <a:r>
+              <a:rPr lang="en-CH" dirty="0" err="1"/>
+              <a:t>weitverbreitet</a:t>
+            </a:r>
+            <a:endParaRPr lang="en-CH" dirty="0"/>
+          </a:p>
+          <a:p>
+            <a:pPr marL="628650" lvl="1" indent="-171450">
+              <a:buFont typeface="Arial" panose="020B0604020202020204" pitchFamily="34" charset="0"/>
+              <a:buChar char="•"/>
+            </a:pPr>
+            <a:r>
+              <a:rPr lang="en-CH" dirty="0" err="1"/>
+              <a:t>Numpy</a:t>
+            </a:r>
+            <a:endParaRPr lang="en-CH" dirty="0"/>
+          </a:p>
+          <a:p>
+            <a:pPr marL="1085850" lvl="2" indent="-171450">
+              <a:buFont typeface="Arial" panose="020B0604020202020204" pitchFamily="34" charset="0"/>
+              <a:buChar char="•"/>
+            </a:pPr>
+            <a:r>
+              <a:rPr lang="en-CH" dirty="0" err="1"/>
+              <a:t>Ergänzungensfunktionen</a:t>
+            </a:r>
+            <a:r>
+              <a:rPr lang="en-CH" dirty="0"/>
+              <a:t> </a:t>
+            </a:r>
+            <a:r>
+              <a:rPr lang="en-CH" dirty="0" err="1"/>
+              <a:t>zu</a:t>
+            </a:r>
+            <a:r>
+              <a:rPr lang="en-CH" dirty="0"/>
+              <a:t> pandas (</a:t>
+            </a:r>
+            <a:r>
+              <a:rPr lang="en-CH" dirty="0" err="1"/>
+              <a:t>Selektion</a:t>
+            </a:r>
+            <a:r>
+              <a:rPr lang="en-CH" dirty="0"/>
+              <a:t> von </a:t>
+            </a:r>
+            <a:r>
+              <a:rPr lang="en-CH" dirty="0" err="1"/>
+              <a:t>daten</a:t>
+            </a:r>
+            <a:r>
+              <a:rPr lang="en-CH" dirty="0"/>
+              <a:t> (where))</a:t>
+            </a:r>
+          </a:p>
+          <a:p>
+            <a:pPr marL="1085850" lvl="2" indent="-171450">
+              <a:buFont typeface="Arial" panose="020B0604020202020204" pitchFamily="34" charset="0"/>
+              <a:buChar char="•"/>
+            </a:pPr>
+            <a:r>
+              <a:rPr lang="en-CH" dirty="0" err="1"/>
+              <a:t>Bestimmen</a:t>
+            </a:r>
+            <a:r>
+              <a:rPr lang="en-CH" dirty="0"/>
+              <a:t> von </a:t>
+            </a:r>
+            <a:r>
+              <a:rPr lang="en-CH" dirty="0" err="1"/>
+              <a:t>Verteilungsparametern</a:t>
+            </a:r>
+            <a:r>
+              <a:rPr lang="en-CH" dirty="0"/>
+              <a:t> </a:t>
+            </a:r>
+            <a:r>
+              <a:rPr lang="en-CH" dirty="0" err="1"/>
+              <a:t>wie</a:t>
+            </a:r>
+            <a:r>
+              <a:rPr lang="en-CH" dirty="0"/>
+              <a:t> std, </a:t>
+            </a:r>
+            <a:r>
+              <a:rPr lang="en-CH" dirty="0" err="1"/>
+              <a:t>mittelwert</a:t>
+            </a:r>
+            <a:endParaRPr lang="en-CH" dirty="0"/>
+          </a:p>
+          <a:p>
+            <a:pPr marL="1085850" lvl="2" indent="-171450">
+              <a:buFont typeface="Arial" panose="020B0604020202020204" pitchFamily="34" charset="0"/>
+              <a:buChar char="•"/>
+            </a:pPr>
+            <a:r>
+              <a:rPr lang="en-CH" dirty="0" err="1"/>
+              <a:t>Generieren</a:t>
+            </a:r>
+            <a:r>
+              <a:rPr lang="en-CH" dirty="0"/>
+              <a:t> von </a:t>
+            </a:r>
+            <a:r>
+              <a:rPr lang="en-CH" dirty="0" err="1"/>
+              <a:t>simulationswerten</a:t>
+            </a:r>
+            <a:r>
+              <a:rPr lang="en-CH" dirty="0"/>
+              <a:t> ( generator )</a:t>
+            </a:r>
+          </a:p>
+          <a:p>
+            <a:pPr marL="628650" lvl="1" indent="-171450">
+              <a:buFont typeface="Arial" panose="020B0604020202020204" pitchFamily="34" charset="0"/>
+              <a:buChar char="•"/>
+            </a:pPr>
+            <a:r>
+              <a:rPr lang="en-CH" dirty="0" err="1"/>
+              <a:t>Scipy</a:t>
+            </a:r>
+            <a:endParaRPr lang="en-CH" dirty="0"/>
+          </a:p>
+          <a:p>
+            <a:pPr marL="1085850" lvl="2" indent="-171450">
+              <a:buFont typeface="Arial" panose="020B0604020202020204" pitchFamily="34" charset="0"/>
+              <a:buChar char="•"/>
+            </a:pPr>
+            <a:r>
+              <a:rPr lang="en-CH" dirty="0"/>
+              <a:t>KS Test um die </a:t>
+            </a:r>
+            <a:r>
+              <a:rPr lang="en-CH" dirty="0" err="1"/>
+              <a:t>Verteilungfamile</a:t>
+            </a:r>
+            <a:r>
+              <a:rPr lang="en-CH" dirty="0"/>
+              <a:t> </a:t>
+            </a:r>
+            <a:r>
+              <a:rPr lang="en-CH" dirty="0" err="1"/>
+              <a:t>zu</a:t>
+            </a:r>
+            <a:r>
+              <a:rPr lang="en-CH" dirty="0"/>
+              <a:t> </a:t>
+            </a:r>
+            <a:r>
+              <a:rPr lang="en-CH" dirty="0" err="1"/>
+              <a:t>eruieren</a:t>
+            </a:r>
+            <a:endParaRPr lang="en-CH" dirty="0"/>
+          </a:p>
+          <a:p>
+            <a:pPr marL="628650" lvl="1" indent="-171450">
+              <a:buFont typeface="Arial" panose="020B0604020202020204" pitchFamily="34" charset="0"/>
+              <a:buChar char="•"/>
+            </a:pPr>
+            <a:r>
+              <a:rPr lang="en-CH" dirty="0"/>
+              <a:t>Matplotlib</a:t>
+            </a:r>
+          </a:p>
+          <a:p>
+            <a:pPr marL="1085850" lvl="2" indent="-171450">
+              <a:buFont typeface="Arial" panose="020B0604020202020204" pitchFamily="34" charset="0"/>
+              <a:buChar char="•"/>
+            </a:pPr>
+            <a:r>
+              <a:rPr lang="de-CH" dirty="0"/>
+              <a:t>E</a:t>
+            </a:r>
+            <a:r>
+              <a:rPr lang="en-CH" dirty="0" err="1"/>
+              <a:t>xplorative</a:t>
+            </a:r>
+            <a:r>
+              <a:rPr lang="en-CH" dirty="0"/>
+              <a:t> </a:t>
+            </a:r>
+            <a:r>
+              <a:rPr lang="en-CH" dirty="0" err="1"/>
+              <a:t>Datenanalyse</a:t>
+            </a:r>
+            <a:endParaRPr lang="en-CH" dirty="0"/>
+          </a:p>
+          <a:p>
+            <a:pPr marL="1085850" lvl="2" indent="-171450">
+              <a:buFont typeface="Arial" panose="020B0604020202020204" pitchFamily="34" charset="0"/>
+              <a:buChar char="•"/>
+            </a:pPr>
+            <a:r>
+              <a:rPr lang="en-CH" dirty="0" err="1"/>
+              <a:t>Plotten</a:t>
+            </a:r>
+            <a:r>
+              <a:rPr lang="en-CH" dirty="0"/>
+              <a:t> von </a:t>
+            </a:r>
+            <a:r>
+              <a:rPr lang="en-CH" dirty="0" err="1"/>
+              <a:t>Verteilungen</a:t>
+            </a:r>
+            <a:r>
+              <a:rPr lang="en-CH" dirty="0"/>
+              <a:t> </a:t>
+            </a:r>
+            <a:r>
+              <a:rPr lang="en-CH" dirty="0" err="1"/>
+              <a:t>zur</a:t>
+            </a:r>
+            <a:r>
+              <a:rPr lang="en-CH" dirty="0"/>
+              <a:t> </a:t>
+            </a:r>
+            <a:r>
+              <a:rPr lang="en-CH" dirty="0" err="1"/>
+              <a:t>visuellen</a:t>
+            </a:r>
+            <a:r>
+              <a:rPr lang="en-CH" dirty="0"/>
+              <a:t> </a:t>
+            </a:r>
+            <a:r>
+              <a:rPr lang="en-CH" dirty="0" err="1"/>
+              <a:t>Kontrolle</a:t>
+            </a:r>
+            <a:r>
+              <a:rPr lang="en-CH" dirty="0"/>
+              <a:t> des KS Tests</a:t>
+            </a:r>
+          </a:p>
+          <a:p>
+            <a:pPr marL="1085850" lvl="2" indent="-171450">
+              <a:buFont typeface="Arial" panose="020B0604020202020204" pitchFamily="34" charset="0"/>
+              <a:buChar char="•"/>
+            </a:pPr>
+            <a:r>
+              <a:rPr lang="en-CH" dirty="0" err="1"/>
+              <a:t>Plotten</a:t>
+            </a:r>
+            <a:r>
+              <a:rPr lang="en-CH" dirty="0"/>
+              <a:t> </a:t>
+            </a:r>
+            <a:r>
+              <a:rPr lang="en-CH" dirty="0" err="1"/>
+              <a:t>zur</a:t>
+            </a:r>
+            <a:r>
+              <a:rPr lang="en-CH" dirty="0"/>
+              <a:t> </a:t>
+            </a:r>
+            <a:r>
+              <a:rPr lang="en-CH" dirty="0" err="1"/>
+              <a:t>Visualisierung</a:t>
+            </a:r>
+            <a:r>
+              <a:rPr lang="en-CH" dirty="0"/>
+              <a:t> von </a:t>
+            </a:r>
+            <a:r>
+              <a:rPr lang="en-CH" dirty="0" err="1"/>
+              <a:t>Ausreissern</a:t>
+            </a:r>
+            <a:r>
+              <a:rPr lang="en-CH" dirty="0"/>
+              <a:t> </a:t>
+            </a:r>
+          </a:p>
+          <a:p>
+            <a:pPr marL="914400" lvl="2" indent="0">
+              <a:buFont typeface="Arial" panose="020B0604020202020204" pitchFamily="34" charset="0"/>
+              <a:buNone/>
+            </a:pPr>
+            <a:endParaRPr lang="en-CH" dirty="0"/>
+          </a:p>
+        </p:txBody>
+      </p:sp>
+      <p:sp>
+        <p:nvSpPr>
+          <p:cNvPr id="4" name="Slide Number Placeholder 3"/>
+          <p:cNvSpPr>
+            <a:spLocks noGrp="1"/>
+          </p:cNvSpPr>
+          <p:nvPr>
+            <p:ph type="sldNum" sz="quarter" idx="5"/>
+          </p:nvPr>
+        </p:nvSpPr>
+        <p:spPr/>
+        <p:txBody>
+          <a:bodyPr/>
+          <a:lstStyle/>
+          <a:p>
+            <a:fld id="{058061DB-DF71-4765-99A4-14E22DF63CCF}" type="slidenum">
+              <a:rPr lang="de-CH" smtClean="0"/>
+              <a:pPr/>
+              <a:t>9</a:t>
+            </a:fld>
+            <a:endParaRPr lang="de-CH"/>
+          </a:p>
+        </p:txBody>
+      </p:sp>
+    </p:spTree>
+    <p:extLst>
+      <p:ext uri="{BB962C8B-B14F-4D97-AF65-F5344CB8AC3E}">
+        <p14:creationId xmlns:p14="http://schemas.microsoft.com/office/powerpoint/2010/main" val="324671499"/>
+      </p:ext>
+    </p:extLst>
+  </p:cSld>
+  <p:clrMapOvr>
+    <a:masterClrMapping/>
+  </p:clrMapOvr>
+</p:notes>
+</file>
+
+<file path=ppt/notesSlides/notesSlide7.xml><?xml version="1.0" encoding="utf-8"?>
+<p:notes xmlns:a="http://schemas.openxmlformats.org/drawingml/2006/main" xmlns:r="http://schemas.openxmlformats.org/officeDocument/2006/relationships" xmlns:p="http://schemas.openxmlformats.org/presentationml/2006/main">
+  <p:cSld>
+    <p:spTree>
+      <p:nvGrpSpPr>
+        <p:cNvPr id="1" name=""/>
+        <p:cNvGrpSpPr/>
+        <p:nvPr/>
+      </p:nvGrpSpPr>
+      <p:grpSpPr>
+        <a:xfrm>
+          <a:off x="0" y="0"/>
+          <a:ext cx="0" cy="0"/>
+          <a:chOff x="0" y="0"/>
+          <a:chExt cx="0" cy="0"/>
+        </a:xfrm>
+      </p:grpSpPr>
+      <p:sp>
+        <p:nvSpPr>
+          <p:cNvPr id="2" name="Slide Image Placeholder 1"/>
+          <p:cNvSpPr>
+            <a:spLocks noGrp="1" noRot="1" noChangeAspect="1"/>
+          </p:cNvSpPr>
+          <p:nvPr>
+            <p:ph type="sldImg"/>
+          </p:nvPr>
+        </p:nvSpPr>
+        <p:spPr/>
+      </p:sp>
+      <p:sp>
+        <p:nvSpPr>
+          <p:cNvPr id="3" name="Notes Placeholder 2"/>
+          <p:cNvSpPr>
+            <a:spLocks noGrp="1"/>
+          </p:cNvSpPr>
+          <p:nvPr>
+            <p:ph type="body" idx="1"/>
+          </p:nvPr>
+        </p:nvSpPr>
+        <p:spPr/>
+        <p:txBody>
+          <a:bodyPr/>
+          <a:lstStyle/>
+          <a:p>
+            <a:endParaRPr lang="de-CH" dirty="0"/>
+          </a:p>
+        </p:txBody>
+      </p:sp>
+      <p:sp>
+        <p:nvSpPr>
+          <p:cNvPr id="4" name="Slide Number Placeholder 3"/>
+          <p:cNvSpPr>
+            <a:spLocks noGrp="1"/>
+          </p:cNvSpPr>
+          <p:nvPr>
+            <p:ph type="sldNum" sz="quarter" idx="5"/>
+          </p:nvPr>
+        </p:nvSpPr>
+        <p:spPr/>
+        <p:txBody>
+          <a:bodyPr/>
+          <a:lstStyle/>
+          <a:p>
+            <a:fld id="{058061DB-DF71-4765-99A4-14E22DF63CCF}" type="slidenum">
+              <a:rPr lang="de-CH" smtClean="0"/>
+              <a:pPr/>
+              <a:t>10</a:t>
+            </a:fld>
+            <a:endParaRPr lang="de-CH"/>
+          </a:p>
+        </p:txBody>
+      </p:sp>
+    </p:spTree>
+    <p:extLst>
+      <p:ext uri="{BB962C8B-B14F-4D97-AF65-F5344CB8AC3E}">
+        <p14:creationId xmlns:p14="http://schemas.microsoft.com/office/powerpoint/2010/main" val="2782909832"/>
+      </p:ext>
+    </p:extLst>
+  </p:cSld>
+  <p:clrMapOvr>
+    <a:masterClrMapping/>
+  </p:clrMapOvr>
+</p:notes>
+</file>
+
+<file path=ppt/notesSlides/notesSlide8.xml><?xml version="1.0" encoding="utf-8"?>
+<p:notes xmlns:a="http://schemas.openxmlformats.org/drawingml/2006/main" xmlns:r="http://schemas.openxmlformats.org/officeDocument/2006/relationships" xmlns:p="http://schemas.openxmlformats.org/presentationml/2006/main">
+  <p:cSld>
+    <p:spTree>
+      <p:nvGrpSpPr>
+        <p:cNvPr id="1" name=""/>
+        <p:cNvGrpSpPr/>
+        <p:nvPr/>
+      </p:nvGrpSpPr>
+      <p:grpSpPr>
+        <a:xfrm>
+          <a:off x="0" y="0"/>
+          <a:ext cx="0" cy="0"/>
+          <a:chOff x="0" y="0"/>
+          <a:chExt cx="0" cy="0"/>
+        </a:xfrm>
+      </p:grpSpPr>
+      <p:sp>
+        <p:nvSpPr>
+          <p:cNvPr id="2" name="Slide Image Placeholder 1"/>
+          <p:cNvSpPr>
+            <a:spLocks noGrp="1" noRot="1" noChangeAspect="1"/>
+          </p:cNvSpPr>
+          <p:nvPr>
+            <p:ph type="sldImg"/>
+          </p:nvPr>
+        </p:nvSpPr>
+        <p:spPr/>
+      </p:sp>
+      <p:sp>
+        <p:nvSpPr>
+          <p:cNvPr id="3" name="Notes Placeholder 2"/>
+          <p:cNvSpPr>
+            <a:spLocks noGrp="1"/>
+          </p:cNvSpPr>
+          <p:nvPr>
+            <p:ph type="body" idx="1"/>
+          </p:nvPr>
+        </p:nvSpPr>
+        <p:spPr/>
+        <p:txBody>
+          <a:bodyPr/>
+          <a:lstStyle/>
+          <a:p>
+            <a:endParaRPr lang="de-CH" dirty="0"/>
+          </a:p>
+        </p:txBody>
+      </p:sp>
+      <p:sp>
+        <p:nvSpPr>
+          <p:cNvPr id="4" name="Slide Number Placeholder 3"/>
+          <p:cNvSpPr>
+            <a:spLocks noGrp="1"/>
+          </p:cNvSpPr>
+          <p:nvPr>
+            <p:ph type="sldNum" sz="quarter" idx="5"/>
+          </p:nvPr>
+        </p:nvSpPr>
+        <p:spPr/>
+        <p:txBody>
+          <a:bodyPr/>
+          <a:lstStyle/>
+          <a:p>
+            <a:fld id="{058061DB-DF71-4765-99A4-14E22DF63CCF}" type="slidenum">
+              <a:rPr lang="de-CH" smtClean="0"/>
+              <a:pPr/>
+              <a:t>11</a:t>
+            </a:fld>
+            <a:endParaRPr lang="de-CH"/>
+          </a:p>
+        </p:txBody>
+      </p:sp>
+    </p:spTree>
+    <p:extLst>
+      <p:ext uri="{BB962C8B-B14F-4D97-AF65-F5344CB8AC3E}">
+        <p14:creationId xmlns:p14="http://schemas.microsoft.com/office/powerpoint/2010/main" val="1258609652"/>
+      </p:ext>
+    </p:extLst>
+  </p:cSld>
+  <p:clrMapOvr>
+    <a:masterClrMapping/>
+  </p:clrMapOvr>
+</p:notes>
+</file>
+
 <file path=ppt/slideLayouts/slideLayout1.xml><?xml version="1.0" encoding="utf-8"?>
 <p:sldLayout xmlns:a="http://schemas.openxmlformats.org/drawingml/2006/main" xmlns:r="http://schemas.openxmlformats.org/officeDocument/2006/relationships" xmlns:p="http://schemas.openxmlformats.org/presentationml/2006/main" showMasterSp="0" preserve="1" userDrawn="1">
   <p:cSld name="Titelfolie">
@@ -1593,13 +3955,18 @@
           </a:lstStyle>
           <a:p>
             <a:r>
-              <a:rPr lang="de-CH">
+              <a:rPr lang="en-CH" dirty="0">
                 <a:solidFill>
                   <a:srgbClr val="000000"/>
                 </a:solidFill>
               </a:rPr>
-              <a:t>Institut</a:t>
-            </a:r>
+              <a:t>Hochschule für Technik</a:t>
+            </a:r>
+            <a:endParaRPr lang="de-CH" dirty="0">
+              <a:solidFill>
+                <a:srgbClr val="000000"/>
+              </a:solidFill>
+            </a:endParaRPr>
           </a:p>
         </p:txBody>
       </p:sp>
@@ -1629,7 +3996,7 @@
                 </a:solidFill>
               </a:rPr>
               <a:pPr/>
-              <a:t>‹Nr.›</a:t>
+              <a:t>‹#›</a:t>
             </a:fld>
             <a:endParaRPr lang="de-CH">
               <a:solidFill>
@@ -1790,13 +4157,18 @@
           </a:lstStyle>
           <a:p>
             <a:r>
-              <a:rPr lang="de-CH">
+              <a:rPr lang="en-CH" dirty="0">
                 <a:solidFill>
                   <a:srgbClr val="000000"/>
                 </a:solidFill>
               </a:rPr>
-              <a:t>Institut</a:t>
-            </a:r>
+              <a:t>Hochschule für Technik</a:t>
+            </a:r>
+            <a:endParaRPr lang="de-CH" dirty="0">
+              <a:solidFill>
+                <a:srgbClr val="000000"/>
+              </a:solidFill>
+            </a:endParaRPr>
           </a:p>
         </p:txBody>
       </p:sp>
@@ -1826,7 +4198,7 @@
                 </a:solidFill>
               </a:rPr>
               <a:pPr/>
-              <a:t>‹Nr.›</a:t>
+              <a:t>‹#›</a:t>
             </a:fld>
             <a:endParaRPr lang="de-CH">
               <a:solidFill>
@@ -1991,13 +4363,18 @@
           </a:lstStyle>
           <a:p>
             <a:r>
-              <a:rPr lang="de-CH">
+              <a:rPr lang="en-CH" dirty="0">
                 <a:solidFill>
                   <a:srgbClr val="000000"/>
                 </a:solidFill>
               </a:rPr>
-              <a:t>Institut</a:t>
-            </a:r>
+              <a:t>Hochschule für Technik</a:t>
+            </a:r>
+            <a:endParaRPr lang="de-CH" dirty="0">
+              <a:solidFill>
+                <a:srgbClr val="000000"/>
+              </a:solidFill>
+            </a:endParaRPr>
           </a:p>
         </p:txBody>
       </p:sp>
@@ -2027,7 +4404,7 @@
                 </a:solidFill>
               </a:rPr>
               <a:pPr/>
-              <a:t>‹Nr.›</a:t>
+              <a:t>‹#›</a:t>
             </a:fld>
             <a:endParaRPr lang="de-CH">
               <a:solidFill>
@@ -2192,13 +4569,18 @@
           </a:lstStyle>
           <a:p>
             <a:r>
-              <a:rPr lang="de-CH">
+              <a:rPr lang="en-CH" dirty="0">
                 <a:solidFill>
                   <a:srgbClr val="000000"/>
                 </a:solidFill>
               </a:rPr>
-              <a:t>Institut</a:t>
-            </a:r>
+              <a:t>Hochschule für Technik</a:t>
+            </a:r>
+            <a:endParaRPr lang="de-CH" dirty="0">
+              <a:solidFill>
+                <a:srgbClr val="000000"/>
+              </a:solidFill>
+            </a:endParaRPr>
           </a:p>
         </p:txBody>
       </p:sp>
@@ -2228,7 +4610,7 @@
                 </a:solidFill>
               </a:rPr>
               <a:pPr/>
-              <a:t>‹Nr.›</a:t>
+              <a:t>‹#›</a:t>
             </a:fld>
             <a:endParaRPr lang="de-CH">
               <a:solidFill>
@@ -2687,13 +5069,18 @@
           </a:lstStyle>
           <a:p>
             <a:r>
-              <a:rPr lang="de-CH">
+              <a:rPr lang="en-CH" dirty="0">
                 <a:solidFill>
                   <a:srgbClr val="000000"/>
                 </a:solidFill>
               </a:rPr>
-              <a:t>Institut</a:t>
-            </a:r>
+              <a:t>Hochschule für Technik</a:t>
+            </a:r>
+            <a:endParaRPr lang="de-CH" dirty="0">
+              <a:solidFill>
+                <a:srgbClr val="000000"/>
+              </a:solidFill>
+            </a:endParaRPr>
           </a:p>
         </p:txBody>
       </p:sp>
@@ -2768,7 +5155,7 @@
                 </a:solidFill>
               </a:rPr>
               <a:pPr/>
-              <a:t>‹Nr.›</a:t>
+              <a:t>‹#›</a:t>
             </a:fld>
             <a:endParaRPr lang="de-CH">
               <a:solidFill>
@@ -2825,7 +5212,7 @@
           <a:bodyPr/>
           <a:lstStyle/>
           <a:p>
-            <a:endParaRPr lang="de-CH" sz="1980">
+            <a:endParaRPr lang="de-CH" sz="1980" dirty="0">
               <a:solidFill>
                 <a:srgbClr val="000000"/>
               </a:solidFill>
@@ -3304,7 +5691,13 @@
       </p:grpSpPr>
       <p:sp>
         <p:nvSpPr>
-          <p:cNvPr id="12" name="Untertitel 11"/>
+          <p:cNvPr id="2" name="Subtitle 1">
+            <a:extLst>
+              <a:ext uri="{FF2B5EF4-FFF2-40B4-BE49-F238E27FC236}">
+                <a16:creationId xmlns:a16="http://schemas.microsoft.com/office/drawing/2014/main" id="{2A1B54F5-4440-4F71-8CB5-CD27E940E538}"/>
+              </a:ext>
+            </a:extLst>
+          </p:cNvPr>
           <p:cNvSpPr>
             <a:spLocks noGrp="1"/>
           </p:cNvSpPr>
@@ -3336,13 +5729,23 @@
           <a:bodyPr/>
           <a:lstStyle/>
           <a:p>
-            <a:endParaRPr lang="de-CH"/>
+            <a:r>
+              <a:rPr lang="en-CH" dirty="0" err="1"/>
+              <a:t>Steinschlagrisiko</a:t>
+            </a:r>
+            <a:endParaRPr lang="de-CH" dirty="0"/>
           </a:p>
         </p:txBody>
       </p:sp>
       <p:sp>
         <p:nvSpPr>
-          <p:cNvPr id="13" name="Textplatzhalter 12"/>
+          <p:cNvPr id="3" name="Text Placeholder 2">
+            <a:extLst>
+              <a:ext uri="{FF2B5EF4-FFF2-40B4-BE49-F238E27FC236}">
+                <a16:creationId xmlns:a16="http://schemas.microsoft.com/office/drawing/2014/main" id="{EEFFBEBE-A755-4284-B079-84443278B633}"/>
+              </a:ext>
+            </a:extLst>
+          </p:cNvPr>
           <p:cNvSpPr>
             <a:spLocks noGrp="1"/>
           </p:cNvSpPr>
@@ -3361,7 +5764,13 @@
       </p:sp>
       <p:sp>
         <p:nvSpPr>
-          <p:cNvPr id="14" name="Textplatzhalter 13"/>
+          <p:cNvPr id="4" name="Text Placeholder 3">
+            <a:extLst>
+              <a:ext uri="{FF2B5EF4-FFF2-40B4-BE49-F238E27FC236}">
+                <a16:creationId xmlns:a16="http://schemas.microsoft.com/office/drawing/2014/main" id="{522BEE71-1897-4CA2-9731-F794575FC8BA}"/>
+              </a:ext>
+            </a:extLst>
+          </p:cNvPr>
           <p:cNvSpPr>
             <a:spLocks noGrp="1"/>
           </p:cNvSpPr>
@@ -3382,6 +5791,696 @@
     <p:extLst>
       <p:ext uri="{BB962C8B-B14F-4D97-AF65-F5344CB8AC3E}">
         <p14:creationId xmlns:p14="http://schemas.microsoft.com/office/powerpoint/2010/main" val="1565490079"/>
+      </p:ext>
+    </p:extLst>
+  </p:cSld>
+  <p:clrMapOvr>
+    <a:masterClrMapping/>
+  </p:clrMapOvr>
+</p:sld>
+</file>
+
+<file path=ppt/slides/slide10.xml><?xml version="1.0" encoding="utf-8"?>
+<p:sld xmlns:a="http://schemas.openxmlformats.org/drawingml/2006/main" xmlns:r="http://schemas.openxmlformats.org/officeDocument/2006/relationships" xmlns:p="http://schemas.openxmlformats.org/presentationml/2006/main">
+  <p:cSld>
+    <p:spTree>
+      <p:nvGrpSpPr>
+        <p:cNvPr id="1" name=""/>
+        <p:cNvGrpSpPr/>
+        <p:nvPr/>
+      </p:nvGrpSpPr>
+      <p:grpSpPr>
+        <a:xfrm>
+          <a:off x="0" y="0"/>
+          <a:ext cx="0" cy="0"/>
+          <a:chOff x="0" y="0"/>
+          <a:chExt cx="0" cy="0"/>
+        </a:xfrm>
+      </p:grpSpPr>
+      <p:sp>
+        <p:nvSpPr>
+          <p:cNvPr id="2" name="Datumsplatzhalter 1">
+            <a:extLst>
+              <a:ext uri="{FF2B5EF4-FFF2-40B4-BE49-F238E27FC236}">
+                <a16:creationId xmlns:a16="http://schemas.microsoft.com/office/drawing/2014/main" id="{6A637E5E-7D44-4BD1-AA8E-43CD940CEDA0}"/>
+              </a:ext>
+            </a:extLst>
+          </p:cNvPr>
+          <p:cNvSpPr>
+            <a:spLocks noGrp="1"/>
+          </p:cNvSpPr>
+          <p:nvPr>
+            <p:ph type="dt" sz="half" idx="10"/>
+          </p:nvPr>
+        </p:nvSpPr>
+        <p:spPr/>
+        <p:txBody>
+          <a:bodyPr/>
+          <a:lstStyle/>
+          <a:p>
+            <a:fld id="{5E48492E-72D1-4785-9351-8AE1E40FBA2D}" type="datetime1">
+              <a:rPr lang="de-CH" smtClean="0">
+                <a:solidFill>
+                  <a:srgbClr val="000000"/>
+                </a:solidFill>
+              </a:rPr>
+              <a:t>20.01.2022</a:t>
+            </a:fld>
+            <a:endParaRPr lang="de-CH">
+              <a:solidFill>
+                <a:srgbClr val="000000"/>
+              </a:solidFill>
+            </a:endParaRPr>
+          </a:p>
+        </p:txBody>
+      </p:sp>
+      <p:sp>
+        <p:nvSpPr>
+          <p:cNvPr id="3" name="Fußzeilenplatzhalter 2">
+            <a:extLst>
+              <a:ext uri="{FF2B5EF4-FFF2-40B4-BE49-F238E27FC236}">
+                <a16:creationId xmlns:a16="http://schemas.microsoft.com/office/drawing/2014/main" id="{78BDEE6F-9346-4E36-9928-7DD404669CBA}"/>
+              </a:ext>
+            </a:extLst>
+          </p:cNvPr>
+          <p:cNvSpPr>
+            <a:spLocks noGrp="1"/>
+          </p:cNvSpPr>
+          <p:nvPr>
+            <p:ph type="ftr" sz="quarter" idx="11"/>
+          </p:nvPr>
+        </p:nvSpPr>
+        <p:spPr/>
+        <p:txBody>
+          <a:bodyPr/>
+          <a:lstStyle/>
+          <a:p>
+            <a:r>
+              <a:rPr lang="en-CH" dirty="0">
+                <a:solidFill>
+                  <a:srgbClr val="000000"/>
+                </a:solidFill>
+              </a:rPr>
+              <a:t>Hochschule für Technik</a:t>
+            </a:r>
+            <a:endParaRPr lang="de-CH" dirty="0">
+              <a:solidFill>
+                <a:srgbClr val="000000"/>
+              </a:solidFill>
+            </a:endParaRPr>
+          </a:p>
+        </p:txBody>
+      </p:sp>
+      <p:sp>
+        <p:nvSpPr>
+          <p:cNvPr id="4" name="Foliennummernplatzhalter 3">
+            <a:extLst>
+              <a:ext uri="{FF2B5EF4-FFF2-40B4-BE49-F238E27FC236}">
+                <a16:creationId xmlns:a16="http://schemas.microsoft.com/office/drawing/2014/main" id="{F377F38E-D17E-47C7-9B57-4862E268311F}"/>
+              </a:ext>
+            </a:extLst>
+          </p:cNvPr>
+          <p:cNvSpPr>
+            <a:spLocks noGrp="1"/>
+          </p:cNvSpPr>
+          <p:nvPr>
+            <p:ph type="sldNum" sz="quarter" idx="12"/>
+          </p:nvPr>
+        </p:nvSpPr>
+        <p:spPr/>
+        <p:txBody>
+          <a:bodyPr/>
+          <a:lstStyle/>
+          <a:p>
+            <a:fld id="{351188DD-6605-4EF4-9E67-B567F731CE68}" type="slidenum">
+              <a:rPr lang="de-CH" smtClean="0">
+                <a:solidFill>
+                  <a:srgbClr val="000000"/>
+                </a:solidFill>
+              </a:rPr>
+              <a:pPr/>
+              <a:t>10</a:t>
+            </a:fld>
+            <a:endParaRPr lang="de-CH">
+              <a:solidFill>
+                <a:srgbClr val="000000"/>
+              </a:solidFill>
+            </a:endParaRPr>
+          </a:p>
+        </p:txBody>
+      </p:sp>
+      <p:sp>
+        <p:nvSpPr>
+          <p:cNvPr id="5" name="Titel 4">
+            <a:extLst>
+              <a:ext uri="{FF2B5EF4-FFF2-40B4-BE49-F238E27FC236}">
+                <a16:creationId xmlns:a16="http://schemas.microsoft.com/office/drawing/2014/main" id="{E8D3B194-D365-4A47-895A-779B89CDF225}"/>
+              </a:ext>
+            </a:extLst>
+          </p:cNvPr>
+          <p:cNvSpPr>
+            <a:spLocks noGrp="1"/>
+          </p:cNvSpPr>
+          <p:nvPr>
+            <p:ph type="title"/>
+          </p:nvPr>
+        </p:nvSpPr>
+        <p:spPr/>
+        <p:txBody>
+          <a:bodyPr/>
+          <a:lstStyle/>
+          <a:p>
+            <a:r>
+              <a:rPr lang="de-DE" dirty="0"/>
+              <a:t>Vorgehen</a:t>
+            </a:r>
+            <a:endParaRPr lang="de-CH" dirty="0"/>
+          </a:p>
+        </p:txBody>
+      </p:sp>
+      <p:sp>
+        <p:nvSpPr>
+          <p:cNvPr id="6" name="Textplatzhalter 5">
+            <a:extLst>
+              <a:ext uri="{FF2B5EF4-FFF2-40B4-BE49-F238E27FC236}">
+                <a16:creationId xmlns:a16="http://schemas.microsoft.com/office/drawing/2014/main" id="{E5F19C17-8FA1-4AA2-874D-DF5936B1FBF9}"/>
+              </a:ext>
+            </a:extLst>
+          </p:cNvPr>
+          <p:cNvSpPr>
+            <a:spLocks noGrp="1"/>
+          </p:cNvSpPr>
+          <p:nvPr>
+            <p:ph type="body" idx="1"/>
+          </p:nvPr>
+        </p:nvSpPr>
+        <p:spPr/>
+        <p:txBody>
+          <a:bodyPr/>
+          <a:lstStyle/>
+          <a:p>
+            <a:pPr marL="342900" indent="-342900">
+              <a:buFont typeface="Arial" panose="020B0604020202020204" pitchFamily="34" charset="0"/>
+              <a:buChar char="•"/>
+            </a:pPr>
+            <a:r>
+              <a:rPr lang="de-DE" dirty="0"/>
+              <a:t>Einlesen und Aufbereitung der Daten</a:t>
+            </a:r>
+          </a:p>
+          <a:p>
+            <a:pPr marL="342900" indent="-342900">
+              <a:buFont typeface="Arial" panose="020B0604020202020204" pitchFamily="34" charset="0"/>
+              <a:buChar char="•"/>
+            </a:pPr>
+            <a:r>
+              <a:rPr lang="de-DE" dirty="0"/>
+              <a:t>Visuelle Analyse der Daten</a:t>
+            </a:r>
+          </a:p>
+          <a:p>
+            <a:pPr marL="342900" indent="-342900">
+              <a:buFont typeface="Arial" panose="020B0604020202020204" pitchFamily="34" charset="0"/>
+              <a:buChar char="•"/>
+            </a:pPr>
+            <a:r>
+              <a:rPr lang="de-DE" dirty="0"/>
+              <a:t>Verteilung der Daten berechnen</a:t>
+            </a:r>
+          </a:p>
+          <a:p>
+            <a:pPr marL="342900" indent="-342900">
+              <a:buFont typeface="Arial" panose="020B0604020202020204" pitchFamily="34" charset="0"/>
+              <a:buChar char="•"/>
+            </a:pPr>
+            <a:r>
+              <a:rPr lang="de-DE" dirty="0"/>
+              <a:t>Monte Carlo Simulation der neuen Steine</a:t>
+            </a:r>
+          </a:p>
+          <a:p>
+            <a:pPr marL="342900" indent="-342900">
+              <a:buFont typeface="Arial" panose="020B0604020202020204" pitchFamily="34" charset="0"/>
+              <a:buChar char="•"/>
+            </a:pPr>
+            <a:r>
+              <a:rPr lang="de-DE" dirty="0"/>
+              <a:t>Aufbereitung der Simulation</a:t>
+            </a:r>
+          </a:p>
+          <a:p>
+            <a:pPr marL="342900" indent="-342900">
+              <a:buFont typeface="Arial" panose="020B0604020202020204" pitchFamily="34" charset="0"/>
+              <a:buChar char="•"/>
+            </a:pPr>
+            <a:r>
+              <a:rPr lang="de-CH" dirty="0"/>
+              <a:t>Berechnung der Anzahl direkten Netzdurchschlägen</a:t>
+            </a:r>
+          </a:p>
+          <a:p>
+            <a:pPr marL="342900" indent="-342900">
+              <a:buFont typeface="Arial" panose="020B0604020202020204" pitchFamily="34" charset="0"/>
+              <a:buChar char="•"/>
+            </a:pPr>
+            <a:r>
+              <a:rPr lang="de-CH" dirty="0"/>
+              <a:t>Berechnung der Anzahl Netzdurchschläge aufgrund vollem Netz</a:t>
+            </a:r>
+          </a:p>
+          <a:p>
+            <a:pPr marL="342900" indent="-342900">
+              <a:buFont typeface="Arial" panose="020B0604020202020204" pitchFamily="34" charset="0"/>
+              <a:buChar char="•"/>
+            </a:pPr>
+            <a:r>
+              <a:rPr lang="de-CH" dirty="0"/>
+              <a:t>Verknüpfung der weiteren Wahrscheinlichkeiten</a:t>
+            </a:r>
+          </a:p>
+        </p:txBody>
+      </p:sp>
+    </p:spTree>
+    <p:extLst>
+      <p:ext uri="{BB962C8B-B14F-4D97-AF65-F5344CB8AC3E}">
+        <p14:creationId xmlns:p14="http://schemas.microsoft.com/office/powerpoint/2010/main" val="167053416"/>
+      </p:ext>
+    </p:extLst>
+  </p:cSld>
+  <p:clrMapOvr>
+    <a:masterClrMapping/>
+  </p:clrMapOvr>
+</p:sld>
+</file>
+
+<file path=ppt/slides/slide11.xml><?xml version="1.0" encoding="utf-8"?>
+<p:sld xmlns:a="http://schemas.openxmlformats.org/drawingml/2006/main" xmlns:r="http://schemas.openxmlformats.org/officeDocument/2006/relationships" xmlns:p="http://schemas.openxmlformats.org/presentationml/2006/main">
+  <p:cSld>
+    <p:spTree>
+      <p:nvGrpSpPr>
+        <p:cNvPr id="1" name=""/>
+        <p:cNvGrpSpPr/>
+        <p:nvPr/>
+      </p:nvGrpSpPr>
+      <p:grpSpPr>
+        <a:xfrm>
+          <a:off x="0" y="0"/>
+          <a:ext cx="0" cy="0"/>
+          <a:chOff x="0" y="0"/>
+          <a:chExt cx="0" cy="0"/>
+        </a:xfrm>
+      </p:grpSpPr>
+      <p:sp>
+        <p:nvSpPr>
+          <p:cNvPr id="2" name="Datumsplatzhalter 1">
+            <a:extLst>
+              <a:ext uri="{FF2B5EF4-FFF2-40B4-BE49-F238E27FC236}">
+                <a16:creationId xmlns:a16="http://schemas.microsoft.com/office/drawing/2014/main" id="{FB56C107-9EB4-4A83-819A-C7CE80697548}"/>
+              </a:ext>
+            </a:extLst>
+          </p:cNvPr>
+          <p:cNvSpPr>
+            <a:spLocks noGrp="1"/>
+          </p:cNvSpPr>
+          <p:nvPr>
+            <p:ph type="dt" sz="half" idx="10"/>
+          </p:nvPr>
+        </p:nvSpPr>
+        <p:spPr/>
+        <p:txBody>
+          <a:bodyPr/>
+          <a:lstStyle/>
+          <a:p>
+            <a:fld id="{5E48492E-72D1-4785-9351-8AE1E40FBA2D}" type="datetime1">
+              <a:rPr lang="de-CH" smtClean="0">
+                <a:solidFill>
+                  <a:srgbClr val="000000"/>
+                </a:solidFill>
+              </a:rPr>
+              <a:t>20.01.2022</a:t>
+            </a:fld>
+            <a:endParaRPr lang="de-CH">
+              <a:solidFill>
+                <a:srgbClr val="000000"/>
+              </a:solidFill>
+            </a:endParaRPr>
+          </a:p>
+        </p:txBody>
+      </p:sp>
+      <p:sp>
+        <p:nvSpPr>
+          <p:cNvPr id="3" name="Fußzeilenplatzhalter 2">
+            <a:extLst>
+              <a:ext uri="{FF2B5EF4-FFF2-40B4-BE49-F238E27FC236}">
+                <a16:creationId xmlns:a16="http://schemas.microsoft.com/office/drawing/2014/main" id="{6F161E53-DE5A-4624-BB45-8A8062AC7923}"/>
+              </a:ext>
+            </a:extLst>
+          </p:cNvPr>
+          <p:cNvSpPr>
+            <a:spLocks noGrp="1"/>
+          </p:cNvSpPr>
+          <p:nvPr>
+            <p:ph type="ftr" sz="quarter" idx="11"/>
+          </p:nvPr>
+        </p:nvSpPr>
+        <p:spPr/>
+        <p:txBody>
+          <a:bodyPr/>
+          <a:lstStyle/>
+          <a:p>
+            <a:r>
+              <a:rPr lang="en-CH" dirty="0">
+                <a:solidFill>
+                  <a:srgbClr val="000000"/>
+                </a:solidFill>
+              </a:rPr>
+              <a:t>Hochschule für Technik</a:t>
+            </a:r>
+            <a:endParaRPr lang="de-CH" dirty="0">
+              <a:solidFill>
+                <a:srgbClr val="000000"/>
+              </a:solidFill>
+            </a:endParaRPr>
+          </a:p>
+        </p:txBody>
+      </p:sp>
+      <p:sp>
+        <p:nvSpPr>
+          <p:cNvPr id="4" name="Foliennummernplatzhalter 3">
+            <a:extLst>
+              <a:ext uri="{FF2B5EF4-FFF2-40B4-BE49-F238E27FC236}">
+                <a16:creationId xmlns:a16="http://schemas.microsoft.com/office/drawing/2014/main" id="{197A6D72-4615-4D7A-963E-F1A94B1028B4}"/>
+              </a:ext>
+            </a:extLst>
+          </p:cNvPr>
+          <p:cNvSpPr>
+            <a:spLocks noGrp="1"/>
+          </p:cNvSpPr>
+          <p:nvPr>
+            <p:ph type="sldNum" sz="quarter" idx="12"/>
+          </p:nvPr>
+        </p:nvSpPr>
+        <p:spPr/>
+        <p:txBody>
+          <a:bodyPr/>
+          <a:lstStyle/>
+          <a:p>
+            <a:fld id="{351188DD-6605-4EF4-9E67-B567F731CE68}" type="slidenum">
+              <a:rPr lang="de-CH" smtClean="0">
+                <a:solidFill>
+                  <a:srgbClr val="000000"/>
+                </a:solidFill>
+              </a:rPr>
+              <a:pPr/>
+              <a:t>11</a:t>
+            </a:fld>
+            <a:endParaRPr lang="de-CH">
+              <a:solidFill>
+                <a:srgbClr val="000000"/>
+              </a:solidFill>
+            </a:endParaRPr>
+          </a:p>
+        </p:txBody>
+      </p:sp>
+      <p:sp>
+        <p:nvSpPr>
+          <p:cNvPr id="5" name="Titel 4">
+            <a:extLst>
+              <a:ext uri="{FF2B5EF4-FFF2-40B4-BE49-F238E27FC236}">
+                <a16:creationId xmlns:a16="http://schemas.microsoft.com/office/drawing/2014/main" id="{7F670212-DD83-4E79-8377-078151B05ECC}"/>
+              </a:ext>
+            </a:extLst>
+          </p:cNvPr>
+          <p:cNvSpPr>
+            <a:spLocks noGrp="1"/>
+          </p:cNvSpPr>
+          <p:nvPr>
+            <p:ph type="title"/>
+          </p:nvPr>
+        </p:nvSpPr>
+        <p:spPr/>
+        <p:txBody>
+          <a:bodyPr/>
+          <a:lstStyle/>
+          <a:p>
+            <a:r>
+              <a:rPr lang="de-CH" dirty="0"/>
+              <a:t>Quellen</a:t>
+            </a:r>
+          </a:p>
+        </p:txBody>
+      </p:sp>
+      <p:sp>
+        <p:nvSpPr>
+          <p:cNvPr id="6" name="Textplatzhalter 5">
+            <a:extLst>
+              <a:ext uri="{FF2B5EF4-FFF2-40B4-BE49-F238E27FC236}">
+                <a16:creationId xmlns:a16="http://schemas.microsoft.com/office/drawing/2014/main" id="{8D1C922C-A852-4356-98EE-0FBCFACDB6FA}"/>
+              </a:ext>
+            </a:extLst>
+          </p:cNvPr>
+          <p:cNvSpPr>
+            <a:spLocks noGrp="1"/>
+          </p:cNvSpPr>
+          <p:nvPr>
+            <p:ph type="body" idx="1"/>
+          </p:nvPr>
+        </p:nvSpPr>
+        <p:spPr/>
+        <p:txBody>
+          <a:bodyPr/>
+          <a:lstStyle/>
+          <a:p>
+            <a:r>
+              <a:rPr lang="en-GB" sz="1400" dirty="0" err="1"/>
+              <a:t>BaZ</a:t>
+            </a:r>
+            <a:r>
+              <a:rPr lang="en-GB" sz="1400" dirty="0"/>
+              <a:t>. (2018, Mai 7). </a:t>
+            </a:r>
+            <a:r>
+              <a:rPr lang="en-GB" sz="1400" i="1" dirty="0"/>
+              <a:t>Autos </a:t>
+            </a:r>
+            <a:r>
+              <a:rPr lang="en-GB" sz="1400" i="1" dirty="0" err="1"/>
+              <a:t>werden</a:t>
+            </a:r>
+            <a:r>
+              <a:rPr lang="en-GB" sz="1400" i="1" dirty="0"/>
+              <a:t> </a:t>
+            </a:r>
+            <a:r>
+              <a:rPr lang="en-GB" sz="1400" i="1" dirty="0" err="1"/>
+              <a:t>immer</a:t>
+            </a:r>
+            <a:r>
+              <a:rPr lang="en-GB" sz="1400" i="1" dirty="0"/>
+              <a:t> </a:t>
+            </a:r>
+            <a:r>
+              <a:rPr lang="en-GB" sz="1400" i="1" dirty="0" err="1"/>
+              <a:t>breiter</a:t>
+            </a:r>
+            <a:r>
+              <a:rPr lang="en-GB" sz="1400" i="1" dirty="0"/>
+              <a:t> und </a:t>
+            </a:r>
+            <a:r>
+              <a:rPr lang="en-GB" sz="1400" i="1" dirty="0" err="1"/>
+              <a:t>länger</a:t>
+            </a:r>
+            <a:r>
+              <a:rPr lang="en-GB" sz="1400" dirty="0"/>
+              <a:t>. https://www.bazonline.ch/auto/autos-werden-immer-breiter-und-laenger/story/25635086 </a:t>
+            </a:r>
+          </a:p>
+          <a:p>
+            <a:r>
+              <a:rPr lang="en-GB" sz="1400" dirty="0"/>
+              <a:t>Brunner Images. (2017). </a:t>
+            </a:r>
+            <a:r>
+              <a:rPr lang="en-GB" sz="1400" i="1" dirty="0"/>
+              <a:t>Bild</a:t>
+            </a:r>
+            <a:r>
+              <a:rPr lang="en-GB" sz="1400" dirty="0"/>
+              <a:t>. https://oekastatic.orf.at/static/images/site/oeka/20170935/steinschlag.5649584.jpg </a:t>
+            </a:r>
+          </a:p>
+          <a:p>
+            <a:r>
+              <a:rPr lang="en-GB" sz="1400" dirty="0"/>
+              <a:t>Gebhardt, M. (2018, April 24). </a:t>
+            </a:r>
+            <a:r>
+              <a:rPr lang="en-GB" sz="1400" i="1" dirty="0" err="1"/>
+              <a:t>Bremsweg</a:t>
+            </a:r>
+            <a:r>
+              <a:rPr lang="en-GB" sz="1400" i="1" dirty="0"/>
+              <a:t> </a:t>
+            </a:r>
+            <a:r>
+              <a:rPr lang="en-GB" sz="1400" i="1" dirty="0" err="1"/>
+              <a:t>Berechnung</a:t>
+            </a:r>
+            <a:r>
+              <a:rPr lang="en-GB" sz="1400" dirty="0"/>
+              <a:t>. So </a:t>
+            </a:r>
+            <a:r>
+              <a:rPr lang="en-GB" sz="1400" dirty="0" err="1"/>
+              <a:t>wird</a:t>
+            </a:r>
+            <a:r>
+              <a:rPr lang="en-GB" sz="1400" dirty="0"/>
+              <a:t> der </a:t>
+            </a:r>
+            <a:r>
+              <a:rPr lang="en-GB" sz="1400" dirty="0" err="1"/>
+              <a:t>Bremsweg</a:t>
+            </a:r>
+            <a:r>
+              <a:rPr lang="en-GB" sz="1400" dirty="0"/>
+              <a:t> </a:t>
+            </a:r>
+            <a:r>
+              <a:rPr lang="en-GB" sz="1400" dirty="0" err="1"/>
+              <a:t>berechnet</a:t>
+            </a:r>
+            <a:r>
+              <a:rPr lang="en-GB" sz="1400" dirty="0"/>
+              <a:t>. https://www.autobild.de/artikel/bremsweg-formel-13443369.html#anchor_1 </a:t>
+            </a:r>
+          </a:p>
+          <a:p>
+            <a:r>
+              <a:rPr lang="en-GB" sz="1400" dirty="0" err="1"/>
+              <a:t>Geopraevent</a:t>
+            </a:r>
+            <a:r>
+              <a:rPr lang="en-GB" sz="1400" dirty="0"/>
+              <a:t>. (2018, November 25). </a:t>
+            </a:r>
+            <a:r>
+              <a:rPr lang="en-GB" sz="1400" i="1" dirty="0" err="1"/>
+              <a:t>Steinschlagradar</a:t>
+            </a:r>
+            <a:r>
+              <a:rPr lang="en-GB" sz="1400" i="1" dirty="0"/>
+              <a:t> Brienz</a:t>
+            </a:r>
+            <a:r>
+              <a:rPr lang="en-GB" sz="1400" dirty="0"/>
+              <a:t>. https://www.geopraevent.ch/project/steinschlagradar-brienz/ </a:t>
+            </a:r>
+          </a:p>
+          <a:p>
+            <a:r>
+              <a:rPr lang="en-GB" sz="1400" dirty="0"/>
+              <a:t>Gerber, W. (2019). </a:t>
+            </a:r>
+            <a:r>
+              <a:rPr lang="en-GB" sz="1400" i="1" dirty="0" err="1"/>
+              <a:t>Naturgefahr</a:t>
+            </a:r>
+            <a:r>
+              <a:rPr lang="en-GB" sz="1400" i="1" dirty="0"/>
+              <a:t> </a:t>
+            </a:r>
+            <a:r>
+              <a:rPr lang="en-GB" sz="1400" i="1" dirty="0" err="1"/>
+              <a:t>Steinschlag</a:t>
+            </a:r>
+            <a:r>
+              <a:rPr lang="en-GB" sz="1400" i="1" dirty="0"/>
+              <a:t> – </a:t>
+            </a:r>
+            <a:r>
+              <a:rPr lang="en-GB" sz="1400" i="1" dirty="0" err="1"/>
+              <a:t>Erfahrungen</a:t>
+            </a:r>
+            <a:r>
+              <a:rPr lang="en-GB" sz="1400" i="1" dirty="0"/>
+              <a:t> und </a:t>
+            </a:r>
+            <a:r>
+              <a:rPr lang="en-GB" sz="1400" i="1" dirty="0" err="1"/>
+              <a:t>Erkenntnisse</a:t>
+            </a:r>
+            <a:r>
+              <a:rPr lang="en-GB" sz="1400" i="1" dirty="0"/>
+              <a:t>—SLF</a:t>
+            </a:r>
+            <a:r>
+              <a:rPr lang="en-GB" sz="1400" dirty="0"/>
+              <a:t>. https://www.slf.ch/de/newsseiten/2019/03/naturgefahr-steinschlag-erfahrungen-und- erkenntnisse.html  </a:t>
+            </a:r>
+          </a:p>
+          <a:p>
+            <a:r>
+              <a:rPr lang="en-GB" sz="1400" dirty="0"/>
+              <a:t>Hartmann, P., &amp; Walter, P. (2018, April 1). </a:t>
+            </a:r>
+            <a:r>
+              <a:rPr lang="en-GB" sz="1400" i="1" dirty="0" err="1"/>
+              <a:t>Mikrozensus</a:t>
+            </a:r>
+            <a:r>
+              <a:rPr lang="en-GB" sz="1400" i="1" dirty="0"/>
+              <a:t> </a:t>
+            </a:r>
+            <a:r>
+              <a:rPr lang="en-GB" sz="1400" i="1" dirty="0" err="1"/>
+              <a:t>Graubünden</a:t>
+            </a:r>
+            <a:r>
+              <a:rPr lang="en-GB" sz="1400" dirty="0"/>
+              <a:t>. </a:t>
+            </a:r>
+            <a:r>
+              <a:rPr lang="en-GB" sz="1400" dirty="0" err="1"/>
+              <a:t>Mobilität</a:t>
+            </a:r>
+            <a:r>
+              <a:rPr lang="en-GB" sz="1400" dirty="0"/>
+              <a:t> in </a:t>
+            </a:r>
+            <a:r>
+              <a:rPr lang="en-GB" sz="1400" dirty="0" err="1"/>
+              <a:t>Graubünden</a:t>
+            </a:r>
+            <a:r>
+              <a:rPr lang="en-GB" sz="1400" dirty="0"/>
+              <a:t>. https://www.gr.ch/DE/Medien/Mitteilungen/MMStaka/2018/MedienDokumente/Bericht_Mikrozen sus_2015_ohneAnhang.pdf </a:t>
+            </a:r>
+          </a:p>
+          <a:p>
+            <a:r>
+              <a:rPr lang="en-GB" sz="1400" dirty="0"/>
+              <a:t>Scott, T. (2021, November 8). </a:t>
+            </a:r>
+            <a:r>
+              <a:rPr lang="en-GB" sz="1400" i="1" dirty="0"/>
+              <a:t>Why this „falling rocks“ sign is more important than most</a:t>
+            </a:r>
+            <a:r>
+              <a:rPr lang="en-GB" sz="1400" dirty="0"/>
+              <a:t>. https://www.youtube.com/watch?v=o-oVXYkBwgw </a:t>
+            </a:r>
+          </a:p>
+          <a:p>
+            <a:endParaRPr lang="de-CH" dirty="0"/>
+          </a:p>
+        </p:txBody>
+      </p:sp>
+    </p:spTree>
+    <p:extLst>
+      <p:ext uri="{BB962C8B-B14F-4D97-AF65-F5344CB8AC3E}">
+        <p14:creationId xmlns:p14="http://schemas.microsoft.com/office/powerpoint/2010/main" val="829703314"/>
       </p:ext>
     </p:extLst>
   </p:cSld>
@@ -3461,19 +6560,29 @@
             <p:ph type="ftr" sz="quarter" idx="11"/>
           </p:nvPr>
         </p:nvSpPr>
-        <p:spPr/>
+        <p:spPr>
+          <a:xfrm>
+            <a:off x="720160" y="7197725"/>
+            <a:ext cx="7057250" cy="179388"/>
+          </a:xfrm>
+        </p:spPr>
         <p:txBody>
           <a:bodyPr/>
           <a:lstStyle/>
           <a:p>
             <a:r>
-              <a:rPr lang="de-CH">
+              <a:rPr lang="en-CH" dirty="0">
                 <a:solidFill>
                   <a:srgbClr val="000000"/>
                 </a:solidFill>
               </a:rPr>
-              <a:t>Institut</a:t>
-            </a:r>
+              <a:t>Hochschule für Technik</a:t>
+            </a:r>
+            <a:endParaRPr lang="de-CH" dirty="0">
+              <a:solidFill>
+                <a:srgbClr val="000000"/>
+              </a:solidFill>
+            </a:endParaRPr>
           </a:p>
         </p:txBody>
       </p:sp>
@@ -3537,9 +6646,10 @@
           <a:lstStyle/>
           <a:p>
             <a:r>
-              <a:rPr lang="de-CH" dirty="0"/>
+              <a:rPr lang="de-CH"/>
               <a:t>Aufgabenstellung</a:t>
             </a:r>
+            <a:endParaRPr lang="de-CH" dirty="0"/>
           </a:p>
         </p:txBody>
       </p:sp>
@@ -3570,7 +6680,11 @@
             </a:pPr>
             <a:r>
               <a:rPr lang="en-CH" dirty="0"/>
-              <a:t>Challenge Vorstellung</a:t>
+              <a:t>Challenge </a:t>
+            </a:r>
+            <a:r>
+              <a:rPr lang="en-CH" dirty="0" err="1"/>
+              <a:t>Vorstellung</a:t>
             </a:r>
             <a:endParaRPr lang="de-CH" dirty="0"/>
           </a:p>
@@ -3584,17 +6698,22 @@
               <a:t>K</a:t>
             </a:r>
             <a:r>
+              <a:rPr lang="en-CH" sz="1800" dirty="0" err="1"/>
+              <a:t>urze</a:t>
+            </a:r>
+            <a:r>
               <a:rPr lang="en-CH" sz="1800" dirty="0"/>
-              <a:t>urze </a:t>
+              <a:t> </a:t>
             </a:r>
             <a:r>
               <a:rPr lang="de-CH" sz="1800" dirty="0"/>
               <a:t>Z</a:t>
             </a:r>
             <a:r>
-              <a:rPr lang="en-CH" sz="1800" dirty="0"/>
+              <a:rPr lang="en-CH" sz="1800" dirty="0" err="1"/>
               <a:t>usammenfassung</a:t>
             </a:r>
+            <a:endParaRPr lang="en-CH" sz="1800" dirty="0"/>
           </a:p>
           <a:p>
             <a:pPr marL="342900" indent="-342900">
@@ -3602,8 +6721,12 @@
               <a:buChar char="•"/>
             </a:pPr>
             <a:r>
-              <a:rPr lang="en-CH" dirty="0"/>
-              <a:t>Sicherheit für Menschen </a:t>
+              <a:rPr lang="en-CH" dirty="0" err="1"/>
+              <a:t>Sicherheit</a:t>
+            </a:r>
+            <a:r>
+              <a:rPr lang="en-CH" dirty="0"/>
+              <a:t> für Menschen </a:t>
             </a:r>
             <a:r>
               <a:rPr lang="de-CH" dirty="0"/>
@@ -3616,8 +6739,12 @@
               <a:buChar char="•"/>
             </a:pPr>
             <a:r>
+              <a:rPr lang="en-CH" sz="1800" dirty="0" err="1"/>
+              <a:t>Risiko</a:t>
+            </a:r>
+            <a:r>
               <a:rPr lang="en-CH" sz="1800" dirty="0"/>
-              <a:t>Risiko </a:t>
+              <a:t> </a:t>
             </a:r>
             <a:r>
               <a:rPr lang="de-CH" sz="1800" dirty="0"/>
@@ -3640,7 +6767,7 @@
               <a:t>d</a:t>
             </a:r>
             <a:r>
-              <a:rPr lang="en-CH" sz="1800" dirty="0"/>
+              <a:rPr lang="en-CH" sz="1800" dirty="0" err="1"/>
               <a:t>esfall</a:t>
             </a:r>
             <a:r>
@@ -3649,7 +6776,23 @@
             </a:r>
             <a:r>
               <a:rPr lang="en-CH" sz="1800" dirty="0"/>
-              <a:t> durch Steinschlag und </a:t>
+              <a:t> </a:t>
+            </a:r>
+            <a:r>
+              <a:rPr lang="en-CH" sz="1800" dirty="0" err="1"/>
+              <a:t>durch</a:t>
+            </a:r>
+            <a:r>
+              <a:rPr lang="en-CH" sz="1800" dirty="0"/>
+              <a:t> </a:t>
+            </a:r>
+            <a:r>
+              <a:rPr lang="en-CH" sz="1800" dirty="0" err="1"/>
+              <a:t>Steinschlag</a:t>
+            </a:r>
+            <a:r>
+              <a:rPr lang="en-CH" sz="1800" dirty="0"/>
+              <a:t> und </a:t>
             </a:r>
             <a:r>
               <a:rPr lang="de-CH" sz="1800" dirty="0"/>
@@ -3666,7 +6809,7 @@
               <a:buChar char="•"/>
             </a:pPr>
             <a:r>
-              <a:rPr lang="en-CH" dirty="0"/>
+              <a:rPr lang="en-CH" dirty="0" err="1"/>
               <a:t>Umgebung</a:t>
             </a:r>
             <a:endParaRPr lang="de-CH" dirty="0"/>
@@ -3677,8 +6820,20 @@
               <a:buChar char="•"/>
             </a:pPr>
             <a:r>
+              <a:rPr lang="en-CH" sz="1800" dirty="0" err="1"/>
+              <a:t>Kantonsstrasse</a:t>
+            </a:r>
+            <a:r>
               <a:rPr lang="en-CH" sz="1800" dirty="0"/>
-              <a:t>Kantonsstrasse in Schiers, Graubünden</a:t>
+              <a:t> in </a:t>
+            </a:r>
+            <a:r>
+              <a:rPr lang="en-CH" sz="1800" dirty="0" err="1"/>
+              <a:t>Schiers</a:t>
+            </a:r>
+            <a:r>
+              <a:rPr lang="en-CH" sz="1800" dirty="0"/>
+              <a:t>, Graubünden</a:t>
             </a:r>
           </a:p>
           <a:p>
@@ -3775,13 +6930,18 @@
           <a:lstStyle/>
           <a:p>
             <a:r>
-              <a:rPr lang="de-CH" dirty="0">
+              <a:rPr lang="en-CH" dirty="0">
                 <a:solidFill>
                   <a:srgbClr val="000000"/>
                 </a:solidFill>
               </a:rPr>
-              <a:t>Institut</a:t>
-            </a:r>
+              <a:t>Hochschule für Technik</a:t>
+            </a:r>
+            <a:endParaRPr lang="de-CH" dirty="0">
+              <a:solidFill>
+                <a:srgbClr val="000000"/>
+              </a:solidFill>
+            </a:endParaRPr>
           </a:p>
         </p:txBody>
       </p:sp>
@@ -4469,10 +7629,10 @@
       </p:grpSpPr>
       <p:sp>
         <p:nvSpPr>
-          <p:cNvPr id="2" name="Datumsplatzhalter 1">
+          <p:cNvPr id="2" name="Date Placeholder 1">
             <a:extLst>
               <a:ext uri="{FF2B5EF4-FFF2-40B4-BE49-F238E27FC236}">
-                <a16:creationId xmlns:a16="http://schemas.microsoft.com/office/drawing/2014/main" id="{FB56C107-9EB4-4A83-819A-C7CE80697548}"/>
+                <a16:creationId xmlns:a16="http://schemas.microsoft.com/office/drawing/2014/main" id="{1103D036-ED75-4DC0-A05C-68E84117BC3F}"/>
               </a:ext>
             </a:extLst>
           </p:cNvPr>
@@ -4506,10 +7666,10 @@
       </p:sp>
       <p:sp>
         <p:nvSpPr>
-          <p:cNvPr id="3" name="Fußzeilenplatzhalter 2">
+          <p:cNvPr id="3" name="Footer Placeholder 2">
             <a:extLst>
               <a:ext uri="{FF2B5EF4-FFF2-40B4-BE49-F238E27FC236}">
-                <a16:creationId xmlns:a16="http://schemas.microsoft.com/office/drawing/2014/main" id="{6F161E53-DE5A-4624-BB45-8A8062AC7923}"/>
+                <a16:creationId xmlns:a16="http://schemas.microsoft.com/office/drawing/2014/main" id="{685FAFE3-9987-4E31-8760-FF4E55E0A543}"/>
               </a:ext>
             </a:extLst>
           </p:cNvPr>
@@ -4526,22 +7686,27 @@
           <a:lstStyle/>
           <a:p>
             <a:r>
-              <a:rPr lang="de-CH">
+              <a:rPr lang="en-CH" dirty="0">
                 <a:solidFill>
                   <a:srgbClr val="000000"/>
                 </a:solidFill>
               </a:rPr>
-              <a:t>Institut</a:t>
-            </a:r>
+              <a:t>Hochschule für Technik</a:t>
+            </a:r>
+            <a:endParaRPr lang="de-CH" dirty="0">
+              <a:solidFill>
+                <a:srgbClr val="000000"/>
+              </a:solidFill>
+            </a:endParaRPr>
           </a:p>
         </p:txBody>
       </p:sp>
       <p:sp>
         <p:nvSpPr>
-          <p:cNvPr id="4" name="Foliennummernplatzhalter 3">
+          <p:cNvPr id="4" name="Slide Number Placeholder 3">
             <a:extLst>
               <a:ext uri="{FF2B5EF4-FFF2-40B4-BE49-F238E27FC236}">
-                <a16:creationId xmlns:a16="http://schemas.microsoft.com/office/drawing/2014/main" id="{197A6D72-4615-4D7A-963E-F1A94B1028B4}"/>
+                <a16:creationId xmlns:a16="http://schemas.microsoft.com/office/drawing/2014/main" id="{2854B8CF-89FC-42CC-A6A8-72B9A6238C97}"/>
               </a:ext>
             </a:extLst>
           </p:cNvPr>
@@ -4576,10 +7741,10 @@
       </p:sp>
       <p:sp>
         <p:nvSpPr>
-          <p:cNvPr id="5" name="Titel 4">
+          <p:cNvPr id="5" name="Title 4">
             <a:extLst>
               <a:ext uri="{FF2B5EF4-FFF2-40B4-BE49-F238E27FC236}">
-                <a16:creationId xmlns:a16="http://schemas.microsoft.com/office/drawing/2014/main" id="{7F670212-DD83-4E79-8377-078151B05ECC}"/>
+                <a16:creationId xmlns:a16="http://schemas.microsoft.com/office/drawing/2014/main" id="{51617950-D507-4842-83F8-BD8D62FE8FEF}"/>
               </a:ext>
             </a:extLst>
           </p:cNvPr>
@@ -4596,18 +7761,27 @@
           <a:lstStyle/>
           <a:p>
             <a:r>
-              <a:rPr lang="de-CH" dirty="0"/>
-              <a:t>Quellen</a:t>
-            </a:r>
+              <a:rPr lang="en-CH" dirty="0" err="1"/>
+              <a:t>Methodik</a:t>
+            </a:r>
+            <a:r>
+              <a:rPr lang="en-CH" dirty="0"/>
+              <a:t> und </a:t>
+            </a:r>
+            <a:r>
+              <a:rPr lang="en-CH" dirty="0" err="1"/>
+              <a:t>Werkzeuge</a:t>
+            </a:r>
+            <a:endParaRPr lang="de-CH" dirty="0"/>
           </a:p>
         </p:txBody>
       </p:sp>
       <p:sp>
         <p:nvSpPr>
-          <p:cNvPr id="6" name="Textplatzhalter 5">
+          <p:cNvPr id="6" name="Text Placeholder 5">
             <a:extLst>
               <a:ext uri="{FF2B5EF4-FFF2-40B4-BE49-F238E27FC236}">
-                <a16:creationId xmlns:a16="http://schemas.microsoft.com/office/drawing/2014/main" id="{8D1C922C-A852-4356-98EE-0FBCFACDB6FA}"/>
+                <a16:creationId xmlns:a16="http://schemas.microsoft.com/office/drawing/2014/main" id="{1EDF0314-3A6C-4B70-BA52-AA4E2E3AD062}"/>
               </a:ext>
             </a:extLst>
           </p:cNvPr>
@@ -4623,228 +7797,38 @@
           <a:bodyPr/>
           <a:lstStyle/>
           <a:p>
-            <a:r>
-              <a:rPr lang="en-GB" sz="1400" dirty="0" err="1"/>
-              <a:t>BaZ</a:t>
-            </a:r>
-            <a:r>
-              <a:rPr lang="en-GB" sz="1400" dirty="0"/>
-              <a:t>. (2018, Mai 7). </a:t>
-            </a:r>
-            <a:r>
-              <a:rPr lang="en-GB" sz="1400" i="1" dirty="0"/>
-              <a:t>Autos </a:t>
-            </a:r>
-            <a:r>
-              <a:rPr lang="en-GB" sz="1400" i="1" dirty="0" err="1"/>
-              <a:t>werden</a:t>
-            </a:r>
-            <a:r>
-              <a:rPr lang="en-GB" sz="1400" i="1" dirty="0"/>
+            <a:pPr marL="342900" indent="-342900">
+              <a:buFont typeface="Arial" panose="020B0604020202020204" pitchFamily="34" charset="0"/>
+              <a:buChar char="•"/>
+            </a:pPr>
+            <a:r>
+              <a:rPr lang="en-CH" dirty="0" err="1"/>
+              <a:t>Theoretische</a:t>
+            </a:r>
+            <a:r>
+              <a:rPr lang="en-CH" dirty="0"/>
               <a:t> </a:t>
             </a:r>
             <a:r>
-              <a:rPr lang="en-GB" sz="1400" i="1" dirty="0" err="1"/>
-              <a:t>immer</a:t>
-            </a:r>
-            <a:r>
-              <a:rPr lang="en-GB" sz="1400" i="1" dirty="0"/>
-              <a:t> </a:t>
-            </a:r>
-            <a:r>
-              <a:rPr lang="en-GB" sz="1400" i="1" dirty="0" err="1"/>
-              <a:t>breiter</a:t>
-            </a:r>
-            <a:r>
-              <a:rPr lang="en-GB" sz="1400" i="1" dirty="0"/>
+              <a:rPr lang="en-CH" dirty="0" err="1"/>
+              <a:t>Grundlagen</a:t>
+            </a:r>
+            <a:r>
+              <a:rPr lang="en-CH" dirty="0"/>
+              <a:t> der </a:t>
+            </a:r>
+            <a:r>
+              <a:rPr lang="en-CH" dirty="0" err="1"/>
+              <a:t>Methoden</a:t>
+            </a:r>
+            <a:r>
+              <a:rPr lang="en-CH" dirty="0"/>
               <a:t> und </a:t>
             </a:r>
             <a:r>
-              <a:rPr lang="en-GB" sz="1400" i="1" dirty="0" err="1"/>
-              <a:t>länger</a:t>
-            </a:r>
-            <a:r>
-              <a:rPr lang="en-GB" sz="1400" dirty="0"/>
-              <a:t>. https://www.bazonline.ch/auto/autos-werden-immer-breiter-und-laenger/story/25635086 </a:t>
-            </a:r>
-          </a:p>
-          <a:p>
-            <a:r>
-              <a:rPr lang="en-GB" sz="1400" dirty="0"/>
-              <a:t>Brunner Images. (2017). </a:t>
-            </a:r>
-            <a:r>
-              <a:rPr lang="en-GB" sz="1400" i="1" dirty="0"/>
-              <a:t>Bild</a:t>
-            </a:r>
-            <a:r>
-              <a:rPr lang="en-GB" sz="1400" dirty="0"/>
-              <a:t>. https://oekastatic.orf.at/static/images/site/oeka/20170935/steinschlag.5649584.jpg </a:t>
-            </a:r>
-          </a:p>
-          <a:p>
-            <a:r>
-              <a:rPr lang="en-GB" sz="1400" dirty="0"/>
-              <a:t>Gebhardt, M. (2018, April 24). </a:t>
-            </a:r>
-            <a:r>
-              <a:rPr lang="en-GB" sz="1400" i="1" dirty="0" err="1"/>
-              <a:t>Bremsweg</a:t>
-            </a:r>
-            <a:r>
-              <a:rPr lang="en-GB" sz="1400" i="1" dirty="0"/>
-              <a:t> </a:t>
-            </a:r>
-            <a:r>
-              <a:rPr lang="en-GB" sz="1400" i="1" dirty="0" err="1"/>
-              <a:t>Berechnung</a:t>
-            </a:r>
-            <a:r>
-              <a:rPr lang="en-GB" sz="1400" dirty="0"/>
-              <a:t>. So </a:t>
-            </a:r>
-            <a:r>
-              <a:rPr lang="en-GB" sz="1400" dirty="0" err="1"/>
-              <a:t>wird</a:t>
-            </a:r>
-            <a:r>
-              <a:rPr lang="en-GB" sz="1400" dirty="0"/>
-              <a:t> der </a:t>
-            </a:r>
-            <a:r>
-              <a:rPr lang="en-GB" sz="1400" dirty="0" err="1"/>
-              <a:t>Bremsweg</a:t>
-            </a:r>
-            <a:r>
-              <a:rPr lang="en-GB" sz="1400" dirty="0"/>
-              <a:t> </a:t>
-            </a:r>
-            <a:r>
-              <a:rPr lang="en-GB" sz="1400" dirty="0" err="1"/>
-              <a:t>berechnet</a:t>
-            </a:r>
-            <a:r>
-              <a:rPr lang="en-GB" sz="1400" dirty="0"/>
-              <a:t>. https://www.autobild.de/artikel/bremsweg-formel-13443369.html#anchor_1 </a:t>
-            </a:r>
-          </a:p>
-          <a:p>
-            <a:r>
-              <a:rPr lang="en-GB" sz="1400" dirty="0" err="1"/>
-              <a:t>Geopraevent</a:t>
-            </a:r>
-            <a:r>
-              <a:rPr lang="en-GB" sz="1400" dirty="0"/>
-              <a:t>. (2018, November 25). </a:t>
-            </a:r>
-            <a:r>
-              <a:rPr lang="en-GB" sz="1400" i="1" dirty="0" err="1"/>
-              <a:t>Steinschlagradar</a:t>
-            </a:r>
-            <a:r>
-              <a:rPr lang="en-GB" sz="1400" i="1" dirty="0"/>
-              <a:t> Brienz</a:t>
-            </a:r>
-            <a:r>
-              <a:rPr lang="en-GB" sz="1400" dirty="0"/>
-              <a:t>. https://www.geopraevent.ch/project/steinschlagradar-brienz/ </a:t>
-            </a:r>
-          </a:p>
-          <a:p>
-            <a:r>
-              <a:rPr lang="en-GB" sz="1400" dirty="0"/>
-              <a:t>Gerber, W. (2019). </a:t>
-            </a:r>
-            <a:r>
-              <a:rPr lang="en-GB" sz="1400" i="1" dirty="0" err="1"/>
-              <a:t>Naturgefahr</a:t>
-            </a:r>
-            <a:r>
-              <a:rPr lang="en-GB" sz="1400" i="1" dirty="0"/>
-              <a:t> </a:t>
-            </a:r>
-            <a:r>
-              <a:rPr lang="en-GB" sz="1400" i="1" dirty="0" err="1"/>
-              <a:t>Steinschlag</a:t>
-            </a:r>
-            <a:r>
-              <a:rPr lang="en-GB" sz="1400" i="1" dirty="0"/>
-              <a:t> – </a:t>
-            </a:r>
-            <a:r>
-              <a:rPr lang="en-GB" sz="1400" i="1" dirty="0" err="1"/>
-              <a:t>Erfahrungen</a:t>
-            </a:r>
-            <a:r>
-              <a:rPr lang="en-GB" sz="1400" i="1" dirty="0"/>
-              <a:t> und </a:t>
-            </a:r>
-            <a:r>
-              <a:rPr lang="en-GB" sz="1400" i="1" dirty="0" err="1"/>
-              <a:t>Erkenntnisse</a:t>
-            </a:r>
-            <a:r>
-              <a:rPr lang="en-GB" sz="1400" i="1" dirty="0"/>
-              <a:t>—SLF</a:t>
-            </a:r>
-            <a:r>
-              <a:rPr lang="en-GB" sz="1400" dirty="0"/>
-              <a:t>. https://www.slf.ch/de/newsseiten/2019/03/naturgefahr-steinschlag-erfahrungen-und- erkenntnisse.html  </a:t>
-            </a:r>
-          </a:p>
-          <a:p>
-            <a:r>
-              <a:rPr lang="en-GB" sz="1400" dirty="0"/>
-              <a:t>Hartmann, P., &amp; Walter, P. (2018, April 1). </a:t>
-            </a:r>
-            <a:r>
-              <a:rPr lang="en-GB" sz="1400" i="1" dirty="0" err="1"/>
-              <a:t>Mikrozensus</a:t>
-            </a:r>
-            <a:r>
-              <a:rPr lang="en-GB" sz="1400" i="1" dirty="0"/>
-              <a:t> </a:t>
-            </a:r>
-            <a:r>
-              <a:rPr lang="en-GB" sz="1400" i="1" dirty="0" err="1"/>
-              <a:t>Graubünden</a:t>
-            </a:r>
-            <a:r>
-              <a:rPr lang="en-GB" sz="1400" dirty="0"/>
-              <a:t>. </a:t>
-            </a:r>
-            <a:r>
-              <a:rPr lang="en-GB" sz="1400" dirty="0" err="1"/>
-              <a:t>Mobilität</a:t>
-            </a:r>
-            <a:r>
-              <a:rPr lang="en-GB" sz="1400" dirty="0"/>
-              <a:t> in </a:t>
-            </a:r>
-            <a:r>
-              <a:rPr lang="en-GB" sz="1400" dirty="0" err="1"/>
-              <a:t>Graubünden</a:t>
-            </a:r>
-            <a:r>
-              <a:rPr lang="en-GB" sz="1400" dirty="0"/>
-              <a:t>. https://www.gr.ch/DE/Medien/Mitteilungen/MMStaka/2018/MedienDokumente/Bericht_Mikrozen sus_2015_ohneAnhang.pdf </a:t>
-            </a:r>
-          </a:p>
-          <a:p>
-            <a:r>
-              <a:rPr lang="en-GB" sz="1400" dirty="0"/>
-              <a:t>Scott, T. (2021, November 8). </a:t>
-            </a:r>
-            <a:r>
-              <a:rPr lang="en-GB" sz="1400" i="1" dirty="0"/>
-              <a:t>Why this „falling rocks“ sign is more important than most</a:t>
-            </a:r>
-            <a:r>
-              <a:rPr lang="en-GB" sz="1400" dirty="0"/>
-              <a:t>. https://www.youtube.com/watch?v=o-oVXYkBwgw </a:t>
-            </a:r>
-          </a:p>
-          <a:p>
+              <a:rPr lang="en-CH" dirty="0" err="1"/>
+              <a:t>Werkzeuge</a:t>
+            </a:r>
             <a:endParaRPr lang="de-CH" dirty="0"/>
           </a:p>
         </p:txBody>
@@ -4852,7 +7836,7 @@
     </p:spTree>
     <p:extLst>
       <p:ext uri="{BB962C8B-B14F-4D97-AF65-F5344CB8AC3E}">
-        <p14:creationId xmlns:p14="http://schemas.microsoft.com/office/powerpoint/2010/main" val="829703314"/>
+        <p14:creationId xmlns:p14="http://schemas.microsoft.com/office/powerpoint/2010/main" val="1959079473"/>
       </p:ext>
     </p:extLst>
   </p:cSld>
@@ -4881,10 +7865,10 @@
       </p:grpSpPr>
       <p:sp>
         <p:nvSpPr>
-          <p:cNvPr id="2" name="Datumsplatzhalter 1">
+          <p:cNvPr id="2" name="Date Placeholder 1">
             <a:extLst>
               <a:ext uri="{FF2B5EF4-FFF2-40B4-BE49-F238E27FC236}">
-                <a16:creationId xmlns:a16="http://schemas.microsoft.com/office/drawing/2014/main" id="{6A637E5E-7D44-4BD1-AA8E-43CD940CEDA0}"/>
+                <a16:creationId xmlns:a16="http://schemas.microsoft.com/office/drawing/2014/main" id="{ED741506-91C6-43DA-89DA-B78B74D866BE}"/>
               </a:ext>
             </a:extLst>
           </p:cNvPr>
@@ -4918,10 +7902,10 @@
       </p:sp>
       <p:sp>
         <p:nvSpPr>
-          <p:cNvPr id="3" name="Fußzeilenplatzhalter 2">
+          <p:cNvPr id="3" name="Footer Placeholder 2">
             <a:extLst>
               <a:ext uri="{FF2B5EF4-FFF2-40B4-BE49-F238E27FC236}">
-                <a16:creationId xmlns:a16="http://schemas.microsoft.com/office/drawing/2014/main" id="{78BDEE6F-9346-4E36-9928-7DD404669CBA}"/>
+                <a16:creationId xmlns:a16="http://schemas.microsoft.com/office/drawing/2014/main" id="{249AF704-A0A8-43F3-B94D-5EAD3D8BE2AC}"/>
               </a:ext>
             </a:extLst>
           </p:cNvPr>
@@ -4938,22 +7922,27 @@
           <a:lstStyle/>
           <a:p>
             <a:r>
-              <a:rPr lang="de-CH" dirty="0">
+              <a:rPr lang="en-CH" dirty="0">
                 <a:solidFill>
                   <a:srgbClr val="000000"/>
                 </a:solidFill>
               </a:rPr>
-              <a:t>Hochschule Technik</a:t>
-            </a:r>
+              <a:t>Hochschule für Technik</a:t>
+            </a:r>
+            <a:endParaRPr lang="de-CH" dirty="0">
+              <a:solidFill>
+                <a:srgbClr val="000000"/>
+              </a:solidFill>
+            </a:endParaRPr>
           </a:p>
         </p:txBody>
       </p:sp>
       <p:sp>
         <p:nvSpPr>
-          <p:cNvPr id="4" name="Foliennummernplatzhalter 3">
+          <p:cNvPr id="4" name="Slide Number Placeholder 3">
             <a:extLst>
               <a:ext uri="{FF2B5EF4-FFF2-40B4-BE49-F238E27FC236}">
-                <a16:creationId xmlns:a16="http://schemas.microsoft.com/office/drawing/2014/main" id="{F377F38E-D17E-47C7-9B57-4862E268311F}"/>
+                <a16:creationId xmlns:a16="http://schemas.microsoft.com/office/drawing/2014/main" id="{0519A21A-3F47-4F26-B8B1-9E5B2C23C079}"/>
               </a:ext>
             </a:extLst>
           </p:cNvPr>
@@ -4988,10 +7977,10 @@
       </p:sp>
       <p:sp>
         <p:nvSpPr>
-          <p:cNvPr id="5" name="Titel 4">
+          <p:cNvPr id="5" name="Title 4">
             <a:extLst>
               <a:ext uri="{FF2B5EF4-FFF2-40B4-BE49-F238E27FC236}">
-                <a16:creationId xmlns:a16="http://schemas.microsoft.com/office/drawing/2014/main" id="{E8D3B194-D365-4A47-895A-779B89CDF225}"/>
+                <a16:creationId xmlns:a16="http://schemas.microsoft.com/office/drawing/2014/main" id="{E6A0F4BF-078E-4655-B23D-A3C0D3C50C6E}"/>
               </a:ext>
             </a:extLst>
           </p:cNvPr>
@@ -5008,8 +7997,8 @@
           <a:lstStyle/>
           <a:p>
             <a:r>
-              <a:rPr lang="de-DE" dirty="0"/>
-              <a:t>Vorgehen</a:t>
+              <a:rPr lang="en-CH"/>
+              <a:t>Physikalische Formeln</a:t>
             </a:r>
             <a:endParaRPr lang="de-CH" dirty="0"/>
           </a:p>
@@ -5017,10 +8006,10 @@
       </p:sp>
       <p:sp>
         <p:nvSpPr>
-          <p:cNvPr id="6" name="Textplatzhalter 5">
+          <p:cNvPr id="6" name="Text Placeholder 5">
             <a:extLst>
               <a:ext uri="{FF2B5EF4-FFF2-40B4-BE49-F238E27FC236}">
-                <a16:creationId xmlns:a16="http://schemas.microsoft.com/office/drawing/2014/main" id="{E5F19C17-8FA1-4AA2-874D-DF5936B1FBF9}"/>
+                <a16:creationId xmlns:a16="http://schemas.microsoft.com/office/drawing/2014/main" id="{EB5DE208-696B-474A-BD6A-10F05B5E0CF7}"/>
               </a:ext>
             </a:extLst>
           </p:cNvPr>
@@ -5041,39 +8030,1389 @@
               <a:buChar char="•"/>
             </a:pPr>
             <a:r>
-              <a:rPr lang="de-DE" dirty="0"/>
-              <a:t>Einlesen und Aufbereitung der Daten</a:t>
-            </a:r>
-          </a:p>
+              <a:rPr lang="en-CH"/>
+              <a:t>Kinetische Energie</a:t>
+            </a:r>
+            <a:endParaRPr lang="en-CH" dirty="0"/>
+          </a:p>
+        </p:txBody>
+      </p:sp>
+      <p:pic>
+        <p:nvPicPr>
+          <p:cNvPr id="9" name="Graphic 8">
+            <a:extLst>
+              <a:ext uri="{FF2B5EF4-FFF2-40B4-BE49-F238E27FC236}">
+                <a16:creationId xmlns:a16="http://schemas.microsoft.com/office/drawing/2014/main" id="{62A5C0F0-2881-47C5-9AFC-DB8C438701E1}"/>
+              </a:ext>
+            </a:extLst>
+          </p:cNvPr>
+          <p:cNvPicPr>
+            <a:picLocks noChangeAspect="1"/>
+          </p:cNvPicPr>
+          <p:nvPr/>
+        </p:nvPicPr>
+        <p:blipFill>
+          <a:blip r:embed="rId3">
+            <a:extLst>
+              <a:ext uri="{28A0092B-C50C-407E-A947-70E740481C1C}">
+                <a14:useLocalDpi xmlns:a14="http://schemas.microsoft.com/office/drawing/2010/main" val="0"/>
+              </a:ext>
+              <a:ext uri="{96DAC541-7B7A-43D3-8B79-37D633B846F1}">
+                <asvg:svgBlip xmlns:asvg="http://schemas.microsoft.com/office/drawing/2016/SVG/main" r:embed="rId4"/>
+              </a:ext>
+            </a:extLst>
+          </a:blip>
+          <a:stretch>
+            <a:fillRect/>
+          </a:stretch>
+        </p:blipFill>
+        <p:spPr>
+          <a:xfrm>
+            <a:off x="694499" y="2709499"/>
+            <a:ext cx="5158861" cy="1738312"/>
+          </a:xfrm>
+          <a:prstGeom prst="rect">
+            <a:avLst/>
+          </a:prstGeom>
+        </p:spPr>
+      </p:pic>
+    </p:spTree>
+    <p:extLst>
+      <p:ext uri="{BB962C8B-B14F-4D97-AF65-F5344CB8AC3E}">
+        <p14:creationId xmlns:p14="http://schemas.microsoft.com/office/powerpoint/2010/main" val="3779323427"/>
+      </p:ext>
+    </p:extLst>
+  </p:cSld>
+  <p:clrMapOvr>
+    <a:masterClrMapping/>
+  </p:clrMapOvr>
+</p:sld>
+</file>
+
+<file path=ppt/slides/slide6.xml><?xml version="1.0" encoding="utf-8"?>
+<p:sld xmlns:a="http://schemas.openxmlformats.org/drawingml/2006/main" xmlns:r="http://schemas.openxmlformats.org/officeDocument/2006/relationships" xmlns:p="http://schemas.openxmlformats.org/presentationml/2006/main">
+  <p:cSld>
+    <p:spTree>
+      <p:nvGrpSpPr>
+        <p:cNvPr id="1" name=""/>
+        <p:cNvGrpSpPr/>
+        <p:nvPr/>
+      </p:nvGrpSpPr>
+      <p:grpSpPr>
+        <a:xfrm>
+          <a:off x="0" y="0"/>
+          <a:ext cx="0" cy="0"/>
+          <a:chOff x="0" y="0"/>
+          <a:chExt cx="0" cy="0"/>
+        </a:xfrm>
+      </p:grpSpPr>
+      <p:sp>
+        <p:nvSpPr>
+          <p:cNvPr id="2" name="Date Placeholder 1">
+            <a:extLst>
+              <a:ext uri="{FF2B5EF4-FFF2-40B4-BE49-F238E27FC236}">
+                <a16:creationId xmlns:a16="http://schemas.microsoft.com/office/drawing/2014/main" id="{212156EB-1DF8-4D9E-A781-62763173F0EB}"/>
+              </a:ext>
+            </a:extLst>
+          </p:cNvPr>
+          <p:cNvSpPr>
+            <a:spLocks noGrp="1"/>
+          </p:cNvSpPr>
+          <p:nvPr>
+            <p:ph type="dt" sz="half" idx="10"/>
+          </p:nvPr>
+        </p:nvSpPr>
+        <p:spPr/>
+        <p:txBody>
+          <a:bodyPr/>
+          <a:lstStyle/>
+          <a:p>
+            <a:fld id="{5E48492E-72D1-4785-9351-8AE1E40FBA2D}" type="datetime1">
+              <a:rPr lang="de-CH" smtClean="0">
+                <a:solidFill>
+                  <a:srgbClr val="000000"/>
+                </a:solidFill>
+              </a:rPr>
+              <a:t>20.01.2022</a:t>
+            </a:fld>
+            <a:endParaRPr lang="de-CH">
+              <a:solidFill>
+                <a:srgbClr val="000000"/>
+              </a:solidFill>
+            </a:endParaRPr>
+          </a:p>
+        </p:txBody>
+      </p:sp>
+      <p:sp>
+        <p:nvSpPr>
+          <p:cNvPr id="3" name="Footer Placeholder 2">
+            <a:extLst>
+              <a:ext uri="{FF2B5EF4-FFF2-40B4-BE49-F238E27FC236}">
+                <a16:creationId xmlns:a16="http://schemas.microsoft.com/office/drawing/2014/main" id="{D09A4938-1025-4524-94E0-E0E15E018248}"/>
+              </a:ext>
+            </a:extLst>
+          </p:cNvPr>
+          <p:cNvSpPr>
+            <a:spLocks noGrp="1"/>
+          </p:cNvSpPr>
+          <p:nvPr>
+            <p:ph type="ftr" sz="quarter" idx="11"/>
+          </p:nvPr>
+        </p:nvSpPr>
+        <p:spPr/>
+        <p:txBody>
+          <a:bodyPr/>
+          <a:lstStyle/>
+          <a:p>
+            <a:r>
+              <a:rPr lang="en-CH" dirty="0">
+                <a:solidFill>
+                  <a:srgbClr val="000000"/>
+                </a:solidFill>
+              </a:rPr>
+              <a:t>Hochschule für Technik</a:t>
+            </a:r>
+            <a:endParaRPr lang="de-CH" dirty="0">
+              <a:solidFill>
+                <a:srgbClr val="000000"/>
+              </a:solidFill>
+            </a:endParaRPr>
+          </a:p>
+        </p:txBody>
+      </p:sp>
+      <p:sp>
+        <p:nvSpPr>
+          <p:cNvPr id="4" name="Slide Number Placeholder 3">
+            <a:extLst>
+              <a:ext uri="{FF2B5EF4-FFF2-40B4-BE49-F238E27FC236}">
+                <a16:creationId xmlns:a16="http://schemas.microsoft.com/office/drawing/2014/main" id="{777E2337-C305-4B12-96A2-9664C7ED56B6}"/>
+              </a:ext>
+            </a:extLst>
+          </p:cNvPr>
+          <p:cNvSpPr>
+            <a:spLocks noGrp="1"/>
+          </p:cNvSpPr>
+          <p:nvPr>
+            <p:ph type="sldNum" sz="quarter" idx="12"/>
+          </p:nvPr>
+        </p:nvSpPr>
+        <p:spPr/>
+        <p:txBody>
+          <a:bodyPr/>
+          <a:lstStyle/>
+          <a:p>
+            <a:fld id="{351188DD-6605-4EF4-9E67-B567F731CE68}" type="slidenum">
+              <a:rPr lang="de-CH" smtClean="0">
+                <a:solidFill>
+                  <a:srgbClr val="000000"/>
+                </a:solidFill>
+              </a:rPr>
+              <a:pPr/>
+              <a:t>6</a:t>
+            </a:fld>
+            <a:endParaRPr lang="de-CH">
+              <a:solidFill>
+                <a:srgbClr val="000000"/>
+              </a:solidFill>
+            </a:endParaRPr>
+          </a:p>
+        </p:txBody>
+      </p:sp>
+      <p:sp>
+        <p:nvSpPr>
+          <p:cNvPr id="5" name="Title 4">
+            <a:extLst>
+              <a:ext uri="{FF2B5EF4-FFF2-40B4-BE49-F238E27FC236}">
+                <a16:creationId xmlns:a16="http://schemas.microsoft.com/office/drawing/2014/main" id="{14C14231-906A-4970-9E8F-E8957705A43E}"/>
+              </a:ext>
+            </a:extLst>
+          </p:cNvPr>
+          <p:cNvSpPr>
+            <a:spLocks noGrp="1"/>
+          </p:cNvSpPr>
+          <p:nvPr>
+            <p:ph type="title"/>
+          </p:nvPr>
+        </p:nvSpPr>
+        <p:spPr/>
+        <p:txBody>
+          <a:bodyPr/>
+          <a:lstStyle/>
+          <a:p>
+            <a:r>
+              <a:rPr lang="en-CH" dirty="0" err="1"/>
+              <a:t>Verteilungen</a:t>
+            </a:r>
+            <a:endParaRPr lang="de-CH" dirty="0"/>
+          </a:p>
+        </p:txBody>
+      </p:sp>
+      <p:sp>
+        <p:nvSpPr>
+          <p:cNvPr id="6" name="Text Placeholder 5">
+            <a:extLst>
+              <a:ext uri="{FF2B5EF4-FFF2-40B4-BE49-F238E27FC236}">
+                <a16:creationId xmlns:a16="http://schemas.microsoft.com/office/drawing/2014/main" id="{975BC3A1-87A5-49EE-8109-4ED7721F08A6}"/>
+              </a:ext>
+            </a:extLst>
+          </p:cNvPr>
+          <p:cNvSpPr>
+            <a:spLocks noGrp="1"/>
+          </p:cNvSpPr>
+          <p:nvPr>
+            <p:ph type="body" idx="1"/>
+          </p:nvPr>
+        </p:nvSpPr>
+        <p:spPr/>
+        <p:txBody>
+          <a:bodyPr/>
+          <a:lstStyle/>
+          <a:p>
+            <a:pPr algn="l" rtl="0" eaLnBrk="1" fontAlgn="t" latinLnBrk="0" hangingPunct="1">
+              <a:spcBef>
+                <a:spcPts val="0"/>
+              </a:spcBef>
+              <a:spcAft>
+                <a:spcPts val="0"/>
+              </a:spcAft>
+            </a:pPr>
+            <a:r>
+              <a:rPr lang="en-CH" sz="1800" b="0" i="0" u="none" strike="noStrike" kern="1200" dirty="0" err="1">
+                <a:solidFill>
+                  <a:srgbClr val="000000"/>
+                </a:solidFill>
+                <a:effectLst/>
+                <a:latin typeface="Calibri" panose="020F0502020204030204" pitchFamily="34" charset="0"/>
+              </a:rPr>
+              <a:t>Normalverteilung</a:t>
+            </a:r>
+            <a:endParaRPr lang="de-CH" sz="1800" b="0" i="0" u="none" strike="noStrike" dirty="0">
+              <a:effectLst/>
+              <a:latin typeface="Arial" panose="020B0604020202020204" pitchFamily="34" charset="0"/>
+            </a:endParaRPr>
+          </a:p>
+          <a:p>
+            <a:pPr marL="285750" indent="-285750" algn="l" rtl="0" eaLnBrk="1" fontAlgn="t" latinLnBrk="0" hangingPunct="1">
+              <a:spcBef>
+                <a:spcPts val="0"/>
+              </a:spcBef>
+              <a:spcAft>
+                <a:spcPts val="0"/>
+              </a:spcAft>
+              <a:buFont typeface="Arial" panose="020B0604020202020204" pitchFamily="34" charset="0"/>
+              <a:buChar char="•"/>
+            </a:pPr>
+            <a:r>
+              <a:rPr lang="en-CH" sz="1800" b="0" i="0" u="none" strike="noStrike" kern="1200" dirty="0">
+                <a:solidFill>
+                  <a:srgbClr val="000000"/>
+                </a:solidFill>
+                <a:effectLst/>
+                <a:latin typeface="Calibri" panose="020F0502020204030204" pitchFamily="34" charset="0"/>
+              </a:rPr>
+              <a:t>Parameter</a:t>
+            </a:r>
+            <a:endParaRPr lang="de-CH" sz="1800" b="0" i="0" u="none" strike="noStrike" dirty="0">
+              <a:effectLst/>
+              <a:latin typeface="Arial" panose="020B0604020202020204" pitchFamily="34" charset="0"/>
+            </a:endParaRPr>
+          </a:p>
+          <a:p>
+            <a:pPr marL="742950" indent="-285750" algn="l" rtl="0" eaLnBrk="1" fontAlgn="t" latinLnBrk="0" hangingPunct="1">
+              <a:spcBef>
+                <a:spcPts val="0"/>
+              </a:spcBef>
+              <a:spcAft>
+                <a:spcPts val="0"/>
+              </a:spcAft>
+              <a:buFont typeface="Arial" panose="020B0604020202020204" pitchFamily="34" charset="0"/>
+              <a:buChar char="•"/>
+            </a:pPr>
+            <a:r>
+              <a:rPr lang="en-CH" sz="1800" b="0" i="0" u="none" strike="noStrike" kern="1200" dirty="0" err="1">
+                <a:solidFill>
+                  <a:srgbClr val="000000"/>
+                </a:solidFill>
+                <a:effectLst/>
+                <a:latin typeface="Calibri" panose="020F0502020204030204" pitchFamily="34" charset="0"/>
+              </a:rPr>
+              <a:t>Standardabweichung</a:t>
+            </a:r>
+            <a:endParaRPr lang="de-CH" sz="1800" b="0" i="0" u="none" strike="noStrike" dirty="0">
+              <a:effectLst/>
+              <a:latin typeface="Arial" panose="020B0604020202020204" pitchFamily="34" charset="0"/>
+            </a:endParaRPr>
+          </a:p>
+          <a:p>
+            <a:pPr marL="742950" indent="-285750" algn="l" rtl="0" eaLnBrk="1" fontAlgn="t" latinLnBrk="0" hangingPunct="1">
+              <a:spcBef>
+                <a:spcPts val="0"/>
+              </a:spcBef>
+              <a:spcAft>
+                <a:spcPts val="0"/>
+              </a:spcAft>
+              <a:buFont typeface="Arial" panose="020B0604020202020204" pitchFamily="34" charset="0"/>
+              <a:buChar char="•"/>
+            </a:pPr>
+            <a:r>
+              <a:rPr lang="en-CH" sz="1800" b="0" i="0" u="none" strike="noStrike" kern="1200" dirty="0" err="1">
+                <a:solidFill>
+                  <a:srgbClr val="000000"/>
+                </a:solidFill>
+                <a:effectLst/>
+                <a:latin typeface="Calibri" panose="020F0502020204030204" pitchFamily="34" charset="0"/>
+              </a:rPr>
+              <a:t>Mittelwert</a:t>
+            </a:r>
+            <a:endParaRPr lang="de-CH" sz="1800" b="0" i="0" u="none" strike="noStrike" dirty="0">
+              <a:effectLst/>
+              <a:latin typeface="Arial" panose="020B0604020202020204" pitchFamily="34" charset="0"/>
+            </a:endParaRPr>
+          </a:p>
+          <a:p>
+            <a:pPr algn="l" rtl="0" eaLnBrk="1" fontAlgn="t" latinLnBrk="0" hangingPunct="1">
+              <a:spcBef>
+                <a:spcPts val="0"/>
+              </a:spcBef>
+              <a:spcAft>
+                <a:spcPts val="0"/>
+              </a:spcAft>
+            </a:pPr>
+            <a:r>
+              <a:rPr lang="en-CH" sz="1800" b="0" i="0" u="none" strike="noStrike" kern="1200" dirty="0" err="1">
+                <a:solidFill>
+                  <a:srgbClr val="000000"/>
+                </a:solidFill>
+                <a:effectLst/>
+                <a:latin typeface="Calibri" panose="020F0502020204030204" pitchFamily="34" charset="0"/>
+              </a:rPr>
+              <a:t>Exponentialverteilung</a:t>
+            </a:r>
+            <a:endParaRPr lang="de-CH" sz="1800" b="0" i="0" u="none" strike="noStrike" dirty="0">
+              <a:effectLst/>
+              <a:latin typeface="Arial" panose="020B0604020202020204" pitchFamily="34" charset="0"/>
+            </a:endParaRPr>
+          </a:p>
+          <a:p>
+            <a:pPr marL="285750" indent="-285750" algn="l" rtl="0" eaLnBrk="1" fontAlgn="t" latinLnBrk="0" hangingPunct="1">
+              <a:spcBef>
+                <a:spcPts val="0"/>
+              </a:spcBef>
+              <a:spcAft>
+                <a:spcPts val="0"/>
+              </a:spcAft>
+              <a:buFont typeface="Arial" panose="020B0604020202020204" pitchFamily="34" charset="0"/>
+              <a:buChar char="•"/>
+            </a:pPr>
+            <a:r>
+              <a:rPr lang="en-CH" sz="1800" b="0" i="0" u="none" strike="noStrike" kern="1200" dirty="0">
+                <a:solidFill>
+                  <a:srgbClr val="000000"/>
+                </a:solidFill>
+                <a:effectLst/>
+                <a:latin typeface="Calibri" panose="020F0502020204030204" pitchFamily="34" charset="0"/>
+              </a:rPr>
+              <a:t>Parameter </a:t>
+            </a:r>
+            <a:endParaRPr lang="de-CH" sz="1800" b="0" i="0" u="none" strike="noStrike" dirty="0">
+              <a:effectLst/>
+              <a:latin typeface="Arial" panose="020B0604020202020204" pitchFamily="34" charset="0"/>
+            </a:endParaRPr>
+          </a:p>
+          <a:p>
+            <a:pPr marL="742950" indent="-285750" algn="l" rtl="0" eaLnBrk="1" fontAlgn="t" latinLnBrk="0" hangingPunct="1">
+              <a:spcBef>
+                <a:spcPts val="0"/>
+              </a:spcBef>
+              <a:spcAft>
+                <a:spcPts val="0"/>
+              </a:spcAft>
+              <a:buFont typeface="Arial" panose="020B0604020202020204" pitchFamily="34" charset="0"/>
+              <a:buChar char="•"/>
+            </a:pPr>
+            <a:r>
+              <a:rPr lang="en-CH" sz="1800" b="0" i="0" u="none" strike="noStrike" kern="1200" dirty="0" err="1">
+                <a:solidFill>
+                  <a:srgbClr val="000000"/>
+                </a:solidFill>
+                <a:effectLst/>
+                <a:latin typeface="Calibri" panose="020F0502020204030204" pitchFamily="34" charset="0"/>
+              </a:rPr>
+              <a:t>Mittelwert</a:t>
+            </a:r>
+            <a:endParaRPr lang="de-CH" sz="1800" b="0" i="0" u="none" strike="noStrike" dirty="0">
+              <a:effectLst/>
+              <a:latin typeface="Arial" panose="020B0604020202020204" pitchFamily="34" charset="0"/>
+            </a:endParaRPr>
+          </a:p>
+          <a:p>
+            <a:pPr algn="l" rtl="0" eaLnBrk="1" fontAlgn="t" latinLnBrk="0" hangingPunct="1">
+              <a:spcBef>
+                <a:spcPts val="0"/>
+              </a:spcBef>
+              <a:spcAft>
+                <a:spcPts val="0"/>
+              </a:spcAft>
+            </a:pPr>
+            <a:r>
+              <a:rPr lang="en-CH" sz="1800" b="0" i="0" u="none" strike="noStrike" kern="1200" dirty="0" err="1">
+                <a:solidFill>
+                  <a:srgbClr val="000000"/>
+                </a:solidFill>
+                <a:effectLst/>
+                <a:latin typeface="Calibri" panose="020F0502020204030204" pitchFamily="34" charset="0"/>
+              </a:rPr>
+              <a:t>Gammaverteilung</a:t>
+            </a:r>
+            <a:endParaRPr lang="de-CH" sz="1800" b="0" i="0" u="none" strike="noStrike" dirty="0">
+              <a:effectLst/>
+              <a:latin typeface="Arial" panose="020B0604020202020204" pitchFamily="34" charset="0"/>
+            </a:endParaRPr>
+          </a:p>
+          <a:p>
+            <a:pPr marL="285750" indent="-285750" algn="l" rtl="0" eaLnBrk="1" fontAlgn="t" latinLnBrk="0" hangingPunct="1">
+              <a:spcBef>
+                <a:spcPts val="0"/>
+              </a:spcBef>
+              <a:spcAft>
+                <a:spcPts val="0"/>
+              </a:spcAft>
+              <a:buFont typeface="Arial" panose="020B0604020202020204" pitchFamily="34" charset="0"/>
+              <a:buChar char="•"/>
+            </a:pPr>
+            <a:r>
+              <a:rPr lang="en-CH" sz="1800" b="0" i="0" u="none" strike="noStrike" kern="1200" dirty="0">
+                <a:solidFill>
+                  <a:srgbClr val="000000"/>
+                </a:solidFill>
+                <a:effectLst/>
+                <a:latin typeface="Calibri" panose="020F0502020204030204" pitchFamily="34" charset="0"/>
+              </a:rPr>
+              <a:t>Parameter </a:t>
+            </a:r>
+            <a:endParaRPr lang="de-CH" sz="1800" b="0" i="0" u="none" strike="noStrike" dirty="0">
+              <a:effectLst/>
+              <a:latin typeface="Arial" panose="020B0604020202020204" pitchFamily="34" charset="0"/>
+            </a:endParaRPr>
+          </a:p>
+          <a:p>
+            <a:pPr marL="742950" indent="-285750" algn="l" rtl="0" eaLnBrk="1" fontAlgn="t" latinLnBrk="0" hangingPunct="1">
+              <a:spcBef>
+                <a:spcPts val="0"/>
+              </a:spcBef>
+              <a:spcAft>
+                <a:spcPts val="0"/>
+              </a:spcAft>
+              <a:buFont typeface="Arial" panose="020B0604020202020204" pitchFamily="34" charset="0"/>
+              <a:buChar char="•"/>
+            </a:pPr>
+            <a:r>
+              <a:rPr lang="en-CH" sz="1800" b="0" i="0" u="none" strike="noStrike" kern="1200" dirty="0" err="1">
+                <a:solidFill>
+                  <a:srgbClr val="000000"/>
+                </a:solidFill>
+                <a:effectLst/>
+                <a:latin typeface="Calibri" panose="020F0502020204030204" pitchFamily="34" charset="0"/>
+              </a:rPr>
+              <a:t>Mittelwert</a:t>
+            </a:r>
+            <a:r>
+              <a:rPr lang="en-CH" sz="1800" b="0" i="0" u="none" strike="noStrike" kern="1200" dirty="0">
+                <a:solidFill>
+                  <a:srgbClr val="000000"/>
+                </a:solidFill>
+                <a:effectLst/>
+                <a:latin typeface="Calibri" panose="020F0502020204030204" pitchFamily="34" charset="0"/>
+              </a:rPr>
+              <a:t> </a:t>
+            </a:r>
+            <a:endParaRPr lang="de-CH" sz="1800" b="0" i="0" u="none" strike="noStrike" dirty="0">
+              <a:effectLst/>
+              <a:latin typeface="Arial" panose="020B0604020202020204" pitchFamily="34" charset="0"/>
+            </a:endParaRPr>
+          </a:p>
+          <a:p>
+            <a:endParaRPr lang="de-CH" dirty="0"/>
+          </a:p>
+        </p:txBody>
+      </p:sp>
+      <p:pic>
+        <p:nvPicPr>
+          <p:cNvPr id="7" name="Picture 2">
+            <a:extLst>
+              <a:ext uri="{FF2B5EF4-FFF2-40B4-BE49-F238E27FC236}">
+                <a16:creationId xmlns:a16="http://schemas.microsoft.com/office/drawing/2014/main" id="{5327B90C-621B-491B-88DF-65F26346D454}"/>
+              </a:ext>
+            </a:extLst>
+          </p:cNvPr>
+          <p:cNvPicPr>
+            <a:picLocks noChangeAspect="1" noChangeArrowheads="1"/>
+          </p:cNvPicPr>
+          <p:nvPr/>
+        </p:nvPicPr>
+        <p:blipFill rotWithShape="1">
+          <a:blip r:embed="rId3">
+            <a:extLst>
+              <a:ext uri="{28A0092B-C50C-407E-A947-70E740481C1C}">
+                <a14:useLocalDpi xmlns:a14="http://schemas.microsoft.com/office/drawing/2010/main" val="0"/>
+              </a:ext>
+            </a:extLst>
+          </a:blip>
+          <a:srcRect l="12059" t="10533" r="2151" b="13940"/>
+          <a:stretch/>
+        </p:blipFill>
+        <p:spPr bwMode="auto">
+          <a:xfrm>
+            <a:off x="4537050" y="1598238"/>
+            <a:ext cx="2528527" cy="1620000"/>
+          </a:xfrm>
+          <a:prstGeom prst="rect">
+            <a:avLst/>
+          </a:prstGeom>
+          <a:noFill/>
+          <a:extLst>
+            <a:ext uri="{909E8E84-426E-40DD-AFC4-6F175D3DCCD1}">
+              <a14:hiddenFill xmlns:a14="http://schemas.microsoft.com/office/drawing/2010/main">
+                <a:solidFill>
+                  <a:srgbClr val="FFFFFF"/>
+                </a:solidFill>
+              </a14:hiddenFill>
+            </a:ext>
+          </a:extLst>
+        </p:spPr>
+      </p:pic>
+      <p:pic>
+        <p:nvPicPr>
+          <p:cNvPr id="8" name="Picture 1">
+            <a:extLst>
+              <a:ext uri="{FF2B5EF4-FFF2-40B4-BE49-F238E27FC236}">
+                <a16:creationId xmlns:a16="http://schemas.microsoft.com/office/drawing/2014/main" id="{CAEA42E3-69F5-40B9-B985-0E47109E4CC0}"/>
+              </a:ext>
+            </a:extLst>
+          </p:cNvPr>
+          <p:cNvPicPr>
+            <a:picLocks noChangeAspect="1" noChangeArrowheads="1"/>
+          </p:cNvPicPr>
+          <p:nvPr/>
+        </p:nvPicPr>
+        <p:blipFill rotWithShape="1">
+          <a:blip r:embed="rId4">
+            <a:extLst>
+              <a:ext uri="{28A0092B-C50C-407E-A947-70E740481C1C}">
+                <a14:useLocalDpi xmlns:a14="http://schemas.microsoft.com/office/drawing/2010/main" val="0"/>
+              </a:ext>
+            </a:extLst>
+          </a:blip>
+          <a:srcRect l="9640" t="8644" r="2791" b="13155"/>
+          <a:stretch/>
+        </p:blipFill>
+        <p:spPr bwMode="auto">
+          <a:xfrm>
+            <a:off x="4574524" y="5408828"/>
+            <a:ext cx="2453578" cy="1620000"/>
+          </a:xfrm>
+          <a:prstGeom prst="rect">
+            <a:avLst/>
+          </a:prstGeom>
+          <a:noFill/>
+          <a:extLst>
+            <a:ext uri="{909E8E84-426E-40DD-AFC4-6F175D3DCCD1}">
+              <a14:hiddenFill xmlns:a14="http://schemas.microsoft.com/office/drawing/2010/main">
+                <a:solidFill>
+                  <a:srgbClr val="FFFFFF"/>
+                </a:solidFill>
+              </a14:hiddenFill>
+            </a:ext>
+          </a:extLst>
+        </p:spPr>
+      </p:pic>
+      <p:pic>
+        <p:nvPicPr>
+          <p:cNvPr id="9" name="Picture 2">
+            <a:extLst>
+              <a:ext uri="{FF2B5EF4-FFF2-40B4-BE49-F238E27FC236}">
+                <a16:creationId xmlns:a16="http://schemas.microsoft.com/office/drawing/2014/main" id="{55674157-E2BF-47D0-A5C2-A2FDC6461465}"/>
+              </a:ext>
+            </a:extLst>
+          </p:cNvPr>
+          <p:cNvPicPr>
+            <a:picLocks noChangeAspect="1" noChangeArrowheads="1"/>
+          </p:cNvPicPr>
+          <p:nvPr/>
+        </p:nvPicPr>
+        <p:blipFill rotWithShape="1">
+          <a:blip r:embed="rId5">
+            <a:extLst>
+              <a:ext uri="{28A0092B-C50C-407E-A947-70E740481C1C}">
+                <a14:useLocalDpi xmlns:a14="http://schemas.microsoft.com/office/drawing/2010/main" val="0"/>
+              </a:ext>
+            </a:extLst>
+          </a:blip>
+          <a:srcRect l="11563" t="8644" r="1891" b="13379"/>
+          <a:stretch/>
+        </p:blipFill>
+        <p:spPr bwMode="auto">
+          <a:xfrm>
+            <a:off x="4537050" y="3503533"/>
+            <a:ext cx="2470648" cy="1620000"/>
+          </a:xfrm>
+          <a:prstGeom prst="rect">
+            <a:avLst/>
+          </a:prstGeom>
+          <a:noFill/>
+          <a:extLst>
+            <a:ext uri="{909E8E84-426E-40DD-AFC4-6F175D3DCCD1}">
+              <a14:hiddenFill xmlns:a14="http://schemas.microsoft.com/office/drawing/2010/main">
+                <a:solidFill>
+                  <a:srgbClr val="FFFFFF"/>
+                </a:solidFill>
+              </a14:hiddenFill>
+            </a:ext>
+          </a:extLst>
+        </p:spPr>
+      </p:pic>
+    </p:spTree>
+    <p:extLst>
+      <p:ext uri="{BB962C8B-B14F-4D97-AF65-F5344CB8AC3E}">
+        <p14:creationId xmlns:p14="http://schemas.microsoft.com/office/powerpoint/2010/main" val="3227672474"/>
+      </p:ext>
+    </p:extLst>
+  </p:cSld>
+  <p:clrMapOvr>
+    <a:masterClrMapping/>
+  </p:clrMapOvr>
+</p:sld>
+</file>
+
+<file path=ppt/slides/slide7.xml><?xml version="1.0" encoding="utf-8"?>
+<p:sld xmlns:a="http://schemas.openxmlformats.org/drawingml/2006/main" xmlns:r="http://schemas.openxmlformats.org/officeDocument/2006/relationships" xmlns:p="http://schemas.openxmlformats.org/presentationml/2006/main">
+  <p:cSld>
+    <p:spTree>
+      <p:nvGrpSpPr>
+        <p:cNvPr id="1" name=""/>
+        <p:cNvGrpSpPr/>
+        <p:nvPr/>
+      </p:nvGrpSpPr>
+      <p:grpSpPr>
+        <a:xfrm>
+          <a:off x="0" y="0"/>
+          <a:ext cx="0" cy="0"/>
+          <a:chOff x="0" y="0"/>
+          <a:chExt cx="0" cy="0"/>
+        </a:xfrm>
+      </p:grpSpPr>
+      <p:sp>
+        <p:nvSpPr>
+          <p:cNvPr id="2" name="Date Placeholder 1">
+            <a:extLst>
+              <a:ext uri="{FF2B5EF4-FFF2-40B4-BE49-F238E27FC236}">
+                <a16:creationId xmlns:a16="http://schemas.microsoft.com/office/drawing/2014/main" id="{E80877CE-4925-4208-BF99-ECB4FE6CF69E}"/>
+              </a:ext>
+            </a:extLst>
+          </p:cNvPr>
+          <p:cNvSpPr>
+            <a:spLocks noGrp="1"/>
+          </p:cNvSpPr>
+          <p:nvPr>
+            <p:ph type="dt" sz="half" idx="10"/>
+          </p:nvPr>
+        </p:nvSpPr>
+        <p:spPr/>
+        <p:txBody>
+          <a:bodyPr/>
+          <a:lstStyle/>
+          <a:p>
+            <a:fld id="{5E48492E-72D1-4785-9351-8AE1E40FBA2D}" type="datetime1">
+              <a:rPr lang="de-CH" smtClean="0">
+                <a:solidFill>
+                  <a:srgbClr val="000000"/>
+                </a:solidFill>
+              </a:rPr>
+              <a:t>20.01.2022</a:t>
+            </a:fld>
+            <a:endParaRPr lang="de-CH">
+              <a:solidFill>
+                <a:srgbClr val="000000"/>
+              </a:solidFill>
+            </a:endParaRPr>
+          </a:p>
+        </p:txBody>
+      </p:sp>
+      <p:sp>
+        <p:nvSpPr>
+          <p:cNvPr id="3" name="Footer Placeholder 2">
+            <a:extLst>
+              <a:ext uri="{FF2B5EF4-FFF2-40B4-BE49-F238E27FC236}">
+                <a16:creationId xmlns:a16="http://schemas.microsoft.com/office/drawing/2014/main" id="{9D6060B6-5DF1-4FF9-8088-922AEB39305A}"/>
+              </a:ext>
+            </a:extLst>
+          </p:cNvPr>
+          <p:cNvSpPr>
+            <a:spLocks noGrp="1"/>
+          </p:cNvSpPr>
+          <p:nvPr>
+            <p:ph type="ftr" sz="quarter" idx="11"/>
+          </p:nvPr>
+        </p:nvSpPr>
+        <p:spPr/>
+        <p:txBody>
+          <a:bodyPr/>
+          <a:lstStyle/>
+          <a:p>
+            <a:r>
+              <a:rPr lang="en-CH" dirty="0">
+                <a:solidFill>
+                  <a:srgbClr val="000000"/>
+                </a:solidFill>
+              </a:rPr>
+              <a:t>Hochschule für Technik</a:t>
+            </a:r>
+            <a:endParaRPr lang="de-CH" dirty="0">
+              <a:solidFill>
+                <a:srgbClr val="000000"/>
+              </a:solidFill>
+            </a:endParaRPr>
+          </a:p>
+        </p:txBody>
+      </p:sp>
+      <p:sp>
+        <p:nvSpPr>
+          <p:cNvPr id="4" name="Slide Number Placeholder 3">
+            <a:extLst>
+              <a:ext uri="{FF2B5EF4-FFF2-40B4-BE49-F238E27FC236}">
+                <a16:creationId xmlns:a16="http://schemas.microsoft.com/office/drawing/2014/main" id="{4AAC7F35-1B59-4DCF-B5B8-5D8670FB044B}"/>
+              </a:ext>
+            </a:extLst>
+          </p:cNvPr>
+          <p:cNvSpPr>
+            <a:spLocks noGrp="1"/>
+          </p:cNvSpPr>
+          <p:nvPr>
+            <p:ph type="sldNum" sz="quarter" idx="12"/>
+          </p:nvPr>
+        </p:nvSpPr>
+        <p:spPr/>
+        <p:txBody>
+          <a:bodyPr/>
+          <a:lstStyle/>
+          <a:p>
+            <a:fld id="{351188DD-6605-4EF4-9E67-B567F731CE68}" type="slidenum">
+              <a:rPr lang="de-CH" smtClean="0">
+                <a:solidFill>
+                  <a:srgbClr val="000000"/>
+                </a:solidFill>
+              </a:rPr>
+              <a:pPr/>
+              <a:t>7</a:t>
+            </a:fld>
+            <a:endParaRPr lang="de-CH">
+              <a:solidFill>
+                <a:srgbClr val="000000"/>
+              </a:solidFill>
+            </a:endParaRPr>
+          </a:p>
+        </p:txBody>
+      </p:sp>
+      <p:sp>
+        <p:nvSpPr>
+          <p:cNvPr id="5" name="Title 4">
+            <a:extLst>
+              <a:ext uri="{FF2B5EF4-FFF2-40B4-BE49-F238E27FC236}">
+                <a16:creationId xmlns:a16="http://schemas.microsoft.com/office/drawing/2014/main" id="{C15D73FE-4B87-4BB0-9477-2FECB70C9C7A}"/>
+              </a:ext>
+            </a:extLst>
+          </p:cNvPr>
+          <p:cNvSpPr>
+            <a:spLocks noGrp="1"/>
+          </p:cNvSpPr>
+          <p:nvPr>
+            <p:ph type="title"/>
+          </p:nvPr>
+        </p:nvSpPr>
+        <p:spPr/>
+        <p:txBody>
+          <a:bodyPr/>
+          <a:lstStyle/>
+          <a:p>
+            <a:r>
+              <a:rPr lang="en-CH" dirty="0"/>
+              <a:t>Monte Carlo Simulation</a:t>
+            </a:r>
+            <a:endParaRPr lang="de-CH" dirty="0"/>
+          </a:p>
+        </p:txBody>
+      </p:sp>
+      <p:sp>
+        <p:nvSpPr>
+          <p:cNvPr id="6" name="Text Placeholder 5">
+            <a:extLst>
+              <a:ext uri="{FF2B5EF4-FFF2-40B4-BE49-F238E27FC236}">
+                <a16:creationId xmlns:a16="http://schemas.microsoft.com/office/drawing/2014/main" id="{C441A34F-BF68-4E06-B6EA-18E4E7BE98EB}"/>
+              </a:ext>
+            </a:extLst>
+          </p:cNvPr>
+          <p:cNvSpPr>
+            <a:spLocks noGrp="1"/>
+          </p:cNvSpPr>
+          <p:nvPr>
+            <p:ph type="body" idx="1"/>
+          </p:nvPr>
+        </p:nvSpPr>
+        <p:spPr/>
+        <p:txBody>
+          <a:bodyPr/>
+          <a:lstStyle/>
           <a:p>
             <a:pPr marL="342900" indent="-342900">
               <a:buFont typeface="Arial" panose="020B0604020202020204" pitchFamily="34" charset="0"/>
               <a:buChar char="•"/>
             </a:pPr>
             <a:r>
-              <a:rPr lang="de-DE" dirty="0"/>
-              <a:t>Visuelle Analyse der Daten</a:t>
-            </a:r>
-          </a:p>
+              <a:rPr lang="en-CH" dirty="0" err="1"/>
+              <a:t>Erzeugung</a:t>
+            </a:r>
+            <a:r>
+              <a:rPr lang="en-CH" dirty="0"/>
+              <a:t> von </a:t>
+            </a:r>
+            <a:r>
+              <a:rPr lang="en-CH" dirty="0" err="1"/>
+              <a:t>neuen</a:t>
+            </a:r>
+            <a:r>
+              <a:rPr lang="en-CH" dirty="0"/>
+              <a:t> </a:t>
+            </a:r>
+            <a:r>
+              <a:rPr lang="en-CH" dirty="0" err="1"/>
+              <a:t>Werten</a:t>
+            </a:r>
+            <a:r>
+              <a:rPr lang="en-CH" dirty="0"/>
+              <a:t> </a:t>
+            </a:r>
+            <a:r>
+              <a:rPr lang="en-CH" dirty="0" err="1"/>
+              <a:t>mittels</a:t>
+            </a:r>
+            <a:r>
+              <a:rPr lang="en-CH" dirty="0"/>
+              <a:t> </a:t>
+            </a:r>
+            <a:r>
+              <a:rPr lang="en-CH" dirty="0" err="1"/>
+              <a:t>Verteilungsparameter</a:t>
+            </a:r>
+            <a:r>
+              <a:rPr lang="en-CH" dirty="0"/>
+              <a:t> und </a:t>
+            </a:r>
+            <a:r>
+              <a:rPr lang="en-CH" dirty="0" err="1"/>
+              <a:t>Verteilungen</a:t>
+            </a:r>
+            <a:endParaRPr lang="en-CH" dirty="0"/>
+          </a:p>
+        </p:txBody>
+      </p:sp>
+    </p:spTree>
+    <p:extLst>
+      <p:ext uri="{BB962C8B-B14F-4D97-AF65-F5344CB8AC3E}">
+        <p14:creationId xmlns:p14="http://schemas.microsoft.com/office/powerpoint/2010/main" val="4102609991"/>
+      </p:ext>
+    </p:extLst>
+  </p:cSld>
+  <p:clrMapOvr>
+    <a:masterClrMapping/>
+  </p:clrMapOvr>
+</p:sld>
+</file>
+
+<file path=ppt/slides/slide8.xml><?xml version="1.0" encoding="utf-8"?>
+<p:sld xmlns:a="http://schemas.openxmlformats.org/drawingml/2006/main" xmlns:r="http://schemas.openxmlformats.org/officeDocument/2006/relationships" xmlns:p="http://schemas.openxmlformats.org/presentationml/2006/main">
+  <p:cSld>
+    <p:spTree>
+      <p:nvGrpSpPr>
+        <p:cNvPr id="1" name=""/>
+        <p:cNvGrpSpPr/>
+        <p:nvPr/>
+      </p:nvGrpSpPr>
+      <p:grpSpPr>
+        <a:xfrm>
+          <a:off x="0" y="0"/>
+          <a:ext cx="0" cy="0"/>
+          <a:chOff x="0" y="0"/>
+          <a:chExt cx="0" cy="0"/>
+        </a:xfrm>
+      </p:grpSpPr>
+      <p:sp>
+        <p:nvSpPr>
+          <p:cNvPr id="2" name="Date Placeholder 1">
+            <a:extLst>
+              <a:ext uri="{FF2B5EF4-FFF2-40B4-BE49-F238E27FC236}">
+                <a16:creationId xmlns:a16="http://schemas.microsoft.com/office/drawing/2014/main" id="{20FE4F31-1E3A-4DEE-8473-933B2AE7E868}"/>
+              </a:ext>
+            </a:extLst>
+          </p:cNvPr>
+          <p:cNvSpPr>
+            <a:spLocks noGrp="1"/>
+          </p:cNvSpPr>
+          <p:nvPr>
+            <p:ph type="dt" sz="half" idx="10"/>
+          </p:nvPr>
+        </p:nvSpPr>
+        <p:spPr/>
+        <p:txBody>
+          <a:bodyPr/>
+          <a:lstStyle/>
+          <a:p>
+            <a:fld id="{5E48492E-72D1-4785-9351-8AE1E40FBA2D}" type="datetime1">
+              <a:rPr lang="de-CH" smtClean="0">
+                <a:solidFill>
+                  <a:srgbClr val="000000"/>
+                </a:solidFill>
+              </a:rPr>
+              <a:t>20.01.2022</a:t>
+            </a:fld>
+            <a:endParaRPr lang="de-CH">
+              <a:solidFill>
+                <a:srgbClr val="000000"/>
+              </a:solidFill>
+            </a:endParaRPr>
+          </a:p>
+        </p:txBody>
+      </p:sp>
+      <p:sp>
+        <p:nvSpPr>
+          <p:cNvPr id="3" name="Footer Placeholder 2">
+            <a:extLst>
+              <a:ext uri="{FF2B5EF4-FFF2-40B4-BE49-F238E27FC236}">
+                <a16:creationId xmlns:a16="http://schemas.microsoft.com/office/drawing/2014/main" id="{CF8F83BF-0BE0-41AB-88FE-975D825037C9}"/>
+              </a:ext>
+            </a:extLst>
+          </p:cNvPr>
+          <p:cNvSpPr>
+            <a:spLocks noGrp="1"/>
+          </p:cNvSpPr>
+          <p:nvPr>
+            <p:ph type="ftr" sz="quarter" idx="11"/>
+          </p:nvPr>
+        </p:nvSpPr>
+        <p:spPr/>
+        <p:txBody>
+          <a:bodyPr/>
+          <a:lstStyle/>
+          <a:p>
+            <a:r>
+              <a:rPr lang="en-CH" dirty="0">
+                <a:solidFill>
+                  <a:srgbClr val="000000"/>
+                </a:solidFill>
+              </a:rPr>
+              <a:t>Hochschule für Technik</a:t>
+            </a:r>
+            <a:endParaRPr lang="de-CH" dirty="0">
+              <a:solidFill>
+                <a:srgbClr val="000000"/>
+              </a:solidFill>
+            </a:endParaRPr>
+          </a:p>
+        </p:txBody>
+      </p:sp>
+      <p:sp>
+        <p:nvSpPr>
+          <p:cNvPr id="4" name="Slide Number Placeholder 3">
+            <a:extLst>
+              <a:ext uri="{FF2B5EF4-FFF2-40B4-BE49-F238E27FC236}">
+                <a16:creationId xmlns:a16="http://schemas.microsoft.com/office/drawing/2014/main" id="{139A3081-7227-47AA-B2A2-A0CEF2CD7838}"/>
+              </a:ext>
+            </a:extLst>
+          </p:cNvPr>
+          <p:cNvSpPr>
+            <a:spLocks noGrp="1"/>
+          </p:cNvSpPr>
+          <p:nvPr>
+            <p:ph type="sldNum" sz="quarter" idx="12"/>
+          </p:nvPr>
+        </p:nvSpPr>
+        <p:spPr/>
+        <p:txBody>
+          <a:bodyPr/>
+          <a:lstStyle/>
+          <a:p>
+            <a:fld id="{351188DD-6605-4EF4-9E67-B567F731CE68}" type="slidenum">
+              <a:rPr lang="de-CH" smtClean="0">
+                <a:solidFill>
+                  <a:srgbClr val="000000"/>
+                </a:solidFill>
+              </a:rPr>
+              <a:pPr/>
+              <a:t>8</a:t>
+            </a:fld>
+            <a:endParaRPr lang="de-CH">
+              <a:solidFill>
+                <a:srgbClr val="000000"/>
+              </a:solidFill>
+            </a:endParaRPr>
+          </a:p>
+        </p:txBody>
+      </p:sp>
+      <p:sp>
+        <p:nvSpPr>
+          <p:cNvPr id="5" name="Title 4">
+            <a:extLst>
+              <a:ext uri="{FF2B5EF4-FFF2-40B4-BE49-F238E27FC236}">
+                <a16:creationId xmlns:a16="http://schemas.microsoft.com/office/drawing/2014/main" id="{E071FFB7-E340-4C82-9EF3-F550023A778B}"/>
+              </a:ext>
+            </a:extLst>
+          </p:cNvPr>
+          <p:cNvSpPr>
+            <a:spLocks noGrp="1"/>
+          </p:cNvSpPr>
+          <p:nvPr>
+            <p:ph type="title"/>
+          </p:nvPr>
+        </p:nvSpPr>
+        <p:spPr/>
+        <p:txBody>
+          <a:bodyPr/>
+          <a:lstStyle/>
+          <a:p>
+            <a:r>
+              <a:rPr lang="en-CH" dirty="0" err="1"/>
+              <a:t>Wahrscheinlichkeitskette</a:t>
+            </a:r>
+            <a:endParaRPr lang="de-CH" dirty="0"/>
+          </a:p>
+        </p:txBody>
+      </p:sp>
+      <p:sp>
+        <p:nvSpPr>
+          <p:cNvPr id="6" name="Text Placeholder 5">
+            <a:extLst>
+              <a:ext uri="{FF2B5EF4-FFF2-40B4-BE49-F238E27FC236}">
+                <a16:creationId xmlns:a16="http://schemas.microsoft.com/office/drawing/2014/main" id="{6F22A4B4-9E87-4120-9B2C-AA25BAE6300E}"/>
+              </a:ext>
+            </a:extLst>
+          </p:cNvPr>
+          <p:cNvSpPr>
+            <a:spLocks noGrp="1"/>
+          </p:cNvSpPr>
+          <p:nvPr>
+            <p:ph type="body" idx="1"/>
+          </p:nvPr>
+        </p:nvSpPr>
+        <p:spPr/>
+        <p:txBody>
+          <a:bodyPr/>
+          <a:lstStyle/>
           <a:p>
             <a:pPr marL="342900" indent="-342900">
               <a:buFont typeface="Arial" panose="020B0604020202020204" pitchFamily="34" charset="0"/>
               <a:buChar char="•"/>
             </a:pPr>
             <a:r>
-              <a:rPr lang="de-DE" dirty="0"/>
-              <a:t>Verteilung der Daten berechnen</a:t>
-            </a:r>
-          </a:p>
+              <a:rPr lang="en-CH" dirty="0" err="1"/>
+              <a:t>Wahrscheinlichkeitskette</a:t>
+            </a:r>
+            <a:r>
+              <a:rPr lang="en-CH" dirty="0"/>
+              <a:t> </a:t>
+            </a:r>
+            <a:r>
+              <a:rPr lang="en-CH" dirty="0" err="1"/>
+              <a:t>aus</a:t>
+            </a:r>
+            <a:r>
+              <a:rPr lang="en-CH" dirty="0"/>
+              <a:t> </a:t>
+            </a:r>
+            <a:r>
+              <a:rPr lang="en-CH" dirty="0" err="1"/>
+              <a:t>kausaler</a:t>
+            </a:r>
+            <a:r>
+              <a:rPr lang="en-CH" dirty="0"/>
+              <a:t> </a:t>
+            </a:r>
+            <a:r>
+              <a:rPr lang="en-CH" dirty="0" err="1"/>
+              <a:t>Ereigniskette</a:t>
+            </a:r>
+            <a:endParaRPr lang="de-CH" dirty="0"/>
+          </a:p>
+        </p:txBody>
+      </p:sp>
+    </p:spTree>
+    <p:extLst>
+      <p:ext uri="{BB962C8B-B14F-4D97-AF65-F5344CB8AC3E}">
+        <p14:creationId xmlns:p14="http://schemas.microsoft.com/office/powerpoint/2010/main" val="2332655269"/>
+      </p:ext>
+    </p:extLst>
+  </p:cSld>
+  <p:clrMapOvr>
+    <a:masterClrMapping/>
+  </p:clrMapOvr>
+</p:sld>
+</file>
+
+<file path=ppt/slides/slide9.xml><?xml version="1.0" encoding="utf-8"?>
+<p:sld xmlns:a="http://schemas.openxmlformats.org/drawingml/2006/main" xmlns:r="http://schemas.openxmlformats.org/officeDocument/2006/relationships" xmlns:p="http://schemas.openxmlformats.org/presentationml/2006/main">
+  <p:cSld>
+    <p:spTree>
+      <p:nvGrpSpPr>
+        <p:cNvPr id="1" name=""/>
+        <p:cNvGrpSpPr/>
+        <p:nvPr/>
+      </p:nvGrpSpPr>
+      <p:grpSpPr>
+        <a:xfrm>
+          <a:off x="0" y="0"/>
+          <a:ext cx="0" cy="0"/>
+          <a:chOff x="0" y="0"/>
+          <a:chExt cx="0" cy="0"/>
+        </a:xfrm>
+      </p:grpSpPr>
+      <p:sp>
+        <p:nvSpPr>
+          <p:cNvPr id="2" name="Date Placeholder 1">
+            <a:extLst>
+              <a:ext uri="{FF2B5EF4-FFF2-40B4-BE49-F238E27FC236}">
+                <a16:creationId xmlns:a16="http://schemas.microsoft.com/office/drawing/2014/main" id="{9B19496F-113B-4AB0-B3FD-025A0E8A25D6}"/>
+              </a:ext>
+            </a:extLst>
+          </p:cNvPr>
+          <p:cNvSpPr>
+            <a:spLocks noGrp="1"/>
+          </p:cNvSpPr>
+          <p:nvPr>
+            <p:ph type="dt" sz="half" idx="10"/>
+          </p:nvPr>
+        </p:nvSpPr>
+        <p:spPr/>
+        <p:txBody>
+          <a:bodyPr/>
+          <a:lstStyle/>
+          <a:p>
+            <a:fld id="{5E48492E-72D1-4785-9351-8AE1E40FBA2D}" type="datetime1">
+              <a:rPr lang="de-CH" smtClean="0">
+                <a:solidFill>
+                  <a:srgbClr val="000000"/>
+                </a:solidFill>
+              </a:rPr>
+              <a:t>20.01.2022</a:t>
+            </a:fld>
+            <a:endParaRPr lang="de-CH" dirty="0">
+              <a:solidFill>
+                <a:srgbClr val="000000"/>
+              </a:solidFill>
+            </a:endParaRPr>
+          </a:p>
+        </p:txBody>
+      </p:sp>
+      <p:sp>
+        <p:nvSpPr>
+          <p:cNvPr id="3" name="Footer Placeholder 2">
+            <a:extLst>
+              <a:ext uri="{FF2B5EF4-FFF2-40B4-BE49-F238E27FC236}">
+                <a16:creationId xmlns:a16="http://schemas.microsoft.com/office/drawing/2014/main" id="{F3F2052E-8FEE-458B-AA4F-E32691CFF408}"/>
+              </a:ext>
+            </a:extLst>
+          </p:cNvPr>
+          <p:cNvSpPr>
+            <a:spLocks noGrp="1"/>
+          </p:cNvSpPr>
+          <p:nvPr>
+            <p:ph type="ftr" sz="quarter" idx="11"/>
+          </p:nvPr>
+        </p:nvSpPr>
+        <p:spPr/>
+        <p:txBody>
+          <a:bodyPr/>
+          <a:lstStyle/>
+          <a:p>
+            <a:r>
+              <a:rPr lang="en-CH" dirty="0">
+                <a:solidFill>
+                  <a:srgbClr val="000000"/>
+                </a:solidFill>
+              </a:rPr>
+              <a:t>Hochschule für Technik</a:t>
+            </a:r>
+            <a:endParaRPr lang="de-CH" dirty="0">
+              <a:solidFill>
+                <a:srgbClr val="000000"/>
+              </a:solidFill>
+            </a:endParaRPr>
+          </a:p>
+        </p:txBody>
+      </p:sp>
+      <p:sp>
+        <p:nvSpPr>
+          <p:cNvPr id="4" name="Slide Number Placeholder 3">
+            <a:extLst>
+              <a:ext uri="{FF2B5EF4-FFF2-40B4-BE49-F238E27FC236}">
+                <a16:creationId xmlns:a16="http://schemas.microsoft.com/office/drawing/2014/main" id="{441BA915-C6A9-4F70-9658-D437362F25C1}"/>
+              </a:ext>
+            </a:extLst>
+          </p:cNvPr>
+          <p:cNvSpPr>
+            <a:spLocks noGrp="1"/>
+          </p:cNvSpPr>
+          <p:nvPr>
+            <p:ph type="sldNum" sz="quarter" idx="12"/>
+          </p:nvPr>
+        </p:nvSpPr>
+        <p:spPr/>
+        <p:txBody>
+          <a:bodyPr/>
+          <a:lstStyle/>
+          <a:p>
+            <a:fld id="{351188DD-6605-4EF4-9E67-B567F731CE68}" type="slidenum">
+              <a:rPr lang="de-CH" smtClean="0">
+                <a:solidFill>
+                  <a:srgbClr val="000000"/>
+                </a:solidFill>
+              </a:rPr>
+              <a:pPr/>
+              <a:t>9</a:t>
+            </a:fld>
+            <a:endParaRPr lang="de-CH">
+              <a:solidFill>
+                <a:srgbClr val="000000"/>
+              </a:solidFill>
+            </a:endParaRPr>
+          </a:p>
+        </p:txBody>
+      </p:sp>
+      <p:sp>
+        <p:nvSpPr>
+          <p:cNvPr id="5" name="Title 4">
+            <a:extLst>
+              <a:ext uri="{FF2B5EF4-FFF2-40B4-BE49-F238E27FC236}">
+                <a16:creationId xmlns:a16="http://schemas.microsoft.com/office/drawing/2014/main" id="{6F3F5574-E086-4BAC-A9AF-0FA0718FEE77}"/>
+              </a:ext>
+            </a:extLst>
+          </p:cNvPr>
+          <p:cNvSpPr>
+            <a:spLocks noGrp="1"/>
+          </p:cNvSpPr>
+          <p:nvPr>
+            <p:ph type="title"/>
+          </p:nvPr>
+        </p:nvSpPr>
+        <p:spPr/>
+        <p:txBody>
+          <a:bodyPr/>
+          <a:lstStyle/>
+          <a:p>
+            <a:r>
+              <a:rPr lang="en-CH" dirty="0"/>
+              <a:t>Python</a:t>
+            </a:r>
+            <a:endParaRPr lang="de-CH" dirty="0"/>
+          </a:p>
+        </p:txBody>
+      </p:sp>
+      <p:sp>
+        <p:nvSpPr>
+          <p:cNvPr id="6" name="Text Placeholder 5">
+            <a:extLst>
+              <a:ext uri="{FF2B5EF4-FFF2-40B4-BE49-F238E27FC236}">
+                <a16:creationId xmlns:a16="http://schemas.microsoft.com/office/drawing/2014/main" id="{1BEAC416-4F92-4165-9BD7-B2A346EBA8AC}"/>
+              </a:ext>
+            </a:extLst>
+          </p:cNvPr>
+          <p:cNvSpPr>
+            <a:spLocks noGrp="1"/>
+          </p:cNvSpPr>
+          <p:nvPr>
+            <p:ph type="body" idx="1"/>
+          </p:nvPr>
+        </p:nvSpPr>
+        <p:spPr>
+          <a:xfrm>
+            <a:off x="695997" y="2197100"/>
+            <a:ext cx="8687227" cy="2735659"/>
+          </a:xfrm>
+        </p:spPr>
+        <p:txBody>
+          <a:bodyPr/>
+          <a:lstStyle/>
           <a:p>
             <a:pPr marL="342900" indent="-342900">
               <a:buFont typeface="Arial" panose="020B0604020202020204" pitchFamily="34" charset="0"/>
               <a:buChar char="•"/>
             </a:pPr>
             <a:r>
-              <a:rPr lang="de-DE" dirty="0"/>
-              <a:t>Monte Carlo Simulation der neuen Steine</a:t>
-            </a:r>
+              <a:rPr lang="de-CH" dirty="0"/>
+              <a:t>P</a:t>
+            </a:r>
+            <a:r>
+              <a:rPr lang="en-CH" dirty="0" err="1"/>
+              <a:t>andas</a:t>
+            </a:r>
+            <a:endParaRPr lang="en-CH" dirty="0"/>
+          </a:p>
+          <a:p>
+            <a:pPr marL="675166" lvl="1" indent="-342900">
+              <a:buFont typeface="Arial" panose="020B0604020202020204" pitchFamily="34" charset="0"/>
+              <a:buChar char="•"/>
+            </a:pPr>
+            <a:r>
+              <a:rPr lang="en-CH" dirty="0" err="1"/>
+              <a:t>Daten</a:t>
+            </a:r>
+            <a:r>
+              <a:rPr lang="en-CH" dirty="0"/>
+              <a:t> </a:t>
+            </a:r>
+            <a:r>
+              <a:rPr lang="en-CH" dirty="0" err="1"/>
+              <a:t>lesen</a:t>
+            </a:r>
+            <a:r>
+              <a:rPr lang="en-CH" dirty="0"/>
+              <a:t> </a:t>
+            </a:r>
+          </a:p>
+          <a:p>
+            <a:pPr marL="675166" lvl="1" indent="-342900">
+              <a:buFont typeface="Arial" panose="020B0604020202020204" pitchFamily="34" charset="0"/>
+              <a:buChar char="•"/>
+            </a:pPr>
+            <a:r>
+              <a:rPr lang="en-CH" dirty="0" err="1"/>
+              <a:t>Daten</a:t>
+            </a:r>
+            <a:r>
+              <a:rPr lang="en-CH" dirty="0"/>
+              <a:t> </a:t>
+            </a:r>
+            <a:r>
+              <a:rPr lang="en-CH" dirty="0" err="1"/>
+              <a:t>cleanen</a:t>
+            </a:r>
+            <a:endParaRPr lang="en-CH" dirty="0"/>
+          </a:p>
+          <a:p>
+            <a:pPr marL="675166" lvl="1" indent="-342900">
+              <a:buFont typeface="Arial" panose="020B0604020202020204" pitchFamily="34" charset="0"/>
+              <a:buChar char="•"/>
+            </a:pPr>
+            <a:r>
+              <a:rPr lang="en-CH" dirty="0" err="1"/>
+              <a:t>Daten</a:t>
+            </a:r>
+            <a:r>
+              <a:rPr lang="en-CH" dirty="0"/>
+              <a:t> </a:t>
+            </a:r>
+            <a:r>
+              <a:rPr lang="en-CH" dirty="0" err="1"/>
+              <a:t>ergänzen</a:t>
+            </a:r>
+            <a:endParaRPr lang="en-CH" dirty="0"/>
           </a:p>
           <a:p>
             <a:pPr marL="342900" indent="-342900">
@@ -5081,9 +9420,70 @@
               <a:buChar char="•"/>
             </a:pPr>
             <a:r>
-              <a:rPr lang="de-DE" dirty="0"/>
-              <a:t>Aufbereitung der Simulation</a:t>
-            </a:r>
+              <a:rPr lang="de-CH" dirty="0"/>
+              <a:t>N</a:t>
+            </a:r>
+            <a:r>
+              <a:rPr lang="en-CH" dirty="0" err="1"/>
+              <a:t>umpy</a:t>
+            </a:r>
+            <a:endParaRPr lang="en-CH" dirty="0"/>
+          </a:p>
+          <a:p>
+            <a:pPr marL="675166" lvl="1" indent="-342900">
+              <a:buFont typeface="Arial" panose="020B0604020202020204" pitchFamily="34" charset="0"/>
+              <a:buChar char="•"/>
+            </a:pPr>
+            <a:r>
+              <a:rPr lang="en-CH" dirty="0" err="1"/>
+              <a:t>Ergänzungsfunktionen</a:t>
+            </a:r>
+            <a:r>
+              <a:rPr lang="en-CH" dirty="0"/>
+              <a:t> für Pandas arrays</a:t>
+            </a:r>
+          </a:p>
+          <a:p>
+            <a:pPr marL="675166" lvl="1" indent="-342900">
+              <a:buFont typeface="Arial" panose="020B0604020202020204" pitchFamily="34" charset="0"/>
+              <a:buChar char="•"/>
+            </a:pPr>
+            <a:r>
+              <a:rPr lang="en-CH" dirty="0" err="1"/>
+              <a:t>Verteilungsparameter</a:t>
+            </a:r>
+            <a:r>
+              <a:rPr lang="en-CH" dirty="0"/>
+              <a:t> </a:t>
+            </a:r>
+            <a:r>
+              <a:rPr lang="en-CH" dirty="0" err="1"/>
+              <a:t>bestimmen</a:t>
+            </a:r>
+            <a:endParaRPr lang="en-CH" dirty="0"/>
+          </a:p>
+          <a:p>
+            <a:pPr marL="675166" lvl="1" indent="-342900">
+              <a:buFont typeface="Arial" panose="020B0604020202020204" pitchFamily="34" charset="0"/>
+              <a:buChar char="•"/>
+            </a:pPr>
+            <a:r>
+              <a:rPr lang="de-CH" dirty="0"/>
+              <a:t>S</a:t>
+            </a:r>
+            <a:r>
+              <a:rPr lang="en-CH" dirty="0" err="1"/>
+              <a:t>imulationswerte</a:t>
+            </a:r>
+            <a:r>
+              <a:rPr lang="en-CH" dirty="0"/>
+              <a:t> </a:t>
+            </a:r>
+            <a:r>
+              <a:rPr lang="en-CH" dirty="0" err="1"/>
+              <a:t>erstellen</a:t>
+            </a:r>
+            <a:endParaRPr lang="en-CH" dirty="0"/>
           </a:p>
           <a:p>
             <a:pPr marL="342900" indent="-342900">
@@ -5092,8 +9492,52 @@
             </a:pPr>
             <a:r>
               <a:rPr lang="de-CH" dirty="0"/>
-              <a:t>Berechnung der Anzahl direkten Netzdurchschlägen</a:t>
-            </a:r>
+              <a:t>S</a:t>
+            </a:r>
+            <a:r>
+              <a:rPr lang="en-CH" dirty="0" err="1"/>
+              <a:t>cipy</a:t>
+            </a:r>
+            <a:endParaRPr lang="en-CH" dirty="0"/>
+          </a:p>
+          <a:p>
+            <a:pPr marL="675166" lvl="1" indent="-342900">
+              <a:buFont typeface="Arial" panose="020B0604020202020204" pitchFamily="34" charset="0"/>
+              <a:buChar char="•"/>
+            </a:pPr>
+            <a:r>
+              <a:rPr lang="en-CH" dirty="0"/>
+              <a:t>K</a:t>
+            </a:r>
+            <a:r>
+              <a:rPr lang="de-CH" dirty="0"/>
+              <a:t>olmogorov </a:t>
+            </a:r>
+            <a:r>
+              <a:rPr lang="en-CH" dirty="0"/>
+              <a:t>S</a:t>
+            </a:r>
+            <a:r>
+              <a:rPr lang="de-CH" dirty="0"/>
+              <a:t>mirnov </a:t>
+            </a:r>
+            <a:r>
+              <a:rPr lang="en-CH" dirty="0"/>
+              <a:t>T</a:t>
+            </a:r>
+            <a:r>
+              <a:rPr lang="de-CH" dirty="0"/>
+              <a:t>est</a:t>
+            </a:r>
+            <a:r>
+              <a:rPr lang="en-CH" dirty="0"/>
+              <a:t> </a:t>
+            </a:r>
+            <a:r>
+              <a:rPr lang="en-CH" dirty="0" err="1"/>
+              <a:t>durchführen</a:t>
+            </a:r>
+            <a:endParaRPr lang="en-CH" dirty="0"/>
           </a:p>
           <a:p>
             <a:pPr marL="342900" indent="-342900">
@@ -5102,25 +9546,45 @@
             </a:pPr>
             <a:r>
               <a:rPr lang="de-CH" dirty="0"/>
-              <a:t>Berechnung der Anzahl Netzdurchschläge aufgrund vollem Netz</a:t>
-            </a:r>
-          </a:p>
-          <a:p>
-            <a:pPr marL="342900" indent="-342900">
+              <a:t>M</a:t>
+            </a:r>
+            <a:r>
+              <a:rPr lang="en-CH" dirty="0" err="1"/>
+              <a:t>atplotlib</a:t>
+            </a:r>
+            <a:endParaRPr lang="en-CH" dirty="0"/>
+          </a:p>
+          <a:p>
+            <a:pPr marL="675166" lvl="1" indent="-342900">
               <a:buFont typeface="Arial" panose="020B0604020202020204" pitchFamily="34" charset="0"/>
               <a:buChar char="•"/>
             </a:pPr>
             <a:r>
-              <a:rPr lang="de-CH" dirty="0"/>
-              <a:t>Verknüpfung der weiteren Wahrscheinlichkeiten</a:t>
-            </a:r>
+              <a:rPr lang="en-CH" dirty="0" err="1"/>
+              <a:t>Plotten</a:t>
+            </a:r>
+            <a:r>
+              <a:rPr lang="en-CH" dirty="0"/>
+              <a:t> von </a:t>
+            </a:r>
+            <a:r>
+              <a:rPr lang="en-CH" dirty="0" err="1"/>
+              <a:t>Verteilungen</a:t>
+            </a:r>
+            <a:endParaRPr lang="en-CH" dirty="0"/>
+          </a:p>
+          <a:p>
+            <a:endParaRPr lang="en-CH" dirty="0"/>
+          </a:p>
+          <a:p>
+            <a:endParaRPr lang="de-CH" dirty="0"/>
           </a:p>
         </p:txBody>
       </p:sp>
     </p:spTree>
     <p:extLst>
       <p:ext uri="{BB962C8B-B14F-4D97-AF65-F5344CB8AC3E}">
-        <p14:creationId xmlns:p14="http://schemas.microsoft.com/office/powerpoint/2010/main" val="167053416"/>
+        <p14:creationId xmlns:p14="http://schemas.microsoft.com/office/powerpoint/2010/main" val="800577293"/>
       </p:ext>
     </p:extLst>
   </p:cSld>
@@ -6571,6 +11035,17 @@
 </file>
 
 <file path=customXml/item1.xml><?xml version="1.0" encoding="utf-8"?>
+<p:properties xmlns:p="http://schemas.microsoft.com/office/2006/metadata/properties" xmlns:xsi="http://www.w3.org/2001/XMLSchema-instance" xmlns:pc="http://schemas.microsoft.com/office/infopath/2007/PartnerControls">
+  <documentManagement>
+    <Sprache xmlns="69e60002-4b69-4aad-9e3a-e3a9db2b0f4f">Deutsch</Sprache>
+    <Format xmlns="69e60002-4b69-4aad-9e3a-e3a9db2b0f4f" xsi:nil="true"/>
+    <Organisation_x0020__x002f__x0020_Hochschule xmlns="69e60002-4b69-4aad-9e3a-e3a9db2b0f4f">HT</Organisation_x0020__x002f__x0020_Hochschule>
+    <Vorlage xmlns="69e60002-4b69-4aad-9e3a-e3a9db2b0f4f">Power Point</Vorlage>
+  </documentManagement>
+</p:properties>
+</file>
+
+<file path=customXml/item2.xml><?xml version="1.0" encoding="utf-8"?>
 <ct:contentTypeSchema xmlns:ct="http://schemas.microsoft.com/office/2006/metadata/contentType" xmlns:ma="http://schemas.microsoft.com/office/2006/metadata/properties/metaAttributes" ct:_="" ma:_="" ma:contentTypeName="Dokument" ma:contentTypeID="0x010100AC764BFD121A654BAFEE3F0D30D09696" ma:contentTypeVersion="4" ma:contentTypeDescription="Ein neues Dokument erstellen." ma:contentTypeScope="" ma:versionID="f0b21a448d18db25e00af343419af742">
   <xsd:schema xmlns:xsd="http://www.w3.org/2001/XMLSchema" xmlns:xs="http://www.w3.org/2001/XMLSchema" xmlns:p="http://schemas.microsoft.com/office/2006/metadata/properties" xmlns:ns2="69e60002-4b69-4aad-9e3a-e3a9db2b0f4f" targetNamespace="http://schemas.microsoft.com/office/2006/metadata/properties" ma:root="true" ma:fieldsID="a976930b042ac8693047c70f2498f757" ns2:_="">
     <xsd:import namespace="69e60002-4b69-4aad-9e3a-e3a9db2b0f4f"/>
@@ -6745,17 +11220,6 @@
 </ct:contentTypeSchema>
 </file>
 
-<file path=customXml/item2.xml><?xml version="1.0" encoding="utf-8"?>
-<p:properties xmlns:p="http://schemas.microsoft.com/office/2006/metadata/properties" xmlns:xsi="http://www.w3.org/2001/XMLSchema-instance" xmlns:pc="http://schemas.microsoft.com/office/infopath/2007/PartnerControls">
-  <documentManagement>
-    <Sprache xmlns="69e60002-4b69-4aad-9e3a-e3a9db2b0f4f">Deutsch</Sprache>
-    <Format xmlns="69e60002-4b69-4aad-9e3a-e3a9db2b0f4f" xsi:nil="true"/>
-    <Organisation_x0020__x002f__x0020_Hochschule xmlns="69e60002-4b69-4aad-9e3a-e3a9db2b0f4f">HT</Organisation_x0020__x002f__x0020_Hochschule>
-    <Vorlage xmlns="69e60002-4b69-4aad-9e3a-e3a9db2b0f4f">Power Point</Vorlage>
-  </documentManagement>
-</p:properties>
-</file>
-
 <file path=customXml/item3.xml><?xml version="1.0" encoding="utf-8"?>
 <?mso-contentType ?>
 <FormTemplates xmlns="http://schemas.microsoft.com/sharepoint/v3/contenttype/forms">
@@ -6766,6 +11230,16 @@
 </file>
 
 <file path=customXml/itemProps1.xml><?xml version="1.0" encoding="utf-8"?>
+<ds:datastoreItem xmlns:ds="http://schemas.openxmlformats.org/officeDocument/2006/customXml" ds:itemID="{724AFF31-8E32-4607-8DA5-F53690CB721B}">
+  <ds:schemaRefs>
+    <ds:schemaRef ds:uri="http://schemas.microsoft.com/office/2006/metadata/properties"/>
+    <ds:schemaRef ds:uri="http://schemas.microsoft.com/office/infopath/2007/PartnerControls"/>
+    <ds:schemaRef ds:uri="69e60002-4b69-4aad-9e3a-e3a9db2b0f4f"/>
+  </ds:schemaRefs>
+</ds:datastoreItem>
+</file>
+
+<file path=customXml/itemProps2.xml><?xml version="1.0" encoding="utf-8"?>
 <ds:datastoreItem xmlns:ds="http://schemas.openxmlformats.org/officeDocument/2006/customXml" ds:itemID="{0498FCD4-62F2-4C59-824F-30F9B51F9401}">
   <ds:schemaRefs>
     <ds:schemaRef ds:uri="http://schemas.microsoft.com/office/2006/metadata/contentType"/>
@@ -6783,16 +11257,6 @@
 </ds:datastoreItem>
 </file>
 
-<file path=customXml/itemProps2.xml><?xml version="1.0" encoding="utf-8"?>
-<ds:datastoreItem xmlns:ds="http://schemas.openxmlformats.org/officeDocument/2006/customXml" ds:itemID="{724AFF31-8E32-4607-8DA5-F53690CB721B}">
-  <ds:schemaRefs>
-    <ds:schemaRef ds:uri="http://schemas.microsoft.com/office/2006/metadata/properties"/>
-    <ds:schemaRef ds:uri="http://schemas.microsoft.com/office/infopath/2007/PartnerControls"/>
-    <ds:schemaRef ds:uri="69e60002-4b69-4aad-9e3a-e3a9db2b0f4f"/>
-  </ds:schemaRefs>
-</ds:datastoreItem>
-</file>
-
 <file path=customXml/itemProps3.xml><?xml version="1.0" encoding="utf-8"?>
 <ds:datastoreItem xmlns:ds="http://schemas.openxmlformats.org/officeDocument/2006/customXml" ds:itemID="{1F9AB8FE-BD0C-400C-B543-7D7BB2885DFE}">
   <ds:schemaRefs>

--- a/Präsentation/Vorgehen.pptx
+++ b/Präsentation/Vorgehen.pptx
@@ -5,10 +5,10 @@
     <p:sldMasterId id="2147483713" r:id="rId4"/>
   </p:sldMasterIdLst>
   <p:notesMasterIdLst>
-    <p:notesMasterId r:id="rId16"/>
+    <p:notesMasterId r:id="rId21"/>
   </p:notesMasterIdLst>
   <p:handoutMasterIdLst>
-    <p:handoutMasterId r:id="rId17"/>
+    <p:handoutMasterId r:id="rId22"/>
   </p:handoutMasterIdLst>
   <p:sldIdLst>
     <p:sldId id="256" r:id="rId5"/>
@@ -21,17 +21,26 @@
     <p:sldId id="267" r:id="rId12"/>
     <p:sldId id="268" r:id="rId13"/>
     <p:sldId id="257" r:id="rId14"/>
-    <p:sldId id="262" r:id="rId15"/>
+    <p:sldId id="269" r:id="rId15"/>
+    <p:sldId id="270" r:id="rId16"/>
+    <p:sldId id="271" r:id="rId17"/>
+    <p:sldId id="272" r:id="rId18"/>
+    <p:sldId id="273" r:id="rId19"/>
+    <p:sldId id="262" r:id="rId20"/>
   </p:sldIdLst>
   <p:sldSz cx="10082213" cy="7561263"/>
   <p:notesSz cx="6858000" cy="9144000"/>
   <p:embeddedFontLst>
     <p:embeddedFont>
       <p:font typeface="Calibri" panose="020F0502020204030204" pitchFamily="34" charset="0"/>
-      <p:regular r:id="rId18"/>
-      <p:bold r:id="rId19"/>
-      <p:italic r:id="rId20"/>
-      <p:boldItalic r:id="rId21"/>
+      <p:regular r:id="rId23"/>
+      <p:bold r:id="rId24"/>
+      <p:italic r:id="rId25"/>
+      <p:boldItalic r:id="rId26"/>
+    </p:embeddedFont>
+    <p:embeddedFont>
+      <p:font typeface="Cambria Math" panose="02040503050406030204" pitchFamily="18" charset="0"/>
+      <p:regular r:id="rId27"/>
     </p:embeddedFont>
   </p:embeddedFontLst>
   <p:defaultTextStyle>
@@ -184,7 +193,7 @@
 <file path=ppt/revisionInfo.xml><?xml version="1.0" encoding="utf-8"?>
 <p1510:revInfo xmlns:a="http://schemas.openxmlformats.org/drawingml/2006/main" xmlns:r="http://schemas.openxmlformats.org/officeDocument/2006/relationships" xmlns:p1510="http://schemas.microsoft.com/office/powerpoint/2015/10/main">
   <p1510:revLst>
-    <p1510:client id="{5C1EF3E6-ECC6-481F-880D-B0E35D51F7D3}" v="30" dt="2022-01-20T10:15:18.693"/>
+    <p1510:client id="{5C1EF3E6-ECC6-481F-880D-B0E35D51F7D3}" v="89" dt="2022-01-20T11:47:51.609"/>
     <p1510:client id="{C836EF19-E232-49E4-AE3F-6127B56BBCF6}" v="9" dt="2022-01-20T10:35:23.762"/>
   </p1510:revLst>
 </p1510:revInfo>
@@ -195,10 +204,33 @@
   <pc:docChgLst>
     <pc:chgData name="Julia Lobatón (s)" userId="03631203-4130-44e4-8322-dc08ad4e2bed" providerId="ADAL" clId="{5C1EF3E6-ECC6-481F-880D-B0E35D51F7D3}"/>
     <pc:docChg chg="undo custSel addSld delSld modSld">
-      <pc:chgData name="Julia Lobatón (s)" userId="03631203-4130-44e4-8322-dc08ad4e2bed" providerId="ADAL" clId="{5C1EF3E6-ECC6-481F-880D-B0E35D51F7D3}" dt="2022-01-20T10:15:18.692" v="267" actId="1076"/>
+      <pc:chgData name="Julia Lobatón (s)" userId="03631203-4130-44e4-8322-dc08ad4e2bed" providerId="ADAL" clId="{5C1EF3E6-ECC6-481F-880D-B0E35D51F7D3}" dt="2022-01-20T11:48:32.610" v="649" actId="20577"/>
       <pc:docMkLst>
         <pc:docMk/>
       </pc:docMkLst>
+      <pc:sldChg chg="addSp delSp modSp mod modAnim">
+        <pc:chgData name="Julia Lobatón (s)" userId="03631203-4130-44e4-8322-dc08ad4e2bed" providerId="ADAL" clId="{5C1EF3E6-ECC6-481F-880D-B0E35D51F7D3}" dt="2022-01-20T11:41:14.738" v="469" actId="1076"/>
+        <pc:sldMkLst>
+          <pc:docMk/>
+          <pc:sldMk cId="1565490079" sldId="256"/>
+        </pc:sldMkLst>
+        <pc:spChg chg="mod">
+          <ac:chgData name="Julia Lobatón (s)" userId="03631203-4130-44e4-8322-dc08ad4e2bed" providerId="ADAL" clId="{5C1EF3E6-ECC6-481F-880D-B0E35D51F7D3}" dt="2022-01-20T11:41:14.738" v="469" actId="1076"/>
+          <ac:spMkLst>
+            <pc:docMk/>
+            <pc:sldMk cId="1565490079" sldId="256"/>
+            <ac:spMk id="2" creationId="{2A1B54F5-4440-4F71-8CB5-CD27E940E538}"/>
+          </ac:spMkLst>
+        </pc:spChg>
+        <pc:picChg chg="add del mod">
+          <ac:chgData name="Julia Lobatón (s)" userId="03631203-4130-44e4-8322-dc08ad4e2bed" providerId="ADAL" clId="{5C1EF3E6-ECC6-481F-880D-B0E35D51F7D3}" dt="2022-01-20T11:40:08.382" v="392" actId="478"/>
+          <ac:picMkLst>
+            <pc:docMk/>
+            <pc:sldMk cId="1565490079" sldId="256"/>
+            <ac:picMk id="6" creationId="{589FB573-6C93-4D88-AAFB-9245C4B6D3B9}"/>
+          </ac:picMkLst>
+        </pc:picChg>
+      </pc:sldChg>
       <pc:sldChg chg="modSp mod">
         <pc:chgData name="Julia Lobatón (s)" userId="03631203-4130-44e4-8322-dc08ad4e2bed" providerId="ADAL" clId="{5C1EF3E6-ECC6-481F-880D-B0E35D51F7D3}" dt="2022-01-20T10:01:03.884" v="31" actId="20577"/>
         <pc:sldMkLst>
@@ -350,6 +382,177 @@
             <pc:docMk/>
             <pc:sldMk cId="829703314" sldId="262"/>
             <ac:spMk id="6" creationId="{8D1C922C-A852-4356-98EE-0FBCFACDB6FA}"/>
+          </ac:spMkLst>
+        </pc:spChg>
+      </pc:sldChg>
+      <pc:sldChg chg="addSp delSp modSp new mod">
+        <pc:chgData name="Julia Lobatón (s)" userId="03631203-4130-44e4-8322-dc08ad4e2bed" providerId="ADAL" clId="{5C1EF3E6-ECC6-481F-880D-B0E35D51F7D3}" dt="2022-01-20T11:47:51.609" v="636" actId="20577"/>
+        <pc:sldMkLst>
+          <pc:docMk/>
+          <pc:sldMk cId="3621980955" sldId="269"/>
+        </pc:sldMkLst>
+        <pc:spChg chg="mod">
+          <ac:chgData name="Julia Lobatón (s)" userId="03631203-4130-44e4-8322-dc08ad4e2bed" providerId="ADAL" clId="{5C1EF3E6-ECC6-481F-880D-B0E35D51F7D3}" dt="2022-01-20T11:33:59.844" v="274"/>
+          <ac:spMkLst>
+            <pc:docMk/>
+            <pc:sldMk cId="3621980955" sldId="269"/>
+            <ac:spMk id="5" creationId="{0F563664-9279-4E60-AD11-E6EEBC9EEE2C}"/>
+          </ac:spMkLst>
+        </pc:spChg>
+        <pc:spChg chg="del mod">
+          <ac:chgData name="Julia Lobatón (s)" userId="03631203-4130-44e4-8322-dc08ad4e2bed" providerId="ADAL" clId="{5C1EF3E6-ECC6-481F-880D-B0E35D51F7D3}" dt="2022-01-20T11:34:03.955" v="275"/>
+          <ac:spMkLst>
+            <pc:docMk/>
+            <pc:sldMk cId="3621980955" sldId="269"/>
+            <ac:spMk id="6" creationId="{2E5A4FC8-F703-4E5F-8B80-474D94C95D25}"/>
+          </ac:spMkLst>
+        </pc:spChg>
+        <pc:spChg chg="add mod">
+          <ac:chgData name="Julia Lobatón (s)" userId="03631203-4130-44e4-8322-dc08ad4e2bed" providerId="ADAL" clId="{5C1EF3E6-ECC6-481F-880D-B0E35D51F7D3}" dt="2022-01-20T11:47:51.609" v="636" actId="20577"/>
+          <ac:spMkLst>
+            <pc:docMk/>
+            <pc:sldMk cId="3621980955" sldId="269"/>
+            <ac:spMk id="7" creationId="{0CD48D1D-38D0-4FFB-BF50-6438E8B3C3DC}"/>
+          </ac:spMkLst>
+        </pc:spChg>
+      </pc:sldChg>
+      <pc:sldChg chg="addSp delSp modSp new mod">
+        <pc:chgData name="Julia Lobatón (s)" userId="03631203-4130-44e4-8322-dc08ad4e2bed" providerId="ADAL" clId="{5C1EF3E6-ECC6-481F-880D-B0E35D51F7D3}" dt="2022-01-20T11:47:58.809" v="637" actId="20577"/>
+        <pc:sldMkLst>
+          <pc:docMk/>
+          <pc:sldMk cId="214584328" sldId="270"/>
+        </pc:sldMkLst>
+        <pc:spChg chg="add del mod">
+          <ac:chgData name="Julia Lobatón (s)" userId="03631203-4130-44e4-8322-dc08ad4e2bed" providerId="ADAL" clId="{5C1EF3E6-ECC6-481F-880D-B0E35D51F7D3}" dt="2022-01-20T11:35:39.392" v="327"/>
+          <ac:spMkLst>
+            <pc:docMk/>
+            <pc:sldMk cId="214584328" sldId="270"/>
+            <ac:spMk id="5" creationId="{9AE2DA5F-29A2-4DF3-BA2D-FE1A5F3F2ECF}"/>
+          </ac:spMkLst>
+        </pc:spChg>
+        <pc:spChg chg="del">
+          <ac:chgData name="Julia Lobatón (s)" userId="03631203-4130-44e4-8322-dc08ad4e2bed" providerId="ADAL" clId="{5C1EF3E6-ECC6-481F-880D-B0E35D51F7D3}" dt="2022-01-20T11:35:43.557" v="328"/>
+          <ac:spMkLst>
+            <pc:docMk/>
+            <pc:sldMk cId="214584328" sldId="270"/>
+            <ac:spMk id="6" creationId="{3DE04839-6E9C-4B89-8B53-5ABBF71F0984}"/>
+          </ac:spMkLst>
+        </pc:spChg>
+        <pc:spChg chg="add del mod">
+          <ac:chgData name="Julia Lobatón (s)" userId="03631203-4130-44e4-8322-dc08ad4e2bed" providerId="ADAL" clId="{5C1EF3E6-ECC6-481F-880D-B0E35D51F7D3}" dt="2022-01-20T11:35:32.654" v="326"/>
+          <ac:spMkLst>
+            <pc:docMk/>
+            <pc:sldMk cId="214584328" sldId="270"/>
+            <ac:spMk id="7" creationId="{61100DB7-EFCC-4064-BB44-F34AB7F7C440}"/>
+          </ac:spMkLst>
+        </pc:spChg>
+        <pc:spChg chg="add mod">
+          <ac:chgData name="Julia Lobatón (s)" userId="03631203-4130-44e4-8322-dc08ad4e2bed" providerId="ADAL" clId="{5C1EF3E6-ECC6-481F-880D-B0E35D51F7D3}" dt="2022-01-20T11:47:58.809" v="637" actId="20577"/>
+          <ac:spMkLst>
+            <pc:docMk/>
+            <pc:sldMk cId="214584328" sldId="270"/>
+            <ac:spMk id="8" creationId="{6E2DC5EC-119F-4A98-92DF-AA0212D57A63}"/>
+          </ac:spMkLst>
+        </pc:spChg>
+      </pc:sldChg>
+      <pc:sldChg chg="addSp delSp modSp new mod">
+        <pc:chgData name="Julia Lobatón (s)" userId="03631203-4130-44e4-8322-dc08ad4e2bed" providerId="ADAL" clId="{5C1EF3E6-ECC6-481F-880D-B0E35D51F7D3}" dt="2022-01-20T11:48:32.610" v="649" actId="20577"/>
+        <pc:sldMkLst>
+          <pc:docMk/>
+          <pc:sldMk cId="3178716001" sldId="271"/>
+        </pc:sldMkLst>
+        <pc:spChg chg="mod">
+          <ac:chgData name="Julia Lobatón (s)" userId="03631203-4130-44e4-8322-dc08ad4e2bed" providerId="ADAL" clId="{5C1EF3E6-ECC6-481F-880D-B0E35D51F7D3}" dt="2022-01-20T11:36:25.289" v="338"/>
+          <ac:spMkLst>
+            <pc:docMk/>
+            <pc:sldMk cId="3178716001" sldId="271"/>
+            <ac:spMk id="5" creationId="{8F9588C1-2125-44B5-AE4C-CBF89679F9F6}"/>
+          </ac:spMkLst>
+        </pc:spChg>
+        <pc:spChg chg="mod">
+          <ac:chgData name="Julia Lobatón (s)" userId="03631203-4130-44e4-8322-dc08ad4e2bed" providerId="ADAL" clId="{5C1EF3E6-ECC6-481F-880D-B0E35D51F7D3}" dt="2022-01-20T11:48:32.610" v="649" actId="20577"/>
+          <ac:spMkLst>
+            <pc:docMk/>
+            <pc:sldMk cId="3178716001" sldId="271"/>
+            <ac:spMk id="6" creationId="{127E5DDD-260E-49FC-AD92-7627DD5488EF}"/>
+          </ac:spMkLst>
+        </pc:spChg>
+        <pc:spChg chg="add del mod">
+          <ac:chgData name="Julia Lobatón (s)" userId="03631203-4130-44e4-8322-dc08ad4e2bed" providerId="ADAL" clId="{5C1EF3E6-ECC6-481F-880D-B0E35D51F7D3}" dt="2022-01-20T11:43:54.059" v="487" actId="478"/>
+          <ac:spMkLst>
+            <pc:docMk/>
+            <pc:sldMk cId="3178716001" sldId="271"/>
+            <ac:spMk id="9" creationId="{049A3E65-6507-44F8-BB94-4BF790960E25}"/>
+          </ac:spMkLst>
+        </pc:spChg>
+        <pc:cxnChg chg="add del mod">
+          <ac:chgData name="Julia Lobatón (s)" userId="03631203-4130-44e4-8322-dc08ad4e2bed" providerId="ADAL" clId="{5C1EF3E6-ECC6-481F-880D-B0E35D51F7D3}" dt="2022-01-20T11:43:08.456" v="474" actId="478"/>
+          <ac:cxnSpMkLst>
+            <pc:docMk/>
+            <pc:sldMk cId="3178716001" sldId="271"/>
+            <ac:cxnSpMk id="8" creationId="{CF48EF3E-3BBB-49BB-8FDD-A6BD102B4FED}"/>
+          </ac:cxnSpMkLst>
+        </pc:cxnChg>
+        <pc:cxnChg chg="add del mod">
+          <ac:chgData name="Julia Lobatón (s)" userId="03631203-4130-44e4-8322-dc08ad4e2bed" providerId="ADAL" clId="{5C1EF3E6-ECC6-481F-880D-B0E35D51F7D3}" dt="2022-01-20T11:44:39.503" v="500" actId="478"/>
+          <ac:cxnSpMkLst>
+            <pc:docMk/>
+            <pc:sldMk cId="3178716001" sldId="271"/>
+            <ac:cxnSpMk id="11" creationId="{98F373A8-AF06-450C-A511-BFC946C977DB}"/>
+          </ac:cxnSpMkLst>
+        </pc:cxnChg>
+        <pc:cxnChg chg="add del mod">
+          <ac:chgData name="Julia Lobatón (s)" userId="03631203-4130-44e4-8322-dc08ad4e2bed" providerId="ADAL" clId="{5C1EF3E6-ECC6-481F-880D-B0E35D51F7D3}" dt="2022-01-20T11:45:40.039" v="529" actId="478"/>
+          <ac:cxnSpMkLst>
+            <pc:docMk/>
+            <pc:sldMk cId="3178716001" sldId="271"/>
+            <ac:cxnSpMk id="13" creationId="{BA644E10-923D-4A0E-9EE5-F1E624FF7BF8}"/>
+          </ac:cxnSpMkLst>
+        </pc:cxnChg>
+      </pc:sldChg>
+      <pc:sldChg chg="modSp new mod">
+        <pc:chgData name="Julia Lobatón (s)" userId="03631203-4130-44e4-8322-dc08ad4e2bed" providerId="ADAL" clId="{5C1EF3E6-ECC6-481F-880D-B0E35D51F7D3}" dt="2022-01-20T11:37:02.299" v="355" actId="15"/>
+        <pc:sldMkLst>
+          <pc:docMk/>
+          <pc:sldMk cId="3564659189" sldId="272"/>
+        </pc:sldMkLst>
+        <pc:spChg chg="mod">
+          <ac:chgData name="Julia Lobatón (s)" userId="03631203-4130-44e4-8322-dc08ad4e2bed" providerId="ADAL" clId="{5C1EF3E6-ECC6-481F-880D-B0E35D51F7D3}" dt="2022-01-20T11:36:49.534" v="348"/>
+          <ac:spMkLst>
+            <pc:docMk/>
+            <pc:sldMk cId="3564659189" sldId="272"/>
+            <ac:spMk id="5" creationId="{164E7747-9687-4C9E-89A8-A2CAB2EE4493}"/>
+          </ac:spMkLst>
+        </pc:spChg>
+        <pc:spChg chg="mod">
+          <ac:chgData name="Julia Lobatón (s)" userId="03631203-4130-44e4-8322-dc08ad4e2bed" providerId="ADAL" clId="{5C1EF3E6-ECC6-481F-880D-B0E35D51F7D3}" dt="2022-01-20T11:37:02.299" v="355" actId="15"/>
+          <ac:spMkLst>
+            <pc:docMk/>
+            <pc:sldMk cId="3564659189" sldId="272"/>
+            <ac:spMk id="6" creationId="{A7691413-8C09-4A88-9444-6DFFA572C80C}"/>
+          </ac:spMkLst>
+        </pc:spChg>
+      </pc:sldChg>
+      <pc:sldChg chg="modSp new mod">
+        <pc:chgData name="Julia Lobatón (s)" userId="03631203-4130-44e4-8322-dc08ad4e2bed" providerId="ADAL" clId="{5C1EF3E6-ECC6-481F-880D-B0E35D51F7D3}" dt="2022-01-20T11:37:36.133" v="369" actId="20577"/>
+        <pc:sldMkLst>
+          <pc:docMk/>
+          <pc:sldMk cId="3244864050" sldId="273"/>
+        </pc:sldMkLst>
+        <pc:spChg chg="mod">
+          <ac:chgData name="Julia Lobatón (s)" userId="03631203-4130-44e4-8322-dc08ad4e2bed" providerId="ADAL" clId="{5C1EF3E6-ECC6-481F-880D-B0E35D51F7D3}" dt="2022-01-20T11:37:11.996" v="356"/>
+          <ac:spMkLst>
+            <pc:docMk/>
+            <pc:sldMk cId="3244864050" sldId="273"/>
+            <ac:spMk id="5" creationId="{C5E3DC8F-5623-42EC-9DFD-7111303D33E7}"/>
+          </ac:spMkLst>
+        </pc:spChg>
+        <pc:spChg chg="mod">
+          <ac:chgData name="Julia Lobatón (s)" userId="03631203-4130-44e4-8322-dc08ad4e2bed" providerId="ADAL" clId="{5C1EF3E6-ECC6-481F-880D-B0E35D51F7D3}" dt="2022-01-20T11:37:36.133" v="369" actId="20577"/>
+          <ac:spMkLst>
+            <pc:docMk/>
+            <pc:sldMk cId="3244864050" sldId="273"/>
+            <ac:spMk id="6" creationId="{451C4896-2CE8-4057-A08C-B17A1FD75E6B}"/>
           </ac:spMkLst>
         </pc:spChg>
       </pc:sldChg>
@@ -1348,7 +1551,7 @@
             <a:fld id="{C74B13BA-36C6-4300-B5B6-6C1D152DFF13}" type="slidenum">
               <a:rPr lang="de-CH"/>
               <a:pPr/>
-              <a:t>‹#›</a:t>
+              <a:t>‹Nr.›</a:t>
             </a:fld>
             <a:endParaRPr lang="de-CH"/>
           </a:p>
@@ -1801,7 +2004,7 @@
             <a:fld id="{058061DB-DF71-4765-99A4-14E22DF63CCF}" type="slidenum">
               <a:rPr lang="de-CH"/>
               <a:pPr/>
-              <a:t>‹#›</a:t>
+              <a:t>‹Nr.›</a:t>
             </a:fld>
             <a:endParaRPr lang="de-CH"/>
           </a:p>
@@ -3541,7 +3744,7 @@
       </p:grpSpPr>
       <p:sp>
         <p:nvSpPr>
-          <p:cNvPr id="2" name="Slide Image Placeholder 1"/>
+          <p:cNvPr id="2" name="Folienbildplatzhalter 1"/>
           <p:cNvSpPr>
             <a:spLocks noGrp="1" noRot="1" noChangeAspect="1"/>
           </p:cNvSpPr>
@@ -3553,7 +3756,7 @@
       </p:sp>
       <p:sp>
         <p:nvSpPr>
-          <p:cNvPr id="3" name="Notes Placeholder 2"/>
+          <p:cNvPr id="3" name="Notizenplatzhalter 2"/>
           <p:cNvSpPr>
             <a:spLocks noGrp="1"/>
           </p:cNvSpPr>
@@ -3572,7 +3775,7 @@
       </p:sp>
       <p:sp>
         <p:nvSpPr>
-          <p:cNvPr id="4" name="Slide Number Placeholder 3"/>
+          <p:cNvPr id="4" name="Foliennummernplatzhalter 3"/>
           <p:cNvSpPr>
             <a:spLocks noGrp="1"/>
           </p:cNvSpPr>
@@ -3589,6 +3792,91 @@
               <a:rPr lang="de-CH" smtClean="0"/>
               <a:pPr/>
               <a:t>11</a:t>
+            </a:fld>
+            <a:endParaRPr lang="de-CH"/>
+          </a:p>
+        </p:txBody>
+      </p:sp>
+    </p:spTree>
+    <p:extLst>
+      <p:ext uri="{BB962C8B-B14F-4D97-AF65-F5344CB8AC3E}">
+        <p14:creationId xmlns:p14="http://schemas.microsoft.com/office/powerpoint/2010/main" val="3879533020"/>
+      </p:ext>
+    </p:extLst>
+  </p:cSld>
+  <p:clrMapOvr>
+    <a:masterClrMapping/>
+  </p:clrMapOvr>
+</p:notes>
+</file>
+
+<file path=ppt/notesSlides/notesSlide9.xml><?xml version="1.0" encoding="utf-8"?>
+<p:notes xmlns:a="http://schemas.openxmlformats.org/drawingml/2006/main" xmlns:r="http://schemas.openxmlformats.org/officeDocument/2006/relationships" xmlns:p="http://schemas.openxmlformats.org/presentationml/2006/main">
+  <p:cSld>
+    <p:spTree>
+      <p:nvGrpSpPr>
+        <p:cNvPr id="1" name=""/>
+        <p:cNvGrpSpPr/>
+        <p:nvPr/>
+      </p:nvGrpSpPr>
+      <p:grpSpPr>
+        <a:xfrm>
+          <a:off x="0" y="0"/>
+          <a:ext cx="0" cy="0"/>
+          <a:chOff x="0" y="0"/>
+          <a:chExt cx="0" cy="0"/>
+        </a:xfrm>
+      </p:grpSpPr>
+      <p:sp>
+        <p:nvSpPr>
+          <p:cNvPr id="2" name="Slide Image Placeholder 1"/>
+          <p:cNvSpPr>
+            <a:spLocks noGrp="1" noRot="1" noChangeAspect="1"/>
+          </p:cNvSpPr>
+          <p:nvPr>
+            <p:ph type="sldImg"/>
+          </p:nvPr>
+        </p:nvSpPr>
+        <p:spPr/>
+      </p:sp>
+      <p:sp>
+        <p:nvSpPr>
+          <p:cNvPr id="3" name="Notes Placeholder 2"/>
+          <p:cNvSpPr>
+            <a:spLocks noGrp="1"/>
+          </p:cNvSpPr>
+          <p:nvPr>
+            <p:ph type="body" idx="1"/>
+          </p:nvPr>
+        </p:nvSpPr>
+        <p:spPr/>
+        <p:txBody>
+          <a:bodyPr/>
+          <a:lstStyle/>
+          <a:p>
+            <a:endParaRPr lang="de-CH" dirty="0"/>
+          </a:p>
+        </p:txBody>
+      </p:sp>
+      <p:sp>
+        <p:nvSpPr>
+          <p:cNvPr id="4" name="Slide Number Placeholder 3"/>
+          <p:cNvSpPr>
+            <a:spLocks noGrp="1"/>
+          </p:cNvSpPr>
+          <p:nvPr>
+            <p:ph type="sldNum" sz="quarter" idx="5"/>
+          </p:nvPr>
+        </p:nvSpPr>
+        <p:spPr/>
+        <p:txBody>
+          <a:bodyPr/>
+          <a:lstStyle/>
+          <a:p>
+            <a:fld id="{058061DB-DF71-4765-99A4-14E22DF63CCF}" type="slidenum">
+              <a:rPr lang="de-CH" smtClean="0"/>
+              <a:pPr/>
+              <a:t>16</a:t>
             </a:fld>
             <a:endParaRPr lang="de-CH"/>
           </a:p>
@@ -3996,7 +4284,7 @@
                 </a:solidFill>
               </a:rPr>
               <a:pPr/>
-              <a:t>‹#›</a:t>
+              <a:t>‹Nr.›</a:t>
             </a:fld>
             <a:endParaRPr lang="de-CH">
               <a:solidFill>
@@ -4198,7 +4486,7 @@
                 </a:solidFill>
               </a:rPr>
               <a:pPr/>
-              <a:t>‹#›</a:t>
+              <a:t>‹Nr.›</a:t>
             </a:fld>
             <a:endParaRPr lang="de-CH">
               <a:solidFill>
@@ -4404,7 +4692,7 @@
                 </a:solidFill>
               </a:rPr>
               <a:pPr/>
-              <a:t>‹#›</a:t>
+              <a:t>‹Nr.›</a:t>
             </a:fld>
             <a:endParaRPr lang="de-CH">
               <a:solidFill>
@@ -4610,7 +4898,7 @@
                 </a:solidFill>
               </a:rPr>
               <a:pPr/>
-              <a:t>‹#›</a:t>
+              <a:t>‹Nr.›</a:t>
             </a:fld>
             <a:endParaRPr lang="de-CH">
               <a:solidFill>
@@ -5155,7 +5443,7 @@
                 </a:solidFill>
               </a:rPr>
               <a:pPr/>
-              <a:t>‹#›</a:t>
+              <a:t>‹Nr.›</a:t>
             </a:fld>
             <a:endParaRPr lang="de-CH">
               <a:solidFill>
@@ -5705,12 +5993,36 @@
             <p:ph type="subTitle" idx="1"/>
           </p:nvPr>
         </p:nvSpPr>
-        <p:spPr/>
+        <p:spPr>
+          <a:xfrm>
+            <a:off x="666445" y="2164556"/>
+            <a:ext cx="8687227" cy="285750"/>
+          </a:xfrm>
+        </p:spPr>
         <p:txBody>
           <a:bodyPr/>
           <a:lstStyle/>
           <a:p>
-            <a:endParaRPr lang="de-CH"/>
+            <a:r>
+              <a:rPr lang="de-CH" sz="2000" dirty="0"/>
+              <a:t>Thomas </a:t>
+            </a:r>
+            <a:r>
+              <a:rPr lang="de-CH" sz="2000" dirty="0" err="1"/>
+              <a:t>Mandelz</a:t>
+            </a:r>
+            <a:r>
+              <a:rPr lang="de-CH" sz="2000" dirty="0"/>
+              <a:t>, Patrick Schürmann, Lukasz </a:t>
+            </a:r>
+            <a:r>
+              <a:rPr lang="de-CH" sz="2000" dirty="0" err="1"/>
+              <a:t>Gothszalk</a:t>
+            </a:r>
+            <a:r>
+              <a:rPr lang="de-CH" sz="2000" dirty="0"/>
+              <a:t>, Julia Lobaton</a:t>
+            </a:r>
           </a:p>
         </p:txBody>
       </p:sp>
@@ -5758,7 +6070,7 @@
           <a:bodyPr/>
           <a:lstStyle/>
           <a:p>
-            <a:endParaRPr lang="de-CH"/>
+            <a:endParaRPr lang="de-CH" dirty="0"/>
           </a:p>
         </p:txBody>
       </p:sp>
@@ -5783,7 +6095,7 @@
           <a:bodyPr/>
           <a:lstStyle/>
           <a:p>
-            <a:endParaRPr lang="de-CH"/>
+            <a:endParaRPr lang="de-CH" dirty="0"/>
           </a:p>
         </p:txBody>
       </p:sp>
@@ -6095,7 +6407,7 @@
           <p:cNvPr id="2" name="Datumsplatzhalter 1">
             <a:extLst>
               <a:ext uri="{FF2B5EF4-FFF2-40B4-BE49-F238E27FC236}">
-                <a16:creationId xmlns:a16="http://schemas.microsoft.com/office/drawing/2014/main" id="{FB56C107-9EB4-4A83-819A-C7CE80697548}"/>
+                <a16:creationId xmlns:a16="http://schemas.microsoft.com/office/drawing/2014/main" id="{A31DC7E1-4DD1-4E22-A888-9469E45C1A9C}"/>
               </a:ext>
             </a:extLst>
           </p:cNvPr>
@@ -6132,7 +6444,7 @@
           <p:cNvPr id="3" name="Fußzeilenplatzhalter 2">
             <a:extLst>
               <a:ext uri="{FF2B5EF4-FFF2-40B4-BE49-F238E27FC236}">
-                <a16:creationId xmlns:a16="http://schemas.microsoft.com/office/drawing/2014/main" id="{6F161E53-DE5A-4624-BB45-8A8062AC7923}"/>
+                <a16:creationId xmlns:a16="http://schemas.microsoft.com/office/drawing/2014/main" id="{9704FAB4-9C5E-42EF-B1A8-04A7639C3676}"/>
               </a:ext>
             </a:extLst>
           </p:cNvPr>
@@ -6149,7 +6461,7 @@
           <a:lstStyle/>
           <a:p>
             <a:r>
-              <a:rPr lang="en-CH" dirty="0">
+              <a:rPr lang="en-CH">
                 <a:solidFill>
                   <a:srgbClr val="000000"/>
                 </a:solidFill>
@@ -6169,7 +6481,7 @@
           <p:cNvPr id="4" name="Foliennummernplatzhalter 3">
             <a:extLst>
               <a:ext uri="{FF2B5EF4-FFF2-40B4-BE49-F238E27FC236}">
-                <a16:creationId xmlns:a16="http://schemas.microsoft.com/office/drawing/2014/main" id="{197A6D72-4615-4D7A-963E-F1A94B1028B4}"/>
+                <a16:creationId xmlns:a16="http://schemas.microsoft.com/office/drawing/2014/main" id="{5A5D4435-D1BA-4E2A-B63F-FBD6B4137C85}"/>
               </a:ext>
             </a:extLst>
           </p:cNvPr>
@@ -6193,6 +6505,1698 @@
               </a:rPr>
               <a:pPr/>
               <a:t>11</a:t>
+            </a:fld>
+            <a:endParaRPr lang="de-CH">
+              <a:solidFill>
+                <a:srgbClr val="000000"/>
+              </a:solidFill>
+            </a:endParaRPr>
+          </a:p>
+        </p:txBody>
+      </p:sp>
+      <p:sp>
+        <p:nvSpPr>
+          <p:cNvPr id="5" name="Titel 4">
+            <a:extLst>
+              <a:ext uri="{FF2B5EF4-FFF2-40B4-BE49-F238E27FC236}">
+                <a16:creationId xmlns:a16="http://schemas.microsoft.com/office/drawing/2014/main" id="{0F563664-9279-4E60-AD11-E6EEBC9EEE2C}"/>
+              </a:ext>
+            </a:extLst>
+          </p:cNvPr>
+          <p:cNvSpPr>
+            <a:spLocks noGrp="1"/>
+          </p:cNvSpPr>
+          <p:nvPr>
+            <p:ph type="title"/>
+          </p:nvPr>
+        </p:nvSpPr>
+        <p:spPr/>
+        <p:txBody>
+          <a:bodyPr/>
+          <a:lstStyle/>
+          <a:p>
+            <a:r>
+              <a:rPr lang="de-CH" dirty="0"/>
+              <a:t>Verknüpfung der weiteren Wahrscheinlichkeiten</a:t>
+            </a:r>
+          </a:p>
+        </p:txBody>
+      </p:sp>
+      <mc:AlternateContent xmlns:mc="http://schemas.openxmlformats.org/markup-compatibility/2006">
+        <mc:Choice xmlns:a14="http://schemas.microsoft.com/office/drawing/2010/main" Requires="a14">
+          <p:sp>
+            <p:nvSpPr>
+              <p:cNvPr id="7" name="Inhaltsplatzhalter 2">
+                <a:extLst>
+                  <a:ext uri="{FF2B5EF4-FFF2-40B4-BE49-F238E27FC236}">
+                    <a16:creationId xmlns:a16="http://schemas.microsoft.com/office/drawing/2014/main" id="{0CD48D1D-38D0-4FFB-BF50-6438E8B3C3DC}"/>
+                  </a:ext>
+                </a:extLst>
+              </p:cNvPr>
+              <p:cNvSpPr>
+                <a:spLocks noGrp="1"/>
+              </p:cNvSpPr>
+              <p:nvPr>
+                <p:ph type="body" idx="1"/>
+              </p:nvPr>
+            </p:nvSpPr>
+            <p:spPr>
+              <a:xfrm>
+                <a:off x="695325" y="2197100"/>
+                <a:ext cx="8688388" cy="4464050"/>
+              </a:xfrm>
+            </p:spPr>
+            <p:txBody>
+              <a:bodyPr>
+                <a:normAutofit/>
+              </a:bodyPr>
+              <a:lstStyle/>
+              <a:p>
+                <a:pPr marL="342900" indent="-342900">
+                  <a:buFont typeface="Arial" panose="020B0604020202020204" pitchFamily="34" charset="0"/>
+                  <a:buChar char="•"/>
+                </a:pPr>
+                <a:r>
+                  <a:rPr lang="de-CH" dirty="0"/>
+                  <a:t>Wahrscheinlichkeit für einen Netzdurchbruch pro Jahr</a:t>
+                </a:r>
+              </a:p>
+              <a:p>
+                <a:pPr marL="675166" lvl="1" indent="-342900">
+                  <a:buFont typeface="Arial" panose="020B0604020202020204" pitchFamily="34" charset="0"/>
+                  <a:buChar char="•"/>
+                </a:pPr>
+                <a14:m>
+                  <m:oMath xmlns:m="http://schemas.openxmlformats.org/officeDocument/2006/math">
+                    <m:f>
+                      <m:fPr>
+                        <m:ctrlPr>
+                          <a:rPr lang="de-CH" i="1">
+                            <a:latin typeface="Cambria Math" panose="02040503050406030204" pitchFamily="18" charset="0"/>
+                          </a:rPr>
+                        </m:ctrlPr>
+                      </m:fPr>
+                      <m:num>
+                        <m:r>
+                          <a:rPr lang="de-CH" i="1">
+                            <a:latin typeface="Cambria Math" panose="02040503050406030204" pitchFamily="18" charset="0"/>
+                          </a:rPr>
+                          <m:t>𝐷𝑢𝑟𝑐h𝑏𝑟</m:t>
+                        </m:r>
+                        <m:r>
+                          <a:rPr lang="de-CH" i="1">
+                            <a:latin typeface="Cambria Math" panose="02040503050406030204" pitchFamily="18" charset="0"/>
+                          </a:rPr>
+                          <m:t>ü</m:t>
+                        </m:r>
+                        <m:r>
+                          <a:rPr lang="de-CH" i="1">
+                            <a:latin typeface="Cambria Math" panose="02040503050406030204" pitchFamily="18" charset="0"/>
+                          </a:rPr>
+                          <m:t>𝑐h𝑒</m:t>
+                        </m:r>
+                      </m:num>
+                      <m:den>
+                        <m:r>
+                          <a:rPr lang="de-CH" b="0" i="1" smtClean="0">
+                            <a:latin typeface="Cambria Math" panose="02040503050406030204" pitchFamily="18" charset="0"/>
+                          </a:rPr>
+                          <m:t>𝑠𝑖𝑚𝑢𝑙𝑖𝑒𝑟𝑡𝑒</m:t>
+                        </m:r>
+                        <m:r>
+                          <a:rPr lang="de-CH" b="0" i="1" smtClean="0">
+                            <a:latin typeface="Cambria Math" panose="02040503050406030204" pitchFamily="18" charset="0"/>
+                          </a:rPr>
+                          <m:t> </m:t>
+                        </m:r>
+                        <m:r>
+                          <a:rPr lang="de-CH" i="1">
+                            <a:latin typeface="Cambria Math" panose="02040503050406030204" pitchFamily="18" charset="0"/>
+                          </a:rPr>
+                          <m:t>𝐽𝑎h𝑟𝑒</m:t>
+                        </m:r>
+                        <m:r>
+                          <a:rPr lang="de-CH" i="1">
+                            <a:latin typeface="Cambria Math" panose="02040503050406030204" pitchFamily="18" charset="0"/>
+                          </a:rPr>
+                          <m:t> </m:t>
+                        </m:r>
+                      </m:den>
+                    </m:f>
+                  </m:oMath>
+                </a14:m>
+                <a:endParaRPr lang="de-CH" i="1" dirty="0">
+                  <a:latin typeface="Cambria Math" panose="02040503050406030204" pitchFamily="18" charset="0"/>
+                </a:endParaRPr>
+              </a:p>
+              <a:p>
+                <a:pPr marL="457200" lvl="1" indent="0">
+                  <a:buNone/>
+                </a:pPr>
+                <a:endParaRPr lang="de-CH" i="1" dirty="0">
+                  <a:latin typeface="Cambria Math" panose="02040503050406030204" pitchFamily="18" charset="0"/>
+                </a:endParaRPr>
+              </a:p>
+              <a:p>
+                <a:pPr marL="342900" indent="-342900">
+                  <a:buFont typeface="Arial" panose="020B0604020202020204" pitchFamily="34" charset="0"/>
+                  <a:buChar char="•"/>
+                </a:pPr>
+                <a:r>
+                  <a:rPr lang="de-CH" dirty="0"/>
+                  <a:t>Wahrscheinlichkeit für ein Auto in der Gefahrenzone zu sein pro Tag</a:t>
+                </a:r>
+              </a:p>
+              <a:p>
+                <a:pPr marL="675166" lvl="1" indent="-342900">
+                  <a:buFont typeface="Arial" panose="020B0604020202020204" pitchFamily="34" charset="0"/>
+                  <a:buChar char="•"/>
+                </a:pPr>
+                <a:r>
+                  <a:rPr lang="de-CH" dirty="0"/>
+                  <a:t>Gefahrenzone = Bremsweg + Reaktionsweg + Autolänge</a:t>
+                </a:r>
+              </a:p>
+              <a:p>
+                <a:pPr marL="675166" lvl="1" indent="-342900">
+                  <a:buFont typeface="Arial" panose="020B0604020202020204" pitchFamily="34" charset="0"/>
+                  <a:buChar char="•"/>
+                </a:pPr>
+                <a:r>
+                  <a:rPr lang="de-CH" dirty="0"/>
+                  <a:t>Bremsweg = </a:t>
+                </a:r>
+                <a14:m>
+                  <m:oMath xmlns:m="http://schemas.openxmlformats.org/officeDocument/2006/math">
+                    <m:f>
+                      <m:fPr>
+                        <m:ctrlPr>
+                          <a:rPr lang="de-CH" b="0" i="1" smtClean="0">
+                            <a:latin typeface="Cambria Math" panose="02040503050406030204" pitchFamily="18" charset="0"/>
+                          </a:rPr>
+                        </m:ctrlPr>
+                      </m:fPr>
+                      <m:num>
+                        <m:d>
+                          <m:dPr>
+                            <m:ctrlPr>
+                              <a:rPr lang="de-CH" b="0" i="1" smtClean="0">
+                                <a:latin typeface="Cambria Math" panose="02040503050406030204" pitchFamily="18" charset="0"/>
+                              </a:rPr>
+                            </m:ctrlPr>
+                          </m:dPr>
+                          <m:e>
+                            <m:r>
+                              <a:rPr lang="de-CH" b="0" i="1" smtClean="0">
+                                <a:latin typeface="Cambria Math" panose="02040503050406030204" pitchFamily="18" charset="0"/>
+                              </a:rPr>
+                              <m:t>𝐺𝑒𝑠𝑐h𝑤𝑖𝑛𝑑𝑖𝑔𝑘𝑒𝑖𝑡</m:t>
+                            </m:r>
+                            <m:r>
+                              <a:rPr lang="de-CH" b="0" i="1" smtClean="0">
+                                <a:latin typeface="Cambria Math" panose="02040503050406030204" pitchFamily="18" charset="0"/>
+                              </a:rPr>
+                              <m:t> </m:t>
+                            </m:r>
+                            <m:r>
+                              <a:rPr lang="de-CH" b="0" i="1" smtClean="0">
+                                <a:latin typeface="Cambria Math" panose="02040503050406030204" pitchFamily="18" charset="0"/>
+                              </a:rPr>
+                              <m:t>𝑖𝑛</m:t>
+                            </m:r>
+                            <m:f>
+                              <m:fPr>
+                                <m:ctrlPr>
+                                  <a:rPr lang="de-CH" b="0" i="1" smtClean="0">
+                                    <a:latin typeface="Cambria Math" panose="02040503050406030204" pitchFamily="18" charset="0"/>
+                                  </a:rPr>
+                                </m:ctrlPr>
+                              </m:fPr>
+                              <m:num>
+                                <m:r>
+                                  <a:rPr lang="de-CH" b="0" i="1" smtClean="0">
+                                    <a:latin typeface="Cambria Math" panose="02040503050406030204" pitchFamily="18" charset="0"/>
+                                  </a:rPr>
+                                  <m:t>𝑘𝑚</m:t>
+                                </m:r>
+                              </m:num>
+                              <m:den>
+                                <m:r>
+                                  <a:rPr lang="de-CH" b="0" i="1" smtClean="0">
+                                    <a:latin typeface="Cambria Math" panose="02040503050406030204" pitchFamily="18" charset="0"/>
+                                  </a:rPr>
+                                  <m:t>h</m:t>
+                                </m:r>
+                              </m:den>
+                            </m:f>
+                          </m:e>
+                        </m:d>
+                      </m:num>
+                      <m:den>
+                        <m:r>
+                          <a:rPr lang="de-CH" b="0" i="1" smtClean="0">
+                            <a:latin typeface="Cambria Math" panose="02040503050406030204" pitchFamily="18" charset="0"/>
+                          </a:rPr>
+                          <m:t>10</m:t>
+                        </m:r>
+                      </m:den>
+                    </m:f>
+                    <m:r>
+                      <a:rPr lang="de-CH" b="0" i="1" smtClean="0">
+                        <a:latin typeface="Cambria Math" panose="02040503050406030204" pitchFamily="18" charset="0"/>
+                      </a:rPr>
+                      <m:t> ∗</m:t>
+                    </m:r>
+                    <m:f>
+                      <m:fPr>
+                        <m:ctrlPr>
+                          <a:rPr lang="de-CH" i="1">
+                            <a:latin typeface="Cambria Math" panose="02040503050406030204" pitchFamily="18" charset="0"/>
+                          </a:rPr>
+                        </m:ctrlPr>
+                      </m:fPr>
+                      <m:num>
+                        <m:d>
+                          <m:dPr>
+                            <m:ctrlPr>
+                              <a:rPr lang="de-CH" i="1">
+                                <a:latin typeface="Cambria Math" panose="02040503050406030204" pitchFamily="18" charset="0"/>
+                              </a:rPr>
+                            </m:ctrlPr>
+                          </m:dPr>
+                          <m:e>
+                            <m:r>
+                              <a:rPr lang="de-CH" i="1">
+                                <a:latin typeface="Cambria Math" panose="02040503050406030204" pitchFamily="18" charset="0"/>
+                              </a:rPr>
+                              <m:t>𝐺𝑒𝑠𝑐h𝑤𝑖𝑛𝑑𝑖𝑔𝑘𝑒𝑖𝑡</m:t>
+                            </m:r>
+                            <m:r>
+                              <a:rPr lang="de-CH" i="1">
+                                <a:latin typeface="Cambria Math" panose="02040503050406030204" pitchFamily="18" charset="0"/>
+                              </a:rPr>
+                              <m:t> </m:t>
+                            </m:r>
+                            <m:r>
+                              <a:rPr lang="de-CH" i="1">
+                                <a:latin typeface="Cambria Math" panose="02040503050406030204" pitchFamily="18" charset="0"/>
+                              </a:rPr>
+                              <m:t>𝑖𝑛</m:t>
+                            </m:r>
+                            <m:f>
+                              <m:fPr>
+                                <m:ctrlPr>
+                                  <a:rPr lang="de-CH" i="1">
+                                    <a:latin typeface="Cambria Math" panose="02040503050406030204" pitchFamily="18" charset="0"/>
+                                  </a:rPr>
+                                </m:ctrlPr>
+                              </m:fPr>
+                              <m:num>
+                                <m:r>
+                                  <a:rPr lang="de-CH" i="1">
+                                    <a:latin typeface="Cambria Math" panose="02040503050406030204" pitchFamily="18" charset="0"/>
+                                  </a:rPr>
+                                  <m:t>𝑘𝑚</m:t>
+                                </m:r>
+                              </m:num>
+                              <m:den>
+                                <m:r>
+                                  <a:rPr lang="de-CH" i="1">
+                                    <a:latin typeface="Cambria Math" panose="02040503050406030204" pitchFamily="18" charset="0"/>
+                                  </a:rPr>
+                                  <m:t>h</m:t>
+                                </m:r>
+                              </m:den>
+                            </m:f>
+                          </m:e>
+                        </m:d>
+                      </m:num>
+                      <m:den>
+                        <m:r>
+                          <a:rPr lang="de-CH" i="1">
+                            <a:latin typeface="Cambria Math" panose="02040503050406030204" pitchFamily="18" charset="0"/>
+                          </a:rPr>
+                          <m:t>10</m:t>
+                        </m:r>
+                      </m:den>
+                    </m:f>
+                    <m:r>
+                      <a:rPr lang="de-CH" b="0" i="1" smtClean="0">
+                        <a:latin typeface="Cambria Math" panose="02040503050406030204" pitchFamily="18" charset="0"/>
+                      </a:rPr>
+                      <m:t>/</m:t>
+                    </m:r>
+                    <m:r>
+                      <a:rPr lang="de-CH" b="0" i="1" smtClean="0">
+                        <a:latin typeface="Cambria Math" panose="02040503050406030204" pitchFamily="18" charset="0"/>
+                      </a:rPr>
+                      <m:t>2</m:t>
+                    </m:r>
+                  </m:oMath>
+                </a14:m>
+                <a:endParaRPr lang="de-CH" b="0" dirty="0"/>
+              </a:p>
+              <a:p>
+                <a:pPr marL="675166" lvl="1" indent="-342900">
+                  <a:buFont typeface="Arial" panose="020B0604020202020204" pitchFamily="34" charset="0"/>
+                  <a:buChar char="•"/>
+                </a:pPr>
+                <a:r>
+                  <a:rPr lang="de-CH" dirty="0"/>
+                  <a:t>Reaktionsweg = </a:t>
+                </a:r>
+                <a14:m>
+                  <m:oMath xmlns:m="http://schemas.openxmlformats.org/officeDocument/2006/math">
+                    <m:f>
+                      <m:fPr>
+                        <m:ctrlPr>
+                          <a:rPr lang="de-CH" b="0" i="1" smtClean="0">
+                            <a:latin typeface="Cambria Math" panose="02040503050406030204" pitchFamily="18" charset="0"/>
+                          </a:rPr>
+                        </m:ctrlPr>
+                      </m:fPr>
+                      <m:num>
+                        <m:r>
+                          <a:rPr lang="de-CH" b="0" i="1" smtClean="0">
+                            <a:latin typeface="Cambria Math" panose="02040503050406030204" pitchFamily="18" charset="0"/>
+                          </a:rPr>
+                          <m:t>𝐺𝑒𝑠𝑐h𝑤𝑖𝑛𝑑𝑖𝑔𝑘𝑒𝑖𝑡𝐴𝑢𝑡𝑜</m:t>
+                        </m:r>
+                      </m:num>
+                      <m:den>
+                        <m:r>
+                          <a:rPr lang="de-CH" b="0" i="1" smtClean="0">
+                            <a:latin typeface="Cambria Math" panose="02040503050406030204" pitchFamily="18" charset="0"/>
+                          </a:rPr>
+                          <m:t>10</m:t>
+                        </m:r>
+                      </m:den>
+                    </m:f>
+                    <m:r>
+                      <a:rPr lang="de-CH" b="0" i="1" smtClean="0">
+                        <a:latin typeface="Cambria Math" panose="02040503050406030204" pitchFamily="18" charset="0"/>
+                      </a:rPr>
+                      <m:t>∗3</m:t>
+                    </m:r>
+                  </m:oMath>
+                </a14:m>
+                <a:endParaRPr lang="de-CH" dirty="0"/>
+              </a:p>
+              <a:p>
+                <a:pPr marL="675166" lvl="1" indent="-342900">
+                  <a:buFont typeface="Arial" panose="020B0604020202020204" pitchFamily="34" charset="0"/>
+                  <a:buChar char="•"/>
+                </a:pPr>
+                <a:r>
+                  <a:rPr lang="de-CH" dirty="0"/>
+                  <a:t>Autolänge 4,4 Meter</a:t>
+                </a:r>
+              </a:p>
+              <a:p>
+                <a:pPr marL="675166" lvl="1" indent="-342900">
+                  <a:buFont typeface="Arial" panose="020B0604020202020204" pitchFamily="34" charset="0"/>
+                  <a:buChar char="•"/>
+                </a:pPr>
+                <a:r>
+                  <a:rPr lang="de-CH" dirty="0"/>
+                  <a:t>Gefahrenzone = 40,4 Meter</a:t>
+                </a:r>
+              </a:p>
+              <a:p>
+                <a:pPr lvl="2"/>
+                <a:endParaRPr lang="de-CH" i="1" dirty="0">
+                  <a:latin typeface="Cambria Math" panose="02040503050406030204" pitchFamily="18" charset="0"/>
+                </a:endParaRPr>
+              </a:p>
+              <a:p>
+                <a:endParaRPr lang="de-CH" dirty="0"/>
+              </a:p>
+              <a:p>
+                <a:pPr marL="457200" lvl="1" indent="0">
+                  <a:buNone/>
+                </a:pPr>
+                <a:endParaRPr lang="de-CH" dirty="0"/>
+              </a:p>
+            </p:txBody>
+          </p:sp>
+        </mc:Choice>
+        <mc:Fallback>
+          <p:sp>
+            <p:nvSpPr>
+              <p:cNvPr id="7" name="Inhaltsplatzhalter 2">
+                <a:extLst>
+                  <a:ext uri="{FF2B5EF4-FFF2-40B4-BE49-F238E27FC236}">
+                    <a16:creationId xmlns:a16="http://schemas.microsoft.com/office/drawing/2014/main" id="{0CD48D1D-38D0-4FFB-BF50-6438E8B3C3DC}"/>
+                  </a:ext>
+                </a:extLst>
+              </p:cNvPr>
+              <p:cNvSpPr>
+                <a:spLocks noGrp="1" noRot="1" noChangeAspect="1" noMove="1" noResize="1" noEditPoints="1" noAdjustHandles="1" noChangeArrowheads="1" noChangeShapeType="1" noTextEdit="1"/>
+              </p:cNvSpPr>
+              <p:nvPr>
+                <p:ph type="body" idx="1"/>
+              </p:nvPr>
+            </p:nvSpPr>
+            <p:spPr>
+              <a:xfrm>
+                <a:off x="695325" y="2197100"/>
+                <a:ext cx="8688388" cy="4464050"/>
+              </a:xfrm>
+              <a:blipFill>
+                <a:blip r:embed="rId3"/>
+                <a:stretch>
+                  <a:fillRect l="-1544" t="-1228"/>
+                </a:stretch>
+              </a:blipFill>
+            </p:spPr>
+            <p:txBody>
+              <a:bodyPr/>
+              <a:lstStyle/>
+              <a:p>
+                <a:r>
+                  <a:rPr lang="de-CH">
+                    <a:noFill/>
+                  </a:rPr>
+                  <a:t> </a:t>
+                </a:r>
+              </a:p>
+            </p:txBody>
+          </p:sp>
+        </mc:Fallback>
+      </mc:AlternateContent>
+    </p:spTree>
+    <p:extLst>
+      <p:ext uri="{BB962C8B-B14F-4D97-AF65-F5344CB8AC3E}">
+        <p14:creationId xmlns:p14="http://schemas.microsoft.com/office/powerpoint/2010/main" val="3621980955"/>
+      </p:ext>
+    </p:extLst>
+  </p:cSld>
+  <p:clrMapOvr>
+    <a:masterClrMapping/>
+  </p:clrMapOvr>
+</p:sld>
+</file>
+
+<file path=ppt/slides/slide12.xml><?xml version="1.0" encoding="utf-8"?>
+<p:sld xmlns:a="http://schemas.openxmlformats.org/drawingml/2006/main" xmlns:r="http://schemas.openxmlformats.org/officeDocument/2006/relationships" xmlns:p="http://schemas.openxmlformats.org/presentationml/2006/main">
+  <p:cSld>
+    <p:spTree>
+      <p:nvGrpSpPr>
+        <p:cNvPr id="1" name=""/>
+        <p:cNvGrpSpPr/>
+        <p:nvPr/>
+      </p:nvGrpSpPr>
+      <p:grpSpPr>
+        <a:xfrm>
+          <a:off x="0" y="0"/>
+          <a:ext cx="0" cy="0"/>
+          <a:chOff x="0" y="0"/>
+          <a:chExt cx="0" cy="0"/>
+        </a:xfrm>
+      </p:grpSpPr>
+      <p:sp>
+        <p:nvSpPr>
+          <p:cNvPr id="2" name="Datumsplatzhalter 1">
+            <a:extLst>
+              <a:ext uri="{FF2B5EF4-FFF2-40B4-BE49-F238E27FC236}">
+                <a16:creationId xmlns:a16="http://schemas.microsoft.com/office/drawing/2014/main" id="{3A591CBE-3E64-4DB8-B8B5-279EF34DDF78}"/>
+              </a:ext>
+            </a:extLst>
+          </p:cNvPr>
+          <p:cNvSpPr>
+            <a:spLocks noGrp="1"/>
+          </p:cNvSpPr>
+          <p:nvPr>
+            <p:ph type="dt" sz="half" idx="10"/>
+          </p:nvPr>
+        </p:nvSpPr>
+        <p:spPr/>
+        <p:txBody>
+          <a:bodyPr/>
+          <a:lstStyle/>
+          <a:p>
+            <a:fld id="{5E48492E-72D1-4785-9351-8AE1E40FBA2D}" type="datetime1">
+              <a:rPr lang="de-CH" smtClean="0">
+                <a:solidFill>
+                  <a:srgbClr val="000000"/>
+                </a:solidFill>
+              </a:rPr>
+              <a:t>20.01.2022</a:t>
+            </a:fld>
+            <a:endParaRPr lang="de-CH">
+              <a:solidFill>
+                <a:srgbClr val="000000"/>
+              </a:solidFill>
+            </a:endParaRPr>
+          </a:p>
+        </p:txBody>
+      </p:sp>
+      <p:sp>
+        <p:nvSpPr>
+          <p:cNvPr id="3" name="Fußzeilenplatzhalter 2">
+            <a:extLst>
+              <a:ext uri="{FF2B5EF4-FFF2-40B4-BE49-F238E27FC236}">
+                <a16:creationId xmlns:a16="http://schemas.microsoft.com/office/drawing/2014/main" id="{6032F96D-FE39-4996-8EC5-781C24DC1F1C}"/>
+              </a:ext>
+            </a:extLst>
+          </p:cNvPr>
+          <p:cNvSpPr>
+            <a:spLocks noGrp="1"/>
+          </p:cNvSpPr>
+          <p:nvPr>
+            <p:ph type="ftr" sz="quarter" idx="11"/>
+          </p:nvPr>
+        </p:nvSpPr>
+        <p:spPr/>
+        <p:txBody>
+          <a:bodyPr/>
+          <a:lstStyle/>
+          <a:p>
+            <a:r>
+              <a:rPr lang="en-CH">
+                <a:solidFill>
+                  <a:srgbClr val="000000"/>
+                </a:solidFill>
+              </a:rPr>
+              <a:t>Hochschule für Technik</a:t>
+            </a:r>
+            <a:endParaRPr lang="de-CH" dirty="0">
+              <a:solidFill>
+                <a:srgbClr val="000000"/>
+              </a:solidFill>
+            </a:endParaRPr>
+          </a:p>
+        </p:txBody>
+      </p:sp>
+      <p:sp>
+        <p:nvSpPr>
+          <p:cNvPr id="4" name="Foliennummernplatzhalter 3">
+            <a:extLst>
+              <a:ext uri="{FF2B5EF4-FFF2-40B4-BE49-F238E27FC236}">
+                <a16:creationId xmlns:a16="http://schemas.microsoft.com/office/drawing/2014/main" id="{4149FF10-BA8F-4CEA-98DD-94C5A96E6AC7}"/>
+              </a:ext>
+            </a:extLst>
+          </p:cNvPr>
+          <p:cNvSpPr>
+            <a:spLocks noGrp="1"/>
+          </p:cNvSpPr>
+          <p:nvPr>
+            <p:ph type="sldNum" sz="quarter" idx="12"/>
+          </p:nvPr>
+        </p:nvSpPr>
+        <p:spPr/>
+        <p:txBody>
+          <a:bodyPr/>
+          <a:lstStyle/>
+          <a:p>
+            <a:fld id="{351188DD-6605-4EF4-9E67-B567F731CE68}" type="slidenum">
+              <a:rPr lang="de-CH" smtClean="0">
+                <a:solidFill>
+                  <a:srgbClr val="000000"/>
+                </a:solidFill>
+              </a:rPr>
+              <a:pPr/>
+              <a:t>12</a:t>
+            </a:fld>
+            <a:endParaRPr lang="de-CH">
+              <a:solidFill>
+                <a:srgbClr val="000000"/>
+              </a:solidFill>
+            </a:endParaRPr>
+          </a:p>
+        </p:txBody>
+      </p:sp>
+      <p:sp>
+        <p:nvSpPr>
+          <p:cNvPr id="5" name="Titel 4">
+            <a:extLst>
+              <a:ext uri="{FF2B5EF4-FFF2-40B4-BE49-F238E27FC236}">
+                <a16:creationId xmlns:a16="http://schemas.microsoft.com/office/drawing/2014/main" id="{9AE2DA5F-29A2-4DF3-BA2D-FE1A5F3F2ECF}"/>
+              </a:ext>
+            </a:extLst>
+          </p:cNvPr>
+          <p:cNvSpPr>
+            <a:spLocks noGrp="1"/>
+          </p:cNvSpPr>
+          <p:nvPr>
+            <p:ph type="title"/>
+          </p:nvPr>
+        </p:nvSpPr>
+        <p:spPr/>
+        <p:txBody>
+          <a:bodyPr/>
+          <a:lstStyle/>
+          <a:p>
+            <a:r>
+              <a:rPr lang="de-CH" dirty="0"/>
+              <a:t>Verknüpfung der weiteren Wahrscheinlichkeiten</a:t>
+            </a:r>
+          </a:p>
+        </p:txBody>
+      </p:sp>
+      <mc:AlternateContent xmlns:mc="http://schemas.openxmlformats.org/markup-compatibility/2006">
+        <mc:Choice xmlns:a14="http://schemas.microsoft.com/office/drawing/2010/main" Requires="a14">
+          <p:sp>
+            <p:nvSpPr>
+              <p:cNvPr id="8" name="Inhaltsplatzhalter 2">
+                <a:extLst>
+                  <a:ext uri="{FF2B5EF4-FFF2-40B4-BE49-F238E27FC236}">
+                    <a16:creationId xmlns:a16="http://schemas.microsoft.com/office/drawing/2014/main" id="{6E2DC5EC-119F-4A98-92DF-AA0212D57A63}"/>
+                  </a:ext>
+                </a:extLst>
+              </p:cNvPr>
+              <p:cNvSpPr>
+                <a:spLocks noGrp="1"/>
+              </p:cNvSpPr>
+              <p:nvPr>
+                <p:ph type="body" idx="1"/>
+              </p:nvPr>
+            </p:nvSpPr>
+            <p:spPr>
+              <a:xfrm>
+                <a:off x="695325" y="2197100"/>
+                <a:ext cx="8688388" cy="4464050"/>
+              </a:xfrm>
+            </p:spPr>
+            <p:txBody>
+              <a:bodyPr/>
+              <a:lstStyle/>
+              <a:p>
+                <a:pPr marL="342900" indent="-342900">
+                  <a:buFont typeface="Arial" panose="020B0604020202020204" pitchFamily="34" charset="0"/>
+                  <a:buChar char="•"/>
+                </a:pPr>
+                <a:r>
+                  <a:rPr lang="de-CH" dirty="0"/>
+                  <a:t>Berechnung Wahrscheinlichkeit, dass Auto in der Gefahrenzone ist pro Tag</a:t>
+                </a:r>
+              </a:p>
+              <a:p>
+                <a:pPr marL="675166" lvl="1" indent="-342900">
+                  <a:buFont typeface="Arial" panose="020B0604020202020204" pitchFamily="34" charset="0"/>
+                  <a:buChar char="•"/>
+                </a:pPr>
+                <a14:m>
+                  <m:oMath xmlns:m="http://schemas.openxmlformats.org/officeDocument/2006/math">
+                    <m:f>
+                      <m:fPr>
+                        <m:ctrlPr>
+                          <a:rPr lang="de-CH" i="1" smtClean="0">
+                            <a:latin typeface="Cambria Math" panose="02040503050406030204" pitchFamily="18" charset="0"/>
+                          </a:rPr>
+                        </m:ctrlPr>
+                      </m:fPr>
+                      <m:num>
+                        <m:r>
+                          <a:rPr lang="de-CH" i="1">
+                            <a:latin typeface="Cambria Math" panose="02040503050406030204" pitchFamily="18" charset="0"/>
+                          </a:rPr>
+                          <m:t>𝐺𝑒𝑓𝑎h𝑟𝑒𝑛𝑧𝑜𝑛𝑒</m:t>
+                        </m:r>
+                      </m:num>
+                      <m:den>
+                        <m:r>
+                          <a:rPr lang="de-CH" i="1">
+                            <a:latin typeface="Cambria Math" panose="02040503050406030204" pitchFamily="18" charset="0"/>
+                          </a:rPr>
+                          <m:t>𝐺𝑒𝑠𝑐h𝑤𝑖𝑛𝑑𝑖𝑔𝑘𝑒𝑖𝑡</m:t>
+                        </m:r>
+                        <m:r>
+                          <a:rPr lang="de-CH" i="1">
+                            <a:latin typeface="Cambria Math" panose="02040503050406030204" pitchFamily="18" charset="0"/>
+                          </a:rPr>
+                          <m:t> </m:t>
+                        </m:r>
+                        <m:r>
+                          <a:rPr lang="de-CH" i="1">
+                            <a:latin typeface="Cambria Math" panose="02040503050406030204" pitchFamily="18" charset="0"/>
+                          </a:rPr>
+                          <m:t>𝐴𝑢𝑡𝑜</m:t>
+                        </m:r>
+                        <m:r>
+                          <a:rPr lang="de-CH" i="1">
+                            <a:latin typeface="Cambria Math" panose="02040503050406030204" pitchFamily="18" charset="0"/>
+                          </a:rPr>
+                          <m:t> </m:t>
+                        </m:r>
+                        <m:r>
+                          <a:rPr lang="de-CH" i="1">
+                            <a:latin typeface="Cambria Math" panose="02040503050406030204" pitchFamily="18" charset="0"/>
+                          </a:rPr>
+                          <m:t>𝑖𝑛</m:t>
+                        </m:r>
+                        <m:f>
+                          <m:fPr>
+                            <m:ctrlPr>
+                              <a:rPr lang="de-CH" i="1">
+                                <a:latin typeface="Cambria Math" panose="02040503050406030204" pitchFamily="18" charset="0"/>
+                              </a:rPr>
+                            </m:ctrlPr>
+                          </m:fPr>
+                          <m:num>
+                            <m:r>
+                              <a:rPr lang="de-CH" i="1">
+                                <a:latin typeface="Cambria Math" panose="02040503050406030204" pitchFamily="18" charset="0"/>
+                              </a:rPr>
+                              <m:t>𝑚</m:t>
+                            </m:r>
+                          </m:num>
+                          <m:den>
+                            <m:r>
+                              <a:rPr lang="de-CH" i="1">
+                                <a:latin typeface="Cambria Math" panose="02040503050406030204" pitchFamily="18" charset="0"/>
+                              </a:rPr>
+                              <m:t>𝑠</m:t>
+                            </m:r>
+                          </m:den>
+                        </m:f>
+                      </m:den>
+                    </m:f>
+                    <m:r>
+                      <a:rPr lang="de-CH" b="0" i="1" smtClean="0">
+                        <a:latin typeface="Cambria Math" panose="02040503050406030204" pitchFamily="18" charset="0"/>
+                      </a:rPr>
+                      <m:t>/(60∗60)</m:t>
+                    </m:r>
+                  </m:oMath>
+                </a14:m>
+                <a:r>
+                  <a:rPr lang="de-CH" i="1" dirty="0">
+                    <a:latin typeface="Cambria Math" panose="02040503050406030204" pitchFamily="18" charset="0"/>
+                  </a:rPr>
+                  <a:t> </a:t>
+                </a:r>
+                <a:r>
+                  <a:rPr lang="de-CH" dirty="0"/>
+                  <a:t>= 0,000673</a:t>
+                </a:r>
+                <a:endParaRPr lang="de-CH" sz="2800" dirty="0"/>
+              </a:p>
+              <a:p>
+                <a:pPr marL="457200" indent="-457200">
+                  <a:buFont typeface="Arial" panose="020B0604020202020204" pitchFamily="34" charset="0"/>
+                  <a:buChar char="•"/>
+                </a:pPr>
+                <a:r>
+                  <a:rPr lang="de-CH" dirty="0"/>
+                  <a:t>4 / 14 Personen verunfallen tödlich auf Hauptstrassen im Zusammenhang mit einem Steinschlag</a:t>
+                </a:r>
+              </a:p>
+              <a:p>
+                <a:pPr marL="342900" indent="-342900">
+                  <a:buFont typeface="Arial" panose="020B0604020202020204" pitchFamily="34" charset="0"/>
+                  <a:buChar char="•"/>
+                </a:pPr>
+                <a:r>
+                  <a:rPr lang="de-CH" dirty="0"/>
+                  <a:t>1,66 Durchschnittspassagiere pro Fahrzeug</a:t>
+                </a:r>
+              </a:p>
+            </p:txBody>
+          </p:sp>
+        </mc:Choice>
+        <mc:Fallback>
+          <p:sp>
+            <p:nvSpPr>
+              <p:cNvPr id="8" name="Inhaltsplatzhalter 2">
+                <a:extLst>
+                  <a:ext uri="{FF2B5EF4-FFF2-40B4-BE49-F238E27FC236}">
+                    <a16:creationId xmlns:a16="http://schemas.microsoft.com/office/drawing/2014/main" id="{6E2DC5EC-119F-4A98-92DF-AA0212D57A63}"/>
+                  </a:ext>
+                </a:extLst>
+              </p:cNvPr>
+              <p:cNvSpPr>
+                <a:spLocks noGrp="1" noRot="1" noChangeAspect="1" noMove="1" noResize="1" noEditPoints="1" noAdjustHandles="1" noChangeArrowheads="1" noChangeShapeType="1" noTextEdit="1"/>
+              </p:cNvSpPr>
+              <p:nvPr>
+                <p:ph type="body" idx="1"/>
+              </p:nvPr>
+            </p:nvSpPr>
+            <p:spPr>
+              <a:xfrm>
+                <a:off x="695325" y="2197100"/>
+                <a:ext cx="8688388" cy="4464050"/>
+              </a:xfrm>
+              <a:blipFill>
+                <a:blip r:embed="rId2"/>
+                <a:stretch>
+                  <a:fillRect l="-1544" t="-1228" r="-2246"/>
+                </a:stretch>
+              </a:blipFill>
+            </p:spPr>
+            <p:txBody>
+              <a:bodyPr/>
+              <a:lstStyle/>
+              <a:p>
+                <a:r>
+                  <a:rPr lang="de-CH">
+                    <a:noFill/>
+                  </a:rPr>
+                  <a:t> </a:t>
+                </a:r>
+              </a:p>
+            </p:txBody>
+          </p:sp>
+        </mc:Fallback>
+      </mc:AlternateContent>
+    </p:spTree>
+    <p:extLst>
+      <p:ext uri="{BB962C8B-B14F-4D97-AF65-F5344CB8AC3E}">
+        <p14:creationId xmlns:p14="http://schemas.microsoft.com/office/powerpoint/2010/main" val="214584328"/>
+      </p:ext>
+    </p:extLst>
+  </p:cSld>
+  <p:clrMapOvr>
+    <a:masterClrMapping/>
+  </p:clrMapOvr>
+</p:sld>
+</file>
+
+<file path=ppt/slides/slide13.xml><?xml version="1.0" encoding="utf-8"?>
+<p:sld xmlns:a="http://schemas.openxmlformats.org/drawingml/2006/main" xmlns:r="http://schemas.openxmlformats.org/officeDocument/2006/relationships" xmlns:p="http://schemas.openxmlformats.org/presentationml/2006/main">
+  <p:cSld>
+    <p:spTree>
+      <p:nvGrpSpPr>
+        <p:cNvPr id="1" name=""/>
+        <p:cNvGrpSpPr/>
+        <p:nvPr/>
+      </p:nvGrpSpPr>
+      <p:grpSpPr>
+        <a:xfrm>
+          <a:off x="0" y="0"/>
+          <a:ext cx="0" cy="0"/>
+          <a:chOff x="0" y="0"/>
+          <a:chExt cx="0" cy="0"/>
+        </a:xfrm>
+      </p:grpSpPr>
+      <p:sp>
+        <p:nvSpPr>
+          <p:cNvPr id="2" name="Datumsplatzhalter 1">
+            <a:extLst>
+              <a:ext uri="{FF2B5EF4-FFF2-40B4-BE49-F238E27FC236}">
+                <a16:creationId xmlns:a16="http://schemas.microsoft.com/office/drawing/2014/main" id="{80923DC8-1CA3-4ACA-9999-73B5056CF96A}"/>
+              </a:ext>
+            </a:extLst>
+          </p:cNvPr>
+          <p:cNvSpPr>
+            <a:spLocks noGrp="1"/>
+          </p:cNvSpPr>
+          <p:nvPr>
+            <p:ph type="dt" sz="half" idx="10"/>
+          </p:nvPr>
+        </p:nvSpPr>
+        <p:spPr/>
+        <p:txBody>
+          <a:bodyPr/>
+          <a:lstStyle/>
+          <a:p>
+            <a:fld id="{5E48492E-72D1-4785-9351-8AE1E40FBA2D}" type="datetime1">
+              <a:rPr lang="de-CH" smtClean="0">
+                <a:solidFill>
+                  <a:srgbClr val="000000"/>
+                </a:solidFill>
+              </a:rPr>
+              <a:t>20.01.2022</a:t>
+            </a:fld>
+            <a:endParaRPr lang="de-CH">
+              <a:solidFill>
+                <a:srgbClr val="000000"/>
+              </a:solidFill>
+            </a:endParaRPr>
+          </a:p>
+        </p:txBody>
+      </p:sp>
+      <p:sp>
+        <p:nvSpPr>
+          <p:cNvPr id="3" name="Fußzeilenplatzhalter 2">
+            <a:extLst>
+              <a:ext uri="{FF2B5EF4-FFF2-40B4-BE49-F238E27FC236}">
+                <a16:creationId xmlns:a16="http://schemas.microsoft.com/office/drawing/2014/main" id="{8AB3D608-E05F-4552-9E2D-8F6075ACA14F}"/>
+              </a:ext>
+            </a:extLst>
+          </p:cNvPr>
+          <p:cNvSpPr>
+            <a:spLocks noGrp="1"/>
+          </p:cNvSpPr>
+          <p:nvPr>
+            <p:ph type="ftr" sz="quarter" idx="11"/>
+          </p:nvPr>
+        </p:nvSpPr>
+        <p:spPr/>
+        <p:txBody>
+          <a:bodyPr/>
+          <a:lstStyle/>
+          <a:p>
+            <a:r>
+              <a:rPr lang="en-CH">
+                <a:solidFill>
+                  <a:srgbClr val="000000"/>
+                </a:solidFill>
+              </a:rPr>
+              <a:t>Hochschule für Technik</a:t>
+            </a:r>
+            <a:endParaRPr lang="de-CH" dirty="0">
+              <a:solidFill>
+                <a:srgbClr val="000000"/>
+              </a:solidFill>
+            </a:endParaRPr>
+          </a:p>
+        </p:txBody>
+      </p:sp>
+      <p:sp>
+        <p:nvSpPr>
+          <p:cNvPr id="4" name="Foliennummernplatzhalter 3">
+            <a:extLst>
+              <a:ext uri="{FF2B5EF4-FFF2-40B4-BE49-F238E27FC236}">
+                <a16:creationId xmlns:a16="http://schemas.microsoft.com/office/drawing/2014/main" id="{E57FDD3B-ED63-4B5E-9625-5DD923EFA2E3}"/>
+              </a:ext>
+            </a:extLst>
+          </p:cNvPr>
+          <p:cNvSpPr>
+            <a:spLocks noGrp="1"/>
+          </p:cNvSpPr>
+          <p:nvPr>
+            <p:ph type="sldNum" sz="quarter" idx="12"/>
+          </p:nvPr>
+        </p:nvSpPr>
+        <p:spPr/>
+        <p:txBody>
+          <a:bodyPr/>
+          <a:lstStyle/>
+          <a:p>
+            <a:fld id="{351188DD-6605-4EF4-9E67-B567F731CE68}" type="slidenum">
+              <a:rPr lang="de-CH" smtClean="0">
+                <a:solidFill>
+                  <a:srgbClr val="000000"/>
+                </a:solidFill>
+              </a:rPr>
+              <a:pPr/>
+              <a:t>13</a:t>
+            </a:fld>
+            <a:endParaRPr lang="de-CH">
+              <a:solidFill>
+                <a:srgbClr val="000000"/>
+              </a:solidFill>
+            </a:endParaRPr>
+          </a:p>
+        </p:txBody>
+      </p:sp>
+      <p:sp>
+        <p:nvSpPr>
+          <p:cNvPr id="5" name="Titel 4">
+            <a:extLst>
+              <a:ext uri="{FF2B5EF4-FFF2-40B4-BE49-F238E27FC236}">
+                <a16:creationId xmlns:a16="http://schemas.microsoft.com/office/drawing/2014/main" id="{8F9588C1-2125-44B5-AE4C-CBF89679F9F6}"/>
+              </a:ext>
+            </a:extLst>
+          </p:cNvPr>
+          <p:cNvSpPr>
+            <a:spLocks noGrp="1"/>
+          </p:cNvSpPr>
+          <p:nvPr>
+            <p:ph type="title"/>
+          </p:nvPr>
+        </p:nvSpPr>
+        <p:spPr/>
+        <p:txBody>
+          <a:bodyPr/>
+          <a:lstStyle/>
+          <a:p>
+            <a:r>
+              <a:rPr lang="de-CH" dirty="0"/>
+              <a:t>Verknüpfung der Wahrscheinlichkeiten</a:t>
+            </a:r>
+          </a:p>
+        </p:txBody>
+      </p:sp>
+      <p:sp>
+        <p:nvSpPr>
+          <p:cNvPr id="6" name="Textplatzhalter 5">
+            <a:extLst>
+              <a:ext uri="{FF2B5EF4-FFF2-40B4-BE49-F238E27FC236}">
+                <a16:creationId xmlns:a16="http://schemas.microsoft.com/office/drawing/2014/main" id="{127E5DDD-260E-49FC-AD92-7627DD5488EF}"/>
+              </a:ext>
+            </a:extLst>
+          </p:cNvPr>
+          <p:cNvSpPr>
+            <a:spLocks noGrp="1"/>
+          </p:cNvSpPr>
+          <p:nvPr>
+            <p:ph type="body" idx="1"/>
+          </p:nvPr>
+        </p:nvSpPr>
+        <p:spPr/>
+        <p:txBody>
+          <a:bodyPr/>
+          <a:lstStyle/>
+          <a:p>
+            <a:pPr marL="342900" indent="-342900">
+              <a:buFont typeface="Arial" panose="020B0604020202020204" pitchFamily="34" charset="0"/>
+              <a:buChar char="•"/>
+            </a:pPr>
+            <a:r>
+              <a:rPr lang="de-CH" dirty="0"/>
+              <a:t>Todesfallwahrscheinlichkeit</a:t>
+            </a:r>
+          </a:p>
+          <a:p>
+            <a:pPr marL="675166" lvl="1" indent="-342900">
+              <a:buFont typeface="Arial" panose="020B0604020202020204" pitchFamily="34" charset="0"/>
+              <a:buChar char="•"/>
+            </a:pPr>
+            <a:r>
+              <a:rPr lang="de-CH" dirty="0"/>
+              <a:t>Resultat: 0.00017</a:t>
+            </a:r>
+          </a:p>
+          <a:p>
+            <a:pPr marL="342900" indent="-342900">
+              <a:buFont typeface="Arial" panose="020B0604020202020204" pitchFamily="34" charset="0"/>
+              <a:buChar char="•"/>
+            </a:pPr>
+            <a:r>
+              <a:rPr lang="de-CH" dirty="0"/>
+              <a:t>Grenzwert von 0.0001 überschritten?</a:t>
+            </a:r>
+          </a:p>
+          <a:p>
+            <a:pPr marL="675166" lvl="1" indent="-342900">
+              <a:buFont typeface="Arial" panose="020B0604020202020204" pitchFamily="34" charset="0"/>
+              <a:buChar char="•"/>
+            </a:pPr>
+            <a:r>
+              <a:rPr lang="de-CH" dirty="0"/>
+              <a:t>Ja: Strasse muss geschlossen werden</a:t>
+            </a:r>
+          </a:p>
+          <a:p>
+            <a:endParaRPr lang="de-CH" dirty="0"/>
+          </a:p>
+        </p:txBody>
+      </p:sp>
+    </p:spTree>
+    <p:extLst>
+      <p:ext uri="{BB962C8B-B14F-4D97-AF65-F5344CB8AC3E}">
+        <p14:creationId xmlns:p14="http://schemas.microsoft.com/office/powerpoint/2010/main" val="3178716001"/>
+      </p:ext>
+    </p:extLst>
+  </p:cSld>
+  <p:clrMapOvr>
+    <a:masterClrMapping/>
+  </p:clrMapOvr>
+</p:sld>
+</file>
+
+<file path=ppt/slides/slide14.xml><?xml version="1.0" encoding="utf-8"?>
+<p:sld xmlns:a="http://schemas.openxmlformats.org/drawingml/2006/main" xmlns:r="http://schemas.openxmlformats.org/officeDocument/2006/relationships" xmlns:p="http://schemas.openxmlformats.org/presentationml/2006/main">
+  <p:cSld>
+    <p:spTree>
+      <p:nvGrpSpPr>
+        <p:cNvPr id="1" name=""/>
+        <p:cNvGrpSpPr/>
+        <p:nvPr/>
+      </p:nvGrpSpPr>
+      <p:grpSpPr>
+        <a:xfrm>
+          <a:off x="0" y="0"/>
+          <a:ext cx="0" cy="0"/>
+          <a:chOff x="0" y="0"/>
+          <a:chExt cx="0" cy="0"/>
+        </a:xfrm>
+      </p:grpSpPr>
+      <p:sp>
+        <p:nvSpPr>
+          <p:cNvPr id="2" name="Datumsplatzhalter 1">
+            <a:extLst>
+              <a:ext uri="{FF2B5EF4-FFF2-40B4-BE49-F238E27FC236}">
+                <a16:creationId xmlns:a16="http://schemas.microsoft.com/office/drawing/2014/main" id="{6D7241AD-02BA-45CC-B1B4-0231B5A5E422}"/>
+              </a:ext>
+            </a:extLst>
+          </p:cNvPr>
+          <p:cNvSpPr>
+            <a:spLocks noGrp="1"/>
+          </p:cNvSpPr>
+          <p:nvPr>
+            <p:ph type="dt" sz="half" idx="10"/>
+          </p:nvPr>
+        </p:nvSpPr>
+        <p:spPr/>
+        <p:txBody>
+          <a:bodyPr/>
+          <a:lstStyle/>
+          <a:p>
+            <a:fld id="{5E48492E-72D1-4785-9351-8AE1E40FBA2D}" type="datetime1">
+              <a:rPr lang="de-CH" smtClean="0">
+                <a:solidFill>
+                  <a:srgbClr val="000000"/>
+                </a:solidFill>
+              </a:rPr>
+              <a:t>20.01.2022</a:t>
+            </a:fld>
+            <a:endParaRPr lang="de-CH">
+              <a:solidFill>
+                <a:srgbClr val="000000"/>
+              </a:solidFill>
+            </a:endParaRPr>
+          </a:p>
+        </p:txBody>
+      </p:sp>
+      <p:sp>
+        <p:nvSpPr>
+          <p:cNvPr id="3" name="Fußzeilenplatzhalter 2">
+            <a:extLst>
+              <a:ext uri="{FF2B5EF4-FFF2-40B4-BE49-F238E27FC236}">
+                <a16:creationId xmlns:a16="http://schemas.microsoft.com/office/drawing/2014/main" id="{9900BEB6-FFE5-4A75-8858-FDE2CC3E6D24}"/>
+              </a:ext>
+            </a:extLst>
+          </p:cNvPr>
+          <p:cNvSpPr>
+            <a:spLocks noGrp="1"/>
+          </p:cNvSpPr>
+          <p:nvPr>
+            <p:ph type="ftr" sz="quarter" idx="11"/>
+          </p:nvPr>
+        </p:nvSpPr>
+        <p:spPr/>
+        <p:txBody>
+          <a:bodyPr/>
+          <a:lstStyle/>
+          <a:p>
+            <a:r>
+              <a:rPr lang="en-CH">
+                <a:solidFill>
+                  <a:srgbClr val="000000"/>
+                </a:solidFill>
+              </a:rPr>
+              <a:t>Hochschule für Technik</a:t>
+            </a:r>
+            <a:endParaRPr lang="de-CH" dirty="0">
+              <a:solidFill>
+                <a:srgbClr val="000000"/>
+              </a:solidFill>
+            </a:endParaRPr>
+          </a:p>
+        </p:txBody>
+      </p:sp>
+      <p:sp>
+        <p:nvSpPr>
+          <p:cNvPr id="4" name="Foliennummernplatzhalter 3">
+            <a:extLst>
+              <a:ext uri="{FF2B5EF4-FFF2-40B4-BE49-F238E27FC236}">
+                <a16:creationId xmlns:a16="http://schemas.microsoft.com/office/drawing/2014/main" id="{82B68E6F-36A4-4E75-AB44-F1E14D80EEB0}"/>
+              </a:ext>
+            </a:extLst>
+          </p:cNvPr>
+          <p:cNvSpPr>
+            <a:spLocks noGrp="1"/>
+          </p:cNvSpPr>
+          <p:nvPr>
+            <p:ph type="sldNum" sz="quarter" idx="12"/>
+          </p:nvPr>
+        </p:nvSpPr>
+        <p:spPr/>
+        <p:txBody>
+          <a:bodyPr/>
+          <a:lstStyle/>
+          <a:p>
+            <a:fld id="{351188DD-6605-4EF4-9E67-B567F731CE68}" type="slidenum">
+              <a:rPr lang="de-CH" smtClean="0">
+                <a:solidFill>
+                  <a:srgbClr val="000000"/>
+                </a:solidFill>
+              </a:rPr>
+              <a:pPr/>
+              <a:t>14</a:t>
+            </a:fld>
+            <a:endParaRPr lang="de-CH">
+              <a:solidFill>
+                <a:srgbClr val="000000"/>
+              </a:solidFill>
+            </a:endParaRPr>
+          </a:p>
+        </p:txBody>
+      </p:sp>
+      <p:sp>
+        <p:nvSpPr>
+          <p:cNvPr id="5" name="Titel 4">
+            <a:extLst>
+              <a:ext uri="{FF2B5EF4-FFF2-40B4-BE49-F238E27FC236}">
+                <a16:creationId xmlns:a16="http://schemas.microsoft.com/office/drawing/2014/main" id="{164E7747-9687-4C9E-89A8-A2CAB2EE4493}"/>
+              </a:ext>
+            </a:extLst>
+          </p:cNvPr>
+          <p:cNvSpPr>
+            <a:spLocks noGrp="1"/>
+          </p:cNvSpPr>
+          <p:nvPr>
+            <p:ph type="title"/>
+          </p:nvPr>
+        </p:nvSpPr>
+        <p:spPr/>
+        <p:txBody>
+          <a:bodyPr/>
+          <a:lstStyle/>
+          <a:p>
+            <a:r>
+              <a:rPr lang="de-CH" dirty="0"/>
+              <a:t>Robustheit prüfen</a:t>
+            </a:r>
+          </a:p>
+        </p:txBody>
+      </p:sp>
+      <p:sp>
+        <p:nvSpPr>
+          <p:cNvPr id="6" name="Textplatzhalter 5">
+            <a:extLst>
+              <a:ext uri="{FF2B5EF4-FFF2-40B4-BE49-F238E27FC236}">
+                <a16:creationId xmlns:a16="http://schemas.microsoft.com/office/drawing/2014/main" id="{A7691413-8C09-4A88-9444-6DFFA572C80C}"/>
+              </a:ext>
+            </a:extLst>
+          </p:cNvPr>
+          <p:cNvSpPr>
+            <a:spLocks noGrp="1"/>
+          </p:cNvSpPr>
+          <p:nvPr>
+            <p:ph type="body" idx="1"/>
+          </p:nvPr>
+        </p:nvSpPr>
+        <p:spPr/>
+        <p:txBody>
+          <a:bodyPr/>
+          <a:lstStyle/>
+          <a:p>
+            <a:pPr marL="342900" indent="-342900">
+              <a:buFont typeface="Arial" panose="020B0604020202020204" pitchFamily="34" charset="0"/>
+              <a:buChar char="•"/>
+            </a:pPr>
+            <a:r>
+              <a:rPr lang="de-CH" dirty="0"/>
+              <a:t>Zuverlässigkeit unseres Modells</a:t>
+            </a:r>
+          </a:p>
+          <a:p>
+            <a:pPr marL="342900" indent="-342900">
+              <a:buFont typeface="Arial" panose="020B0604020202020204" pitchFamily="34" charset="0"/>
+              <a:buChar char="•"/>
+            </a:pPr>
+            <a:r>
+              <a:rPr lang="de-CH" dirty="0"/>
+              <a:t>Multisimulation</a:t>
+            </a:r>
+          </a:p>
+          <a:p>
+            <a:pPr marL="675166" lvl="1" indent="-342900">
+              <a:buFont typeface="Arial" panose="020B0604020202020204" pitchFamily="34" charset="0"/>
+              <a:buChar char="•"/>
+            </a:pPr>
+            <a:r>
+              <a:rPr lang="de-CH" dirty="0"/>
+              <a:t>Fünf Durchgänge</a:t>
+            </a:r>
+          </a:p>
+          <a:p>
+            <a:endParaRPr lang="de-CH" dirty="0"/>
+          </a:p>
+        </p:txBody>
+      </p:sp>
+    </p:spTree>
+    <p:extLst>
+      <p:ext uri="{BB962C8B-B14F-4D97-AF65-F5344CB8AC3E}">
+        <p14:creationId xmlns:p14="http://schemas.microsoft.com/office/powerpoint/2010/main" val="3564659189"/>
+      </p:ext>
+    </p:extLst>
+  </p:cSld>
+  <p:clrMapOvr>
+    <a:masterClrMapping/>
+  </p:clrMapOvr>
+</p:sld>
+</file>
+
+<file path=ppt/slides/slide15.xml><?xml version="1.0" encoding="utf-8"?>
+<p:sld xmlns:a="http://schemas.openxmlformats.org/drawingml/2006/main" xmlns:r="http://schemas.openxmlformats.org/officeDocument/2006/relationships" xmlns:p="http://schemas.openxmlformats.org/presentationml/2006/main">
+  <p:cSld>
+    <p:spTree>
+      <p:nvGrpSpPr>
+        <p:cNvPr id="1" name=""/>
+        <p:cNvGrpSpPr/>
+        <p:nvPr/>
+      </p:nvGrpSpPr>
+      <p:grpSpPr>
+        <a:xfrm>
+          <a:off x="0" y="0"/>
+          <a:ext cx="0" cy="0"/>
+          <a:chOff x="0" y="0"/>
+          <a:chExt cx="0" cy="0"/>
+        </a:xfrm>
+      </p:grpSpPr>
+      <p:sp>
+        <p:nvSpPr>
+          <p:cNvPr id="2" name="Datumsplatzhalter 1">
+            <a:extLst>
+              <a:ext uri="{FF2B5EF4-FFF2-40B4-BE49-F238E27FC236}">
+                <a16:creationId xmlns:a16="http://schemas.microsoft.com/office/drawing/2014/main" id="{7DA6DE9F-059F-493C-95F6-AC8C042CDD9E}"/>
+              </a:ext>
+            </a:extLst>
+          </p:cNvPr>
+          <p:cNvSpPr>
+            <a:spLocks noGrp="1"/>
+          </p:cNvSpPr>
+          <p:nvPr>
+            <p:ph type="dt" sz="half" idx="10"/>
+          </p:nvPr>
+        </p:nvSpPr>
+        <p:spPr/>
+        <p:txBody>
+          <a:bodyPr/>
+          <a:lstStyle/>
+          <a:p>
+            <a:fld id="{5E48492E-72D1-4785-9351-8AE1E40FBA2D}" type="datetime1">
+              <a:rPr lang="de-CH" smtClean="0">
+                <a:solidFill>
+                  <a:srgbClr val="000000"/>
+                </a:solidFill>
+              </a:rPr>
+              <a:t>20.01.2022</a:t>
+            </a:fld>
+            <a:endParaRPr lang="de-CH">
+              <a:solidFill>
+                <a:srgbClr val="000000"/>
+              </a:solidFill>
+            </a:endParaRPr>
+          </a:p>
+        </p:txBody>
+      </p:sp>
+      <p:sp>
+        <p:nvSpPr>
+          <p:cNvPr id="3" name="Fußzeilenplatzhalter 2">
+            <a:extLst>
+              <a:ext uri="{FF2B5EF4-FFF2-40B4-BE49-F238E27FC236}">
+                <a16:creationId xmlns:a16="http://schemas.microsoft.com/office/drawing/2014/main" id="{B0EFCFFE-BD41-4E44-B796-8B5DFE11E3AC}"/>
+              </a:ext>
+            </a:extLst>
+          </p:cNvPr>
+          <p:cNvSpPr>
+            <a:spLocks noGrp="1"/>
+          </p:cNvSpPr>
+          <p:nvPr>
+            <p:ph type="ftr" sz="quarter" idx="11"/>
+          </p:nvPr>
+        </p:nvSpPr>
+        <p:spPr/>
+        <p:txBody>
+          <a:bodyPr/>
+          <a:lstStyle/>
+          <a:p>
+            <a:r>
+              <a:rPr lang="en-CH">
+                <a:solidFill>
+                  <a:srgbClr val="000000"/>
+                </a:solidFill>
+              </a:rPr>
+              <a:t>Hochschule für Technik</a:t>
+            </a:r>
+            <a:endParaRPr lang="de-CH" dirty="0">
+              <a:solidFill>
+                <a:srgbClr val="000000"/>
+              </a:solidFill>
+            </a:endParaRPr>
+          </a:p>
+        </p:txBody>
+      </p:sp>
+      <p:sp>
+        <p:nvSpPr>
+          <p:cNvPr id="4" name="Foliennummernplatzhalter 3">
+            <a:extLst>
+              <a:ext uri="{FF2B5EF4-FFF2-40B4-BE49-F238E27FC236}">
+                <a16:creationId xmlns:a16="http://schemas.microsoft.com/office/drawing/2014/main" id="{E03BEE28-9E62-49D7-B1BF-31A741F10DB1}"/>
+              </a:ext>
+            </a:extLst>
+          </p:cNvPr>
+          <p:cNvSpPr>
+            <a:spLocks noGrp="1"/>
+          </p:cNvSpPr>
+          <p:nvPr>
+            <p:ph type="sldNum" sz="quarter" idx="12"/>
+          </p:nvPr>
+        </p:nvSpPr>
+        <p:spPr/>
+        <p:txBody>
+          <a:bodyPr/>
+          <a:lstStyle/>
+          <a:p>
+            <a:fld id="{351188DD-6605-4EF4-9E67-B567F731CE68}" type="slidenum">
+              <a:rPr lang="de-CH" smtClean="0">
+                <a:solidFill>
+                  <a:srgbClr val="000000"/>
+                </a:solidFill>
+              </a:rPr>
+              <a:pPr/>
+              <a:t>15</a:t>
+            </a:fld>
+            <a:endParaRPr lang="de-CH">
+              <a:solidFill>
+                <a:srgbClr val="000000"/>
+              </a:solidFill>
+            </a:endParaRPr>
+          </a:p>
+        </p:txBody>
+      </p:sp>
+      <p:sp>
+        <p:nvSpPr>
+          <p:cNvPr id="5" name="Titel 4">
+            <a:extLst>
+              <a:ext uri="{FF2B5EF4-FFF2-40B4-BE49-F238E27FC236}">
+                <a16:creationId xmlns:a16="http://schemas.microsoft.com/office/drawing/2014/main" id="{C5E3DC8F-5623-42EC-9DFD-7111303D33E7}"/>
+              </a:ext>
+            </a:extLst>
+          </p:cNvPr>
+          <p:cNvSpPr>
+            <a:spLocks noGrp="1"/>
+          </p:cNvSpPr>
+          <p:nvPr>
+            <p:ph type="title"/>
+          </p:nvPr>
+        </p:nvSpPr>
+        <p:spPr/>
+        <p:txBody>
+          <a:bodyPr/>
+          <a:lstStyle/>
+          <a:p>
+            <a:r>
+              <a:rPr lang="de-CH" dirty="0"/>
+              <a:t>Weitere Ideen	</a:t>
+            </a:r>
+          </a:p>
+        </p:txBody>
+      </p:sp>
+      <p:sp>
+        <p:nvSpPr>
+          <p:cNvPr id="6" name="Textplatzhalter 5">
+            <a:extLst>
+              <a:ext uri="{FF2B5EF4-FFF2-40B4-BE49-F238E27FC236}">
+                <a16:creationId xmlns:a16="http://schemas.microsoft.com/office/drawing/2014/main" id="{451C4896-2CE8-4057-A08C-B17A1FD75E6B}"/>
+              </a:ext>
+            </a:extLst>
+          </p:cNvPr>
+          <p:cNvSpPr>
+            <a:spLocks noGrp="1"/>
+          </p:cNvSpPr>
+          <p:nvPr>
+            <p:ph type="body" idx="1"/>
+          </p:nvPr>
+        </p:nvSpPr>
+        <p:spPr/>
+        <p:txBody>
+          <a:bodyPr/>
+          <a:lstStyle/>
+          <a:p>
+            <a:pPr marL="342900" indent="-342900">
+              <a:buFont typeface="Arial" panose="020B0604020202020204" pitchFamily="34" charset="0"/>
+              <a:buChar char="•"/>
+            </a:pPr>
+            <a:r>
+              <a:rPr lang="de-CH" dirty="0"/>
+              <a:t>Was können wir tun, dass die Strasse trotzdem offen bleiben kann?</a:t>
+            </a:r>
+          </a:p>
+          <a:p>
+            <a:pPr marL="342900" indent="-342900">
+              <a:buFont typeface="Arial" panose="020B0604020202020204" pitchFamily="34" charset="0"/>
+              <a:buChar char="•"/>
+            </a:pPr>
+            <a:r>
+              <a:rPr lang="de-CH" dirty="0"/>
+              <a:t>Reaktionszeit verkürzen</a:t>
+            </a:r>
+          </a:p>
+          <a:p>
+            <a:pPr marL="675166" lvl="1" indent="-342900">
+              <a:buFont typeface="Arial" panose="020B0604020202020204" pitchFamily="34" charset="0"/>
+              <a:buChar char="•"/>
+            </a:pPr>
+            <a:r>
+              <a:rPr lang="de-CH" dirty="0"/>
+              <a:t>Mit 4, 6,8,12,14,16 und 20 Stunden Reaktionszeit berechnen</a:t>
+            </a:r>
+          </a:p>
+          <a:p>
+            <a:pPr marL="675166" lvl="1" indent="-342900">
+              <a:buFont typeface="Arial" panose="020B0604020202020204" pitchFamily="34" charset="0"/>
+              <a:buChar char="•"/>
+            </a:pPr>
+            <a:r>
+              <a:rPr lang="de-CH" dirty="0"/>
+              <a:t>Ergebnis sehr zufriedenstellend</a:t>
+            </a:r>
+          </a:p>
+          <a:p>
+            <a:pPr marL="675166" lvl="1" indent="-342900">
+              <a:buFont typeface="Arial" panose="020B0604020202020204" pitchFamily="34" charset="0"/>
+              <a:buChar char="•"/>
+            </a:pPr>
+            <a:r>
+              <a:rPr lang="de-CH" dirty="0"/>
+              <a:t>Strasse kann bis zu einer Reaktionszeit von 12 Stunden offen bleiben</a:t>
+            </a:r>
+          </a:p>
+          <a:p>
+            <a:endParaRPr lang="de-CH" dirty="0"/>
+          </a:p>
+        </p:txBody>
+      </p:sp>
+    </p:spTree>
+    <p:extLst>
+      <p:ext uri="{BB962C8B-B14F-4D97-AF65-F5344CB8AC3E}">
+        <p14:creationId xmlns:p14="http://schemas.microsoft.com/office/powerpoint/2010/main" val="3244864050"/>
+      </p:ext>
+    </p:extLst>
+  </p:cSld>
+  <p:clrMapOvr>
+    <a:masterClrMapping/>
+  </p:clrMapOvr>
+</p:sld>
+</file>
+
+<file path=ppt/slides/slide16.xml><?xml version="1.0" encoding="utf-8"?>
+<p:sld xmlns:a="http://schemas.openxmlformats.org/drawingml/2006/main" xmlns:r="http://schemas.openxmlformats.org/officeDocument/2006/relationships" xmlns:p="http://schemas.openxmlformats.org/presentationml/2006/main">
+  <p:cSld>
+    <p:spTree>
+      <p:nvGrpSpPr>
+        <p:cNvPr id="1" name=""/>
+        <p:cNvGrpSpPr/>
+        <p:nvPr/>
+      </p:nvGrpSpPr>
+      <p:grpSpPr>
+        <a:xfrm>
+          <a:off x="0" y="0"/>
+          <a:ext cx="0" cy="0"/>
+          <a:chOff x="0" y="0"/>
+          <a:chExt cx="0" cy="0"/>
+        </a:xfrm>
+      </p:grpSpPr>
+      <p:sp>
+        <p:nvSpPr>
+          <p:cNvPr id="2" name="Datumsplatzhalter 1">
+            <a:extLst>
+              <a:ext uri="{FF2B5EF4-FFF2-40B4-BE49-F238E27FC236}">
+                <a16:creationId xmlns:a16="http://schemas.microsoft.com/office/drawing/2014/main" id="{FB56C107-9EB4-4A83-819A-C7CE80697548}"/>
+              </a:ext>
+            </a:extLst>
+          </p:cNvPr>
+          <p:cNvSpPr>
+            <a:spLocks noGrp="1"/>
+          </p:cNvSpPr>
+          <p:nvPr>
+            <p:ph type="dt" sz="half" idx="10"/>
+          </p:nvPr>
+        </p:nvSpPr>
+        <p:spPr/>
+        <p:txBody>
+          <a:bodyPr/>
+          <a:lstStyle/>
+          <a:p>
+            <a:fld id="{5E48492E-72D1-4785-9351-8AE1E40FBA2D}" type="datetime1">
+              <a:rPr lang="de-CH" smtClean="0">
+                <a:solidFill>
+                  <a:srgbClr val="000000"/>
+                </a:solidFill>
+              </a:rPr>
+              <a:t>20.01.2022</a:t>
+            </a:fld>
+            <a:endParaRPr lang="de-CH">
+              <a:solidFill>
+                <a:srgbClr val="000000"/>
+              </a:solidFill>
+            </a:endParaRPr>
+          </a:p>
+        </p:txBody>
+      </p:sp>
+      <p:sp>
+        <p:nvSpPr>
+          <p:cNvPr id="3" name="Fußzeilenplatzhalter 2">
+            <a:extLst>
+              <a:ext uri="{FF2B5EF4-FFF2-40B4-BE49-F238E27FC236}">
+                <a16:creationId xmlns:a16="http://schemas.microsoft.com/office/drawing/2014/main" id="{6F161E53-DE5A-4624-BB45-8A8062AC7923}"/>
+              </a:ext>
+            </a:extLst>
+          </p:cNvPr>
+          <p:cNvSpPr>
+            <a:spLocks noGrp="1"/>
+          </p:cNvSpPr>
+          <p:nvPr>
+            <p:ph type="ftr" sz="quarter" idx="11"/>
+          </p:nvPr>
+        </p:nvSpPr>
+        <p:spPr/>
+        <p:txBody>
+          <a:bodyPr/>
+          <a:lstStyle/>
+          <a:p>
+            <a:r>
+              <a:rPr lang="en-CH" dirty="0">
+                <a:solidFill>
+                  <a:srgbClr val="000000"/>
+                </a:solidFill>
+              </a:rPr>
+              <a:t>Hochschule für Technik</a:t>
+            </a:r>
+            <a:endParaRPr lang="de-CH" dirty="0">
+              <a:solidFill>
+                <a:srgbClr val="000000"/>
+              </a:solidFill>
+            </a:endParaRPr>
+          </a:p>
+        </p:txBody>
+      </p:sp>
+      <p:sp>
+        <p:nvSpPr>
+          <p:cNvPr id="4" name="Foliennummernplatzhalter 3">
+            <a:extLst>
+              <a:ext uri="{FF2B5EF4-FFF2-40B4-BE49-F238E27FC236}">
+                <a16:creationId xmlns:a16="http://schemas.microsoft.com/office/drawing/2014/main" id="{197A6D72-4615-4D7A-963E-F1A94B1028B4}"/>
+              </a:ext>
+            </a:extLst>
+          </p:cNvPr>
+          <p:cNvSpPr>
+            <a:spLocks noGrp="1"/>
+          </p:cNvSpPr>
+          <p:nvPr>
+            <p:ph type="sldNum" sz="quarter" idx="12"/>
+          </p:nvPr>
+        </p:nvSpPr>
+        <p:spPr/>
+        <p:txBody>
+          <a:bodyPr/>
+          <a:lstStyle/>
+          <a:p>
+            <a:fld id="{351188DD-6605-4EF4-9E67-B567F731CE68}" type="slidenum">
+              <a:rPr lang="de-CH" smtClean="0">
+                <a:solidFill>
+                  <a:srgbClr val="000000"/>
+                </a:solidFill>
+              </a:rPr>
+              <a:pPr/>
+              <a:t>16</a:t>
             </a:fld>
             <a:endParaRPr lang="de-CH">
               <a:solidFill>
@@ -11035,17 +13039,6 @@
 </file>
 
 <file path=customXml/item1.xml><?xml version="1.0" encoding="utf-8"?>
-<p:properties xmlns:p="http://schemas.microsoft.com/office/2006/metadata/properties" xmlns:xsi="http://www.w3.org/2001/XMLSchema-instance" xmlns:pc="http://schemas.microsoft.com/office/infopath/2007/PartnerControls">
-  <documentManagement>
-    <Sprache xmlns="69e60002-4b69-4aad-9e3a-e3a9db2b0f4f">Deutsch</Sprache>
-    <Format xmlns="69e60002-4b69-4aad-9e3a-e3a9db2b0f4f" xsi:nil="true"/>
-    <Organisation_x0020__x002f__x0020_Hochschule xmlns="69e60002-4b69-4aad-9e3a-e3a9db2b0f4f">HT</Organisation_x0020__x002f__x0020_Hochschule>
-    <Vorlage xmlns="69e60002-4b69-4aad-9e3a-e3a9db2b0f4f">Power Point</Vorlage>
-  </documentManagement>
-</p:properties>
-</file>
-
-<file path=customXml/item2.xml><?xml version="1.0" encoding="utf-8"?>
 <ct:contentTypeSchema xmlns:ct="http://schemas.microsoft.com/office/2006/metadata/contentType" xmlns:ma="http://schemas.microsoft.com/office/2006/metadata/properties/metaAttributes" ct:_="" ma:_="" ma:contentTypeName="Dokument" ma:contentTypeID="0x010100AC764BFD121A654BAFEE3F0D30D09696" ma:contentTypeVersion="4" ma:contentTypeDescription="Ein neues Dokument erstellen." ma:contentTypeScope="" ma:versionID="f0b21a448d18db25e00af343419af742">
   <xsd:schema xmlns:xsd="http://www.w3.org/2001/XMLSchema" xmlns:xs="http://www.w3.org/2001/XMLSchema" xmlns:p="http://schemas.microsoft.com/office/2006/metadata/properties" xmlns:ns2="69e60002-4b69-4aad-9e3a-e3a9db2b0f4f" targetNamespace="http://schemas.microsoft.com/office/2006/metadata/properties" ma:root="true" ma:fieldsID="a976930b042ac8693047c70f2498f757" ns2:_="">
     <xsd:import namespace="69e60002-4b69-4aad-9e3a-e3a9db2b0f4f"/>
@@ -11220,6 +13213,17 @@
 </ct:contentTypeSchema>
 </file>
 
+<file path=customXml/item2.xml><?xml version="1.0" encoding="utf-8"?>
+<p:properties xmlns:p="http://schemas.microsoft.com/office/2006/metadata/properties" xmlns:xsi="http://www.w3.org/2001/XMLSchema-instance" xmlns:pc="http://schemas.microsoft.com/office/infopath/2007/PartnerControls">
+  <documentManagement>
+    <Sprache xmlns="69e60002-4b69-4aad-9e3a-e3a9db2b0f4f">Deutsch</Sprache>
+    <Format xmlns="69e60002-4b69-4aad-9e3a-e3a9db2b0f4f" xsi:nil="true"/>
+    <Organisation_x0020__x002f__x0020_Hochschule xmlns="69e60002-4b69-4aad-9e3a-e3a9db2b0f4f">HT</Organisation_x0020__x002f__x0020_Hochschule>
+    <Vorlage xmlns="69e60002-4b69-4aad-9e3a-e3a9db2b0f4f">Power Point</Vorlage>
+  </documentManagement>
+</p:properties>
+</file>
+
 <file path=customXml/item3.xml><?xml version="1.0" encoding="utf-8"?>
 <?mso-contentType ?>
 <FormTemplates xmlns="http://schemas.microsoft.com/sharepoint/v3/contenttype/forms">
@@ -11230,16 +13234,6 @@
 </file>
 
 <file path=customXml/itemProps1.xml><?xml version="1.0" encoding="utf-8"?>
-<ds:datastoreItem xmlns:ds="http://schemas.openxmlformats.org/officeDocument/2006/customXml" ds:itemID="{724AFF31-8E32-4607-8DA5-F53690CB721B}">
-  <ds:schemaRefs>
-    <ds:schemaRef ds:uri="http://schemas.microsoft.com/office/2006/metadata/properties"/>
-    <ds:schemaRef ds:uri="http://schemas.microsoft.com/office/infopath/2007/PartnerControls"/>
-    <ds:schemaRef ds:uri="69e60002-4b69-4aad-9e3a-e3a9db2b0f4f"/>
-  </ds:schemaRefs>
-</ds:datastoreItem>
-</file>
-
-<file path=customXml/itemProps2.xml><?xml version="1.0" encoding="utf-8"?>
 <ds:datastoreItem xmlns:ds="http://schemas.openxmlformats.org/officeDocument/2006/customXml" ds:itemID="{0498FCD4-62F2-4C59-824F-30F9B51F9401}">
   <ds:schemaRefs>
     <ds:schemaRef ds:uri="http://schemas.microsoft.com/office/2006/metadata/contentType"/>
@@ -11257,6 +13251,16 @@
 </ds:datastoreItem>
 </file>
 
+<file path=customXml/itemProps2.xml><?xml version="1.0" encoding="utf-8"?>
+<ds:datastoreItem xmlns:ds="http://schemas.openxmlformats.org/officeDocument/2006/customXml" ds:itemID="{724AFF31-8E32-4607-8DA5-F53690CB721B}">
+  <ds:schemaRefs>
+    <ds:schemaRef ds:uri="http://schemas.microsoft.com/office/2006/metadata/properties"/>
+    <ds:schemaRef ds:uri="http://schemas.microsoft.com/office/infopath/2007/PartnerControls"/>
+    <ds:schemaRef ds:uri="69e60002-4b69-4aad-9e3a-e3a9db2b0f4f"/>
+  </ds:schemaRefs>
+</ds:datastoreItem>
+</file>
+
 <file path=customXml/itemProps3.xml><?xml version="1.0" encoding="utf-8"?>
 <ds:datastoreItem xmlns:ds="http://schemas.openxmlformats.org/officeDocument/2006/customXml" ds:itemID="{1F9AB8FE-BD0C-400C-B543-7D7BB2885DFE}">
   <ds:schemaRefs>

--- a/Präsentation/Vorgehen.pptx
+++ b/Präsentation/Vorgehen.pptx
@@ -193,14 +193,121 @@
 <file path=ppt/revisionInfo.xml><?xml version="1.0" encoding="utf-8"?>
 <p1510:revInfo xmlns:a="http://schemas.openxmlformats.org/drawingml/2006/main" xmlns:r="http://schemas.openxmlformats.org/officeDocument/2006/relationships" xmlns:p1510="http://schemas.microsoft.com/office/powerpoint/2015/10/main">
   <p1510:revLst>
-    <p1510:client id="{5C1EF3E6-ECC6-481F-880D-B0E35D51F7D3}" v="89" dt="2022-01-20T11:47:51.609"/>
-    <p1510:client id="{C836EF19-E232-49E4-AE3F-6127B56BBCF6}" v="9" dt="2022-01-20T10:35:23.762"/>
+    <p1510:client id="{689DCA06-EA32-4C30-B093-43B7E5AB26E1}" v="3" dt="2022-01-22T17:05:08.941"/>
   </p1510:revLst>
 </p1510:revInfo>
 </file>
 
 <file path=ppt/changesInfos/changesInfo1.xml><?xml version="1.0" encoding="utf-8"?>
 <pc:chgInfo xmlns:a="http://schemas.openxmlformats.org/drawingml/2006/main" xmlns:r="http://schemas.openxmlformats.org/officeDocument/2006/relationships" xmlns:ac="http://schemas.microsoft.com/office/drawing/2013/main/command" xmlns:pc="http://schemas.microsoft.com/office/powerpoint/2013/main/command">
+  <pc:docChgLst>
+    <pc:chgData name="Thomas Mandelz" userId="8d3a597e08c542e1" providerId="LiveId" clId="{689DCA06-EA32-4C30-B093-43B7E5AB26E1}"/>
+    <pc:docChg chg="undo custSel modSld">
+      <pc:chgData name="Thomas Mandelz" userId="8d3a597e08c542e1" providerId="LiveId" clId="{689DCA06-EA32-4C30-B093-43B7E5AB26E1}" dt="2022-01-22T17:10:19.585" v="261" actId="20577"/>
+      <pc:docMkLst>
+        <pc:docMk/>
+      </pc:docMkLst>
+      <pc:sldChg chg="modSp mod">
+        <pc:chgData name="Thomas Mandelz" userId="8d3a597e08c542e1" providerId="LiveId" clId="{689DCA06-EA32-4C30-B093-43B7E5AB26E1}" dt="2022-01-22T16:56:45.799" v="1" actId="1076"/>
+        <pc:sldMkLst>
+          <pc:docMk/>
+          <pc:sldMk cId="3779323427" sldId="264"/>
+        </pc:sldMkLst>
+        <pc:picChg chg="mod">
+          <ac:chgData name="Thomas Mandelz" userId="8d3a597e08c542e1" providerId="LiveId" clId="{689DCA06-EA32-4C30-B093-43B7E5AB26E1}" dt="2022-01-22T16:56:45.799" v="1" actId="1076"/>
+          <ac:picMkLst>
+            <pc:docMk/>
+            <pc:sldMk cId="3779323427" sldId="264"/>
+            <ac:picMk id="9" creationId="{62A5C0F0-2881-47C5-9AFC-DB8C438701E1}"/>
+          </ac:picMkLst>
+        </pc:picChg>
+      </pc:sldChg>
+      <pc:sldChg chg="modSp mod">
+        <pc:chgData name="Thomas Mandelz" userId="8d3a597e08c542e1" providerId="LiveId" clId="{689DCA06-EA32-4C30-B093-43B7E5AB26E1}" dt="2022-01-22T16:57:00.490" v="7" actId="20577"/>
+        <pc:sldMkLst>
+          <pc:docMk/>
+          <pc:sldMk cId="3227672474" sldId="265"/>
+        </pc:sldMkLst>
+        <pc:spChg chg="mod">
+          <ac:chgData name="Thomas Mandelz" userId="8d3a597e08c542e1" providerId="LiveId" clId="{689DCA06-EA32-4C30-B093-43B7E5AB26E1}" dt="2022-01-22T16:57:00.490" v="7" actId="20577"/>
+          <ac:spMkLst>
+            <pc:docMk/>
+            <pc:sldMk cId="3227672474" sldId="265"/>
+            <ac:spMk id="6" creationId="{975BC3A1-87A5-49EE-8109-4ED7721F08A6}"/>
+          </ac:spMkLst>
+        </pc:spChg>
+      </pc:sldChg>
+      <pc:sldChg chg="addSp modSp mod modNotesTx">
+        <pc:chgData name="Thomas Mandelz" userId="8d3a597e08c542e1" providerId="LiveId" clId="{689DCA06-EA32-4C30-B093-43B7E5AB26E1}" dt="2022-01-22T17:05:42.560" v="259" actId="732"/>
+        <pc:sldMkLst>
+          <pc:docMk/>
+          <pc:sldMk cId="4102609991" sldId="266"/>
+        </pc:sldMkLst>
+        <pc:spChg chg="mod">
+          <ac:chgData name="Thomas Mandelz" userId="8d3a597e08c542e1" providerId="LiveId" clId="{689DCA06-EA32-4C30-B093-43B7E5AB26E1}" dt="2022-01-22T17:05:24.785" v="257" actId="20577"/>
+          <ac:spMkLst>
+            <pc:docMk/>
+            <pc:sldMk cId="4102609991" sldId="266"/>
+            <ac:spMk id="6" creationId="{C441A34F-BF68-4E06-B6EA-18E4E7BE98EB}"/>
+          </ac:spMkLst>
+        </pc:spChg>
+        <pc:picChg chg="add mod modCrop">
+          <ac:chgData name="Thomas Mandelz" userId="8d3a597e08c542e1" providerId="LiveId" clId="{689DCA06-EA32-4C30-B093-43B7E5AB26E1}" dt="2022-01-22T17:05:42.560" v="259" actId="732"/>
+          <ac:picMkLst>
+            <pc:docMk/>
+            <pc:sldMk cId="4102609991" sldId="266"/>
+            <ac:picMk id="8" creationId="{33A53A99-5305-4635-8BEC-3FE4AF24C17B}"/>
+          </ac:picMkLst>
+        </pc:picChg>
+      </pc:sldChg>
+      <pc:sldChg chg="addSp delSp modSp mod">
+        <pc:chgData name="Thomas Mandelz" userId="8d3a597e08c542e1" providerId="LiveId" clId="{689DCA06-EA32-4C30-B093-43B7E5AB26E1}" dt="2022-01-22T17:03:11.545" v="237" actId="20577"/>
+        <pc:sldMkLst>
+          <pc:docMk/>
+          <pc:sldMk cId="2332655269" sldId="267"/>
+        </pc:sldMkLst>
+        <pc:spChg chg="mod">
+          <ac:chgData name="Thomas Mandelz" userId="8d3a597e08c542e1" providerId="LiveId" clId="{689DCA06-EA32-4C30-B093-43B7E5AB26E1}" dt="2022-01-22T17:03:11.545" v="237" actId="20577"/>
+          <ac:spMkLst>
+            <pc:docMk/>
+            <pc:sldMk cId="2332655269" sldId="267"/>
+            <ac:spMk id="6" creationId="{6F22A4B4-9E87-4120-9B2C-AA25BAE6300E}"/>
+          </ac:spMkLst>
+        </pc:spChg>
+        <pc:picChg chg="add del mod">
+          <ac:chgData name="Thomas Mandelz" userId="8d3a597e08c542e1" providerId="LiveId" clId="{689DCA06-EA32-4C30-B093-43B7E5AB26E1}" dt="2022-01-22T17:00:07.440" v="101" actId="478"/>
+          <ac:picMkLst>
+            <pc:docMk/>
+            <pc:sldMk cId="2332655269" sldId="267"/>
+            <ac:picMk id="8" creationId="{FB054527-76C9-4BFB-A50D-9A3E2A52721A}"/>
+          </ac:picMkLst>
+        </pc:picChg>
+        <pc:picChg chg="add mod">
+          <ac:chgData name="Thomas Mandelz" userId="8d3a597e08c542e1" providerId="LiveId" clId="{689DCA06-EA32-4C30-B093-43B7E5AB26E1}" dt="2022-01-22T17:02:37.440" v="190" actId="1035"/>
+          <ac:picMkLst>
+            <pc:docMk/>
+            <pc:sldMk cId="2332655269" sldId="267"/>
+            <ac:picMk id="10" creationId="{B412AAB5-16E8-4356-852E-DD73FF3806EE}"/>
+          </ac:picMkLst>
+        </pc:picChg>
+      </pc:sldChg>
+      <pc:sldChg chg="modSp mod">
+        <pc:chgData name="Thomas Mandelz" userId="8d3a597e08c542e1" providerId="LiveId" clId="{689DCA06-EA32-4C30-B093-43B7E5AB26E1}" dt="2022-01-22T17:10:19.585" v="261" actId="20577"/>
+        <pc:sldMkLst>
+          <pc:docMk/>
+          <pc:sldMk cId="800577293" sldId="268"/>
+        </pc:sldMkLst>
+        <pc:spChg chg="mod">
+          <ac:chgData name="Thomas Mandelz" userId="8d3a597e08c542e1" providerId="LiveId" clId="{689DCA06-EA32-4C30-B093-43B7E5AB26E1}" dt="2022-01-22T17:10:19.585" v="261" actId="20577"/>
+          <ac:spMkLst>
+            <pc:docMk/>
+            <pc:sldMk cId="800577293" sldId="268"/>
+            <ac:spMk id="6" creationId="{1BEAC416-4F92-4165-9BD7-B2A346EBA8AC}"/>
+          </ac:spMkLst>
+        </pc:spChg>
+      </pc:sldChg>
+    </pc:docChg>
+  </pc:docChgLst>
   <pc:docChgLst>
     <pc:chgData name="Julia Lobatón (s)" userId="03631203-4130-44e4-8322-dc08ad4e2bed" providerId="ADAL" clId="{5C1EF3E6-ECC6-481F-880D-B0E35D51F7D3}"/>
     <pc:docChg chg="undo custSel addSld delSld modSld">
@@ -1551,7 +1658,7 @@
             <a:fld id="{C74B13BA-36C6-4300-B5B6-6C1D152DFF13}" type="slidenum">
               <a:rPr lang="de-CH"/>
               <a:pPr/>
-              <a:t>‹Nr.›</a:t>
+              <a:t>‹#›</a:t>
             </a:fld>
             <a:endParaRPr lang="de-CH"/>
           </a:p>
@@ -2004,7 +2111,7 @@
             <a:fld id="{058061DB-DF71-4765-99A4-14E22DF63CCF}" type="slidenum">
               <a:rPr lang="de-CH"/>
               <a:pPr/>
-              <a:t>‹Nr.›</a:t>
+              <a:t>‹#›</a:t>
             </a:fld>
             <a:endParaRPr lang="de-CH"/>
           </a:p>
@@ -2954,6 +3061,33 @@
               <a:buFont typeface="Arial" panose="020B0604020202020204" pitchFamily="34" charset="0"/>
               <a:buChar char="•"/>
             </a:pPr>
+            <a:r>
+              <a:rPr lang="en-CH" dirty="0" err="1"/>
+              <a:t>Menge</a:t>
+            </a:r>
+            <a:r>
+              <a:rPr lang="en-CH" dirty="0"/>
+              <a:t> von </a:t>
+            </a:r>
+            <a:r>
+              <a:rPr lang="en-CH" dirty="0" err="1"/>
+              <a:t>simulierten</a:t>
+            </a:r>
+            <a:r>
+              <a:rPr lang="en-CH" dirty="0"/>
+              <a:t> </a:t>
+            </a:r>
+            <a:r>
+              <a:rPr lang="en-CH" dirty="0" err="1"/>
+              <a:t>Werten</a:t>
+            </a:r>
+            <a:endParaRPr lang="en-CH" dirty="0"/>
+          </a:p>
+          <a:p>
+            <a:pPr marL="171450" indent="-171450">
+              <a:buFont typeface="Arial" panose="020B0604020202020204" pitchFamily="34" charset="0"/>
+              <a:buChar char="•"/>
+            </a:pPr>
             <a:endParaRPr lang="de-CH" dirty="0"/>
           </a:p>
           <a:p>
@@ -4213,7 +4347,7 @@
                   <a:srgbClr val="000000"/>
                 </a:solidFill>
               </a:rPr>
-              <a:t>20.01.2022</a:t>
+              <a:t>22.01.2022</a:t>
             </a:fld>
             <a:endParaRPr lang="de-CH">
               <a:solidFill>
@@ -4284,7 +4418,7 @@
                 </a:solidFill>
               </a:rPr>
               <a:pPr/>
-              <a:t>‹Nr.›</a:t>
+              <a:t>‹#›</a:t>
             </a:fld>
             <a:endParaRPr lang="de-CH">
               <a:solidFill>
@@ -4415,7 +4549,7 @@
                   <a:srgbClr val="000000"/>
                 </a:solidFill>
               </a:rPr>
-              <a:t>20.01.2022</a:t>
+              <a:t>22.01.2022</a:t>
             </a:fld>
             <a:endParaRPr lang="de-CH">
               <a:solidFill>
@@ -4486,7 +4620,7 @@
                 </a:solidFill>
               </a:rPr>
               <a:pPr/>
-              <a:t>‹Nr.›</a:t>
+              <a:t>‹#›</a:t>
             </a:fld>
             <a:endParaRPr lang="de-CH">
               <a:solidFill>
@@ -4621,7 +4755,7 @@
                   <a:srgbClr val="000000"/>
                 </a:solidFill>
               </a:rPr>
-              <a:t>20.01.2022</a:t>
+              <a:t>22.01.2022</a:t>
             </a:fld>
             <a:endParaRPr lang="de-CH">
               <a:solidFill>
@@ -4692,7 +4826,7 @@
                 </a:solidFill>
               </a:rPr>
               <a:pPr/>
-              <a:t>‹Nr.›</a:t>
+              <a:t>‹#›</a:t>
             </a:fld>
             <a:endParaRPr lang="de-CH">
               <a:solidFill>
@@ -4827,7 +4961,7 @@
                   <a:srgbClr val="000000"/>
                 </a:solidFill>
               </a:rPr>
-              <a:t>20.01.2022</a:t>
+              <a:t>22.01.2022</a:t>
             </a:fld>
             <a:endParaRPr lang="de-CH">
               <a:solidFill>
@@ -4898,7 +5032,7 @@
                 </a:solidFill>
               </a:rPr>
               <a:pPr/>
-              <a:t>‹Nr.›</a:t>
+              <a:t>‹#›</a:t>
             </a:fld>
             <a:endParaRPr lang="de-CH">
               <a:solidFill>
@@ -5282,7 +5416,7 @@
                   <a:srgbClr val="000000"/>
                 </a:solidFill>
               </a:rPr>
-              <a:t>20.01.2022</a:t>
+              <a:t>22.01.2022</a:t>
             </a:fld>
             <a:endParaRPr lang="de-CH">
               <a:solidFill>
@@ -5443,7 +5577,7 @@
                 </a:solidFill>
               </a:rPr>
               <a:pPr/>
-              <a:t>‹Nr.›</a:t>
+              <a:t>‹#›</a:t>
             </a:fld>
             <a:endParaRPr lang="de-CH">
               <a:solidFill>
@@ -6156,7 +6290,7 @@
                   <a:srgbClr val="000000"/>
                 </a:solidFill>
               </a:rPr>
-              <a:t>20.01.2022</a:t>
+              <a:t>22.01.2022</a:t>
             </a:fld>
             <a:endParaRPr lang="de-CH">
               <a:solidFill>
@@ -6429,7 +6563,7 @@
                   <a:srgbClr val="000000"/>
                 </a:solidFill>
               </a:rPr>
-              <a:t>20.01.2022</a:t>
+              <a:t>22.01.2022</a:t>
             </a:fld>
             <a:endParaRPr lang="de-CH">
               <a:solidFill>
@@ -6542,8 +6676,8 @@
           </a:p>
         </p:txBody>
       </p:sp>
-      <mc:AlternateContent xmlns:mc="http://schemas.openxmlformats.org/markup-compatibility/2006">
-        <mc:Choice xmlns:a14="http://schemas.microsoft.com/office/drawing/2010/main" Requires="a14">
+      <mc:AlternateContent xmlns:mc="http://schemas.openxmlformats.org/markup-compatibility/2006" xmlns:a14="http://schemas.microsoft.com/office/drawing/2010/main">
+        <mc:Choice Requires="a14">
           <p:sp>
             <p:nvSpPr>
               <p:cNvPr id="7" name="Inhaltsplatzhalter 2">
@@ -6844,13 +6978,7 @@
                       <a:rPr lang="de-CH" b="0" i="1" smtClean="0">
                         <a:latin typeface="Cambria Math" panose="02040503050406030204" pitchFamily="18" charset="0"/>
                       </a:rPr>
-                      <m:t>/</m:t>
-                    </m:r>
-                    <m:r>
-                      <a:rPr lang="de-CH" b="0" i="1" smtClean="0">
-                        <a:latin typeface="Cambria Math" panose="02040503050406030204" pitchFamily="18" charset="0"/>
-                      </a:rPr>
-                      <m:t>2</m:t>
+                      <m:t>/2</m:t>
                     </m:r>
                   </m:oMath>
                 </a14:m>
@@ -6940,7 +7068,7 @@
             </p:txBody>
           </p:sp>
         </mc:Choice>
-        <mc:Fallback>
+        <mc:Fallback xmlns="">
           <p:sp>
             <p:nvSpPr>
               <p:cNvPr id="7" name="Inhaltsplatzhalter 2">
@@ -7041,7 +7169,7 @@
                   <a:srgbClr val="000000"/>
                 </a:solidFill>
               </a:rPr>
-              <a:t>20.01.2022</a:t>
+              <a:t>22.01.2022</a:t>
             </a:fld>
             <a:endParaRPr lang="de-CH">
               <a:solidFill>
@@ -7154,8 +7282,8 @@
           </a:p>
         </p:txBody>
       </p:sp>
-      <mc:AlternateContent xmlns:mc="http://schemas.openxmlformats.org/markup-compatibility/2006">
-        <mc:Choice xmlns:a14="http://schemas.microsoft.com/office/drawing/2010/main" Requires="a14">
+      <mc:AlternateContent xmlns:mc="http://schemas.openxmlformats.org/markup-compatibility/2006" xmlns:a14="http://schemas.microsoft.com/office/drawing/2010/main">
+        <mc:Choice Requires="a14">
           <p:sp>
             <p:nvSpPr>
               <p:cNvPr id="8" name="Inhaltsplatzhalter 2">
@@ -7315,7 +7443,7 @@
             </p:txBody>
           </p:sp>
         </mc:Choice>
-        <mc:Fallback>
+        <mc:Fallback xmlns="">
           <p:sp>
             <p:nvSpPr>
               <p:cNvPr id="8" name="Inhaltsplatzhalter 2">
@@ -7416,7 +7544,7 @@
                   <a:srgbClr val="000000"/>
                 </a:solidFill>
               </a:rPr>
-              <a:t>20.01.2022</a:t>
+              <a:t>22.01.2022</a:t>
             </a:fld>
             <a:endParaRPr lang="de-CH">
               <a:solidFill>
@@ -7651,7 +7779,7 @@
                   <a:srgbClr val="000000"/>
                 </a:solidFill>
               </a:rPr>
-              <a:t>20.01.2022</a:t>
+              <a:t>22.01.2022</a:t>
             </a:fld>
             <a:endParaRPr lang="de-CH">
               <a:solidFill>
@@ -7876,7 +8004,7 @@
                   <a:srgbClr val="000000"/>
                 </a:solidFill>
               </a:rPr>
-              <a:t>20.01.2022</a:t>
+              <a:t>22.01.2022</a:t>
             </a:fld>
             <a:endParaRPr lang="de-CH">
               <a:solidFill>
@@ -8121,7 +8249,7 @@
                   <a:srgbClr val="000000"/>
                 </a:solidFill>
               </a:rPr>
-              <a:t>20.01.2022</a:t>
+              <a:t>22.01.2022</a:t>
             </a:fld>
             <a:endParaRPr lang="de-CH">
               <a:solidFill>
@@ -8538,7 +8666,7 @@
                   <a:srgbClr val="000000"/>
                 </a:solidFill>
               </a:rPr>
-              <a:t>20.01.2022</a:t>
+              <a:t>22.01.2022</a:t>
             </a:fld>
             <a:endParaRPr lang="de-CH">
               <a:solidFill>
@@ -8902,7 +9030,7 @@
                   <a:srgbClr val="000000"/>
                 </a:solidFill>
               </a:rPr>
-              <a:t>20.01.2022</a:t>
+              <a:t>22.01.2022</a:t>
             </a:fld>
             <a:endParaRPr lang="de-CH">
               <a:solidFill>
@@ -9658,7 +9786,7 @@
                   <a:srgbClr val="000000"/>
                 </a:solidFill>
               </a:rPr>
-              <a:t>20.01.2022</a:t>
+              <a:t>22.01.2022</a:t>
             </a:fld>
             <a:endParaRPr lang="de-CH">
               <a:solidFill>
@@ -9894,7 +10022,7 @@
                   <a:srgbClr val="000000"/>
                 </a:solidFill>
               </a:rPr>
-              <a:t>20.01.2022</a:t>
+              <a:t>22.01.2022</a:t>
             </a:fld>
             <a:endParaRPr lang="de-CH">
               <a:solidFill>
@@ -10072,7 +10200,7 @@
         </p:blipFill>
         <p:spPr>
           <a:xfrm>
-            <a:off x="694499" y="2709499"/>
+            <a:off x="3672954" y="1871663"/>
             <a:ext cx="5158861" cy="1738312"/>
           </a:xfrm>
           <a:prstGeom prst="rect">
@@ -10137,7 +10265,7 @@
                   <a:srgbClr val="000000"/>
                 </a:solidFill>
               </a:rPr>
-              <a:t>20.01.2022</a:t>
+              <a:t>22.01.2022</a:t>
             </a:fld>
             <a:endParaRPr lang="de-CH">
               <a:solidFill>
@@ -10382,6 +10510,40 @@
                 <a:spcPts val="0"/>
               </a:spcAft>
             </a:pPr>
+            <a:endParaRPr lang="en-CH" sz="1800" b="0" i="0" u="none" strike="noStrike" kern="1200" dirty="0">
+              <a:solidFill>
+                <a:srgbClr val="000000"/>
+              </a:solidFill>
+              <a:effectLst/>
+              <a:latin typeface="Calibri" panose="020F0502020204030204" pitchFamily="34" charset="0"/>
+            </a:endParaRPr>
+          </a:p>
+          <a:p>
+            <a:pPr algn="l" rtl="0" eaLnBrk="1" fontAlgn="t" latinLnBrk="0" hangingPunct="1">
+              <a:spcBef>
+                <a:spcPts val="0"/>
+              </a:spcBef>
+              <a:spcAft>
+                <a:spcPts val="0"/>
+              </a:spcAft>
+            </a:pPr>
+            <a:endParaRPr lang="en-CH" sz="1800" b="0" i="0" u="none" strike="noStrike" kern="1200" dirty="0">
+              <a:solidFill>
+                <a:srgbClr val="000000"/>
+              </a:solidFill>
+              <a:effectLst/>
+              <a:latin typeface="Calibri" panose="020F0502020204030204" pitchFamily="34" charset="0"/>
+            </a:endParaRPr>
+          </a:p>
+          <a:p>
+            <a:pPr algn="l" rtl="0" eaLnBrk="1" fontAlgn="t" latinLnBrk="0" hangingPunct="1">
+              <a:spcBef>
+                <a:spcPts val="0"/>
+              </a:spcBef>
+              <a:spcAft>
+                <a:spcPts val="0"/>
+              </a:spcAft>
+            </a:pPr>
             <a:r>
               <a:rPr lang="en-CH" sz="1800" b="0" i="0" u="none" strike="noStrike" kern="1200" dirty="0" err="1">
                 <a:solidFill>
@@ -10447,6 +10609,40 @@
             <a:endParaRPr lang="de-CH" sz="1800" b="0" i="0" u="none" strike="noStrike" dirty="0">
               <a:effectLst/>
               <a:latin typeface="Arial" panose="020B0604020202020204" pitchFamily="34" charset="0"/>
+            </a:endParaRPr>
+          </a:p>
+          <a:p>
+            <a:pPr algn="l" rtl="0" eaLnBrk="1" fontAlgn="t" latinLnBrk="0" hangingPunct="1">
+              <a:spcBef>
+                <a:spcPts val="0"/>
+              </a:spcBef>
+              <a:spcAft>
+                <a:spcPts val="0"/>
+              </a:spcAft>
+            </a:pPr>
+            <a:endParaRPr lang="en-CH" sz="1800" b="0" i="0" u="none" strike="noStrike" kern="1200" dirty="0">
+              <a:solidFill>
+                <a:srgbClr val="000000"/>
+              </a:solidFill>
+              <a:effectLst/>
+              <a:latin typeface="Calibri" panose="020F0502020204030204" pitchFamily="34" charset="0"/>
+            </a:endParaRPr>
+          </a:p>
+          <a:p>
+            <a:pPr algn="l" rtl="0" eaLnBrk="1" fontAlgn="t" latinLnBrk="0" hangingPunct="1">
+              <a:spcBef>
+                <a:spcPts val="0"/>
+              </a:spcBef>
+              <a:spcAft>
+                <a:spcPts val="0"/>
+              </a:spcAft>
+            </a:pPr>
+            <a:endParaRPr lang="en-CH" sz="1800" b="0" i="0" u="none" strike="noStrike" kern="1200" dirty="0">
+              <a:solidFill>
+                <a:srgbClr val="000000"/>
+              </a:solidFill>
+              <a:effectLst/>
+              <a:latin typeface="Calibri" panose="020F0502020204030204" pitchFamily="34" charset="0"/>
             </a:endParaRPr>
           </a:p>
           <a:p>
@@ -10732,7 +10928,7 @@
                   <a:srgbClr val="000000"/>
                 </a:solidFill>
               </a:rPr>
-              <a:t>20.01.2022</a:t>
+              <a:t>22.01.2022</a:t>
             </a:fld>
             <a:endParaRPr lang="de-CH">
               <a:solidFill>
@@ -10917,8 +11113,75 @@
             </a:r>
             <a:endParaRPr lang="en-CH" dirty="0"/>
           </a:p>
+          <a:p>
+            <a:pPr marL="342900" indent="-342900">
+              <a:buFont typeface="Arial" panose="020B0604020202020204" pitchFamily="34" charset="0"/>
+              <a:buChar char="•"/>
+            </a:pPr>
+            <a:r>
+              <a:rPr lang="en-CH" dirty="0"/>
+              <a:t>Definition der </a:t>
+            </a:r>
+            <a:r>
+              <a:rPr lang="en-CH" dirty="0" err="1"/>
+              <a:t>Menge</a:t>
+            </a:r>
+            <a:r>
+              <a:rPr lang="en-CH" dirty="0"/>
+              <a:t> der </a:t>
+            </a:r>
+            <a:r>
+              <a:rPr lang="en-CH" dirty="0" err="1"/>
+              <a:t>simulierten</a:t>
+            </a:r>
+            <a:r>
+              <a:rPr lang="en-CH" dirty="0"/>
+              <a:t> </a:t>
+            </a:r>
+            <a:r>
+              <a:rPr lang="en-CH" dirty="0" err="1"/>
+              <a:t>Werte</a:t>
+            </a:r>
+            <a:endParaRPr lang="en-CH" dirty="0"/>
+          </a:p>
         </p:txBody>
       </p:sp>
+      <p:pic>
+        <p:nvPicPr>
+          <p:cNvPr id="8" name="Picture 7" descr="Shape&#10;&#10;Description automatically generated">
+            <a:extLst>
+              <a:ext uri="{FF2B5EF4-FFF2-40B4-BE49-F238E27FC236}">
+                <a16:creationId xmlns:a16="http://schemas.microsoft.com/office/drawing/2014/main" id="{33A53A99-5305-4635-8BEC-3FE4AF24C17B}"/>
+              </a:ext>
+            </a:extLst>
+          </p:cNvPr>
+          <p:cNvPicPr>
+            <a:picLocks noChangeAspect="1"/>
+          </p:cNvPicPr>
+          <p:nvPr/>
+        </p:nvPicPr>
+        <p:blipFill>
+          <a:blip r:embed="rId3">
+            <a:extLst>
+              <a:ext uri="{28A0092B-C50C-407E-A947-70E740481C1C}">
+                <a14:useLocalDpi xmlns:a14="http://schemas.microsoft.com/office/drawing/2010/main" val="0"/>
+              </a:ext>
+            </a:extLst>
+          </a:blip>
+          <a:stretch>
+            <a:fillRect/>
+          </a:stretch>
+        </p:blipFill>
+        <p:spPr>
+          <a:xfrm>
+            <a:off x="2471608" y="3349155"/>
+            <a:ext cx="5133008" cy="3383804"/>
+          </a:xfrm>
+          <a:prstGeom prst="rect">
+            <a:avLst/>
+          </a:prstGeom>
+        </p:spPr>
+      </p:pic>
     </p:spTree>
     <p:extLst>
       <p:ext uri="{BB962C8B-B14F-4D97-AF65-F5344CB8AC3E}">
@@ -10976,7 +11239,7 @@
                   <a:srgbClr val="000000"/>
                 </a:solidFill>
               </a:rPr>
-              <a:t>20.01.2022</a:t>
+              <a:t>22.01.2022</a:t>
             </a:fld>
             <a:endParaRPr lang="de-CH">
               <a:solidFill>
@@ -11117,7 +11380,7 @@
             </a:pPr>
             <a:r>
               <a:rPr lang="en-CH" dirty="0" err="1"/>
-              <a:t>Wahrscheinlichkeitskette</a:t>
+              <a:t>Wahrscheinlichkeitsberechnung</a:t>
             </a:r>
             <a:r>
               <a:rPr lang="en-CH" dirty="0"/>
@@ -11133,20 +11396,63 @@
             </a:r>
             <a:r>
               <a:rPr lang="en-CH" dirty="0" err="1"/>
-              <a:t>kausaler</a:t>
-            </a:r>
+              <a:t>Kausalkette</a:t>
+            </a:r>
+            <a:endParaRPr lang="en-CH" dirty="0"/>
+          </a:p>
+          <a:p>
+            <a:pPr marL="675166" lvl="1" indent="-342900">
+              <a:buFont typeface="Arial" panose="020B0604020202020204" pitchFamily="34" charset="0"/>
+              <a:buChar char="•"/>
+            </a:pPr>
             <a:r>
               <a:rPr lang="en-CH" dirty="0"/>
-              <a:t> </a:t>
-            </a:r>
-            <a:r>
-              <a:rPr lang="en-CH" dirty="0" err="1"/>
-              <a:t>Ereigniskette</a:t>
+              <a:t>Multiple </a:t>
+            </a:r>
+            <a:r>
+              <a:rPr lang="en-CH" dirty="0" err="1"/>
+              <a:t>Wahrscheinlichkeitsstufen</a:t>
             </a:r>
             <a:endParaRPr lang="de-CH" dirty="0"/>
           </a:p>
         </p:txBody>
       </p:sp>
+      <p:pic>
+        <p:nvPicPr>
+          <p:cNvPr id="10" name="Picture 9" descr="Diagram&#10;&#10;Description automatically generated">
+            <a:extLst>
+              <a:ext uri="{FF2B5EF4-FFF2-40B4-BE49-F238E27FC236}">
+                <a16:creationId xmlns:a16="http://schemas.microsoft.com/office/drawing/2014/main" id="{B412AAB5-16E8-4356-852E-DD73FF3806EE}"/>
+              </a:ext>
+            </a:extLst>
+          </p:cNvPr>
+          <p:cNvPicPr>
+            <a:picLocks noChangeAspect="1"/>
+          </p:cNvPicPr>
+          <p:nvPr/>
+        </p:nvPicPr>
+        <p:blipFill>
+          <a:blip r:embed="rId3">
+            <a:extLst>
+              <a:ext uri="{28A0092B-C50C-407E-A947-70E740481C1C}">
+                <a14:useLocalDpi xmlns:a14="http://schemas.microsoft.com/office/drawing/2010/main" val="0"/>
+              </a:ext>
+            </a:extLst>
+          </a:blip>
+          <a:stretch>
+            <a:fillRect/>
+          </a:stretch>
+        </p:blipFill>
+        <p:spPr>
+          <a:xfrm>
+            <a:off x="694499" y="2988543"/>
+            <a:ext cx="8687226" cy="3944000"/>
+          </a:xfrm>
+          <a:prstGeom prst="rect">
+            <a:avLst/>
+          </a:prstGeom>
+        </p:spPr>
+      </p:pic>
     </p:spTree>
     <p:extLst>
       <p:ext uri="{BB962C8B-B14F-4D97-AF65-F5344CB8AC3E}">
@@ -11204,7 +11510,7 @@
                   <a:srgbClr val="000000"/>
                 </a:solidFill>
               </a:rPr>
-              <a:t>20.01.2022</a:t>
+              <a:t>22.01.2022</a:t>
             </a:fld>
             <a:endParaRPr lang="de-CH" dirty="0">
               <a:solidFill>
@@ -11530,11 +11836,11 @@
               <a:t>T</a:t>
             </a:r>
             <a:r>
-              <a:rPr lang="de-CH" dirty="0"/>
+              <a:rPr lang="de-CH"/>
               <a:t>est</a:t>
             </a:r>
             <a:r>
-              <a:rPr lang="en-CH" dirty="0"/>
+              <a:rPr lang="en-CH"/>
               <a:t> </a:t>
             </a:r>
             <a:r>
@@ -13039,6 +13345,17 @@
 </file>
 
 <file path=customXml/item1.xml><?xml version="1.0" encoding="utf-8"?>
+<p:properties xmlns:p="http://schemas.microsoft.com/office/2006/metadata/properties" xmlns:xsi="http://www.w3.org/2001/XMLSchema-instance" xmlns:pc="http://schemas.microsoft.com/office/infopath/2007/PartnerControls">
+  <documentManagement>
+    <Sprache xmlns="69e60002-4b69-4aad-9e3a-e3a9db2b0f4f">Deutsch</Sprache>
+    <Format xmlns="69e60002-4b69-4aad-9e3a-e3a9db2b0f4f" xsi:nil="true"/>
+    <Organisation_x0020__x002f__x0020_Hochschule xmlns="69e60002-4b69-4aad-9e3a-e3a9db2b0f4f">HT</Organisation_x0020__x002f__x0020_Hochschule>
+    <Vorlage xmlns="69e60002-4b69-4aad-9e3a-e3a9db2b0f4f">Power Point</Vorlage>
+  </documentManagement>
+</p:properties>
+</file>
+
+<file path=customXml/item2.xml><?xml version="1.0" encoding="utf-8"?>
 <ct:contentTypeSchema xmlns:ct="http://schemas.microsoft.com/office/2006/metadata/contentType" xmlns:ma="http://schemas.microsoft.com/office/2006/metadata/properties/metaAttributes" ct:_="" ma:_="" ma:contentTypeName="Dokument" ma:contentTypeID="0x010100AC764BFD121A654BAFEE3F0D30D09696" ma:contentTypeVersion="4" ma:contentTypeDescription="Ein neues Dokument erstellen." ma:contentTypeScope="" ma:versionID="f0b21a448d18db25e00af343419af742">
   <xsd:schema xmlns:xsd="http://www.w3.org/2001/XMLSchema" xmlns:xs="http://www.w3.org/2001/XMLSchema" xmlns:p="http://schemas.microsoft.com/office/2006/metadata/properties" xmlns:ns2="69e60002-4b69-4aad-9e3a-e3a9db2b0f4f" targetNamespace="http://schemas.microsoft.com/office/2006/metadata/properties" ma:root="true" ma:fieldsID="a976930b042ac8693047c70f2498f757" ns2:_="">
     <xsd:import namespace="69e60002-4b69-4aad-9e3a-e3a9db2b0f4f"/>
@@ -13213,17 +13530,6 @@
 </ct:contentTypeSchema>
 </file>
 
-<file path=customXml/item2.xml><?xml version="1.0" encoding="utf-8"?>
-<p:properties xmlns:p="http://schemas.microsoft.com/office/2006/metadata/properties" xmlns:xsi="http://www.w3.org/2001/XMLSchema-instance" xmlns:pc="http://schemas.microsoft.com/office/infopath/2007/PartnerControls">
-  <documentManagement>
-    <Sprache xmlns="69e60002-4b69-4aad-9e3a-e3a9db2b0f4f">Deutsch</Sprache>
-    <Format xmlns="69e60002-4b69-4aad-9e3a-e3a9db2b0f4f" xsi:nil="true"/>
-    <Organisation_x0020__x002f__x0020_Hochschule xmlns="69e60002-4b69-4aad-9e3a-e3a9db2b0f4f">HT</Organisation_x0020__x002f__x0020_Hochschule>
-    <Vorlage xmlns="69e60002-4b69-4aad-9e3a-e3a9db2b0f4f">Power Point</Vorlage>
-  </documentManagement>
-</p:properties>
-</file>
-
 <file path=customXml/item3.xml><?xml version="1.0" encoding="utf-8"?>
 <?mso-contentType ?>
 <FormTemplates xmlns="http://schemas.microsoft.com/sharepoint/v3/contenttype/forms">
@@ -13234,6 +13540,16 @@
 </file>
 
 <file path=customXml/itemProps1.xml><?xml version="1.0" encoding="utf-8"?>
+<ds:datastoreItem xmlns:ds="http://schemas.openxmlformats.org/officeDocument/2006/customXml" ds:itemID="{724AFF31-8E32-4607-8DA5-F53690CB721B}">
+  <ds:schemaRefs>
+    <ds:schemaRef ds:uri="http://schemas.microsoft.com/office/2006/metadata/properties"/>
+    <ds:schemaRef ds:uri="http://schemas.microsoft.com/office/infopath/2007/PartnerControls"/>
+    <ds:schemaRef ds:uri="69e60002-4b69-4aad-9e3a-e3a9db2b0f4f"/>
+  </ds:schemaRefs>
+</ds:datastoreItem>
+</file>
+
+<file path=customXml/itemProps2.xml><?xml version="1.0" encoding="utf-8"?>
 <ds:datastoreItem xmlns:ds="http://schemas.openxmlformats.org/officeDocument/2006/customXml" ds:itemID="{0498FCD4-62F2-4C59-824F-30F9B51F9401}">
   <ds:schemaRefs>
     <ds:schemaRef ds:uri="http://schemas.microsoft.com/office/2006/metadata/contentType"/>
@@ -13251,16 +13567,6 @@
 </ds:datastoreItem>
 </file>
 
-<file path=customXml/itemProps2.xml><?xml version="1.0" encoding="utf-8"?>
-<ds:datastoreItem xmlns:ds="http://schemas.openxmlformats.org/officeDocument/2006/customXml" ds:itemID="{724AFF31-8E32-4607-8DA5-F53690CB721B}">
-  <ds:schemaRefs>
-    <ds:schemaRef ds:uri="http://schemas.microsoft.com/office/2006/metadata/properties"/>
-    <ds:schemaRef ds:uri="http://schemas.microsoft.com/office/infopath/2007/PartnerControls"/>
-    <ds:schemaRef ds:uri="69e60002-4b69-4aad-9e3a-e3a9db2b0f4f"/>
-  </ds:schemaRefs>
-</ds:datastoreItem>
-</file>
-
 <file path=customXml/itemProps3.xml><?xml version="1.0" encoding="utf-8"?>
 <ds:datastoreItem xmlns:ds="http://schemas.openxmlformats.org/officeDocument/2006/customXml" ds:itemID="{1F9AB8FE-BD0C-400C-B543-7D7BB2885DFE}">
   <ds:schemaRefs>

--- a/Präsentation/Vorgehen.pptx
+++ b/Präsentation/Vorgehen.pptx
@@ -203,7 +203,7 @@
   <pc:docChgLst>
     <pc:chgData name="Thomas Mandelz" userId="8d3a597e08c542e1" providerId="LiveId" clId="{689DCA06-EA32-4C30-B093-43B7E5AB26E1}"/>
     <pc:docChg chg="undo custSel modSld">
-      <pc:chgData name="Thomas Mandelz" userId="8d3a597e08c542e1" providerId="LiveId" clId="{689DCA06-EA32-4C30-B093-43B7E5AB26E1}" dt="2022-01-22T17:10:19.585" v="261" actId="20577"/>
+      <pc:chgData name="Thomas Mandelz" userId="8d3a597e08c542e1" providerId="LiveId" clId="{689DCA06-EA32-4C30-B093-43B7E5AB26E1}" dt="2022-01-23T08:39:03.409" v="322"/>
       <pc:docMkLst>
         <pc:docMk/>
       </pc:docMkLst>
@@ -223,13 +223,13 @@
         </pc:picChg>
       </pc:sldChg>
       <pc:sldChg chg="modSp mod">
-        <pc:chgData name="Thomas Mandelz" userId="8d3a597e08c542e1" providerId="LiveId" clId="{689DCA06-EA32-4C30-B093-43B7E5AB26E1}" dt="2022-01-22T16:57:00.490" v="7" actId="20577"/>
+        <pc:chgData name="Thomas Mandelz" userId="8d3a597e08c542e1" providerId="LiveId" clId="{689DCA06-EA32-4C30-B093-43B7E5AB26E1}" dt="2022-01-23T08:39:03.409" v="322"/>
         <pc:sldMkLst>
           <pc:docMk/>
           <pc:sldMk cId="3227672474" sldId="265"/>
         </pc:sldMkLst>
         <pc:spChg chg="mod">
-          <ac:chgData name="Thomas Mandelz" userId="8d3a597e08c542e1" providerId="LiveId" clId="{689DCA06-EA32-4C30-B093-43B7E5AB26E1}" dt="2022-01-22T16:57:00.490" v="7" actId="20577"/>
+          <ac:chgData name="Thomas Mandelz" userId="8d3a597e08c542e1" providerId="LiveId" clId="{689DCA06-EA32-4C30-B093-43B7E5AB26E1}" dt="2022-01-23T08:39:03.409" v="322"/>
           <ac:spMkLst>
             <pc:docMk/>
             <pc:sldMk cId="3227672474" sldId="265"/>
@@ -4347,7 +4347,7 @@
                   <a:srgbClr val="000000"/>
                 </a:solidFill>
               </a:rPr>
-              <a:t>22.01.2022</a:t>
+              <a:t>23.01.2022</a:t>
             </a:fld>
             <a:endParaRPr lang="de-CH">
               <a:solidFill>
@@ -4549,7 +4549,7 @@
                   <a:srgbClr val="000000"/>
                 </a:solidFill>
               </a:rPr>
-              <a:t>22.01.2022</a:t>
+              <a:t>23.01.2022</a:t>
             </a:fld>
             <a:endParaRPr lang="de-CH">
               <a:solidFill>
@@ -4755,7 +4755,7 @@
                   <a:srgbClr val="000000"/>
                 </a:solidFill>
               </a:rPr>
-              <a:t>22.01.2022</a:t>
+              <a:t>23.01.2022</a:t>
             </a:fld>
             <a:endParaRPr lang="de-CH">
               <a:solidFill>
@@ -4961,7 +4961,7 @@
                   <a:srgbClr val="000000"/>
                 </a:solidFill>
               </a:rPr>
-              <a:t>22.01.2022</a:t>
+              <a:t>23.01.2022</a:t>
             </a:fld>
             <a:endParaRPr lang="de-CH">
               <a:solidFill>
@@ -5416,7 +5416,7 @@
                   <a:srgbClr val="000000"/>
                 </a:solidFill>
               </a:rPr>
-              <a:t>22.01.2022</a:t>
+              <a:t>23.01.2022</a:t>
             </a:fld>
             <a:endParaRPr lang="de-CH">
               <a:solidFill>
@@ -6290,7 +6290,7 @@
                   <a:srgbClr val="000000"/>
                 </a:solidFill>
               </a:rPr>
-              <a:t>22.01.2022</a:t>
+              <a:t>23.01.2022</a:t>
             </a:fld>
             <a:endParaRPr lang="de-CH">
               <a:solidFill>
@@ -6563,7 +6563,7 @@
                   <a:srgbClr val="000000"/>
                 </a:solidFill>
               </a:rPr>
-              <a:t>22.01.2022</a:t>
+              <a:t>23.01.2022</a:t>
             </a:fld>
             <a:endParaRPr lang="de-CH">
               <a:solidFill>
@@ -7169,7 +7169,7 @@
                   <a:srgbClr val="000000"/>
                 </a:solidFill>
               </a:rPr>
-              <a:t>22.01.2022</a:t>
+              <a:t>23.01.2022</a:t>
             </a:fld>
             <a:endParaRPr lang="de-CH">
               <a:solidFill>
@@ -7544,7 +7544,7 @@
                   <a:srgbClr val="000000"/>
                 </a:solidFill>
               </a:rPr>
-              <a:t>22.01.2022</a:t>
+              <a:t>23.01.2022</a:t>
             </a:fld>
             <a:endParaRPr lang="de-CH">
               <a:solidFill>
@@ -7779,7 +7779,7 @@
                   <a:srgbClr val="000000"/>
                 </a:solidFill>
               </a:rPr>
-              <a:t>22.01.2022</a:t>
+              <a:t>23.01.2022</a:t>
             </a:fld>
             <a:endParaRPr lang="de-CH">
               <a:solidFill>
@@ -8004,7 +8004,7 @@
                   <a:srgbClr val="000000"/>
                 </a:solidFill>
               </a:rPr>
-              <a:t>22.01.2022</a:t>
+              <a:t>23.01.2022</a:t>
             </a:fld>
             <a:endParaRPr lang="de-CH">
               <a:solidFill>
@@ -8249,7 +8249,7 @@
                   <a:srgbClr val="000000"/>
                 </a:solidFill>
               </a:rPr>
-              <a:t>22.01.2022</a:t>
+              <a:t>23.01.2022</a:t>
             </a:fld>
             <a:endParaRPr lang="de-CH">
               <a:solidFill>
@@ -8666,7 +8666,7 @@
                   <a:srgbClr val="000000"/>
                 </a:solidFill>
               </a:rPr>
-              <a:t>22.01.2022</a:t>
+              <a:t>23.01.2022</a:t>
             </a:fld>
             <a:endParaRPr lang="de-CH">
               <a:solidFill>
@@ -9030,7 +9030,7 @@
                   <a:srgbClr val="000000"/>
                 </a:solidFill>
               </a:rPr>
-              <a:t>22.01.2022</a:t>
+              <a:t>23.01.2022</a:t>
             </a:fld>
             <a:endParaRPr lang="de-CH">
               <a:solidFill>
@@ -9786,7 +9786,7 @@
                   <a:srgbClr val="000000"/>
                 </a:solidFill>
               </a:rPr>
-              <a:t>22.01.2022</a:t>
+              <a:t>23.01.2022</a:t>
             </a:fld>
             <a:endParaRPr lang="de-CH">
               <a:solidFill>
@@ -10022,7 +10022,7 @@
                   <a:srgbClr val="000000"/>
                 </a:solidFill>
               </a:rPr>
-              <a:t>22.01.2022</a:t>
+              <a:t>23.01.2022</a:t>
             </a:fld>
             <a:endParaRPr lang="de-CH">
               <a:solidFill>
@@ -10265,7 +10265,7 @@
                   <a:srgbClr val="000000"/>
                 </a:solidFill>
               </a:rPr>
-              <a:t>22.01.2022</a:t>
+              <a:t>23.01.2022</a:t>
             </a:fld>
             <a:endParaRPr lang="de-CH">
               <a:solidFill>
@@ -10461,18 +10461,46 @@
               <a:buChar char="•"/>
             </a:pPr>
             <a:r>
-              <a:rPr lang="en-CH" sz="1800" b="0" i="0" u="none" strike="noStrike" kern="1200" dirty="0" err="1">
+              <a:rPr lang="el-GR" sz="1800" dirty="0">
+                <a:latin typeface="Calibri" panose="020F0502020204030204" pitchFamily="34" charset="0"/>
+                <a:cs typeface="Calibri" panose="020F0502020204030204" pitchFamily="34" charset="0"/>
+              </a:rPr>
+              <a:t>μ</a:t>
+            </a:r>
+            <a:r>
+              <a:rPr lang="en-CH" sz="1800" kern="1200" dirty="0">
                 <a:solidFill>
                   <a:srgbClr val="000000"/>
                 </a:solidFill>
-                <a:effectLst/>
                 <a:latin typeface="Calibri" panose="020F0502020204030204" pitchFamily="34" charset="0"/>
+                <a:cs typeface="Calibri" panose="020F0502020204030204" pitchFamily="34" charset="0"/>
               </a:rPr>
-              <a:t>Standardabweichung</a:t>
+              <a:t> (</a:t>
+            </a:r>
+            <a:r>
+              <a:rPr lang="en-CH" sz="1800" kern="1200" dirty="0" err="1">
+                <a:solidFill>
+                  <a:srgbClr val="000000"/>
+                </a:solidFill>
+                <a:latin typeface="Calibri" panose="020F0502020204030204" pitchFamily="34" charset="0"/>
+                <a:cs typeface="Calibri" panose="020F0502020204030204" pitchFamily="34" charset="0"/>
+              </a:rPr>
+              <a:t>Erwartungswert</a:t>
+            </a:r>
+            <a:r>
+              <a:rPr lang="en-CH" sz="1800" kern="1200" dirty="0">
+                <a:solidFill>
+                  <a:srgbClr val="000000"/>
+                </a:solidFill>
+                <a:latin typeface="Calibri" panose="020F0502020204030204" pitchFamily="34" charset="0"/>
+                <a:cs typeface="Calibri" panose="020F0502020204030204" pitchFamily="34" charset="0"/>
+              </a:rPr>
+              <a:t>)</a:t>
             </a:r>
             <a:endParaRPr lang="de-CH" sz="1800" b="0" i="0" u="none" strike="noStrike" dirty="0">
               <a:effectLst/>
-              <a:latin typeface="Arial" panose="020B0604020202020204" pitchFamily="34" charset="0"/>
+              <a:latin typeface="Calibri" panose="020F0502020204030204" pitchFamily="34" charset="0"/>
+              <a:cs typeface="Calibri" panose="020F0502020204030204" pitchFamily="34" charset="0"/>
             </a:endParaRPr>
           </a:p>
           <a:p>
@@ -10487,18 +10515,63 @@
               <a:buChar char="•"/>
             </a:pPr>
             <a:r>
+              <a:rPr lang="el-GR" sz="1800" dirty="0">
+                <a:latin typeface="Calibri" panose="020F0502020204030204" pitchFamily="34" charset="0"/>
+                <a:cs typeface="Calibri" panose="020F0502020204030204" pitchFamily="34" charset="0"/>
+              </a:rPr>
+              <a:t>σ</a:t>
+            </a:r>
+            <a:r>
+              <a:rPr lang="el-GR" sz="1800" baseline="30000" dirty="0">
+                <a:latin typeface="Calibri" panose="020F0502020204030204" pitchFamily="34" charset="0"/>
+                <a:cs typeface="Calibri" panose="020F0502020204030204" pitchFamily="34" charset="0"/>
+              </a:rPr>
+              <a:t>2</a:t>
+            </a:r>
+            <a:r>
+              <a:rPr lang="en-CH" sz="1800" baseline="30000" dirty="0">
+                <a:latin typeface="Calibri" panose="020F0502020204030204" pitchFamily="34" charset="0"/>
+                <a:cs typeface="Calibri" panose="020F0502020204030204" pitchFamily="34" charset="0"/>
+              </a:rPr>
+              <a:t>  </a:t>
+            </a:r>
+            <a:r>
+              <a:rPr lang="en-CH" sz="1800" b="0" i="0" u="none" strike="noStrike" kern="1200" dirty="0">
+                <a:solidFill>
+                  <a:srgbClr val="000000"/>
+                </a:solidFill>
+                <a:effectLst/>
+                <a:latin typeface="Calibri" panose="020F0502020204030204" pitchFamily="34" charset="0"/>
+                <a:cs typeface="Calibri" panose="020F0502020204030204" pitchFamily="34" charset="0"/>
+              </a:rPr>
+              <a:t>(</a:t>
+            </a:r>
+            <a:r>
               <a:rPr lang="en-CH" sz="1800" b="0" i="0" u="none" strike="noStrike" kern="1200" dirty="0" err="1">
                 <a:solidFill>
                   <a:srgbClr val="000000"/>
                 </a:solidFill>
                 <a:effectLst/>
                 <a:latin typeface="Calibri" panose="020F0502020204030204" pitchFamily="34" charset="0"/>
+                <a:cs typeface="Calibri" panose="020F0502020204030204" pitchFamily="34" charset="0"/>
               </a:rPr>
-              <a:t>Mittelwert</a:t>
+              <a:t>Varianz</a:t>
+            </a:r>
+            <a:r>
+              <a:rPr lang="en-CH" sz="1800" b="0" i="0" u="none" strike="noStrike" kern="1200" dirty="0">
+                <a:solidFill>
+                  <a:srgbClr val="000000"/>
+                </a:solidFill>
+                <a:effectLst/>
+                <a:latin typeface="Calibri" panose="020F0502020204030204" pitchFamily="34" charset="0"/>
+                <a:cs typeface="Calibri" panose="020F0502020204030204" pitchFamily="34" charset="0"/>
+              </a:rPr>
+              <a:t>)</a:t>
             </a:r>
             <a:endParaRPr lang="de-CH" sz="1800" b="0" i="0" u="none" strike="noStrike" dirty="0">
               <a:effectLst/>
-              <a:latin typeface="Arial" panose="020B0604020202020204" pitchFamily="34" charset="0"/>
+              <a:latin typeface="Calibri" panose="020F0502020204030204" pitchFamily="34" charset="0"/>
+              <a:cs typeface="Calibri" panose="020F0502020204030204" pitchFamily="34" charset="0"/>
             </a:endParaRPr>
           </a:p>
           <a:p>
@@ -10597,18 +10670,45 @@
               <a:buChar char="•"/>
             </a:pPr>
             <a:r>
+              <a:rPr lang="de-CH" sz="1800" dirty="0">
+                <a:latin typeface="Calibri" panose="020F0502020204030204" pitchFamily="34" charset="0"/>
+                <a:cs typeface="Calibri" panose="020F0502020204030204" pitchFamily="34" charset="0"/>
+              </a:rPr>
+              <a:t>ƛ</a:t>
+            </a:r>
+            <a:r>
+              <a:rPr lang="en-CH" sz="1800" dirty="0">
+                <a:latin typeface="Calibri" panose="020F0502020204030204" pitchFamily="34" charset="0"/>
+                <a:cs typeface="Calibri" panose="020F0502020204030204" pitchFamily="34" charset="0"/>
+              </a:rPr>
+              <a:t> (</a:t>
+            </a:r>
+            <a:r>
               <a:rPr lang="en-CH" sz="1800" b="0" i="0" u="none" strike="noStrike" kern="1200" dirty="0" err="1">
                 <a:solidFill>
                   <a:srgbClr val="000000"/>
                 </a:solidFill>
                 <a:effectLst/>
                 <a:latin typeface="Calibri" panose="020F0502020204030204" pitchFamily="34" charset="0"/>
+                <a:cs typeface="Calibri" panose="020F0502020204030204" pitchFamily="34" charset="0"/>
               </a:rPr>
-              <a:t>Mittelwert</a:t>
+              <a:t>Abfallrate</a:t>
+            </a:r>
+            <a:r>
+              <a:rPr lang="en-CH" sz="1800" b="0" i="0" u="none" strike="noStrike" kern="1200" dirty="0">
+                <a:solidFill>
+                  <a:srgbClr val="000000"/>
+                </a:solidFill>
+                <a:effectLst/>
+                <a:latin typeface="Calibri" panose="020F0502020204030204" pitchFamily="34" charset="0"/>
+                <a:cs typeface="Calibri" panose="020F0502020204030204" pitchFamily="34" charset="0"/>
+              </a:rPr>
+              <a:t>)</a:t>
             </a:r>
             <a:endParaRPr lang="de-CH" sz="1800" b="0" i="0" u="none" strike="noStrike" dirty="0">
               <a:effectLst/>
-              <a:latin typeface="Arial" panose="020B0604020202020204" pitchFamily="34" charset="0"/>
+              <a:latin typeface="Calibri" panose="020F0502020204030204" pitchFamily="34" charset="0"/>
+              <a:cs typeface="Calibri" panose="020F0502020204030204" pitchFamily="34" charset="0"/>
             </a:endParaRPr>
           </a:p>
           <a:p>
@@ -10707,14 +10807,29 @@
               <a:buChar char="•"/>
             </a:pPr>
             <a:r>
+              <a:rPr lang="de-CH" sz="1800" dirty="0">
+                <a:latin typeface="Calibri" panose="020F0502020204030204" pitchFamily="34" charset="0"/>
+                <a:cs typeface="Calibri" panose="020F0502020204030204" pitchFamily="34" charset="0"/>
+              </a:rPr>
+              <a:t>ƛ</a:t>
+            </a:r>
+            <a:r>
+              <a:rPr lang="en-CH" sz="1800" dirty="0">
+                <a:latin typeface="Calibri" panose="020F0502020204030204" pitchFamily="34" charset="0"/>
+                <a:cs typeface="Calibri" panose="020F0502020204030204" pitchFamily="34" charset="0"/>
+              </a:rPr>
+              <a:t> (</a:t>
+            </a:r>
+            <a:r>
               <a:rPr lang="en-CH" sz="1800" b="0" i="0" u="none" strike="noStrike" kern="1200" dirty="0" err="1">
                 <a:solidFill>
                   <a:srgbClr val="000000"/>
                 </a:solidFill>
                 <a:effectLst/>
                 <a:latin typeface="Calibri" panose="020F0502020204030204" pitchFamily="34" charset="0"/>
+                <a:cs typeface="Calibri" panose="020F0502020204030204" pitchFamily="34" charset="0"/>
               </a:rPr>
-              <a:t>Mittelwert</a:t>
+              <a:t>Abfallrate</a:t>
             </a:r>
             <a:r>
               <a:rPr lang="en-CH" sz="1800" b="0" i="0" u="none" strike="noStrike" kern="1200" dirty="0">
@@ -10723,12 +10838,14 @@
                 </a:solidFill>
                 <a:effectLst/>
                 <a:latin typeface="Calibri" panose="020F0502020204030204" pitchFamily="34" charset="0"/>
+                <a:cs typeface="Calibri" panose="020F0502020204030204" pitchFamily="34" charset="0"/>
               </a:rPr>
-              <a:t> </a:t>
-            </a:r>
-            <a:endParaRPr lang="de-CH" sz="1800" b="0" i="0" u="none" strike="noStrike" dirty="0">
+              <a:t>)</a:t>
+            </a:r>
+            <a:endParaRPr lang="de-CH" sz="1800" b="0" i="0" u="none" strike="noStrike">
               <a:effectLst/>
-              <a:latin typeface="Arial" panose="020B0604020202020204" pitchFamily="34" charset="0"/>
+              <a:latin typeface="Calibri" panose="020F0502020204030204" pitchFamily="34" charset="0"/>
+              <a:cs typeface="Calibri" panose="020F0502020204030204" pitchFamily="34" charset="0"/>
             </a:endParaRPr>
           </a:p>
           <a:p>
@@ -10928,7 +11045,7 @@
                   <a:srgbClr val="000000"/>
                 </a:solidFill>
               </a:rPr>
-              <a:t>22.01.2022</a:t>
+              <a:t>23.01.2022</a:t>
             </a:fld>
             <a:endParaRPr lang="de-CH">
               <a:solidFill>
@@ -11239,7 +11356,7 @@
                   <a:srgbClr val="000000"/>
                 </a:solidFill>
               </a:rPr>
-              <a:t>22.01.2022</a:t>
+              <a:t>23.01.2022</a:t>
             </a:fld>
             <a:endParaRPr lang="de-CH">
               <a:solidFill>
@@ -11510,7 +11627,7 @@
                   <a:srgbClr val="000000"/>
                 </a:solidFill>
               </a:rPr>
-              <a:t>22.01.2022</a:t>
+              <a:t>23.01.2022</a:t>
             </a:fld>
             <a:endParaRPr lang="de-CH" dirty="0">
               <a:solidFill>
@@ -13345,17 +13462,6 @@
 </file>
 
 <file path=customXml/item1.xml><?xml version="1.0" encoding="utf-8"?>
-<p:properties xmlns:p="http://schemas.microsoft.com/office/2006/metadata/properties" xmlns:xsi="http://www.w3.org/2001/XMLSchema-instance" xmlns:pc="http://schemas.microsoft.com/office/infopath/2007/PartnerControls">
-  <documentManagement>
-    <Sprache xmlns="69e60002-4b69-4aad-9e3a-e3a9db2b0f4f">Deutsch</Sprache>
-    <Format xmlns="69e60002-4b69-4aad-9e3a-e3a9db2b0f4f" xsi:nil="true"/>
-    <Organisation_x0020__x002f__x0020_Hochschule xmlns="69e60002-4b69-4aad-9e3a-e3a9db2b0f4f">HT</Organisation_x0020__x002f__x0020_Hochschule>
-    <Vorlage xmlns="69e60002-4b69-4aad-9e3a-e3a9db2b0f4f">Power Point</Vorlage>
-  </documentManagement>
-</p:properties>
-</file>
-
-<file path=customXml/item2.xml><?xml version="1.0" encoding="utf-8"?>
 <ct:contentTypeSchema xmlns:ct="http://schemas.microsoft.com/office/2006/metadata/contentType" xmlns:ma="http://schemas.microsoft.com/office/2006/metadata/properties/metaAttributes" ct:_="" ma:_="" ma:contentTypeName="Dokument" ma:contentTypeID="0x010100AC764BFD121A654BAFEE3F0D30D09696" ma:contentTypeVersion="4" ma:contentTypeDescription="Ein neues Dokument erstellen." ma:contentTypeScope="" ma:versionID="f0b21a448d18db25e00af343419af742">
   <xsd:schema xmlns:xsd="http://www.w3.org/2001/XMLSchema" xmlns:xs="http://www.w3.org/2001/XMLSchema" xmlns:p="http://schemas.microsoft.com/office/2006/metadata/properties" xmlns:ns2="69e60002-4b69-4aad-9e3a-e3a9db2b0f4f" targetNamespace="http://schemas.microsoft.com/office/2006/metadata/properties" ma:root="true" ma:fieldsID="a976930b042ac8693047c70f2498f757" ns2:_="">
     <xsd:import namespace="69e60002-4b69-4aad-9e3a-e3a9db2b0f4f"/>
@@ -13530,6 +13636,17 @@
 </ct:contentTypeSchema>
 </file>
 
+<file path=customXml/item2.xml><?xml version="1.0" encoding="utf-8"?>
+<p:properties xmlns:p="http://schemas.microsoft.com/office/2006/metadata/properties" xmlns:xsi="http://www.w3.org/2001/XMLSchema-instance" xmlns:pc="http://schemas.microsoft.com/office/infopath/2007/PartnerControls">
+  <documentManagement>
+    <Sprache xmlns="69e60002-4b69-4aad-9e3a-e3a9db2b0f4f">Deutsch</Sprache>
+    <Format xmlns="69e60002-4b69-4aad-9e3a-e3a9db2b0f4f" xsi:nil="true"/>
+    <Organisation_x0020__x002f__x0020_Hochschule xmlns="69e60002-4b69-4aad-9e3a-e3a9db2b0f4f">HT</Organisation_x0020__x002f__x0020_Hochschule>
+    <Vorlage xmlns="69e60002-4b69-4aad-9e3a-e3a9db2b0f4f">Power Point</Vorlage>
+  </documentManagement>
+</p:properties>
+</file>
+
 <file path=customXml/item3.xml><?xml version="1.0" encoding="utf-8"?>
 <?mso-contentType ?>
 <FormTemplates xmlns="http://schemas.microsoft.com/sharepoint/v3/contenttype/forms">
@@ -13540,16 +13657,6 @@
 </file>
 
 <file path=customXml/itemProps1.xml><?xml version="1.0" encoding="utf-8"?>
-<ds:datastoreItem xmlns:ds="http://schemas.openxmlformats.org/officeDocument/2006/customXml" ds:itemID="{724AFF31-8E32-4607-8DA5-F53690CB721B}">
-  <ds:schemaRefs>
-    <ds:schemaRef ds:uri="http://schemas.microsoft.com/office/2006/metadata/properties"/>
-    <ds:schemaRef ds:uri="http://schemas.microsoft.com/office/infopath/2007/PartnerControls"/>
-    <ds:schemaRef ds:uri="69e60002-4b69-4aad-9e3a-e3a9db2b0f4f"/>
-  </ds:schemaRefs>
-</ds:datastoreItem>
-</file>
-
-<file path=customXml/itemProps2.xml><?xml version="1.0" encoding="utf-8"?>
 <ds:datastoreItem xmlns:ds="http://schemas.openxmlformats.org/officeDocument/2006/customXml" ds:itemID="{0498FCD4-62F2-4C59-824F-30F9B51F9401}">
   <ds:schemaRefs>
     <ds:schemaRef ds:uri="http://schemas.microsoft.com/office/2006/metadata/contentType"/>
@@ -13567,6 +13674,16 @@
 </ds:datastoreItem>
 </file>
 
+<file path=customXml/itemProps2.xml><?xml version="1.0" encoding="utf-8"?>
+<ds:datastoreItem xmlns:ds="http://schemas.openxmlformats.org/officeDocument/2006/customXml" ds:itemID="{724AFF31-8E32-4607-8DA5-F53690CB721B}">
+  <ds:schemaRefs>
+    <ds:schemaRef ds:uri="http://schemas.microsoft.com/office/2006/metadata/properties"/>
+    <ds:schemaRef ds:uri="http://schemas.microsoft.com/office/infopath/2007/PartnerControls"/>
+    <ds:schemaRef ds:uri="69e60002-4b69-4aad-9e3a-e3a9db2b0f4f"/>
+  </ds:schemaRefs>
+</ds:datastoreItem>
+</file>
+
 <file path=customXml/itemProps3.xml><?xml version="1.0" encoding="utf-8"?>
 <ds:datastoreItem xmlns:ds="http://schemas.openxmlformats.org/officeDocument/2006/customXml" ds:itemID="{1F9AB8FE-BD0C-400C-B543-7D7BB2885DFE}">
   <ds:schemaRefs>

--- a/Präsentation/Vorgehen.pptx
+++ b/Präsentation/Vorgehen.pptx
@@ -203,7 +203,7 @@
   <pc:docChgLst>
     <pc:chgData name="Thomas Mandelz" userId="8d3a597e08c542e1" providerId="LiveId" clId="{689DCA06-EA32-4C30-B093-43B7E5AB26E1}"/>
     <pc:docChg chg="undo custSel modSld">
-      <pc:chgData name="Thomas Mandelz" userId="8d3a597e08c542e1" providerId="LiveId" clId="{689DCA06-EA32-4C30-B093-43B7E5AB26E1}" dt="2022-01-23T08:39:03.409" v="322"/>
+      <pc:chgData name="Thomas Mandelz" userId="8d3a597e08c542e1" providerId="LiveId" clId="{689DCA06-EA32-4C30-B093-43B7E5AB26E1}" dt="2022-01-23T08:51:49.228" v="401" actId="20577"/>
       <pc:docMkLst>
         <pc:docMk/>
       </pc:docMkLst>
@@ -222,8 +222,8 @@
           </ac:picMkLst>
         </pc:picChg>
       </pc:sldChg>
-      <pc:sldChg chg="modSp mod">
-        <pc:chgData name="Thomas Mandelz" userId="8d3a597e08c542e1" providerId="LiveId" clId="{689DCA06-EA32-4C30-B093-43B7E5AB26E1}" dt="2022-01-23T08:39:03.409" v="322"/>
+      <pc:sldChg chg="modSp mod modNotesTx">
+        <pc:chgData name="Thomas Mandelz" userId="8d3a597e08c542e1" providerId="LiveId" clId="{689DCA06-EA32-4C30-B093-43B7E5AB26E1}" dt="2022-01-23T08:48:10.434" v="378" actId="20577"/>
         <pc:sldMkLst>
           <pc:docMk/>
           <pc:sldMk cId="3227672474" sldId="265"/>
@@ -260,8 +260,8 @@
           </ac:picMkLst>
         </pc:picChg>
       </pc:sldChg>
-      <pc:sldChg chg="addSp delSp modSp mod">
-        <pc:chgData name="Thomas Mandelz" userId="8d3a597e08c542e1" providerId="LiveId" clId="{689DCA06-EA32-4C30-B093-43B7E5AB26E1}" dt="2022-01-22T17:03:11.545" v="237" actId="20577"/>
+      <pc:sldChg chg="addSp delSp modSp mod modNotesTx">
+        <pc:chgData name="Thomas Mandelz" userId="8d3a597e08c542e1" providerId="LiveId" clId="{689DCA06-EA32-4C30-B093-43B7E5AB26E1}" dt="2022-01-23T08:51:49.228" v="401" actId="20577"/>
         <pc:sldMkLst>
           <pc:docMk/>
           <pc:sldMk cId="2332655269" sldId="267"/>
@@ -2711,7 +2711,30 @@
             </a:pPr>
             <a:r>
               <a:rPr lang="en-CH" dirty="0"/>
-              <a:t>Parameter für </a:t>
+              <a:t>Parameter </a:t>
+            </a:r>
+            <a:r>
+              <a:rPr lang="en-CH" dirty="0" err="1"/>
+              <a:t>Erwartungswert</a:t>
+            </a:r>
+            <a:r>
+              <a:rPr lang="en-CH" dirty="0"/>
+              <a:t> und </a:t>
+            </a:r>
+            <a:r>
+              <a:rPr lang="en-CH" dirty="0" err="1"/>
+              <a:t>Varianz</a:t>
+            </a:r>
+            <a:endParaRPr lang="en-CH" dirty="0"/>
+          </a:p>
+          <a:p>
+            <a:pPr marL="1085850" lvl="2" indent="-171450">
+              <a:buFont typeface="Arial" panose="020B0604020202020204" pitchFamily="34" charset="0"/>
+              <a:buChar char="•"/>
+            </a:pPr>
+            <a:r>
+              <a:rPr lang="en-CH" dirty="0"/>
+              <a:t> für </a:t>
             </a:r>
             <a:r>
               <a:rPr lang="en-CH" dirty="0" err="1"/>
@@ -2771,6 +2794,17 @@
             </a:r>
             <a:r>
               <a:rPr lang="en-CH" dirty="0" err="1"/>
+              <a:t>Abfallrate</a:t>
+            </a:r>
+            <a:endParaRPr lang="en-CH" dirty="0"/>
+          </a:p>
+          <a:p>
+            <a:pPr marL="1085850" lvl="2" indent="-171450">
+              <a:buFont typeface="Arial" panose="020B0604020202020204" pitchFamily="34" charset="0"/>
+              <a:buChar char="•"/>
+            </a:pPr>
+            <a:r>
+              <a:rPr lang="en-CH" dirty="0" err="1"/>
               <a:t>Mittelwert</a:t>
             </a:r>
             <a:r>
@@ -2886,6 +2920,17 @@
               <a:rPr lang="en-CH" dirty="0"/>
               <a:t>Parameter </a:t>
             </a:r>
+            <a:r>
+              <a:rPr lang="en-CH" dirty="0" err="1"/>
+              <a:t>Abfallrate</a:t>
+            </a:r>
+            <a:endParaRPr lang="en-CH" dirty="0"/>
+          </a:p>
+          <a:p>
+            <a:pPr marL="1085850" lvl="2" indent="-171450">
+              <a:buFont typeface="Arial" panose="020B0604020202020204" pitchFamily="34" charset="0"/>
+              <a:buChar char="•"/>
+            </a:pPr>
             <a:r>
               <a:rPr lang="en-CH" dirty="0" err="1"/>
               <a:t>Mittelwert</a:t>
@@ -3276,6 +3321,25 @@
             <a:r>
               <a:rPr lang="en-CH" dirty="0" err="1"/>
               <a:t>errechnet</a:t>
+            </a:r>
+            <a:endParaRPr lang="en-CH" dirty="0"/>
+          </a:p>
+          <a:p>
+            <a:pPr marL="628650" lvl="1" indent="-171450">
+              <a:buFont typeface="Arial" panose="020B0604020202020204" pitchFamily="34" charset="0"/>
+              <a:buChar char="•"/>
+            </a:pPr>
+            <a:r>
+              <a:rPr lang="en-CH" dirty="0" err="1"/>
+              <a:t>Mehrere</a:t>
+            </a:r>
+            <a:r>
+              <a:rPr lang="en-CH" dirty="0"/>
+              <a:t> </a:t>
+            </a:r>
+            <a:r>
+              <a:rPr lang="en-CH" dirty="0" err="1"/>
+              <a:t>Stufen</a:t>
             </a:r>
             <a:endParaRPr lang="de-CH" dirty="0"/>
           </a:p>
@@ -13462,6 +13526,17 @@
 </file>
 
 <file path=customXml/item1.xml><?xml version="1.0" encoding="utf-8"?>
+<p:properties xmlns:p="http://schemas.microsoft.com/office/2006/metadata/properties" xmlns:xsi="http://www.w3.org/2001/XMLSchema-instance" xmlns:pc="http://schemas.microsoft.com/office/infopath/2007/PartnerControls">
+  <documentManagement>
+    <Sprache xmlns="69e60002-4b69-4aad-9e3a-e3a9db2b0f4f">Deutsch</Sprache>
+    <Format xmlns="69e60002-4b69-4aad-9e3a-e3a9db2b0f4f" xsi:nil="true"/>
+    <Organisation_x0020__x002f__x0020_Hochschule xmlns="69e60002-4b69-4aad-9e3a-e3a9db2b0f4f">HT</Organisation_x0020__x002f__x0020_Hochschule>
+    <Vorlage xmlns="69e60002-4b69-4aad-9e3a-e3a9db2b0f4f">Power Point</Vorlage>
+  </documentManagement>
+</p:properties>
+</file>
+
+<file path=customXml/item2.xml><?xml version="1.0" encoding="utf-8"?>
 <ct:contentTypeSchema xmlns:ct="http://schemas.microsoft.com/office/2006/metadata/contentType" xmlns:ma="http://schemas.microsoft.com/office/2006/metadata/properties/metaAttributes" ct:_="" ma:_="" ma:contentTypeName="Dokument" ma:contentTypeID="0x010100AC764BFD121A654BAFEE3F0D30D09696" ma:contentTypeVersion="4" ma:contentTypeDescription="Ein neues Dokument erstellen." ma:contentTypeScope="" ma:versionID="f0b21a448d18db25e00af343419af742">
   <xsd:schema xmlns:xsd="http://www.w3.org/2001/XMLSchema" xmlns:xs="http://www.w3.org/2001/XMLSchema" xmlns:p="http://schemas.microsoft.com/office/2006/metadata/properties" xmlns:ns2="69e60002-4b69-4aad-9e3a-e3a9db2b0f4f" targetNamespace="http://schemas.microsoft.com/office/2006/metadata/properties" ma:root="true" ma:fieldsID="a976930b042ac8693047c70f2498f757" ns2:_="">
     <xsd:import namespace="69e60002-4b69-4aad-9e3a-e3a9db2b0f4f"/>
@@ -13636,17 +13711,6 @@
 </ct:contentTypeSchema>
 </file>
 
-<file path=customXml/item2.xml><?xml version="1.0" encoding="utf-8"?>
-<p:properties xmlns:p="http://schemas.microsoft.com/office/2006/metadata/properties" xmlns:xsi="http://www.w3.org/2001/XMLSchema-instance" xmlns:pc="http://schemas.microsoft.com/office/infopath/2007/PartnerControls">
-  <documentManagement>
-    <Sprache xmlns="69e60002-4b69-4aad-9e3a-e3a9db2b0f4f">Deutsch</Sprache>
-    <Format xmlns="69e60002-4b69-4aad-9e3a-e3a9db2b0f4f" xsi:nil="true"/>
-    <Organisation_x0020__x002f__x0020_Hochschule xmlns="69e60002-4b69-4aad-9e3a-e3a9db2b0f4f">HT</Organisation_x0020__x002f__x0020_Hochschule>
-    <Vorlage xmlns="69e60002-4b69-4aad-9e3a-e3a9db2b0f4f">Power Point</Vorlage>
-  </documentManagement>
-</p:properties>
-</file>
-
 <file path=customXml/item3.xml><?xml version="1.0" encoding="utf-8"?>
 <?mso-contentType ?>
 <FormTemplates xmlns="http://schemas.microsoft.com/sharepoint/v3/contenttype/forms">
@@ -13657,6 +13721,16 @@
 </file>
 
 <file path=customXml/itemProps1.xml><?xml version="1.0" encoding="utf-8"?>
+<ds:datastoreItem xmlns:ds="http://schemas.openxmlformats.org/officeDocument/2006/customXml" ds:itemID="{724AFF31-8E32-4607-8DA5-F53690CB721B}">
+  <ds:schemaRefs>
+    <ds:schemaRef ds:uri="http://schemas.microsoft.com/office/2006/metadata/properties"/>
+    <ds:schemaRef ds:uri="http://schemas.microsoft.com/office/infopath/2007/PartnerControls"/>
+    <ds:schemaRef ds:uri="69e60002-4b69-4aad-9e3a-e3a9db2b0f4f"/>
+  </ds:schemaRefs>
+</ds:datastoreItem>
+</file>
+
+<file path=customXml/itemProps2.xml><?xml version="1.0" encoding="utf-8"?>
 <ds:datastoreItem xmlns:ds="http://schemas.openxmlformats.org/officeDocument/2006/customXml" ds:itemID="{0498FCD4-62F2-4C59-824F-30F9B51F9401}">
   <ds:schemaRefs>
     <ds:schemaRef ds:uri="http://schemas.microsoft.com/office/2006/metadata/contentType"/>
@@ -13674,16 +13748,6 @@
 </ds:datastoreItem>
 </file>
 
-<file path=customXml/itemProps2.xml><?xml version="1.0" encoding="utf-8"?>
-<ds:datastoreItem xmlns:ds="http://schemas.openxmlformats.org/officeDocument/2006/customXml" ds:itemID="{724AFF31-8E32-4607-8DA5-F53690CB721B}">
-  <ds:schemaRefs>
-    <ds:schemaRef ds:uri="http://schemas.microsoft.com/office/2006/metadata/properties"/>
-    <ds:schemaRef ds:uri="http://schemas.microsoft.com/office/infopath/2007/PartnerControls"/>
-    <ds:schemaRef ds:uri="69e60002-4b69-4aad-9e3a-e3a9db2b0f4f"/>
-  </ds:schemaRefs>
-</ds:datastoreItem>
-</file>
-
 <file path=customXml/itemProps3.xml><?xml version="1.0" encoding="utf-8"?>
 <ds:datastoreItem xmlns:ds="http://schemas.openxmlformats.org/officeDocument/2006/customXml" ds:itemID="{1F9AB8FE-BD0C-400C-B543-7D7BB2885DFE}">
   <ds:schemaRefs>

--- a/Präsentation/Vorgehen.pptx
+++ b/Präsentation/Vorgehen.pptx
@@ -190,14 +190,6 @@
 </p:presentation>
 </file>
 
-<file path=ppt/revisionInfo.xml><?xml version="1.0" encoding="utf-8"?>
-<p1510:revInfo xmlns:a="http://schemas.openxmlformats.org/drawingml/2006/main" xmlns:r="http://schemas.openxmlformats.org/officeDocument/2006/relationships" xmlns:p1510="http://schemas.microsoft.com/office/powerpoint/2015/10/main">
-  <p1510:revLst>
-    <p1510:client id="{689DCA06-EA32-4C30-B093-43B7E5AB26E1}" v="3" dt="2022-01-22T17:05:08.941"/>
-  </p1510:revLst>
-</p1510:revInfo>
-</file>
-
 <file path=ppt/changesInfos/changesInfo1.xml><?xml version="1.0" encoding="utf-8"?>
 <pc:chgInfo xmlns:a="http://schemas.openxmlformats.org/drawingml/2006/main" xmlns:r="http://schemas.openxmlformats.org/officeDocument/2006/relationships" xmlns:ac="http://schemas.microsoft.com/office/drawing/2013/main/command" xmlns:pc="http://schemas.microsoft.com/office/powerpoint/2013/main/command">
   <pc:docChgLst>
@@ -306,6 +298,685 @@
           </ac:spMkLst>
         </pc:spChg>
       </pc:sldChg>
+    </pc:docChg>
+  </pc:docChgLst>
+  <pc:docChgLst>
+    <pc:chgData name="Thomas Mandelz" userId="8d3a597e08c542e1" providerId="LiveId" clId="{C836EF19-E232-49E4-AE3F-6127B56BBCF6}"/>
+    <pc:docChg chg="undo custSel addSld delSld modSld sldOrd modMainMaster addSection delSection modSection">
+      <pc:chgData name="Thomas Mandelz" userId="8d3a597e08c542e1" providerId="LiveId" clId="{C836EF19-E232-49E4-AE3F-6127B56BBCF6}" dt="2022-01-25T07:29:00.829" v="435" actId="1037"/>
+      <pc:docMkLst>
+        <pc:docMk/>
+      </pc:docMkLst>
+      <pc:sldChg chg="addSp delSp modSp mod chgLayout">
+        <pc:chgData name="Thomas Mandelz" userId="8d3a597e08c542e1" providerId="LiveId" clId="{C836EF19-E232-49E4-AE3F-6127B56BBCF6}" dt="2022-01-20T10:24:22.723" v="165" actId="700"/>
+        <pc:sldMkLst>
+          <pc:docMk/>
+          <pc:sldMk cId="1565490079" sldId="256"/>
+        </pc:sldMkLst>
+        <pc:spChg chg="add mod ord">
+          <ac:chgData name="Thomas Mandelz" userId="8d3a597e08c542e1" providerId="LiveId" clId="{C836EF19-E232-49E4-AE3F-6127B56BBCF6}" dt="2022-01-20T10:24:22.723" v="165" actId="700"/>
+          <ac:spMkLst>
+            <pc:docMk/>
+            <pc:sldMk cId="1565490079" sldId="256"/>
+            <ac:spMk id="2" creationId="{2A1B54F5-4440-4F71-8CB5-CD27E940E538}"/>
+          </ac:spMkLst>
+        </pc:spChg>
+        <pc:spChg chg="add mod ord">
+          <ac:chgData name="Thomas Mandelz" userId="8d3a597e08c542e1" providerId="LiveId" clId="{C836EF19-E232-49E4-AE3F-6127B56BBCF6}" dt="2022-01-20T10:24:22.723" v="165" actId="700"/>
+          <ac:spMkLst>
+            <pc:docMk/>
+            <pc:sldMk cId="1565490079" sldId="256"/>
+            <ac:spMk id="3" creationId="{EEFFBEBE-A755-4284-B079-84443278B633}"/>
+          </ac:spMkLst>
+        </pc:spChg>
+        <pc:spChg chg="add mod ord">
+          <ac:chgData name="Thomas Mandelz" userId="8d3a597e08c542e1" providerId="LiveId" clId="{C836EF19-E232-49E4-AE3F-6127B56BBCF6}" dt="2022-01-20T10:24:22.723" v="165" actId="700"/>
+          <ac:spMkLst>
+            <pc:docMk/>
+            <pc:sldMk cId="1565490079" sldId="256"/>
+            <ac:spMk id="4" creationId="{522BEE71-1897-4CA2-9731-F794575FC8BA}"/>
+          </ac:spMkLst>
+        </pc:spChg>
+        <pc:spChg chg="mod ord">
+          <ac:chgData name="Thomas Mandelz" userId="8d3a597e08c542e1" providerId="LiveId" clId="{C836EF19-E232-49E4-AE3F-6127B56BBCF6}" dt="2022-01-20T10:24:22.723" v="165" actId="700"/>
+          <ac:spMkLst>
+            <pc:docMk/>
+            <pc:sldMk cId="1565490079" sldId="256"/>
+            <ac:spMk id="11" creationId="{00000000-0000-0000-0000-000000000000}"/>
+          </ac:spMkLst>
+        </pc:spChg>
+        <pc:spChg chg="del">
+          <ac:chgData name="Thomas Mandelz" userId="8d3a597e08c542e1" providerId="LiveId" clId="{C836EF19-E232-49E4-AE3F-6127B56BBCF6}" dt="2022-01-20T10:24:22.723" v="165" actId="700"/>
+          <ac:spMkLst>
+            <pc:docMk/>
+            <pc:sldMk cId="1565490079" sldId="256"/>
+            <ac:spMk id="12" creationId="{00000000-0000-0000-0000-000000000000}"/>
+          </ac:spMkLst>
+        </pc:spChg>
+        <pc:spChg chg="del">
+          <ac:chgData name="Thomas Mandelz" userId="8d3a597e08c542e1" providerId="LiveId" clId="{C836EF19-E232-49E4-AE3F-6127B56BBCF6}" dt="2022-01-20T10:24:22.723" v="165" actId="700"/>
+          <ac:spMkLst>
+            <pc:docMk/>
+            <pc:sldMk cId="1565490079" sldId="256"/>
+            <ac:spMk id="13" creationId="{00000000-0000-0000-0000-000000000000}"/>
+          </ac:spMkLst>
+        </pc:spChg>
+        <pc:spChg chg="del">
+          <ac:chgData name="Thomas Mandelz" userId="8d3a597e08c542e1" providerId="LiveId" clId="{C836EF19-E232-49E4-AE3F-6127B56BBCF6}" dt="2022-01-20T10:24:22.723" v="165" actId="700"/>
+          <ac:spMkLst>
+            <pc:docMk/>
+            <pc:sldMk cId="1565490079" sldId="256"/>
+            <ac:spMk id="14" creationId="{00000000-0000-0000-0000-000000000000}"/>
+          </ac:spMkLst>
+        </pc:spChg>
+      </pc:sldChg>
+      <pc:sldChg chg="modSp mod ord chgLayout modNotesTx">
+        <pc:chgData name="Thomas Mandelz" userId="8d3a597e08c542e1" providerId="LiveId" clId="{C836EF19-E232-49E4-AE3F-6127B56BBCF6}" dt="2022-01-20T10:35:39.548" v="265" actId="20577"/>
+        <pc:sldMkLst>
+          <pc:docMk/>
+          <pc:sldMk cId="167053416" sldId="257"/>
+        </pc:sldMkLst>
+        <pc:spChg chg="mod ord">
+          <ac:chgData name="Thomas Mandelz" userId="8d3a597e08c542e1" providerId="LiveId" clId="{C836EF19-E232-49E4-AE3F-6127B56BBCF6}" dt="2022-01-20T10:26:48.102" v="213" actId="700"/>
+          <ac:spMkLst>
+            <pc:docMk/>
+            <pc:sldMk cId="167053416" sldId="257"/>
+            <ac:spMk id="2" creationId="{6A637E5E-7D44-4BD1-AA8E-43CD940CEDA0}"/>
+          </ac:spMkLst>
+        </pc:spChg>
+        <pc:spChg chg="mod ord">
+          <ac:chgData name="Thomas Mandelz" userId="8d3a597e08c542e1" providerId="LiveId" clId="{C836EF19-E232-49E4-AE3F-6127B56BBCF6}" dt="2022-01-20T10:35:39.548" v="265" actId="20577"/>
+          <ac:spMkLst>
+            <pc:docMk/>
+            <pc:sldMk cId="167053416" sldId="257"/>
+            <ac:spMk id="3" creationId="{78BDEE6F-9346-4E36-9928-7DD404669CBA}"/>
+          </ac:spMkLst>
+        </pc:spChg>
+        <pc:spChg chg="mod ord">
+          <ac:chgData name="Thomas Mandelz" userId="8d3a597e08c542e1" providerId="LiveId" clId="{C836EF19-E232-49E4-AE3F-6127B56BBCF6}" dt="2022-01-20T10:26:48.102" v="213" actId="700"/>
+          <ac:spMkLst>
+            <pc:docMk/>
+            <pc:sldMk cId="167053416" sldId="257"/>
+            <ac:spMk id="4" creationId="{F377F38E-D17E-47C7-9B57-4862E268311F}"/>
+          </ac:spMkLst>
+        </pc:spChg>
+        <pc:spChg chg="mod ord">
+          <ac:chgData name="Thomas Mandelz" userId="8d3a597e08c542e1" providerId="LiveId" clId="{C836EF19-E232-49E4-AE3F-6127B56BBCF6}" dt="2022-01-20T10:26:48.102" v="213" actId="700"/>
+          <ac:spMkLst>
+            <pc:docMk/>
+            <pc:sldMk cId="167053416" sldId="257"/>
+            <ac:spMk id="5" creationId="{E8D3B194-D365-4A47-895A-779B89CDF225}"/>
+          </ac:spMkLst>
+        </pc:spChg>
+        <pc:spChg chg="mod ord">
+          <ac:chgData name="Thomas Mandelz" userId="8d3a597e08c542e1" providerId="LiveId" clId="{C836EF19-E232-49E4-AE3F-6127B56BBCF6}" dt="2022-01-20T10:26:48.102" v="213" actId="700"/>
+          <ac:spMkLst>
+            <pc:docMk/>
+            <pc:sldMk cId="167053416" sldId="257"/>
+            <ac:spMk id="6" creationId="{E5F19C17-8FA1-4AA2-874D-DF5936B1FBF9}"/>
+          </ac:spMkLst>
+        </pc:spChg>
+      </pc:sldChg>
+      <pc:sldChg chg="addSp delSp modSp mod chgLayout">
+        <pc:chgData name="Thomas Mandelz" userId="8d3a597e08c542e1" providerId="LiveId" clId="{C836EF19-E232-49E4-AE3F-6127B56BBCF6}" dt="2022-01-20T10:34:16.103" v="236" actId="20577"/>
+        <pc:sldMkLst>
+          <pc:docMk/>
+          <pc:sldMk cId="2846429837" sldId="258"/>
+        </pc:sldMkLst>
+        <pc:spChg chg="mod ord">
+          <ac:chgData name="Thomas Mandelz" userId="8d3a597e08c542e1" providerId="LiveId" clId="{C836EF19-E232-49E4-AE3F-6127B56BBCF6}" dt="2022-01-20T10:32:57.819" v="229" actId="6264"/>
+          <ac:spMkLst>
+            <pc:docMk/>
+            <pc:sldMk cId="2846429837" sldId="258"/>
+            <ac:spMk id="2" creationId="{A9EBD42C-9BD0-426B-988A-EFEB31C1C8E6}"/>
+          </ac:spMkLst>
+        </pc:spChg>
+        <pc:spChg chg="mod ord">
+          <ac:chgData name="Thomas Mandelz" userId="8d3a597e08c542e1" providerId="LiveId" clId="{C836EF19-E232-49E4-AE3F-6127B56BBCF6}" dt="2022-01-20T10:34:16.103" v="236" actId="20577"/>
+          <ac:spMkLst>
+            <pc:docMk/>
+            <pc:sldMk cId="2846429837" sldId="258"/>
+            <ac:spMk id="3" creationId="{79741CD7-B0EC-4BC7-95D7-6B24CB59D70B}"/>
+          </ac:spMkLst>
+        </pc:spChg>
+        <pc:spChg chg="mod ord">
+          <ac:chgData name="Thomas Mandelz" userId="8d3a597e08c542e1" providerId="LiveId" clId="{C836EF19-E232-49E4-AE3F-6127B56BBCF6}" dt="2022-01-20T10:32:57.819" v="229" actId="6264"/>
+          <ac:spMkLst>
+            <pc:docMk/>
+            <pc:sldMk cId="2846429837" sldId="258"/>
+            <ac:spMk id="4" creationId="{35C2EE67-9E90-4368-8331-8C0AC2CDA696}"/>
+          </ac:spMkLst>
+        </pc:spChg>
+        <pc:spChg chg="mod ord">
+          <ac:chgData name="Thomas Mandelz" userId="8d3a597e08c542e1" providerId="LiveId" clId="{C836EF19-E232-49E4-AE3F-6127B56BBCF6}" dt="2022-01-20T10:32:57.819" v="229" actId="6264"/>
+          <ac:spMkLst>
+            <pc:docMk/>
+            <pc:sldMk cId="2846429837" sldId="258"/>
+            <ac:spMk id="5" creationId="{6E14347E-2883-429B-9815-FB966326E7D3}"/>
+          </ac:spMkLst>
+        </pc:spChg>
+        <pc:spChg chg="mod ord">
+          <ac:chgData name="Thomas Mandelz" userId="8d3a597e08c542e1" providerId="LiveId" clId="{C836EF19-E232-49E4-AE3F-6127B56BBCF6}" dt="2022-01-20T10:32:57.819" v="229" actId="6264"/>
+          <ac:spMkLst>
+            <pc:docMk/>
+            <pc:sldMk cId="2846429837" sldId="258"/>
+            <ac:spMk id="6" creationId="{6971CC47-1854-4AB3-B2A8-D158C4CBF752}"/>
+          </ac:spMkLst>
+        </pc:spChg>
+        <pc:spChg chg="add del mod">
+          <ac:chgData name="Thomas Mandelz" userId="8d3a597e08c542e1" providerId="LiveId" clId="{C836EF19-E232-49E4-AE3F-6127B56BBCF6}" dt="2022-01-20T10:32:57.819" v="229" actId="6264"/>
+          <ac:spMkLst>
+            <pc:docMk/>
+            <pc:sldMk cId="2846429837" sldId="258"/>
+            <ac:spMk id="7" creationId="{CE002C3C-059A-4F63-829E-925338B40903}"/>
+          </ac:spMkLst>
+        </pc:spChg>
+        <pc:spChg chg="add del mod">
+          <ac:chgData name="Thomas Mandelz" userId="8d3a597e08c542e1" providerId="LiveId" clId="{C836EF19-E232-49E4-AE3F-6127B56BBCF6}" dt="2022-01-20T10:32:57.819" v="229" actId="6264"/>
+          <ac:spMkLst>
+            <pc:docMk/>
+            <pc:sldMk cId="2846429837" sldId="258"/>
+            <ac:spMk id="8" creationId="{99849763-6184-429C-994A-801E8D190693}"/>
+          </ac:spMkLst>
+        </pc:spChg>
+        <pc:spChg chg="add del mod">
+          <ac:chgData name="Thomas Mandelz" userId="8d3a597e08c542e1" providerId="LiveId" clId="{C836EF19-E232-49E4-AE3F-6127B56BBCF6}" dt="2022-01-20T10:32:57.819" v="229" actId="6264"/>
+          <ac:spMkLst>
+            <pc:docMk/>
+            <pc:sldMk cId="2846429837" sldId="258"/>
+            <ac:spMk id="9" creationId="{59B07AD0-CC6B-480B-BC34-D92D06743389}"/>
+          </ac:spMkLst>
+        </pc:spChg>
+        <pc:spChg chg="add del mod">
+          <ac:chgData name="Thomas Mandelz" userId="8d3a597e08c542e1" providerId="LiveId" clId="{C836EF19-E232-49E4-AE3F-6127B56BBCF6}" dt="2022-01-20T10:32:57.819" v="229" actId="6264"/>
+          <ac:spMkLst>
+            <pc:docMk/>
+            <pc:sldMk cId="2846429837" sldId="258"/>
+            <ac:spMk id="10" creationId="{294BB5BE-511A-4D04-B455-90045BAE97F5}"/>
+          </ac:spMkLst>
+        </pc:spChg>
+        <pc:spChg chg="add del mod">
+          <ac:chgData name="Thomas Mandelz" userId="8d3a597e08c542e1" providerId="LiveId" clId="{C836EF19-E232-49E4-AE3F-6127B56BBCF6}" dt="2022-01-20T10:32:57.819" v="229" actId="6264"/>
+          <ac:spMkLst>
+            <pc:docMk/>
+            <pc:sldMk cId="2846429837" sldId="258"/>
+            <ac:spMk id="11" creationId="{DC7683C0-0FEF-4F23-9374-B04B5F3F270C}"/>
+          </ac:spMkLst>
+        </pc:spChg>
+      </pc:sldChg>
+      <pc:sldChg chg="modSp mod">
+        <pc:chgData name="Thomas Mandelz" userId="8d3a597e08c542e1" providerId="LiveId" clId="{C836EF19-E232-49E4-AE3F-6127B56BBCF6}" dt="2022-01-20T10:34:31.348" v="238" actId="20577"/>
+        <pc:sldMkLst>
+          <pc:docMk/>
+          <pc:sldMk cId="3256045482" sldId="261"/>
+        </pc:sldMkLst>
+        <pc:spChg chg="mod">
+          <ac:chgData name="Thomas Mandelz" userId="8d3a597e08c542e1" providerId="LiveId" clId="{C836EF19-E232-49E4-AE3F-6127B56BBCF6}" dt="2022-01-20T10:34:31.348" v="238" actId="20577"/>
+          <ac:spMkLst>
+            <pc:docMk/>
+            <pc:sldMk cId="3256045482" sldId="261"/>
+            <ac:spMk id="3" creationId="{376392EA-958A-4A67-8C48-4CBF74BA2B72}"/>
+          </ac:spMkLst>
+        </pc:spChg>
+      </pc:sldChg>
+      <pc:sldChg chg="addSp delSp modSp mod modClrScheme chgLayout modNotesTx">
+        <pc:chgData name="Thomas Mandelz" userId="8d3a597e08c542e1" providerId="LiveId" clId="{C836EF19-E232-49E4-AE3F-6127B56BBCF6}" dt="2022-01-20T10:35:44.388" v="266"/>
+        <pc:sldMkLst>
+          <pc:docMk/>
+          <pc:sldMk cId="829703314" sldId="262"/>
+        </pc:sldMkLst>
+        <pc:spChg chg="mod ord">
+          <ac:chgData name="Thomas Mandelz" userId="8d3a597e08c542e1" providerId="LiveId" clId="{C836EF19-E232-49E4-AE3F-6127B56BBCF6}" dt="2022-01-20T10:27:05.195" v="216" actId="700"/>
+          <ac:spMkLst>
+            <pc:docMk/>
+            <pc:sldMk cId="829703314" sldId="262"/>
+            <ac:spMk id="2" creationId="{FB56C107-9EB4-4A83-819A-C7CE80697548}"/>
+          </ac:spMkLst>
+        </pc:spChg>
+        <pc:spChg chg="mod ord">
+          <ac:chgData name="Thomas Mandelz" userId="8d3a597e08c542e1" providerId="LiveId" clId="{C836EF19-E232-49E4-AE3F-6127B56BBCF6}" dt="2022-01-20T10:35:44.388" v="266"/>
+          <ac:spMkLst>
+            <pc:docMk/>
+            <pc:sldMk cId="829703314" sldId="262"/>
+            <ac:spMk id="3" creationId="{6F161E53-DE5A-4624-BB45-8A8062AC7923}"/>
+          </ac:spMkLst>
+        </pc:spChg>
+        <pc:spChg chg="mod ord">
+          <ac:chgData name="Thomas Mandelz" userId="8d3a597e08c542e1" providerId="LiveId" clId="{C836EF19-E232-49E4-AE3F-6127B56BBCF6}" dt="2022-01-20T10:27:05.195" v="216" actId="700"/>
+          <ac:spMkLst>
+            <pc:docMk/>
+            <pc:sldMk cId="829703314" sldId="262"/>
+            <ac:spMk id="4" creationId="{197A6D72-4615-4D7A-963E-F1A94B1028B4}"/>
+          </ac:spMkLst>
+        </pc:spChg>
+        <pc:spChg chg="mod ord">
+          <ac:chgData name="Thomas Mandelz" userId="8d3a597e08c542e1" providerId="LiveId" clId="{C836EF19-E232-49E4-AE3F-6127B56BBCF6}" dt="2022-01-20T10:27:05.195" v="216" actId="700"/>
+          <ac:spMkLst>
+            <pc:docMk/>
+            <pc:sldMk cId="829703314" sldId="262"/>
+            <ac:spMk id="5" creationId="{7F670212-DD83-4E79-8377-078151B05ECC}"/>
+          </ac:spMkLst>
+        </pc:spChg>
+        <pc:spChg chg="mod ord">
+          <ac:chgData name="Thomas Mandelz" userId="8d3a597e08c542e1" providerId="LiveId" clId="{C836EF19-E232-49E4-AE3F-6127B56BBCF6}" dt="2022-01-20T10:27:05.195" v="216" actId="700"/>
+          <ac:spMkLst>
+            <pc:docMk/>
+            <pc:sldMk cId="829703314" sldId="262"/>
+            <ac:spMk id="6" creationId="{8D1C922C-A852-4356-98EE-0FBCFACDB6FA}"/>
+          </ac:spMkLst>
+        </pc:spChg>
+        <pc:spChg chg="add del mod ord">
+          <ac:chgData name="Thomas Mandelz" userId="8d3a597e08c542e1" providerId="LiveId" clId="{C836EF19-E232-49E4-AE3F-6127B56BBCF6}" dt="2022-01-20T10:27:05.195" v="216" actId="700"/>
+          <ac:spMkLst>
+            <pc:docMk/>
+            <pc:sldMk cId="829703314" sldId="262"/>
+            <ac:spMk id="7" creationId="{D143E9C1-0272-4B2C-AAB8-6BF6B48E9892}"/>
+          </ac:spMkLst>
+        </pc:spChg>
+      </pc:sldChg>
+      <pc:sldChg chg="modSp new mod ord modNotesTx">
+        <pc:chgData name="Thomas Mandelz" userId="8d3a597e08c542e1" providerId="LiveId" clId="{C836EF19-E232-49E4-AE3F-6127B56BBCF6}" dt="2022-01-20T10:34:43.484" v="242" actId="20577"/>
+        <pc:sldMkLst>
+          <pc:docMk/>
+          <pc:sldMk cId="1959079473" sldId="263"/>
+        </pc:sldMkLst>
+        <pc:spChg chg="mod">
+          <ac:chgData name="Thomas Mandelz" userId="8d3a597e08c542e1" providerId="LiveId" clId="{C836EF19-E232-49E4-AE3F-6127B56BBCF6}" dt="2022-01-20T10:34:43.484" v="242" actId="20577"/>
+          <ac:spMkLst>
+            <pc:docMk/>
+            <pc:sldMk cId="1959079473" sldId="263"/>
+            <ac:spMk id="3" creationId="{685FAFE3-9987-4E31-8760-FF4E55E0A543}"/>
+          </ac:spMkLst>
+        </pc:spChg>
+        <pc:spChg chg="mod">
+          <ac:chgData name="Thomas Mandelz" userId="8d3a597e08c542e1" providerId="LiveId" clId="{C836EF19-E232-49E4-AE3F-6127B56BBCF6}" dt="2022-01-20T10:18:05.228" v="5"/>
+          <ac:spMkLst>
+            <pc:docMk/>
+            <pc:sldMk cId="1959079473" sldId="263"/>
+            <ac:spMk id="5" creationId="{51617950-D507-4842-83F8-BD8D62FE8FEF}"/>
+          </ac:spMkLst>
+        </pc:spChg>
+        <pc:spChg chg="mod">
+          <ac:chgData name="Thomas Mandelz" userId="8d3a597e08c542e1" providerId="LiveId" clId="{C836EF19-E232-49E4-AE3F-6127B56BBCF6}" dt="2022-01-20T10:18:30.366" v="58" actId="20577"/>
+          <ac:spMkLst>
+            <pc:docMk/>
+            <pc:sldMk cId="1959079473" sldId="263"/>
+            <ac:spMk id="6" creationId="{1EDF0314-3A6C-4B70-BA52-AA4E2E3AD062}"/>
+          </ac:spMkLst>
+        </pc:spChg>
+      </pc:sldChg>
+      <pc:sldChg chg="addSp delSp modSp new mod modClrScheme chgLayout modNotesTx">
+        <pc:chgData name="Thomas Mandelz" userId="8d3a597e08c542e1" providerId="LiveId" clId="{C836EF19-E232-49E4-AE3F-6127B56BBCF6}" dt="2022-01-25T07:29:00.829" v="435" actId="1037"/>
+        <pc:sldMkLst>
+          <pc:docMk/>
+          <pc:sldMk cId="3779323427" sldId="264"/>
+        </pc:sldMkLst>
+        <pc:spChg chg="mod ord">
+          <ac:chgData name="Thomas Mandelz" userId="8d3a597e08c542e1" providerId="LiveId" clId="{C836EF19-E232-49E4-AE3F-6127B56BBCF6}" dt="2022-01-20T10:28:41.373" v="223" actId="700"/>
+          <ac:spMkLst>
+            <pc:docMk/>
+            <pc:sldMk cId="3779323427" sldId="264"/>
+            <ac:spMk id="2" creationId="{ED741506-91C6-43DA-89DA-B78B74D866BE}"/>
+          </ac:spMkLst>
+        </pc:spChg>
+        <pc:spChg chg="mod ord">
+          <ac:chgData name="Thomas Mandelz" userId="8d3a597e08c542e1" providerId="LiveId" clId="{C836EF19-E232-49E4-AE3F-6127B56BBCF6}" dt="2022-01-20T10:34:54.872" v="246" actId="20577"/>
+          <ac:spMkLst>
+            <pc:docMk/>
+            <pc:sldMk cId="3779323427" sldId="264"/>
+            <ac:spMk id="3" creationId="{249AF704-A0A8-43F3-B94D-5EAD3D8BE2AC}"/>
+          </ac:spMkLst>
+        </pc:spChg>
+        <pc:spChg chg="mod ord">
+          <ac:chgData name="Thomas Mandelz" userId="8d3a597e08c542e1" providerId="LiveId" clId="{C836EF19-E232-49E4-AE3F-6127B56BBCF6}" dt="2022-01-20T10:28:41.373" v="223" actId="700"/>
+          <ac:spMkLst>
+            <pc:docMk/>
+            <pc:sldMk cId="3779323427" sldId="264"/>
+            <ac:spMk id="4" creationId="{0519A21A-3F47-4F26-B8B1-9E5B2C23C079}"/>
+          </ac:spMkLst>
+        </pc:spChg>
+        <pc:spChg chg="mod ord">
+          <ac:chgData name="Thomas Mandelz" userId="8d3a597e08c542e1" providerId="LiveId" clId="{C836EF19-E232-49E4-AE3F-6127B56BBCF6}" dt="2022-01-25T07:28:40.067" v="416" actId="20577"/>
+          <ac:spMkLst>
+            <pc:docMk/>
+            <pc:sldMk cId="3779323427" sldId="264"/>
+            <ac:spMk id="5" creationId="{E6A0F4BF-078E-4655-B23D-A3C0D3C50C6E}"/>
+          </ac:spMkLst>
+        </pc:spChg>
+        <pc:spChg chg="mod ord">
+          <ac:chgData name="Thomas Mandelz" userId="8d3a597e08c542e1" providerId="LiveId" clId="{C836EF19-E232-49E4-AE3F-6127B56BBCF6}" dt="2022-01-20T10:28:41.373" v="223" actId="700"/>
+          <ac:spMkLst>
+            <pc:docMk/>
+            <pc:sldMk cId="3779323427" sldId="264"/>
+            <ac:spMk id="6" creationId="{EB5DE208-696B-474A-BD6A-10F05B5E0CF7}"/>
+          </ac:spMkLst>
+        </pc:spChg>
+        <pc:spChg chg="add del mod">
+          <ac:chgData name="Thomas Mandelz" userId="8d3a597e08c542e1" providerId="LiveId" clId="{C836EF19-E232-49E4-AE3F-6127B56BBCF6}" dt="2022-01-20T10:19:00.217" v="63"/>
+          <ac:spMkLst>
+            <pc:docMk/>
+            <pc:sldMk cId="3779323427" sldId="264"/>
+            <ac:spMk id="7" creationId="{93E8E265-A179-417A-9B6B-238F1E18ED18}"/>
+          </ac:spMkLst>
+        </pc:spChg>
+        <pc:spChg chg="add del mod">
+          <ac:chgData name="Thomas Mandelz" userId="8d3a597e08c542e1" providerId="LiveId" clId="{C836EF19-E232-49E4-AE3F-6127B56BBCF6}" dt="2022-01-20T10:28:15.487" v="220" actId="6264"/>
+          <ac:spMkLst>
+            <pc:docMk/>
+            <pc:sldMk cId="3779323427" sldId="264"/>
+            <ac:spMk id="10" creationId="{B6097289-482F-497C-A008-749EEBF65128}"/>
+          </ac:spMkLst>
+        </pc:spChg>
+        <pc:spChg chg="add del mod">
+          <ac:chgData name="Thomas Mandelz" userId="8d3a597e08c542e1" providerId="LiveId" clId="{C836EF19-E232-49E4-AE3F-6127B56BBCF6}" dt="2022-01-20T10:28:15.487" v="220" actId="6264"/>
+          <ac:spMkLst>
+            <pc:docMk/>
+            <pc:sldMk cId="3779323427" sldId="264"/>
+            <ac:spMk id="11" creationId="{82F4292B-469B-45D6-957B-44A5C5BAD556}"/>
+          </ac:spMkLst>
+        </pc:spChg>
+        <pc:spChg chg="add del mod">
+          <ac:chgData name="Thomas Mandelz" userId="8d3a597e08c542e1" providerId="LiveId" clId="{C836EF19-E232-49E4-AE3F-6127B56BBCF6}" dt="2022-01-20T10:28:15.487" v="220" actId="6264"/>
+          <ac:spMkLst>
+            <pc:docMk/>
+            <pc:sldMk cId="3779323427" sldId="264"/>
+            <ac:spMk id="12" creationId="{DED62E48-4607-45D2-9084-712A019B38B6}"/>
+          </ac:spMkLst>
+        </pc:spChg>
+        <pc:spChg chg="add del mod">
+          <ac:chgData name="Thomas Mandelz" userId="8d3a597e08c542e1" providerId="LiveId" clId="{C836EF19-E232-49E4-AE3F-6127B56BBCF6}" dt="2022-01-20T10:28:15.487" v="220" actId="6264"/>
+          <ac:spMkLst>
+            <pc:docMk/>
+            <pc:sldMk cId="3779323427" sldId="264"/>
+            <ac:spMk id="13" creationId="{B95BFD99-88ED-439F-9B44-8AD9FF5E9B30}"/>
+          </ac:spMkLst>
+        </pc:spChg>
+        <pc:spChg chg="add del mod">
+          <ac:chgData name="Thomas Mandelz" userId="8d3a597e08c542e1" providerId="LiveId" clId="{C836EF19-E232-49E4-AE3F-6127B56BBCF6}" dt="2022-01-20T10:28:15.487" v="220" actId="6264"/>
+          <ac:spMkLst>
+            <pc:docMk/>
+            <pc:sldMk cId="3779323427" sldId="264"/>
+            <ac:spMk id="14" creationId="{095BCCFA-E7AD-4ED3-8918-42886A7CD95C}"/>
+          </ac:spMkLst>
+        </pc:spChg>
+        <pc:spChg chg="add del mod ord">
+          <ac:chgData name="Thomas Mandelz" userId="8d3a597e08c542e1" providerId="LiveId" clId="{C836EF19-E232-49E4-AE3F-6127B56BBCF6}" dt="2022-01-20T10:28:24.707" v="222" actId="700"/>
+          <ac:spMkLst>
+            <pc:docMk/>
+            <pc:sldMk cId="3779323427" sldId="264"/>
+            <ac:spMk id="15" creationId="{B7449266-A92F-48B0-8749-299ED8754293}"/>
+          </ac:spMkLst>
+        </pc:spChg>
+        <pc:spChg chg="add del mod ord">
+          <ac:chgData name="Thomas Mandelz" userId="8d3a597e08c542e1" providerId="LiveId" clId="{C836EF19-E232-49E4-AE3F-6127B56BBCF6}" dt="2022-01-20T10:28:24.707" v="222" actId="700"/>
+          <ac:spMkLst>
+            <pc:docMk/>
+            <pc:sldMk cId="3779323427" sldId="264"/>
+            <ac:spMk id="16" creationId="{8B85D442-722F-4119-8214-FBB435EFB9B1}"/>
+          </ac:spMkLst>
+        </pc:spChg>
+        <pc:picChg chg="add del mod">
+          <ac:chgData name="Thomas Mandelz" userId="8d3a597e08c542e1" providerId="LiveId" clId="{C836EF19-E232-49E4-AE3F-6127B56BBCF6}" dt="2022-01-20T10:19:00.217" v="63"/>
+          <ac:picMkLst>
+            <pc:docMk/>
+            <pc:sldMk cId="3779323427" sldId="264"/>
+            <ac:picMk id="8" creationId="{3D4D63AF-2448-42F6-9154-F21A3160E578}"/>
+          </ac:picMkLst>
+        </pc:picChg>
+        <pc:picChg chg="add mod">
+          <ac:chgData name="Thomas Mandelz" userId="8d3a597e08c542e1" providerId="LiveId" clId="{C836EF19-E232-49E4-AE3F-6127B56BBCF6}" dt="2022-01-25T07:29:00.829" v="435" actId="1037"/>
+          <ac:picMkLst>
+            <pc:docMk/>
+            <pc:sldMk cId="3779323427" sldId="264"/>
+            <ac:picMk id="9" creationId="{62A5C0F0-2881-47C5-9AFC-DB8C438701E1}"/>
+          </ac:picMkLst>
+        </pc:picChg>
+      </pc:sldChg>
+      <pc:sldChg chg="addSp modSp new mod modNotesTx">
+        <pc:chgData name="Thomas Mandelz" userId="8d3a597e08c542e1" providerId="LiveId" clId="{C836EF19-E232-49E4-AE3F-6127B56BBCF6}" dt="2022-01-25T07:27:23.614" v="415" actId="20577"/>
+        <pc:sldMkLst>
+          <pc:docMk/>
+          <pc:sldMk cId="3227672474" sldId="265"/>
+        </pc:sldMkLst>
+        <pc:spChg chg="mod">
+          <ac:chgData name="Thomas Mandelz" userId="8d3a597e08c542e1" providerId="LiveId" clId="{C836EF19-E232-49E4-AE3F-6127B56BBCF6}" dt="2022-01-20T10:34:59.688" v="248" actId="20577"/>
+          <ac:spMkLst>
+            <pc:docMk/>
+            <pc:sldMk cId="3227672474" sldId="265"/>
+            <ac:spMk id="3" creationId="{D09A4938-1025-4524-94E0-E0E15E018248}"/>
+          </ac:spMkLst>
+        </pc:spChg>
+        <pc:spChg chg="mod">
+          <ac:chgData name="Thomas Mandelz" userId="8d3a597e08c542e1" providerId="LiveId" clId="{C836EF19-E232-49E4-AE3F-6127B56BBCF6}" dt="2022-01-20T10:20:36.781" v="86"/>
+          <ac:spMkLst>
+            <pc:docMk/>
+            <pc:sldMk cId="3227672474" sldId="265"/>
+            <ac:spMk id="5" creationId="{14C14231-906A-4970-9E8F-E8957705A43E}"/>
+          </ac:spMkLst>
+        </pc:spChg>
+        <pc:spChg chg="mod">
+          <ac:chgData name="Thomas Mandelz" userId="8d3a597e08c542e1" providerId="LiveId" clId="{C836EF19-E232-49E4-AE3F-6127B56BBCF6}" dt="2022-01-25T07:26:23.799" v="381" actId="20577"/>
+          <ac:spMkLst>
+            <pc:docMk/>
+            <pc:sldMk cId="3227672474" sldId="265"/>
+            <ac:spMk id="6" creationId="{975BC3A1-87A5-49EE-8109-4ED7721F08A6}"/>
+          </ac:spMkLst>
+        </pc:spChg>
+        <pc:picChg chg="add mod">
+          <ac:chgData name="Thomas Mandelz" userId="8d3a597e08c542e1" providerId="LiveId" clId="{C836EF19-E232-49E4-AE3F-6127B56BBCF6}" dt="2022-01-20T10:20:31.147" v="85" actId="1076"/>
+          <ac:picMkLst>
+            <pc:docMk/>
+            <pc:sldMk cId="3227672474" sldId="265"/>
+            <ac:picMk id="7" creationId="{5327B90C-621B-491B-88DF-65F26346D454}"/>
+          </ac:picMkLst>
+        </pc:picChg>
+        <pc:picChg chg="add mod">
+          <ac:chgData name="Thomas Mandelz" userId="8d3a597e08c542e1" providerId="LiveId" clId="{C836EF19-E232-49E4-AE3F-6127B56BBCF6}" dt="2022-01-20T10:20:31.147" v="85" actId="1076"/>
+          <ac:picMkLst>
+            <pc:docMk/>
+            <pc:sldMk cId="3227672474" sldId="265"/>
+            <ac:picMk id="8" creationId="{CAEA42E3-69F5-40B9-B985-0E47109E4CC0}"/>
+          </ac:picMkLst>
+        </pc:picChg>
+        <pc:picChg chg="add mod">
+          <ac:chgData name="Thomas Mandelz" userId="8d3a597e08c542e1" providerId="LiveId" clId="{C836EF19-E232-49E4-AE3F-6127B56BBCF6}" dt="2022-01-20T10:20:31.147" v="85" actId="1076"/>
+          <ac:picMkLst>
+            <pc:docMk/>
+            <pc:sldMk cId="3227672474" sldId="265"/>
+            <ac:picMk id="9" creationId="{55674157-E2BF-47D0-A5C2-A2FDC6461465}"/>
+          </ac:picMkLst>
+        </pc:picChg>
+      </pc:sldChg>
+      <pc:sldChg chg="modSp new mod modNotesTx">
+        <pc:chgData name="Thomas Mandelz" userId="8d3a597e08c542e1" providerId="LiveId" clId="{C836EF19-E232-49E4-AE3F-6127B56BBCF6}" dt="2022-01-25T07:22:27.554" v="286" actId="20577"/>
+        <pc:sldMkLst>
+          <pc:docMk/>
+          <pc:sldMk cId="4102609991" sldId="266"/>
+        </pc:sldMkLst>
+        <pc:spChg chg="mod">
+          <ac:chgData name="Thomas Mandelz" userId="8d3a597e08c542e1" providerId="LiveId" clId="{C836EF19-E232-49E4-AE3F-6127B56BBCF6}" dt="2022-01-20T10:35:05.167" v="250" actId="20577"/>
+          <ac:spMkLst>
+            <pc:docMk/>
+            <pc:sldMk cId="4102609991" sldId="266"/>
+            <ac:spMk id="3" creationId="{9D6060B6-5DF1-4FF9-8088-922AEB39305A}"/>
+          </ac:spMkLst>
+        </pc:spChg>
+        <pc:spChg chg="mod">
+          <ac:chgData name="Thomas Mandelz" userId="8d3a597e08c542e1" providerId="LiveId" clId="{C836EF19-E232-49E4-AE3F-6127B56BBCF6}" dt="2022-01-20T10:20:52.940" v="89"/>
+          <ac:spMkLst>
+            <pc:docMk/>
+            <pc:sldMk cId="4102609991" sldId="266"/>
+            <ac:spMk id="5" creationId="{C15D73FE-4B87-4BB0-9477-2FECB70C9C7A}"/>
+          </ac:spMkLst>
+        </pc:spChg>
+        <pc:spChg chg="mod">
+          <ac:chgData name="Thomas Mandelz" userId="8d3a597e08c542e1" providerId="LiveId" clId="{C836EF19-E232-49E4-AE3F-6127B56BBCF6}" dt="2022-01-20T10:21:06.363" v="94" actId="12"/>
+          <ac:spMkLst>
+            <pc:docMk/>
+            <pc:sldMk cId="4102609991" sldId="266"/>
+            <ac:spMk id="6" creationId="{C441A34F-BF68-4E06-B6EA-18E4E7BE98EB}"/>
+          </ac:spMkLst>
+        </pc:spChg>
+      </pc:sldChg>
+      <pc:sldChg chg="modSp new mod modNotesTx">
+        <pc:chgData name="Thomas Mandelz" userId="8d3a597e08c542e1" providerId="LiveId" clId="{C836EF19-E232-49E4-AE3F-6127B56BBCF6}" dt="2022-01-25T07:25:51.306" v="351" actId="20577"/>
+        <pc:sldMkLst>
+          <pc:docMk/>
+          <pc:sldMk cId="2332655269" sldId="267"/>
+        </pc:sldMkLst>
+        <pc:spChg chg="mod">
+          <ac:chgData name="Thomas Mandelz" userId="8d3a597e08c542e1" providerId="LiveId" clId="{C836EF19-E232-49E4-AE3F-6127B56BBCF6}" dt="2022-01-20T10:35:12.196" v="260" actId="20577"/>
+          <ac:spMkLst>
+            <pc:docMk/>
+            <pc:sldMk cId="2332655269" sldId="267"/>
+            <ac:spMk id="3" creationId="{CF8F83BF-0BE0-41AB-88FE-975D825037C9}"/>
+          </ac:spMkLst>
+        </pc:spChg>
+        <pc:spChg chg="mod">
+          <ac:chgData name="Thomas Mandelz" userId="8d3a597e08c542e1" providerId="LiveId" clId="{C836EF19-E232-49E4-AE3F-6127B56BBCF6}" dt="2022-01-20T10:21:21.857" v="97"/>
+          <ac:spMkLst>
+            <pc:docMk/>
+            <pc:sldMk cId="2332655269" sldId="267"/>
+            <ac:spMk id="5" creationId="{E071FFB7-E340-4C82-9EF3-F550023A778B}"/>
+          </ac:spMkLst>
+        </pc:spChg>
+        <pc:spChg chg="mod">
+          <ac:chgData name="Thomas Mandelz" userId="8d3a597e08c542e1" providerId="LiveId" clId="{C836EF19-E232-49E4-AE3F-6127B56BBCF6}" dt="2022-01-20T10:21:28.767" v="100" actId="12"/>
+          <ac:spMkLst>
+            <pc:docMk/>
+            <pc:sldMk cId="2332655269" sldId="267"/>
+            <ac:spMk id="6" creationId="{6F22A4B4-9E87-4120-9B2C-AA25BAE6300E}"/>
+          </ac:spMkLst>
+        </pc:spChg>
+      </pc:sldChg>
+      <pc:sldChg chg="modSp new mod modNotesTx">
+        <pc:chgData name="Thomas Mandelz" userId="8d3a597e08c542e1" providerId="LiveId" clId="{C836EF19-E232-49E4-AE3F-6127B56BBCF6}" dt="2022-01-20T10:35:31.401" v="262"/>
+        <pc:sldMkLst>
+          <pc:docMk/>
+          <pc:sldMk cId="800577293" sldId="268"/>
+        </pc:sldMkLst>
+        <pc:spChg chg="mod">
+          <ac:chgData name="Thomas Mandelz" userId="8d3a597e08c542e1" providerId="LiveId" clId="{C836EF19-E232-49E4-AE3F-6127B56BBCF6}" dt="2022-01-20T10:35:31.401" v="262"/>
+          <ac:spMkLst>
+            <pc:docMk/>
+            <pc:sldMk cId="800577293" sldId="268"/>
+            <ac:spMk id="3" creationId="{F3F2052E-8FEE-458B-AA4F-E32691CFF408}"/>
+          </ac:spMkLst>
+        </pc:spChg>
+        <pc:spChg chg="mod">
+          <ac:chgData name="Thomas Mandelz" userId="8d3a597e08c542e1" providerId="LiveId" clId="{C836EF19-E232-49E4-AE3F-6127B56BBCF6}" dt="2022-01-20T10:21:45.987" v="103"/>
+          <ac:spMkLst>
+            <pc:docMk/>
+            <pc:sldMk cId="800577293" sldId="268"/>
+            <ac:spMk id="5" creationId="{6F3F5574-E086-4BAC-A9AF-0FA0718FEE77}"/>
+          </ac:spMkLst>
+        </pc:spChg>
+        <pc:spChg chg="mod">
+          <ac:chgData name="Thomas Mandelz" userId="8d3a597e08c542e1" providerId="LiveId" clId="{C836EF19-E232-49E4-AE3F-6127B56BBCF6}" dt="2022-01-20T10:35:23.762" v="261" actId="14100"/>
+          <ac:spMkLst>
+            <pc:docMk/>
+            <pc:sldMk cId="800577293" sldId="268"/>
+            <ac:spMk id="6" creationId="{1BEAC416-4F92-4165-9BD7-B2A346EBA8AC}"/>
+          </ac:spMkLst>
+        </pc:spChg>
+      </pc:sldChg>
+      <pc:sldChg chg="new add del">
+        <pc:chgData name="Thomas Mandelz" userId="8d3a597e08c542e1" providerId="LiveId" clId="{C836EF19-E232-49E4-AE3F-6127B56BBCF6}" dt="2022-01-20T10:33:19.800" v="233" actId="47"/>
+        <pc:sldMkLst>
+          <pc:docMk/>
+          <pc:sldMk cId="2512396365" sldId="269"/>
+        </pc:sldMkLst>
+      </pc:sldChg>
+      <pc:sldChg chg="new del">
+        <pc:chgData name="Thomas Mandelz" userId="8d3a597e08c542e1" providerId="LiveId" clId="{C836EF19-E232-49E4-AE3F-6127B56BBCF6}" dt="2022-01-20T10:27:31.844" v="218" actId="2696"/>
+        <pc:sldMkLst>
+          <pc:docMk/>
+          <pc:sldMk cId="2898268236" sldId="269"/>
+        </pc:sldMkLst>
+      </pc:sldChg>
+      <pc:sldMasterChg chg="modSp mod modSldLayout">
+        <pc:chgData name="Thomas Mandelz" userId="8d3a597e08c542e1" providerId="LiveId" clId="{C836EF19-E232-49E4-AE3F-6127B56BBCF6}" dt="2022-01-20T10:25:49.414" v="212" actId="20577"/>
+        <pc:sldMasterMkLst>
+          <pc:docMk/>
+          <pc:sldMasterMk cId="2291402503" sldId="2147483713"/>
+        </pc:sldMasterMkLst>
+        <pc:spChg chg="mod">
+          <ac:chgData name="Thomas Mandelz" userId="8d3a597e08c542e1" providerId="LiveId" clId="{C836EF19-E232-49E4-AE3F-6127B56BBCF6}" dt="2022-01-20T10:24:57.970" v="196" actId="20577"/>
+          <ac:spMkLst>
+            <pc:docMk/>
+            <pc:sldMasterMk cId="2291402503" sldId="2147483713"/>
+            <ac:spMk id="1029" creationId="{00000000-0000-0000-0000-000000000000}"/>
+          </ac:spMkLst>
+        </pc:spChg>
+        <pc:sldLayoutChg chg="modSp mod">
+          <pc:chgData name="Thomas Mandelz" userId="8d3a597e08c542e1" providerId="LiveId" clId="{C836EF19-E232-49E4-AE3F-6127B56BBCF6}" dt="2022-01-20T10:25:29.921" v="198" actId="20577"/>
+          <pc:sldLayoutMkLst>
+            <pc:docMk/>
+            <pc:sldMasterMk cId="2291402503" sldId="2147483713"/>
+            <pc:sldLayoutMk cId="4017834334" sldId="2147483720"/>
+          </pc:sldLayoutMkLst>
+          <pc:spChg chg="mod">
+            <ac:chgData name="Thomas Mandelz" userId="8d3a597e08c542e1" providerId="LiveId" clId="{C836EF19-E232-49E4-AE3F-6127B56BBCF6}" dt="2022-01-20T10:25:29.921" v="198" actId="20577"/>
+            <ac:spMkLst>
+              <pc:docMk/>
+              <pc:sldMasterMk cId="2291402503" sldId="2147483713"/>
+              <pc:sldLayoutMk cId="4017834334" sldId="2147483720"/>
+              <ac:spMk id="3" creationId="{00000000-0000-0000-0000-000000000000}"/>
+            </ac:spMkLst>
+          </pc:spChg>
+        </pc:sldLayoutChg>
+        <pc:sldLayoutChg chg="modSp mod">
+          <pc:chgData name="Thomas Mandelz" userId="8d3a597e08c542e1" providerId="LiveId" clId="{C836EF19-E232-49E4-AE3F-6127B56BBCF6}" dt="2022-01-20T10:25:34.923" v="200" actId="20577"/>
+          <pc:sldLayoutMkLst>
+            <pc:docMk/>
+            <pc:sldMasterMk cId="2291402503" sldId="2147483713"/>
+            <pc:sldLayoutMk cId="1113631071" sldId="2147483727"/>
+          </pc:sldLayoutMkLst>
+          <pc:spChg chg="mod">
+            <ac:chgData name="Thomas Mandelz" userId="8d3a597e08c542e1" providerId="LiveId" clId="{C836EF19-E232-49E4-AE3F-6127B56BBCF6}" dt="2022-01-20T10:25:34.923" v="200" actId="20577"/>
+            <ac:spMkLst>
+              <pc:docMk/>
+              <pc:sldMasterMk cId="2291402503" sldId="2147483713"/>
+              <pc:sldLayoutMk cId="1113631071" sldId="2147483727"/>
+              <ac:spMk id="5" creationId="{00000000-0000-0000-0000-000000000000}"/>
+            </ac:spMkLst>
+          </pc:spChg>
+        </pc:sldLayoutChg>
+        <pc:sldLayoutChg chg="modSp mod">
+          <pc:chgData name="Thomas Mandelz" userId="8d3a597e08c542e1" providerId="LiveId" clId="{C836EF19-E232-49E4-AE3F-6127B56BBCF6}" dt="2022-01-20T10:25:43.224" v="210" actId="20577"/>
+          <pc:sldLayoutMkLst>
+            <pc:docMk/>
+            <pc:sldMasterMk cId="2291402503" sldId="2147483713"/>
+            <pc:sldLayoutMk cId="2260773854" sldId="2147483728"/>
+          </pc:sldLayoutMkLst>
+          <pc:spChg chg="mod">
+            <ac:chgData name="Thomas Mandelz" userId="8d3a597e08c542e1" providerId="LiveId" clId="{C836EF19-E232-49E4-AE3F-6127B56BBCF6}" dt="2022-01-20T10:25:43.224" v="210" actId="20577"/>
+            <ac:spMkLst>
+              <pc:docMk/>
+              <pc:sldMasterMk cId="2291402503" sldId="2147483713"/>
+              <pc:sldLayoutMk cId="2260773854" sldId="2147483728"/>
+              <ac:spMk id="5" creationId="{00000000-0000-0000-0000-000000000000}"/>
+            </ac:spMkLst>
+          </pc:spChg>
+        </pc:sldLayoutChg>
+        <pc:sldLayoutChg chg="modSp mod">
+          <pc:chgData name="Thomas Mandelz" userId="8d3a597e08c542e1" providerId="LiveId" clId="{C836EF19-E232-49E4-AE3F-6127B56BBCF6}" dt="2022-01-20T10:25:49.414" v="212" actId="20577"/>
+          <pc:sldLayoutMkLst>
+            <pc:docMk/>
+            <pc:sldMasterMk cId="2291402503" sldId="2147483713"/>
+            <pc:sldLayoutMk cId="338048498" sldId="2147483729"/>
+          </pc:sldLayoutMkLst>
+          <pc:spChg chg="mod">
+            <ac:chgData name="Thomas Mandelz" userId="8d3a597e08c542e1" providerId="LiveId" clId="{C836EF19-E232-49E4-AE3F-6127B56BBCF6}" dt="2022-01-20T10:25:49.414" v="212" actId="20577"/>
+            <ac:spMkLst>
+              <pc:docMk/>
+              <pc:sldMasterMk cId="2291402503" sldId="2147483713"/>
+              <pc:sldLayoutMk cId="338048498" sldId="2147483729"/>
+              <ac:spMk id="3" creationId="{00000000-0000-0000-0000-000000000000}"/>
+            </ac:spMkLst>
+          </pc:spChg>
+        </pc:sldLayoutChg>
+      </pc:sldMasterChg>
     </pc:docChg>
   </pc:docChgLst>
   <pc:docChgLst>
@@ -680,685 +1351,6 @@
       </pc:sldMasterChg>
     </pc:docChg>
   </pc:docChgLst>
-  <pc:docChgLst>
-    <pc:chgData name="Thomas Mandelz" userId="8d3a597e08c542e1" providerId="LiveId" clId="{C836EF19-E232-49E4-AE3F-6127B56BBCF6}"/>
-    <pc:docChg chg="undo custSel addSld delSld modSld sldOrd modMainMaster addSection delSection modSection">
-      <pc:chgData name="Thomas Mandelz" userId="8d3a597e08c542e1" providerId="LiveId" clId="{C836EF19-E232-49E4-AE3F-6127B56BBCF6}" dt="2022-01-20T10:35:44.388" v="266"/>
-      <pc:docMkLst>
-        <pc:docMk/>
-      </pc:docMkLst>
-      <pc:sldChg chg="addSp delSp modSp mod chgLayout">
-        <pc:chgData name="Thomas Mandelz" userId="8d3a597e08c542e1" providerId="LiveId" clId="{C836EF19-E232-49E4-AE3F-6127B56BBCF6}" dt="2022-01-20T10:24:22.723" v="165" actId="700"/>
-        <pc:sldMkLst>
-          <pc:docMk/>
-          <pc:sldMk cId="1565490079" sldId="256"/>
-        </pc:sldMkLst>
-        <pc:spChg chg="add mod ord">
-          <ac:chgData name="Thomas Mandelz" userId="8d3a597e08c542e1" providerId="LiveId" clId="{C836EF19-E232-49E4-AE3F-6127B56BBCF6}" dt="2022-01-20T10:24:22.723" v="165" actId="700"/>
-          <ac:spMkLst>
-            <pc:docMk/>
-            <pc:sldMk cId="1565490079" sldId="256"/>
-            <ac:spMk id="2" creationId="{2A1B54F5-4440-4F71-8CB5-CD27E940E538}"/>
-          </ac:spMkLst>
-        </pc:spChg>
-        <pc:spChg chg="add mod ord">
-          <ac:chgData name="Thomas Mandelz" userId="8d3a597e08c542e1" providerId="LiveId" clId="{C836EF19-E232-49E4-AE3F-6127B56BBCF6}" dt="2022-01-20T10:24:22.723" v="165" actId="700"/>
-          <ac:spMkLst>
-            <pc:docMk/>
-            <pc:sldMk cId="1565490079" sldId="256"/>
-            <ac:spMk id="3" creationId="{EEFFBEBE-A755-4284-B079-84443278B633}"/>
-          </ac:spMkLst>
-        </pc:spChg>
-        <pc:spChg chg="add mod ord">
-          <ac:chgData name="Thomas Mandelz" userId="8d3a597e08c542e1" providerId="LiveId" clId="{C836EF19-E232-49E4-AE3F-6127B56BBCF6}" dt="2022-01-20T10:24:22.723" v="165" actId="700"/>
-          <ac:spMkLst>
-            <pc:docMk/>
-            <pc:sldMk cId="1565490079" sldId="256"/>
-            <ac:spMk id="4" creationId="{522BEE71-1897-4CA2-9731-F794575FC8BA}"/>
-          </ac:spMkLst>
-        </pc:spChg>
-        <pc:spChg chg="mod ord">
-          <ac:chgData name="Thomas Mandelz" userId="8d3a597e08c542e1" providerId="LiveId" clId="{C836EF19-E232-49E4-AE3F-6127B56BBCF6}" dt="2022-01-20T10:24:22.723" v="165" actId="700"/>
-          <ac:spMkLst>
-            <pc:docMk/>
-            <pc:sldMk cId="1565490079" sldId="256"/>
-            <ac:spMk id="11" creationId="{00000000-0000-0000-0000-000000000000}"/>
-          </ac:spMkLst>
-        </pc:spChg>
-        <pc:spChg chg="del">
-          <ac:chgData name="Thomas Mandelz" userId="8d3a597e08c542e1" providerId="LiveId" clId="{C836EF19-E232-49E4-AE3F-6127B56BBCF6}" dt="2022-01-20T10:24:22.723" v="165" actId="700"/>
-          <ac:spMkLst>
-            <pc:docMk/>
-            <pc:sldMk cId="1565490079" sldId="256"/>
-            <ac:spMk id="12" creationId="{00000000-0000-0000-0000-000000000000}"/>
-          </ac:spMkLst>
-        </pc:spChg>
-        <pc:spChg chg="del">
-          <ac:chgData name="Thomas Mandelz" userId="8d3a597e08c542e1" providerId="LiveId" clId="{C836EF19-E232-49E4-AE3F-6127B56BBCF6}" dt="2022-01-20T10:24:22.723" v="165" actId="700"/>
-          <ac:spMkLst>
-            <pc:docMk/>
-            <pc:sldMk cId="1565490079" sldId="256"/>
-            <ac:spMk id="13" creationId="{00000000-0000-0000-0000-000000000000}"/>
-          </ac:spMkLst>
-        </pc:spChg>
-        <pc:spChg chg="del">
-          <ac:chgData name="Thomas Mandelz" userId="8d3a597e08c542e1" providerId="LiveId" clId="{C836EF19-E232-49E4-AE3F-6127B56BBCF6}" dt="2022-01-20T10:24:22.723" v="165" actId="700"/>
-          <ac:spMkLst>
-            <pc:docMk/>
-            <pc:sldMk cId="1565490079" sldId="256"/>
-            <ac:spMk id="14" creationId="{00000000-0000-0000-0000-000000000000}"/>
-          </ac:spMkLst>
-        </pc:spChg>
-      </pc:sldChg>
-      <pc:sldChg chg="modSp mod ord chgLayout modNotesTx">
-        <pc:chgData name="Thomas Mandelz" userId="8d3a597e08c542e1" providerId="LiveId" clId="{C836EF19-E232-49E4-AE3F-6127B56BBCF6}" dt="2022-01-20T10:35:39.548" v="265" actId="20577"/>
-        <pc:sldMkLst>
-          <pc:docMk/>
-          <pc:sldMk cId="167053416" sldId="257"/>
-        </pc:sldMkLst>
-        <pc:spChg chg="mod ord">
-          <ac:chgData name="Thomas Mandelz" userId="8d3a597e08c542e1" providerId="LiveId" clId="{C836EF19-E232-49E4-AE3F-6127B56BBCF6}" dt="2022-01-20T10:26:48.102" v="213" actId="700"/>
-          <ac:spMkLst>
-            <pc:docMk/>
-            <pc:sldMk cId="167053416" sldId="257"/>
-            <ac:spMk id="2" creationId="{6A637E5E-7D44-4BD1-AA8E-43CD940CEDA0}"/>
-          </ac:spMkLst>
-        </pc:spChg>
-        <pc:spChg chg="mod ord">
-          <ac:chgData name="Thomas Mandelz" userId="8d3a597e08c542e1" providerId="LiveId" clId="{C836EF19-E232-49E4-AE3F-6127B56BBCF6}" dt="2022-01-20T10:35:39.548" v="265" actId="20577"/>
-          <ac:spMkLst>
-            <pc:docMk/>
-            <pc:sldMk cId="167053416" sldId="257"/>
-            <ac:spMk id="3" creationId="{78BDEE6F-9346-4E36-9928-7DD404669CBA}"/>
-          </ac:spMkLst>
-        </pc:spChg>
-        <pc:spChg chg="mod ord">
-          <ac:chgData name="Thomas Mandelz" userId="8d3a597e08c542e1" providerId="LiveId" clId="{C836EF19-E232-49E4-AE3F-6127B56BBCF6}" dt="2022-01-20T10:26:48.102" v="213" actId="700"/>
-          <ac:spMkLst>
-            <pc:docMk/>
-            <pc:sldMk cId="167053416" sldId="257"/>
-            <ac:spMk id="4" creationId="{F377F38E-D17E-47C7-9B57-4862E268311F}"/>
-          </ac:spMkLst>
-        </pc:spChg>
-        <pc:spChg chg="mod ord">
-          <ac:chgData name="Thomas Mandelz" userId="8d3a597e08c542e1" providerId="LiveId" clId="{C836EF19-E232-49E4-AE3F-6127B56BBCF6}" dt="2022-01-20T10:26:48.102" v="213" actId="700"/>
-          <ac:spMkLst>
-            <pc:docMk/>
-            <pc:sldMk cId="167053416" sldId="257"/>
-            <ac:spMk id="5" creationId="{E8D3B194-D365-4A47-895A-779B89CDF225}"/>
-          </ac:spMkLst>
-        </pc:spChg>
-        <pc:spChg chg="mod ord">
-          <ac:chgData name="Thomas Mandelz" userId="8d3a597e08c542e1" providerId="LiveId" clId="{C836EF19-E232-49E4-AE3F-6127B56BBCF6}" dt="2022-01-20T10:26:48.102" v="213" actId="700"/>
-          <ac:spMkLst>
-            <pc:docMk/>
-            <pc:sldMk cId="167053416" sldId="257"/>
-            <ac:spMk id="6" creationId="{E5F19C17-8FA1-4AA2-874D-DF5936B1FBF9}"/>
-          </ac:spMkLst>
-        </pc:spChg>
-      </pc:sldChg>
-      <pc:sldChg chg="addSp delSp modSp mod chgLayout">
-        <pc:chgData name="Thomas Mandelz" userId="8d3a597e08c542e1" providerId="LiveId" clId="{C836EF19-E232-49E4-AE3F-6127B56BBCF6}" dt="2022-01-20T10:34:16.103" v="236" actId="20577"/>
-        <pc:sldMkLst>
-          <pc:docMk/>
-          <pc:sldMk cId="2846429837" sldId="258"/>
-        </pc:sldMkLst>
-        <pc:spChg chg="mod ord">
-          <ac:chgData name="Thomas Mandelz" userId="8d3a597e08c542e1" providerId="LiveId" clId="{C836EF19-E232-49E4-AE3F-6127B56BBCF6}" dt="2022-01-20T10:32:57.819" v="229" actId="6264"/>
-          <ac:spMkLst>
-            <pc:docMk/>
-            <pc:sldMk cId="2846429837" sldId="258"/>
-            <ac:spMk id="2" creationId="{A9EBD42C-9BD0-426B-988A-EFEB31C1C8E6}"/>
-          </ac:spMkLst>
-        </pc:spChg>
-        <pc:spChg chg="mod ord">
-          <ac:chgData name="Thomas Mandelz" userId="8d3a597e08c542e1" providerId="LiveId" clId="{C836EF19-E232-49E4-AE3F-6127B56BBCF6}" dt="2022-01-20T10:34:16.103" v="236" actId="20577"/>
-          <ac:spMkLst>
-            <pc:docMk/>
-            <pc:sldMk cId="2846429837" sldId="258"/>
-            <ac:spMk id="3" creationId="{79741CD7-B0EC-4BC7-95D7-6B24CB59D70B}"/>
-          </ac:spMkLst>
-        </pc:spChg>
-        <pc:spChg chg="mod ord">
-          <ac:chgData name="Thomas Mandelz" userId="8d3a597e08c542e1" providerId="LiveId" clId="{C836EF19-E232-49E4-AE3F-6127B56BBCF6}" dt="2022-01-20T10:32:57.819" v="229" actId="6264"/>
-          <ac:spMkLst>
-            <pc:docMk/>
-            <pc:sldMk cId="2846429837" sldId="258"/>
-            <ac:spMk id="4" creationId="{35C2EE67-9E90-4368-8331-8C0AC2CDA696}"/>
-          </ac:spMkLst>
-        </pc:spChg>
-        <pc:spChg chg="mod ord">
-          <ac:chgData name="Thomas Mandelz" userId="8d3a597e08c542e1" providerId="LiveId" clId="{C836EF19-E232-49E4-AE3F-6127B56BBCF6}" dt="2022-01-20T10:32:57.819" v="229" actId="6264"/>
-          <ac:spMkLst>
-            <pc:docMk/>
-            <pc:sldMk cId="2846429837" sldId="258"/>
-            <ac:spMk id="5" creationId="{6E14347E-2883-429B-9815-FB966326E7D3}"/>
-          </ac:spMkLst>
-        </pc:spChg>
-        <pc:spChg chg="mod ord">
-          <ac:chgData name="Thomas Mandelz" userId="8d3a597e08c542e1" providerId="LiveId" clId="{C836EF19-E232-49E4-AE3F-6127B56BBCF6}" dt="2022-01-20T10:32:57.819" v="229" actId="6264"/>
-          <ac:spMkLst>
-            <pc:docMk/>
-            <pc:sldMk cId="2846429837" sldId="258"/>
-            <ac:spMk id="6" creationId="{6971CC47-1854-4AB3-B2A8-D158C4CBF752}"/>
-          </ac:spMkLst>
-        </pc:spChg>
-        <pc:spChg chg="add del mod">
-          <ac:chgData name="Thomas Mandelz" userId="8d3a597e08c542e1" providerId="LiveId" clId="{C836EF19-E232-49E4-AE3F-6127B56BBCF6}" dt="2022-01-20T10:32:57.819" v="229" actId="6264"/>
-          <ac:spMkLst>
-            <pc:docMk/>
-            <pc:sldMk cId="2846429837" sldId="258"/>
-            <ac:spMk id="7" creationId="{CE002C3C-059A-4F63-829E-925338B40903}"/>
-          </ac:spMkLst>
-        </pc:spChg>
-        <pc:spChg chg="add del mod">
-          <ac:chgData name="Thomas Mandelz" userId="8d3a597e08c542e1" providerId="LiveId" clId="{C836EF19-E232-49E4-AE3F-6127B56BBCF6}" dt="2022-01-20T10:32:57.819" v="229" actId="6264"/>
-          <ac:spMkLst>
-            <pc:docMk/>
-            <pc:sldMk cId="2846429837" sldId="258"/>
-            <ac:spMk id="8" creationId="{99849763-6184-429C-994A-801E8D190693}"/>
-          </ac:spMkLst>
-        </pc:spChg>
-        <pc:spChg chg="add del mod">
-          <ac:chgData name="Thomas Mandelz" userId="8d3a597e08c542e1" providerId="LiveId" clId="{C836EF19-E232-49E4-AE3F-6127B56BBCF6}" dt="2022-01-20T10:32:57.819" v="229" actId="6264"/>
-          <ac:spMkLst>
-            <pc:docMk/>
-            <pc:sldMk cId="2846429837" sldId="258"/>
-            <ac:spMk id="9" creationId="{59B07AD0-CC6B-480B-BC34-D92D06743389}"/>
-          </ac:spMkLst>
-        </pc:spChg>
-        <pc:spChg chg="add del mod">
-          <ac:chgData name="Thomas Mandelz" userId="8d3a597e08c542e1" providerId="LiveId" clId="{C836EF19-E232-49E4-AE3F-6127B56BBCF6}" dt="2022-01-20T10:32:57.819" v="229" actId="6264"/>
-          <ac:spMkLst>
-            <pc:docMk/>
-            <pc:sldMk cId="2846429837" sldId="258"/>
-            <ac:spMk id="10" creationId="{294BB5BE-511A-4D04-B455-90045BAE97F5}"/>
-          </ac:spMkLst>
-        </pc:spChg>
-        <pc:spChg chg="add del mod">
-          <ac:chgData name="Thomas Mandelz" userId="8d3a597e08c542e1" providerId="LiveId" clId="{C836EF19-E232-49E4-AE3F-6127B56BBCF6}" dt="2022-01-20T10:32:57.819" v="229" actId="6264"/>
-          <ac:spMkLst>
-            <pc:docMk/>
-            <pc:sldMk cId="2846429837" sldId="258"/>
-            <ac:spMk id="11" creationId="{DC7683C0-0FEF-4F23-9374-B04B5F3F270C}"/>
-          </ac:spMkLst>
-        </pc:spChg>
-      </pc:sldChg>
-      <pc:sldChg chg="modSp mod">
-        <pc:chgData name="Thomas Mandelz" userId="8d3a597e08c542e1" providerId="LiveId" clId="{C836EF19-E232-49E4-AE3F-6127B56BBCF6}" dt="2022-01-20T10:34:31.348" v="238" actId="20577"/>
-        <pc:sldMkLst>
-          <pc:docMk/>
-          <pc:sldMk cId="3256045482" sldId="261"/>
-        </pc:sldMkLst>
-        <pc:spChg chg="mod">
-          <ac:chgData name="Thomas Mandelz" userId="8d3a597e08c542e1" providerId="LiveId" clId="{C836EF19-E232-49E4-AE3F-6127B56BBCF6}" dt="2022-01-20T10:34:31.348" v="238" actId="20577"/>
-          <ac:spMkLst>
-            <pc:docMk/>
-            <pc:sldMk cId="3256045482" sldId="261"/>
-            <ac:spMk id="3" creationId="{376392EA-958A-4A67-8C48-4CBF74BA2B72}"/>
-          </ac:spMkLst>
-        </pc:spChg>
-      </pc:sldChg>
-      <pc:sldChg chg="addSp delSp modSp mod modClrScheme chgLayout modNotesTx">
-        <pc:chgData name="Thomas Mandelz" userId="8d3a597e08c542e1" providerId="LiveId" clId="{C836EF19-E232-49E4-AE3F-6127B56BBCF6}" dt="2022-01-20T10:35:44.388" v="266"/>
-        <pc:sldMkLst>
-          <pc:docMk/>
-          <pc:sldMk cId="829703314" sldId="262"/>
-        </pc:sldMkLst>
-        <pc:spChg chg="mod ord">
-          <ac:chgData name="Thomas Mandelz" userId="8d3a597e08c542e1" providerId="LiveId" clId="{C836EF19-E232-49E4-AE3F-6127B56BBCF6}" dt="2022-01-20T10:27:05.195" v="216" actId="700"/>
-          <ac:spMkLst>
-            <pc:docMk/>
-            <pc:sldMk cId="829703314" sldId="262"/>
-            <ac:spMk id="2" creationId="{FB56C107-9EB4-4A83-819A-C7CE80697548}"/>
-          </ac:spMkLst>
-        </pc:spChg>
-        <pc:spChg chg="mod ord">
-          <ac:chgData name="Thomas Mandelz" userId="8d3a597e08c542e1" providerId="LiveId" clId="{C836EF19-E232-49E4-AE3F-6127B56BBCF6}" dt="2022-01-20T10:35:44.388" v="266"/>
-          <ac:spMkLst>
-            <pc:docMk/>
-            <pc:sldMk cId="829703314" sldId="262"/>
-            <ac:spMk id="3" creationId="{6F161E53-DE5A-4624-BB45-8A8062AC7923}"/>
-          </ac:spMkLst>
-        </pc:spChg>
-        <pc:spChg chg="mod ord">
-          <ac:chgData name="Thomas Mandelz" userId="8d3a597e08c542e1" providerId="LiveId" clId="{C836EF19-E232-49E4-AE3F-6127B56BBCF6}" dt="2022-01-20T10:27:05.195" v="216" actId="700"/>
-          <ac:spMkLst>
-            <pc:docMk/>
-            <pc:sldMk cId="829703314" sldId="262"/>
-            <ac:spMk id="4" creationId="{197A6D72-4615-4D7A-963E-F1A94B1028B4}"/>
-          </ac:spMkLst>
-        </pc:spChg>
-        <pc:spChg chg="mod ord">
-          <ac:chgData name="Thomas Mandelz" userId="8d3a597e08c542e1" providerId="LiveId" clId="{C836EF19-E232-49E4-AE3F-6127B56BBCF6}" dt="2022-01-20T10:27:05.195" v="216" actId="700"/>
-          <ac:spMkLst>
-            <pc:docMk/>
-            <pc:sldMk cId="829703314" sldId="262"/>
-            <ac:spMk id="5" creationId="{7F670212-DD83-4E79-8377-078151B05ECC}"/>
-          </ac:spMkLst>
-        </pc:spChg>
-        <pc:spChg chg="mod ord">
-          <ac:chgData name="Thomas Mandelz" userId="8d3a597e08c542e1" providerId="LiveId" clId="{C836EF19-E232-49E4-AE3F-6127B56BBCF6}" dt="2022-01-20T10:27:05.195" v="216" actId="700"/>
-          <ac:spMkLst>
-            <pc:docMk/>
-            <pc:sldMk cId="829703314" sldId="262"/>
-            <ac:spMk id="6" creationId="{8D1C922C-A852-4356-98EE-0FBCFACDB6FA}"/>
-          </ac:spMkLst>
-        </pc:spChg>
-        <pc:spChg chg="add del mod ord">
-          <ac:chgData name="Thomas Mandelz" userId="8d3a597e08c542e1" providerId="LiveId" clId="{C836EF19-E232-49E4-AE3F-6127B56BBCF6}" dt="2022-01-20T10:27:05.195" v="216" actId="700"/>
-          <ac:spMkLst>
-            <pc:docMk/>
-            <pc:sldMk cId="829703314" sldId="262"/>
-            <ac:spMk id="7" creationId="{D143E9C1-0272-4B2C-AAB8-6BF6B48E9892}"/>
-          </ac:spMkLst>
-        </pc:spChg>
-      </pc:sldChg>
-      <pc:sldChg chg="modSp new mod ord modNotesTx">
-        <pc:chgData name="Thomas Mandelz" userId="8d3a597e08c542e1" providerId="LiveId" clId="{C836EF19-E232-49E4-AE3F-6127B56BBCF6}" dt="2022-01-20T10:34:43.484" v="242" actId="20577"/>
-        <pc:sldMkLst>
-          <pc:docMk/>
-          <pc:sldMk cId="1959079473" sldId="263"/>
-        </pc:sldMkLst>
-        <pc:spChg chg="mod">
-          <ac:chgData name="Thomas Mandelz" userId="8d3a597e08c542e1" providerId="LiveId" clId="{C836EF19-E232-49E4-AE3F-6127B56BBCF6}" dt="2022-01-20T10:34:43.484" v="242" actId="20577"/>
-          <ac:spMkLst>
-            <pc:docMk/>
-            <pc:sldMk cId="1959079473" sldId="263"/>
-            <ac:spMk id="3" creationId="{685FAFE3-9987-4E31-8760-FF4E55E0A543}"/>
-          </ac:spMkLst>
-        </pc:spChg>
-        <pc:spChg chg="mod">
-          <ac:chgData name="Thomas Mandelz" userId="8d3a597e08c542e1" providerId="LiveId" clId="{C836EF19-E232-49E4-AE3F-6127B56BBCF6}" dt="2022-01-20T10:18:05.228" v="5"/>
-          <ac:spMkLst>
-            <pc:docMk/>
-            <pc:sldMk cId="1959079473" sldId="263"/>
-            <ac:spMk id="5" creationId="{51617950-D507-4842-83F8-BD8D62FE8FEF}"/>
-          </ac:spMkLst>
-        </pc:spChg>
-        <pc:spChg chg="mod">
-          <ac:chgData name="Thomas Mandelz" userId="8d3a597e08c542e1" providerId="LiveId" clId="{C836EF19-E232-49E4-AE3F-6127B56BBCF6}" dt="2022-01-20T10:18:30.366" v="58" actId="20577"/>
-          <ac:spMkLst>
-            <pc:docMk/>
-            <pc:sldMk cId="1959079473" sldId="263"/>
-            <ac:spMk id="6" creationId="{1EDF0314-3A6C-4B70-BA52-AA4E2E3AD062}"/>
-          </ac:spMkLst>
-        </pc:spChg>
-      </pc:sldChg>
-      <pc:sldChg chg="addSp delSp modSp new mod modClrScheme chgLayout modNotesTx">
-        <pc:chgData name="Thomas Mandelz" userId="8d3a597e08c542e1" providerId="LiveId" clId="{C836EF19-E232-49E4-AE3F-6127B56BBCF6}" dt="2022-01-20T10:34:54.872" v="246" actId="20577"/>
-        <pc:sldMkLst>
-          <pc:docMk/>
-          <pc:sldMk cId="3779323427" sldId="264"/>
-        </pc:sldMkLst>
-        <pc:spChg chg="mod ord">
-          <ac:chgData name="Thomas Mandelz" userId="8d3a597e08c542e1" providerId="LiveId" clId="{C836EF19-E232-49E4-AE3F-6127B56BBCF6}" dt="2022-01-20T10:28:41.373" v="223" actId="700"/>
-          <ac:spMkLst>
-            <pc:docMk/>
-            <pc:sldMk cId="3779323427" sldId="264"/>
-            <ac:spMk id="2" creationId="{ED741506-91C6-43DA-89DA-B78B74D866BE}"/>
-          </ac:spMkLst>
-        </pc:spChg>
-        <pc:spChg chg="mod ord">
-          <ac:chgData name="Thomas Mandelz" userId="8d3a597e08c542e1" providerId="LiveId" clId="{C836EF19-E232-49E4-AE3F-6127B56BBCF6}" dt="2022-01-20T10:34:54.872" v="246" actId="20577"/>
-          <ac:spMkLst>
-            <pc:docMk/>
-            <pc:sldMk cId="3779323427" sldId="264"/>
-            <ac:spMk id="3" creationId="{249AF704-A0A8-43F3-B94D-5EAD3D8BE2AC}"/>
-          </ac:spMkLst>
-        </pc:spChg>
-        <pc:spChg chg="mod ord">
-          <ac:chgData name="Thomas Mandelz" userId="8d3a597e08c542e1" providerId="LiveId" clId="{C836EF19-E232-49E4-AE3F-6127B56BBCF6}" dt="2022-01-20T10:28:41.373" v="223" actId="700"/>
-          <ac:spMkLst>
-            <pc:docMk/>
-            <pc:sldMk cId="3779323427" sldId="264"/>
-            <ac:spMk id="4" creationId="{0519A21A-3F47-4F26-B8B1-9E5B2C23C079}"/>
-          </ac:spMkLst>
-        </pc:spChg>
-        <pc:spChg chg="mod ord">
-          <ac:chgData name="Thomas Mandelz" userId="8d3a597e08c542e1" providerId="LiveId" clId="{C836EF19-E232-49E4-AE3F-6127B56BBCF6}" dt="2022-01-20T10:28:41.373" v="223" actId="700"/>
-          <ac:spMkLst>
-            <pc:docMk/>
-            <pc:sldMk cId="3779323427" sldId="264"/>
-            <ac:spMk id="5" creationId="{E6A0F4BF-078E-4655-B23D-A3C0D3C50C6E}"/>
-          </ac:spMkLst>
-        </pc:spChg>
-        <pc:spChg chg="mod ord">
-          <ac:chgData name="Thomas Mandelz" userId="8d3a597e08c542e1" providerId="LiveId" clId="{C836EF19-E232-49E4-AE3F-6127B56BBCF6}" dt="2022-01-20T10:28:41.373" v="223" actId="700"/>
-          <ac:spMkLst>
-            <pc:docMk/>
-            <pc:sldMk cId="3779323427" sldId="264"/>
-            <ac:spMk id="6" creationId="{EB5DE208-696B-474A-BD6A-10F05B5E0CF7}"/>
-          </ac:spMkLst>
-        </pc:spChg>
-        <pc:spChg chg="add del mod">
-          <ac:chgData name="Thomas Mandelz" userId="8d3a597e08c542e1" providerId="LiveId" clId="{C836EF19-E232-49E4-AE3F-6127B56BBCF6}" dt="2022-01-20T10:19:00.217" v="63"/>
-          <ac:spMkLst>
-            <pc:docMk/>
-            <pc:sldMk cId="3779323427" sldId="264"/>
-            <ac:spMk id="7" creationId="{93E8E265-A179-417A-9B6B-238F1E18ED18}"/>
-          </ac:spMkLst>
-        </pc:spChg>
-        <pc:spChg chg="add del mod">
-          <ac:chgData name="Thomas Mandelz" userId="8d3a597e08c542e1" providerId="LiveId" clId="{C836EF19-E232-49E4-AE3F-6127B56BBCF6}" dt="2022-01-20T10:28:15.487" v="220" actId="6264"/>
-          <ac:spMkLst>
-            <pc:docMk/>
-            <pc:sldMk cId="3779323427" sldId="264"/>
-            <ac:spMk id="10" creationId="{B6097289-482F-497C-A008-749EEBF65128}"/>
-          </ac:spMkLst>
-        </pc:spChg>
-        <pc:spChg chg="add del mod">
-          <ac:chgData name="Thomas Mandelz" userId="8d3a597e08c542e1" providerId="LiveId" clId="{C836EF19-E232-49E4-AE3F-6127B56BBCF6}" dt="2022-01-20T10:28:15.487" v="220" actId="6264"/>
-          <ac:spMkLst>
-            <pc:docMk/>
-            <pc:sldMk cId="3779323427" sldId="264"/>
-            <ac:spMk id="11" creationId="{82F4292B-469B-45D6-957B-44A5C5BAD556}"/>
-          </ac:spMkLst>
-        </pc:spChg>
-        <pc:spChg chg="add del mod">
-          <ac:chgData name="Thomas Mandelz" userId="8d3a597e08c542e1" providerId="LiveId" clId="{C836EF19-E232-49E4-AE3F-6127B56BBCF6}" dt="2022-01-20T10:28:15.487" v="220" actId="6264"/>
-          <ac:spMkLst>
-            <pc:docMk/>
-            <pc:sldMk cId="3779323427" sldId="264"/>
-            <ac:spMk id="12" creationId="{DED62E48-4607-45D2-9084-712A019B38B6}"/>
-          </ac:spMkLst>
-        </pc:spChg>
-        <pc:spChg chg="add del mod">
-          <ac:chgData name="Thomas Mandelz" userId="8d3a597e08c542e1" providerId="LiveId" clId="{C836EF19-E232-49E4-AE3F-6127B56BBCF6}" dt="2022-01-20T10:28:15.487" v="220" actId="6264"/>
-          <ac:spMkLst>
-            <pc:docMk/>
-            <pc:sldMk cId="3779323427" sldId="264"/>
-            <ac:spMk id="13" creationId="{B95BFD99-88ED-439F-9B44-8AD9FF5E9B30}"/>
-          </ac:spMkLst>
-        </pc:spChg>
-        <pc:spChg chg="add del mod">
-          <ac:chgData name="Thomas Mandelz" userId="8d3a597e08c542e1" providerId="LiveId" clId="{C836EF19-E232-49E4-AE3F-6127B56BBCF6}" dt="2022-01-20T10:28:15.487" v="220" actId="6264"/>
-          <ac:spMkLst>
-            <pc:docMk/>
-            <pc:sldMk cId="3779323427" sldId="264"/>
-            <ac:spMk id="14" creationId="{095BCCFA-E7AD-4ED3-8918-42886A7CD95C}"/>
-          </ac:spMkLst>
-        </pc:spChg>
-        <pc:spChg chg="add del mod ord">
-          <ac:chgData name="Thomas Mandelz" userId="8d3a597e08c542e1" providerId="LiveId" clId="{C836EF19-E232-49E4-AE3F-6127B56BBCF6}" dt="2022-01-20T10:28:24.707" v="222" actId="700"/>
-          <ac:spMkLst>
-            <pc:docMk/>
-            <pc:sldMk cId="3779323427" sldId="264"/>
-            <ac:spMk id="15" creationId="{B7449266-A92F-48B0-8749-299ED8754293}"/>
-          </ac:spMkLst>
-        </pc:spChg>
-        <pc:spChg chg="add del mod ord">
-          <ac:chgData name="Thomas Mandelz" userId="8d3a597e08c542e1" providerId="LiveId" clId="{C836EF19-E232-49E4-AE3F-6127B56BBCF6}" dt="2022-01-20T10:28:24.707" v="222" actId="700"/>
-          <ac:spMkLst>
-            <pc:docMk/>
-            <pc:sldMk cId="3779323427" sldId="264"/>
-            <ac:spMk id="16" creationId="{8B85D442-722F-4119-8214-FBB435EFB9B1}"/>
-          </ac:spMkLst>
-        </pc:spChg>
-        <pc:picChg chg="add del mod">
-          <ac:chgData name="Thomas Mandelz" userId="8d3a597e08c542e1" providerId="LiveId" clId="{C836EF19-E232-49E4-AE3F-6127B56BBCF6}" dt="2022-01-20T10:19:00.217" v="63"/>
-          <ac:picMkLst>
-            <pc:docMk/>
-            <pc:sldMk cId="3779323427" sldId="264"/>
-            <ac:picMk id="8" creationId="{3D4D63AF-2448-42F6-9154-F21A3160E578}"/>
-          </ac:picMkLst>
-        </pc:picChg>
-        <pc:picChg chg="add mod">
-          <ac:chgData name="Thomas Mandelz" userId="8d3a597e08c542e1" providerId="LiveId" clId="{C836EF19-E232-49E4-AE3F-6127B56BBCF6}" dt="2022-01-20T10:19:22.353" v="74" actId="1076"/>
-          <ac:picMkLst>
-            <pc:docMk/>
-            <pc:sldMk cId="3779323427" sldId="264"/>
-            <ac:picMk id="9" creationId="{62A5C0F0-2881-47C5-9AFC-DB8C438701E1}"/>
-          </ac:picMkLst>
-        </pc:picChg>
-      </pc:sldChg>
-      <pc:sldChg chg="addSp modSp new mod modNotesTx">
-        <pc:chgData name="Thomas Mandelz" userId="8d3a597e08c542e1" providerId="LiveId" clId="{C836EF19-E232-49E4-AE3F-6127B56BBCF6}" dt="2022-01-20T10:34:59.688" v="248" actId="20577"/>
-        <pc:sldMkLst>
-          <pc:docMk/>
-          <pc:sldMk cId="3227672474" sldId="265"/>
-        </pc:sldMkLst>
-        <pc:spChg chg="mod">
-          <ac:chgData name="Thomas Mandelz" userId="8d3a597e08c542e1" providerId="LiveId" clId="{C836EF19-E232-49E4-AE3F-6127B56BBCF6}" dt="2022-01-20T10:34:59.688" v="248" actId="20577"/>
-          <ac:spMkLst>
-            <pc:docMk/>
-            <pc:sldMk cId="3227672474" sldId="265"/>
-            <ac:spMk id="3" creationId="{D09A4938-1025-4524-94E0-E0E15E018248}"/>
-          </ac:spMkLst>
-        </pc:spChg>
-        <pc:spChg chg="mod">
-          <ac:chgData name="Thomas Mandelz" userId="8d3a597e08c542e1" providerId="LiveId" clId="{C836EF19-E232-49E4-AE3F-6127B56BBCF6}" dt="2022-01-20T10:20:36.781" v="86"/>
-          <ac:spMkLst>
-            <pc:docMk/>
-            <pc:sldMk cId="3227672474" sldId="265"/>
-            <ac:spMk id="5" creationId="{14C14231-906A-4970-9E8F-E8957705A43E}"/>
-          </ac:spMkLst>
-        </pc:spChg>
-        <pc:spChg chg="mod">
-          <ac:chgData name="Thomas Mandelz" userId="8d3a597e08c542e1" providerId="LiveId" clId="{C836EF19-E232-49E4-AE3F-6127B56BBCF6}" dt="2022-01-20T10:20:07.824" v="83" actId="12"/>
-          <ac:spMkLst>
-            <pc:docMk/>
-            <pc:sldMk cId="3227672474" sldId="265"/>
-            <ac:spMk id="6" creationId="{975BC3A1-87A5-49EE-8109-4ED7721F08A6}"/>
-          </ac:spMkLst>
-        </pc:spChg>
-        <pc:picChg chg="add mod">
-          <ac:chgData name="Thomas Mandelz" userId="8d3a597e08c542e1" providerId="LiveId" clId="{C836EF19-E232-49E4-AE3F-6127B56BBCF6}" dt="2022-01-20T10:20:31.147" v="85" actId="1076"/>
-          <ac:picMkLst>
-            <pc:docMk/>
-            <pc:sldMk cId="3227672474" sldId="265"/>
-            <ac:picMk id="7" creationId="{5327B90C-621B-491B-88DF-65F26346D454}"/>
-          </ac:picMkLst>
-        </pc:picChg>
-        <pc:picChg chg="add mod">
-          <ac:chgData name="Thomas Mandelz" userId="8d3a597e08c542e1" providerId="LiveId" clId="{C836EF19-E232-49E4-AE3F-6127B56BBCF6}" dt="2022-01-20T10:20:31.147" v="85" actId="1076"/>
-          <ac:picMkLst>
-            <pc:docMk/>
-            <pc:sldMk cId="3227672474" sldId="265"/>
-            <ac:picMk id="8" creationId="{CAEA42E3-69F5-40B9-B985-0E47109E4CC0}"/>
-          </ac:picMkLst>
-        </pc:picChg>
-        <pc:picChg chg="add mod">
-          <ac:chgData name="Thomas Mandelz" userId="8d3a597e08c542e1" providerId="LiveId" clId="{C836EF19-E232-49E4-AE3F-6127B56BBCF6}" dt="2022-01-20T10:20:31.147" v="85" actId="1076"/>
-          <ac:picMkLst>
-            <pc:docMk/>
-            <pc:sldMk cId="3227672474" sldId="265"/>
-            <ac:picMk id="9" creationId="{55674157-E2BF-47D0-A5C2-A2FDC6461465}"/>
-          </ac:picMkLst>
-        </pc:picChg>
-      </pc:sldChg>
-      <pc:sldChg chg="modSp new mod modNotesTx">
-        <pc:chgData name="Thomas Mandelz" userId="8d3a597e08c542e1" providerId="LiveId" clId="{C836EF19-E232-49E4-AE3F-6127B56BBCF6}" dt="2022-01-20T10:35:05.167" v="250" actId="20577"/>
-        <pc:sldMkLst>
-          <pc:docMk/>
-          <pc:sldMk cId="4102609991" sldId="266"/>
-        </pc:sldMkLst>
-        <pc:spChg chg="mod">
-          <ac:chgData name="Thomas Mandelz" userId="8d3a597e08c542e1" providerId="LiveId" clId="{C836EF19-E232-49E4-AE3F-6127B56BBCF6}" dt="2022-01-20T10:35:05.167" v="250" actId="20577"/>
-          <ac:spMkLst>
-            <pc:docMk/>
-            <pc:sldMk cId="4102609991" sldId="266"/>
-            <ac:spMk id="3" creationId="{9D6060B6-5DF1-4FF9-8088-922AEB39305A}"/>
-          </ac:spMkLst>
-        </pc:spChg>
-        <pc:spChg chg="mod">
-          <ac:chgData name="Thomas Mandelz" userId="8d3a597e08c542e1" providerId="LiveId" clId="{C836EF19-E232-49E4-AE3F-6127B56BBCF6}" dt="2022-01-20T10:20:52.940" v="89"/>
-          <ac:spMkLst>
-            <pc:docMk/>
-            <pc:sldMk cId="4102609991" sldId="266"/>
-            <ac:spMk id="5" creationId="{C15D73FE-4B87-4BB0-9477-2FECB70C9C7A}"/>
-          </ac:spMkLst>
-        </pc:spChg>
-        <pc:spChg chg="mod">
-          <ac:chgData name="Thomas Mandelz" userId="8d3a597e08c542e1" providerId="LiveId" clId="{C836EF19-E232-49E4-AE3F-6127B56BBCF6}" dt="2022-01-20T10:21:06.363" v="94" actId="12"/>
-          <ac:spMkLst>
-            <pc:docMk/>
-            <pc:sldMk cId="4102609991" sldId="266"/>
-            <ac:spMk id="6" creationId="{C441A34F-BF68-4E06-B6EA-18E4E7BE98EB}"/>
-          </ac:spMkLst>
-        </pc:spChg>
-      </pc:sldChg>
-      <pc:sldChg chg="modSp new mod modNotesTx">
-        <pc:chgData name="Thomas Mandelz" userId="8d3a597e08c542e1" providerId="LiveId" clId="{C836EF19-E232-49E4-AE3F-6127B56BBCF6}" dt="2022-01-20T10:35:12.196" v="260" actId="20577"/>
-        <pc:sldMkLst>
-          <pc:docMk/>
-          <pc:sldMk cId="2332655269" sldId="267"/>
-        </pc:sldMkLst>
-        <pc:spChg chg="mod">
-          <ac:chgData name="Thomas Mandelz" userId="8d3a597e08c542e1" providerId="LiveId" clId="{C836EF19-E232-49E4-AE3F-6127B56BBCF6}" dt="2022-01-20T10:35:12.196" v="260" actId="20577"/>
-          <ac:spMkLst>
-            <pc:docMk/>
-            <pc:sldMk cId="2332655269" sldId="267"/>
-            <ac:spMk id="3" creationId="{CF8F83BF-0BE0-41AB-88FE-975D825037C9}"/>
-          </ac:spMkLst>
-        </pc:spChg>
-        <pc:spChg chg="mod">
-          <ac:chgData name="Thomas Mandelz" userId="8d3a597e08c542e1" providerId="LiveId" clId="{C836EF19-E232-49E4-AE3F-6127B56BBCF6}" dt="2022-01-20T10:21:21.857" v="97"/>
-          <ac:spMkLst>
-            <pc:docMk/>
-            <pc:sldMk cId="2332655269" sldId="267"/>
-            <ac:spMk id="5" creationId="{E071FFB7-E340-4C82-9EF3-F550023A778B}"/>
-          </ac:spMkLst>
-        </pc:spChg>
-        <pc:spChg chg="mod">
-          <ac:chgData name="Thomas Mandelz" userId="8d3a597e08c542e1" providerId="LiveId" clId="{C836EF19-E232-49E4-AE3F-6127B56BBCF6}" dt="2022-01-20T10:21:28.767" v="100" actId="12"/>
-          <ac:spMkLst>
-            <pc:docMk/>
-            <pc:sldMk cId="2332655269" sldId="267"/>
-            <ac:spMk id="6" creationId="{6F22A4B4-9E87-4120-9B2C-AA25BAE6300E}"/>
-          </ac:spMkLst>
-        </pc:spChg>
-      </pc:sldChg>
-      <pc:sldChg chg="modSp new mod modNotesTx">
-        <pc:chgData name="Thomas Mandelz" userId="8d3a597e08c542e1" providerId="LiveId" clId="{C836EF19-E232-49E4-AE3F-6127B56BBCF6}" dt="2022-01-20T10:35:31.401" v="262"/>
-        <pc:sldMkLst>
-          <pc:docMk/>
-          <pc:sldMk cId="800577293" sldId="268"/>
-        </pc:sldMkLst>
-        <pc:spChg chg="mod">
-          <ac:chgData name="Thomas Mandelz" userId="8d3a597e08c542e1" providerId="LiveId" clId="{C836EF19-E232-49E4-AE3F-6127B56BBCF6}" dt="2022-01-20T10:35:31.401" v="262"/>
-          <ac:spMkLst>
-            <pc:docMk/>
-            <pc:sldMk cId="800577293" sldId="268"/>
-            <ac:spMk id="3" creationId="{F3F2052E-8FEE-458B-AA4F-E32691CFF408}"/>
-          </ac:spMkLst>
-        </pc:spChg>
-        <pc:spChg chg="mod">
-          <ac:chgData name="Thomas Mandelz" userId="8d3a597e08c542e1" providerId="LiveId" clId="{C836EF19-E232-49E4-AE3F-6127B56BBCF6}" dt="2022-01-20T10:21:45.987" v="103"/>
-          <ac:spMkLst>
-            <pc:docMk/>
-            <pc:sldMk cId="800577293" sldId="268"/>
-            <ac:spMk id="5" creationId="{6F3F5574-E086-4BAC-A9AF-0FA0718FEE77}"/>
-          </ac:spMkLst>
-        </pc:spChg>
-        <pc:spChg chg="mod">
-          <ac:chgData name="Thomas Mandelz" userId="8d3a597e08c542e1" providerId="LiveId" clId="{C836EF19-E232-49E4-AE3F-6127B56BBCF6}" dt="2022-01-20T10:35:23.762" v="261" actId="14100"/>
-          <ac:spMkLst>
-            <pc:docMk/>
-            <pc:sldMk cId="800577293" sldId="268"/>
-            <ac:spMk id="6" creationId="{1BEAC416-4F92-4165-9BD7-B2A346EBA8AC}"/>
-          </ac:spMkLst>
-        </pc:spChg>
-      </pc:sldChg>
-      <pc:sldChg chg="new add del">
-        <pc:chgData name="Thomas Mandelz" userId="8d3a597e08c542e1" providerId="LiveId" clId="{C836EF19-E232-49E4-AE3F-6127B56BBCF6}" dt="2022-01-20T10:33:19.800" v="233" actId="47"/>
-        <pc:sldMkLst>
-          <pc:docMk/>
-          <pc:sldMk cId="2512396365" sldId="269"/>
-        </pc:sldMkLst>
-      </pc:sldChg>
-      <pc:sldChg chg="new del">
-        <pc:chgData name="Thomas Mandelz" userId="8d3a597e08c542e1" providerId="LiveId" clId="{C836EF19-E232-49E4-AE3F-6127B56BBCF6}" dt="2022-01-20T10:27:31.844" v="218" actId="2696"/>
-        <pc:sldMkLst>
-          <pc:docMk/>
-          <pc:sldMk cId="2898268236" sldId="269"/>
-        </pc:sldMkLst>
-      </pc:sldChg>
-      <pc:sldMasterChg chg="modSp mod modSldLayout">
-        <pc:chgData name="Thomas Mandelz" userId="8d3a597e08c542e1" providerId="LiveId" clId="{C836EF19-E232-49E4-AE3F-6127B56BBCF6}" dt="2022-01-20T10:25:49.414" v="212" actId="20577"/>
-        <pc:sldMasterMkLst>
-          <pc:docMk/>
-          <pc:sldMasterMk cId="2291402503" sldId="2147483713"/>
-        </pc:sldMasterMkLst>
-        <pc:spChg chg="mod">
-          <ac:chgData name="Thomas Mandelz" userId="8d3a597e08c542e1" providerId="LiveId" clId="{C836EF19-E232-49E4-AE3F-6127B56BBCF6}" dt="2022-01-20T10:24:57.970" v="196" actId="20577"/>
-          <ac:spMkLst>
-            <pc:docMk/>
-            <pc:sldMasterMk cId="2291402503" sldId="2147483713"/>
-            <ac:spMk id="1029" creationId="{00000000-0000-0000-0000-000000000000}"/>
-          </ac:spMkLst>
-        </pc:spChg>
-        <pc:sldLayoutChg chg="modSp mod">
-          <pc:chgData name="Thomas Mandelz" userId="8d3a597e08c542e1" providerId="LiveId" clId="{C836EF19-E232-49E4-AE3F-6127B56BBCF6}" dt="2022-01-20T10:25:29.921" v="198" actId="20577"/>
-          <pc:sldLayoutMkLst>
-            <pc:docMk/>
-            <pc:sldMasterMk cId="2291402503" sldId="2147483713"/>
-            <pc:sldLayoutMk cId="4017834334" sldId="2147483720"/>
-          </pc:sldLayoutMkLst>
-          <pc:spChg chg="mod">
-            <ac:chgData name="Thomas Mandelz" userId="8d3a597e08c542e1" providerId="LiveId" clId="{C836EF19-E232-49E4-AE3F-6127B56BBCF6}" dt="2022-01-20T10:25:29.921" v="198" actId="20577"/>
-            <ac:spMkLst>
-              <pc:docMk/>
-              <pc:sldMasterMk cId="2291402503" sldId="2147483713"/>
-              <pc:sldLayoutMk cId="4017834334" sldId="2147483720"/>
-              <ac:spMk id="3" creationId="{00000000-0000-0000-0000-000000000000}"/>
-            </ac:spMkLst>
-          </pc:spChg>
-        </pc:sldLayoutChg>
-        <pc:sldLayoutChg chg="modSp mod">
-          <pc:chgData name="Thomas Mandelz" userId="8d3a597e08c542e1" providerId="LiveId" clId="{C836EF19-E232-49E4-AE3F-6127B56BBCF6}" dt="2022-01-20T10:25:34.923" v="200" actId="20577"/>
-          <pc:sldLayoutMkLst>
-            <pc:docMk/>
-            <pc:sldMasterMk cId="2291402503" sldId="2147483713"/>
-            <pc:sldLayoutMk cId="1113631071" sldId="2147483727"/>
-          </pc:sldLayoutMkLst>
-          <pc:spChg chg="mod">
-            <ac:chgData name="Thomas Mandelz" userId="8d3a597e08c542e1" providerId="LiveId" clId="{C836EF19-E232-49E4-AE3F-6127B56BBCF6}" dt="2022-01-20T10:25:34.923" v="200" actId="20577"/>
-            <ac:spMkLst>
-              <pc:docMk/>
-              <pc:sldMasterMk cId="2291402503" sldId="2147483713"/>
-              <pc:sldLayoutMk cId="1113631071" sldId="2147483727"/>
-              <ac:spMk id="5" creationId="{00000000-0000-0000-0000-000000000000}"/>
-            </ac:spMkLst>
-          </pc:spChg>
-        </pc:sldLayoutChg>
-        <pc:sldLayoutChg chg="modSp mod">
-          <pc:chgData name="Thomas Mandelz" userId="8d3a597e08c542e1" providerId="LiveId" clId="{C836EF19-E232-49E4-AE3F-6127B56BBCF6}" dt="2022-01-20T10:25:43.224" v="210" actId="20577"/>
-          <pc:sldLayoutMkLst>
-            <pc:docMk/>
-            <pc:sldMasterMk cId="2291402503" sldId="2147483713"/>
-            <pc:sldLayoutMk cId="2260773854" sldId="2147483728"/>
-          </pc:sldLayoutMkLst>
-          <pc:spChg chg="mod">
-            <ac:chgData name="Thomas Mandelz" userId="8d3a597e08c542e1" providerId="LiveId" clId="{C836EF19-E232-49E4-AE3F-6127B56BBCF6}" dt="2022-01-20T10:25:43.224" v="210" actId="20577"/>
-            <ac:spMkLst>
-              <pc:docMk/>
-              <pc:sldMasterMk cId="2291402503" sldId="2147483713"/>
-              <pc:sldLayoutMk cId="2260773854" sldId="2147483728"/>
-              <ac:spMk id="5" creationId="{00000000-0000-0000-0000-000000000000}"/>
-            </ac:spMkLst>
-          </pc:spChg>
-        </pc:sldLayoutChg>
-        <pc:sldLayoutChg chg="modSp mod">
-          <pc:chgData name="Thomas Mandelz" userId="8d3a597e08c542e1" providerId="LiveId" clId="{C836EF19-E232-49E4-AE3F-6127B56BBCF6}" dt="2022-01-20T10:25:49.414" v="212" actId="20577"/>
-          <pc:sldLayoutMkLst>
-            <pc:docMk/>
-            <pc:sldMasterMk cId="2291402503" sldId="2147483713"/>
-            <pc:sldLayoutMk cId="338048498" sldId="2147483729"/>
-          </pc:sldLayoutMkLst>
-          <pc:spChg chg="mod">
-            <ac:chgData name="Thomas Mandelz" userId="8d3a597e08c542e1" providerId="LiveId" clId="{C836EF19-E232-49E4-AE3F-6127B56BBCF6}" dt="2022-01-20T10:25:49.414" v="212" actId="20577"/>
-            <ac:spMkLst>
-              <pc:docMk/>
-              <pc:sldMasterMk cId="2291402503" sldId="2147483713"/>
-              <pc:sldLayoutMk cId="338048498" sldId="2147483729"/>
-              <ac:spMk id="3" creationId="{00000000-0000-0000-0000-000000000000}"/>
-            </ac:spMkLst>
-          </pc:spChg>
-        </pc:sldLayoutChg>
-      </pc:sldMasterChg>
-    </pc:docChg>
-  </pc:docChgLst>
 </pc:chgInfo>
 </file>
 
@@ -2470,13 +2462,8 @@
             </a:r>
             <a:r>
               <a:rPr lang="en-CH" dirty="0"/>
-              <a:t> </a:t>
-            </a:r>
-            <a:r>
-              <a:rPr lang="en-CH" dirty="0" err="1"/>
-              <a:t>Formeln</a:t>
-            </a:r>
-            <a:endParaRPr lang="en-CH" dirty="0"/>
+              <a:t> Formel</a:t>
+            </a:r>
           </a:p>
           <a:p>
             <a:pPr marL="171450" indent="-171450">
@@ -2719,13 +2706,16 @@
             </a:r>
             <a:r>
               <a:rPr lang="en-CH" dirty="0"/>
-              <a:t> und </a:t>
-            </a:r>
-            <a:r>
-              <a:rPr lang="en-CH" dirty="0" err="1"/>
-              <a:t>Varianz</a:t>
-            </a:r>
-            <a:endParaRPr lang="en-CH" dirty="0"/>
+              <a:t> mu und </a:t>
+            </a:r>
+            <a:r>
+              <a:rPr lang="en-CH" dirty="0" err="1"/>
+              <a:t>Standardabweichung</a:t>
+            </a:r>
+            <a:r>
+              <a:rPr lang="en-CH" dirty="0"/>
+              <a:t> sigma</a:t>
+            </a:r>
           </a:p>
           <a:p>
             <a:pPr marL="1085850" lvl="2" indent="-171450">
@@ -2796,7 +2786,10 @@
               <a:rPr lang="en-CH" dirty="0" err="1"/>
               <a:t>Abfallrate</a:t>
             </a:r>
-            <a:endParaRPr lang="en-CH" dirty="0"/>
+            <a:r>
+              <a:rPr lang="en-CH" dirty="0"/>
+              <a:t> lambda</a:t>
+            </a:r>
           </a:p>
           <a:p>
             <a:pPr marL="1085850" lvl="2" indent="-171450">
@@ -2924,7 +2917,10 @@
               <a:rPr lang="en-CH" dirty="0" err="1"/>
               <a:t>Abfallrate</a:t>
             </a:r>
-            <a:endParaRPr lang="en-CH" dirty="0"/>
+            <a:r>
+              <a:rPr lang="en-CH" dirty="0"/>
+              <a:t> lambda</a:t>
+            </a:r>
           </a:p>
           <a:p>
             <a:pPr marL="1085850" lvl="2" indent="-171450">
@@ -3126,6 +3122,14 @@
               <a:rPr lang="en-CH" dirty="0" err="1"/>
               <a:t>Werten</a:t>
             </a:r>
+            <a:r>
+              <a:rPr lang="en-CH" dirty="0"/>
+              <a:t> 50 </a:t>
+            </a:r>
+            <a:r>
+              <a:rPr lang="en-CH" dirty="0" err="1"/>
+              <a:t>Millionen</a:t>
+            </a:r>
             <a:endParaRPr lang="en-CH" dirty="0"/>
           </a:p>
           <a:p>
@@ -3287,6 +3291,38 @@
               <a:rPr lang="en-CH" dirty="0" err="1"/>
               <a:t>verlinkt</a:t>
             </a:r>
+            <a:r>
+              <a:rPr lang="en-CH" dirty="0"/>
+              <a:t>, </a:t>
+            </a:r>
+            <a:r>
+              <a:rPr lang="en-CH" dirty="0" err="1"/>
+              <a:t>wie</a:t>
+            </a:r>
+            <a:r>
+              <a:rPr lang="en-CH" dirty="0"/>
+              <a:t> </a:t>
+            </a:r>
+            <a:r>
+              <a:rPr lang="en-CH" dirty="0" err="1"/>
+              <a:t>im</a:t>
+            </a:r>
+            <a:r>
+              <a:rPr lang="en-CH" dirty="0"/>
+              <a:t> </a:t>
+            </a:r>
+            <a:r>
+              <a:rPr lang="en-CH" dirty="0" err="1"/>
+              <a:t>Beispiel</a:t>
+            </a:r>
+            <a:r>
+              <a:rPr lang="en-CH" dirty="0"/>
+              <a:t> auf den </a:t>
+            </a:r>
+            <a:r>
+              <a:rPr lang="en-CH" dirty="0" err="1"/>
+              <a:t>Folien</a:t>
+            </a:r>
             <a:endParaRPr lang="en-CH" dirty="0"/>
           </a:p>
           <a:p>
@@ -3340,6 +3376,45 @@
             <a:r>
               <a:rPr lang="en-CH" dirty="0" err="1"/>
               <a:t>Stufen</a:t>
+            </a:r>
+            <a:endParaRPr lang="en-CH" dirty="0"/>
+          </a:p>
+          <a:p>
+            <a:pPr marL="628650" lvl="1" indent="-171450">
+              <a:buFont typeface="Arial" panose="020B0604020202020204" pitchFamily="34" charset="0"/>
+              <a:buChar char="•"/>
+            </a:pPr>
+            <a:r>
+              <a:rPr lang="en-CH" dirty="0"/>
+              <a:t>Julia </a:t>
+            </a:r>
+            <a:r>
+              <a:rPr lang="en-CH" dirty="0" err="1"/>
+              <a:t>erzählt</a:t>
+            </a:r>
+            <a:r>
+              <a:rPr lang="en-CH" dirty="0"/>
+              <a:t> </a:t>
+            </a:r>
+            <a:r>
+              <a:rPr lang="en-CH" dirty="0" err="1"/>
+              <a:t>euch</a:t>
+            </a:r>
+            <a:r>
+              <a:rPr lang="en-CH" dirty="0"/>
+              <a:t> </a:t>
+            </a:r>
+            <a:r>
+              <a:rPr lang="en-CH" dirty="0" err="1"/>
+              <a:t>noch</a:t>
+            </a:r>
+            <a:r>
+              <a:rPr lang="en-CH" dirty="0"/>
+              <a:t> </a:t>
+            </a:r>
+            <a:r>
+              <a:rPr lang="en-CH" dirty="0" err="1"/>
+              <a:t>mehr</a:t>
             </a:r>
             <a:endParaRPr lang="de-CH" dirty="0"/>
           </a:p>
@@ -4411,7 +4486,7 @@
                   <a:srgbClr val="000000"/>
                 </a:solidFill>
               </a:rPr>
-              <a:t>23.01.2022</a:t>
+              <a:t>25.01.2022</a:t>
             </a:fld>
             <a:endParaRPr lang="de-CH">
               <a:solidFill>
@@ -4613,7 +4688,7 @@
                   <a:srgbClr val="000000"/>
                 </a:solidFill>
               </a:rPr>
-              <a:t>23.01.2022</a:t>
+              <a:t>25.01.2022</a:t>
             </a:fld>
             <a:endParaRPr lang="de-CH">
               <a:solidFill>
@@ -4819,7 +4894,7 @@
                   <a:srgbClr val="000000"/>
                 </a:solidFill>
               </a:rPr>
-              <a:t>23.01.2022</a:t>
+              <a:t>25.01.2022</a:t>
             </a:fld>
             <a:endParaRPr lang="de-CH">
               <a:solidFill>
@@ -5025,7 +5100,7 @@
                   <a:srgbClr val="000000"/>
                 </a:solidFill>
               </a:rPr>
-              <a:t>23.01.2022</a:t>
+              <a:t>25.01.2022</a:t>
             </a:fld>
             <a:endParaRPr lang="de-CH">
               <a:solidFill>
@@ -5480,7 +5555,7 @@
                   <a:srgbClr val="000000"/>
                 </a:solidFill>
               </a:rPr>
-              <a:t>23.01.2022</a:t>
+              <a:t>25.01.2022</a:t>
             </a:fld>
             <a:endParaRPr lang="de-CH">
               <a:solidFill>
@@ -6354,7 +6429,7 @@
                   <a:srgbClr val="000000"/>
                 </a:solidFill>
               </a:rPr>
-              <a:t>23.01.2022</a:t>
+              <a:t>25.01.2022</a:t>
             </a:fld>
             <a:endParaRPr lang="de-CH">
               <a:solidFill>
@@ -6627,7 +6702,7 @@
                   <a:srgbClr val="000000"/>
                 </a:solidFill>
               </a:rPr>
-              <a:t>23.01.2022</a:t>
+              <a:t>25.01.2022</a:t>
             </a:fld>
             <a:endParaRPr lang="de-CH">
               <a:solidFill>
@@ -7233,7 +7308,7 @@
                   <a:srgbClr val="000000"/>
                 </a:solidFill>
               </a:rPr>
-              <a:t>23.01.2022</a:t>
+              <a:t>25.01.2022</a:t>
             </a:fld>
             <a:endParaRPr lang="de-CH">
               <a:solidFill>
@@ -7608,7 +7683,7 @@
                   <a:srgbClr val="000000"/>
                 </a:solidFill>
               </a:rPr>
-              <a:t>23.01.2022</a:t>
+              <a:t>25.01.2022</a:t>
             </a:fld>
             <a:endParaRPr lang="de-CH">
               <a:solidFill>
@@ -7843,7 +7918,7 @@
                   <a:srgbClr val="000000"/>
                 </a:solidFill>
               </a:rPr>
-              <a:t>23.01.2022</a:t>
+              <a:t>25.01.2022</a:t>
             </a:fld>
             <a:endParaRPr lang="de-CH">
               <a:solidFill>
@@ -8068,7 +8143,7 @@
                   <a:srgbClr val="000000"/>
                 </a:solidFill>
               </a:rPr>
-              <a:t>23.01.2022</a:t>
+              <a:t>25.01.2022</a:t>
             </a:fld>
             <a:endParaRPr lang="de-CH">
               <a:solidFill>
@@ -8313,7 +8388,7 @@
                   <a:srgbClr val="000000"/>
                 </a:solidFill>
               </a:rPr>
-              <a:t>23.01.2022</a:t>
+              <a:t>25.01.2022</a:t>
             </a:fld>
             <a:endParaRPr lang="de-CH">
               <a:solidFill>
@@ -8730,7 +8805,7 @@
                   <a:srgbClr val="000000"/>
                 </a:solidFill>
               </a:rPr>
-              <a:t>23.01.2022</a:t>
+              <a:t>25.01.2022</a:t>
             </a:fld>
             <a:endParaRPr lang="de-CH">
               <a:solidFill>
@@ -9094,7 +9169,7 @@
                   <a:srgbClr val="000000"/>
                 </a:solidFill>
               </a:rPr>
-              <a:t>23.01.2022</a:t>
+              <a:t>25.01.2022</a:t>
             </a:fld>
             <a:endParaRPr lang="de-CH">
               <a:solidFill>
@@ -9850,7 +9925,7 @@
                   <a:srgbClr val="000000"/>
                 </a:solidFill>
               </a:rPr>
-              <a:t>23.01.2022</a:t>
+              <a:t>25.01.2022</a:t>
             </a:fld>
             <a:endParaRPr lang="de-CH">
               <a:solidFill>
@@ -10086,7 +10161,7 @@
                   <a:srgbClr val="000000"/>
                 </a:solidFill>
               </a:rPr>
-              <a:t>23.01.2022</a:t>
+              <a:t>25.01.2022</a:t>
             </a:fld>
             <a:endParaRPr lang="de-CH">
               <a:solidFill>
@@ -10193,8 +10268,12 @@
           <a:lstStyle/>
           <a:p>
             <a:r>
-              <a:rPr lang="en-CH"/>
-              <a:t>Physikalische Formeln</a:t>
+              <a:rPr lang="en-CH" dirty="0" err="1"/>
+              <a:t>Physikalische</a:t>
+            </a:r>
+            <a:r>
+              <a:rPr lang="en-CH" dirty="0"/>
+              <a:t> Formel</a:t>
             </a:r>
             <a:endParaRPr lang="de-CH" dirty="0"/>
           </a:p>
@@ -10264,7 +10343,7 @@
         </p:blipFill>
         <p:spPr>
           <a:xfrm>
-            <a:off x="3672954" y="1871663"/>
+            <a:off x="3312914" y="2330351"/>
             <a:ext cx="5158861" cy="1738312"/>
           </a:xfrm>
           <a:prstGeom prst="rect">
@@ -10329,7 +10408,7 @@
                   <a:srgbClr val="000000"/>
                 </a:solidFill>
               </a:rPr>
-              <a:t>23.01.2022</a:t>
+              <a:t>25.01.2022</a:t>
             </a:fld>
             <a:endParaRPr lang="de-CH">
               <a:solidFill>
@@ -10619,7 +10698,7 @@
                 <a:latin typeface="Calibri" panose="020F0502020204030204" pitchFamily="34" charset="0"/>
                 <a:cs typeface="Calibri" panose="020F0502020204030204" pitchFamily="34" charset="0"/>
               </a:rPr>
-              <a:t>Varianz</a:t>
+              <a:t>Standardabweichung</a:t>
             </a:r>
             <a:r>
               <a:rPr lang="en-CH" sz="1800" b="0" i="0" u="none" strike="noStrike" kern="1200" dirty="0">
@@ -10906,7 +10985,7 @@
               </a:rPr>
               <a:t>)</a:t>
             </a:r>
-            <a:endParaRPr lang="de-CH" sz="1800" b="0" i="0" u="none" strike="noStrike">
+            <a:endParaRPr lang="de-CH" sz="1800" b="0" i="0" u="none" strike="noStrike" dirty="0">
               <a:effectLst/>
               <a:latin typeface="Calibri" panose="020F0502020204030204" pitchFamily="34" charset="0"/>
               <a:cs typeface="Calibri" panose="020F0502020204030204" pitchFamily="34" charset="0"/>
@@ -11109,7 +11188,7 @@
                   <a:srgbClr val="000000"/>
                 </a:solidFill>
               </a:rPr>
-              <a:t>23.01.2022</a:t>
+              <a:t>25.01.2022</a:t>
             </a:fld>
             <a:endParaRPr lang="de-CH">
               <a:solidFill>
@@ -11420,7 +11499,7 @@
                   <a:srgbClr val="000000"/>
                 </a:solidFill>
               </a:rPr>
-              <a:t>23.01.2022</a:t>
+              <a:t>25.01.2022</a:t>
             </a:fld>
             <a:endParaRPr lang="de-CH">
               <a:solidFill>
@@ -11691,7 +11770,7 @@
                   <a:srgbClr val="000000"/>
                 </a:solidFill>
               </a:rPr>
-              <a:t>23.01.2022</a:t>
+              <a:t>25.01.2022</a:t>
             </a:fld>
             <a:endParaRPr lang="de-CH" dirty="0">
               <a:solidFill>
@@ -13526,17 +13605,6 @@
 </file>
 
 <file path=customXml/item1.xml><?xml version="1.0" encoding="utf-8"?>
-<p:properties xmlns:p="http://schemas.microsoft.com/office/2006/metadata/properties" xmlns:xsi="http://www.w3.org/2001/XMLSchema-instance" xmlns:pc="http://schemas.microsoft.com/office/infopath/2007/PartnerControls">
-  <documentManagement>
-    <Sprache xmlns="69e60002-4b69-4aad-9e3a-e3a9db2b0f4f">Deutsch</Sprache>
-    <Format xmlns="69e60002-4b69-4aad-9e3a-e3a9db2b0f4f" xsi:nil="true"/>
-    <Organisation_x0020__x002f__x0020_Hochschule xmlns="69e60002-4b69-4aad-9e3a-e3a9db2b0f4f">HT</Organisation_x0020__x002f__x0020_Hochschule>
-    <Vorlage xmlns="69e60002-4b69-4aad-9e3a-e3a9db2b0f4f">Power Point</Vorlage>
-  </documentManagement>
-</p:properties>
-</file>
-
-<file path=customXml/item2.xml><?xml version="1.0" encoding="utf-8"?>
 <ct:contentTypeSchema xmlns:ct="http://schemas.microsoft.com/office/2006/metadata/contentType" xmlns:ma="http://schemas.microsoft.com/office/2006/metadata/properties/metaAttributes" ct:_="" ma:_="" ma:contentTypeName="Dokument" ma:contentTypeID="0x010100AC764BFD121A654BAFEE3F0D30D09696" ma:contentTypeVersion="4" ma:contentTypeDescription="Ein neues Dokument erstellen." ma:contentTypeScope="" ma:versionID="f0b21a448d18db25e00af343419af742">
   <xsd:schema xmlns:xsd="http://www.w3.org/2001/XMLSchema" xmlns:xs="http://www.w3.org/2001/XMLSchema" xmlns:p="http://schemas.microsoft.com/office/2006/metadata/properties" xmlns:ns2="69e60002-4b69-4aad-9e3a-e3a9db2b0f4f" targetNamespace="http://schemas.microsoft.com/office/2006/metadata/properties" ma:root="true" ma:fieldsID="a976930b042ac8693047c70f2498f757" ns2:_="">
     <xsd:import namespace="69e60002-4b69-4aad-9e3a-e3a9db2b0f4f"/>
@@ -13711,6 +13779,17 @@
 </ct:contentTypeSchema>
 </file>
 
+<file path=customXml/item2.xml><?xml version="1.0" encoding="utf-8"?>
+<p:properties xmlns:p="http://schemas.microsoft.com/office/2006/metadata/properties" xmlns:xsi="http://www.w3.org/2001/XMLSchema-instance" xmlns:pc="http://schemas.microsoft.com/office/infopath/2007/PartnerControls">
+  <documentManagement>
+    <Sprache xmlns="69e60002-4b69-4aad-9e3a-e3a9db2b0f4f">Deutsch</Sprache>
+    <Format xmlns="69e60002-4b69-4aad-9e3a-e3a9db2b0f4f" xsi:nil="true"/>
+    <Organisation_x0020__x002f__x0020_Hochschule xmlns="69e60002-4b69-4aad-9e3a-e3a9db2b0f4f">HT</Organisation_x0020__x002f__x0020_Hochschule>
+    <Vorlage xmlns="69e60002-4b69-4aad-9e3a-e3a9db2b0f4f">Power Point</Vorlage>
+  </documentManagement>
+</p:properties>
+</file>
+
 <file path=customXml/item3.xml><?xml version="1.0" encoding="utf-8"?>
 <?mso-contentType ?>
 <FormTemplates xmlns="http://schemas.microsoft.com/sharepoint/v3/contenttype/forms">
@@ -13721,16 +13800,6 @@
 </file>
 
 <file path=customXml/itemProps1.xml><?xml version="1.0" encoding="utf-8"?>
-<ds:datastoreItem xmlns:ds="http://schemas.openxmlformats.org/officeDocument/2006/customXml" ds:itemID="{724AFF31-8E32-4607-8DA5-F53690CB721B}">
-  <ds:schemaRefs>
-    <ds:schemaRef ds:uri="http://schemas.microsoft.com/office/2006/metadata/properties"/>
-    <ds:schemaRef ds:uri="http://schemas.microsoft.com/office/infopath/2007/PartnerControls"/>
-    <ds:schemaRef ds:uri="69e60002-4b69-4aad-9e3a-e3a9db2b0f4f"/>
-  </ds:schemaRefs>
-</ds:datastoreItem>
-</file>
-
-<file path=customXml/itemProps2.xml><?xml version="1.0" encoding="utf-8"?>
 <ds:datastoreItem xmlns:ds="http://schemas.openxmlformats.org/officeDocument/2006/customXml" ds:itemID="{0498FCD4-62F2-4C59-824F-30F9B51F9401}">
   <ds:schemaRefs>
     <ds:schemaRef ds:uri="http://schemas.microsoft.com/office/2006/metadata/contentType"/>
@@ -13748,6 +13817,16 @@
 </ds:datastoreItem>
 </file>
 
+<file path=customXml/itemProps2.xml><?xml version="1.0" encoding="utf-8"?>
+<ds:datastoreItem xmlns:ds="http://schemas.openxmlformats.org/officeDocument/2006/customXml" ds:itemID="{724AFF31-8E32-4607-8DA5-F53690CB721B}">
+  <ds:schemaRefs>
+    <ds:schemaRef ds:uri="http://schemas.microsoft.com/office/2006/metadata/properties"/>
+    <ds:schemaRef ds:uri="http://schemas.microsoft.com/office/infopath/2007/PartnerControls"/>
+    <ds:schemaRef ds:uri="69e60002-4b69-4aad-9e3a-e3a9db2b0f4f"/>
+  </ds:schemaRefs>
+</ds:datastoreItem>
+</file>
+
 <file path=customXml/itemProps3.xml><?xml version="1.0" encoding="utf-8"?>
 <ds:datastoreItem xmlns:ds="http://schemas.openxmlformats.org/officeDocument/2006/customXml" ds:itemID="{1F9AB8FE-BD0C-400C-B543-7D7BB2885DFE}">
   <ds:schemaRefs>

--- a/Präsentation/Vorgehen.pptx
+++ b/Präsentation/Vorgehen.pptx
@@ -303,7 +303,7 @@
   <pc:docChgLst>
     <pc:chgData name="Thomas Mandelz" userId="8d3a597e08c542e1" providerId="LiveId" clId="{C836EF19-E232-49E4-AE3F-6127B56BBCF6}"/>
     <pc:docChg chg="undo custSel addSld delSld modSld sldOrd modMainMaster addSection delSection modSection">
-      <pc:chgData name="Thomas Mandelz" userId="8d3a597e08c542e1" providerId="LiveId" clId="{C836EF19-E232-49E4-AE3F-6127B56BBCF6}" dt="2022-01-25T07:29:00.829" v="435" actId="1037"/>
+      <pc:chgData name="Thomas Mandelz" userId="8d3a597e08c542e1" providerId="LiveId" clId="{C836EF19-E232-49E4-AE3F-6127B56BBCF6}" dt="2022-01-25T07:47:02.834" v="436" actId="20577"/>
       <pc:docMkLst>
         <pc:docMk/>
       </pc:docMkLst>
@@ -733,7 +733,7 @@
         </pc:picChg>
       </pc:sldChg>
       <pc:sldChg chg="addSp modSp new mod modNotesTx">
-        <pc:chgData name="Thomas Mandelz" userId="8d3a597e08c542e1" providerId="LiveId" clId="{C836EF19-E232-49E4-AE3F-6127B56BBCF6}" dt="2022-01-25T07:27:23.614" v="415" actId="20577"/>
+        <pc:chgData name="Thomas Mandelz" userId="8d3a597e08c542e1" providerId="LiveId" clId="{C836EF19-E232-49E4-AE3F-6127B56BBCF6}" dt="2022-01-25T07:47:02.834" v="436" actId="20577"/>
         <pc:sldMkLst>
           <pc:docMk/>
           <pc:sldMk cId="3227672474" sldId="265"/>
@@ -755,7 +755,7 @@
           </ac:spMkLst>
         </pc:spChg>
         <pc:spChg chg="mod">
-          <ac:chgData name="Thomas Mandelz" userId="8d3a597e08c542e1" providerId="LiveId" clId="{C836EF19-E232-49E4-AE3F-6127B56BBCF6}" dt="2022-01-25T07:26:23.799" v="381" actId="20577"/>
+          <ac:chgData name="Thomas Mandelz" userId="8d3a597e08c542e1" providerId="LiveId" clId="{C836EF19-E232-49E4-AE3F-6127B56BBCF6}" dt="2022-01-25T07:47:02.834" v="436" actId="20577"/>
           <ac:spMkLst>
             <pc:docMk/>
             <pc:sldMk cId="3227672474" sldId="265"/>
@@ -10663,13 +10663,6 @@
                 <a:cs typeface="Calibri" panose="020F0502020204030204" pitchFamily="34" charset="0"/>
               </a:rPr>
               <a:t>σ</a:t>
-            </a:r>
-            <a:r>
-              <a:rPr lang="el-GR" sz="1800" baseline="30000" dirty="0">
-                <a:latin typeface="Calibri" panose="020F0502020204030204" pitchFamily="34" charset="0"/>
-                <a:cs typeface="Calibri" panose="020F0502020204030204" pitchFamily="34" charset="0"/>
-              </a:rPr>
-              <a:t>2</a:t>
             </a:r>
             <a:r>
               <a:rPr lang="en-CH" sz="1800" baseline="30000" dirty="0">
@@ -13605,6 +13598,17 @@
 </file>
 
 <file path=customXml/item1.xml><?xml version="1.0" encoding="utf-8"?>
+<p:properties xmlns:p="http://schemas.microsoft.com/office/2006/metadata/properties" xmlns:xsi="http://www.w3.org/2001/XMLSchema-instance" xmlns:pc="http://schemas.microsoft.com/office/infopath/2007/PartnerControls">
+  <documentManagement>
+    <Sprache xmlns="69e60002-4b69-4aad-9e3a-e3a9db2b0f4f">Deutsch</Sprache>
+    <Format xmlns="69e60002-4b69-4aad-9e3a-e3a9db2b0f4f" xsi:nil="true"/>
+    <Organisation_x0020__x002f__x0020_Hochschule xmlns="69e60002-4b69-4aad-9e3a-e3a9db2b0f4f">HT</Organisation_x0020__x002f__x0020_Hochschule>
+    <Vorlage xmlns="69e60002-4b69-4aad-9e3a-e3a9db2b0f4f">Power Point</Vorlage>
+  </documentManagement>
+</p:properties>
+</file>
+
+<file path=customXml/item2.xml><?xml version="1.0" encoding="utf-8"?>
 <ct:contentTypeSchema xmlns:ct="http://schemas.microsoft.com/office/2006/metadata/contentType" xmlns:ma="http://schemas.microsoft.com/office/2006/metadata/properties/metaAttributes" ct:_="" ma:_="" ma:contentTypeName="Dokument" ma:contentTypeID="0x010100AC764BFD121A654BAFEE3F0D30D09696" ma:contentTypeVersion="4" ma:contentTypeDescription="Ein neues Dokument erstellen." ma:contentTypeScope="" ma:versionID="f0b21a448d18db25e00af343419af742">
   <xsd:schema xmlns:xsd="http://www.w3.org/2001/XMLSchema" xmlns:xs="http://www.w3.org/2001/XMLSchema" xmlns:p="http://schemas.microsoft.com/office/2006/metadata/properties" xmlns:ns2="69e60002-4b69-4aad-9e3a-e3a9db2b0f4f" targetNamespace="http://schemas.microsoft.com/office/2006/metadata/properties" ma:root="true" ma:fieldsID="a976930b042ac8693047c70f2498f757" ns2:_="">
     <xsd:import namespace="69e60002-4b69-4aad-9e3a-e3a9db2b0f4f"/>
@@ -13779,17 +13783,6 @@
 </ct:contentTypeSchema>
 </file>
 
-<file path=customXml/item2.xml><?xml version="1.0" encoding="utf-8"?>
-<p:properties xmlns:p="http://schemas.microsoft.com/office/2006/metadata/properties" xmlns:xsi="http://www.w3.org/2001/XMLSchema-instance" xmlns:pc="http://schemas.microsoft.com/office/infopath/2007/PartnerControls">
-  <documentManagement>
-    <Sprache xmlns="69e60002-4b69-4aad-9e3a-e3a9db2b0f4f">Deutsch</Sprache>
-    <Format xmlns="69e60002-4b69-4aad-9e3a-e3a9db2b0f4f" xsi:nil="true"/>
-    <Organisation_x0020__x002f__x0020_Hochschule xmlns="69e60002-4b69-4aad-9e3a-e3a9db2b0f4f">HT</Organisation_x0020__x002f__x0020_Hochschule>
-    <Vorlage xmlns="69e60002-4b69-4aad-9e3a-e3a9db2b0f4f">Power Point</Vorlage>
-  </documentManagement>
-</p:properties>
-</file>
-
 <file path=customXml/item3.xml><?xml version="1.0" encoding="utf-8"?>
 <?mso-contentType ?>
 <FormTemplates xmlns="http://schemas.microsoft.com/sharepoint/v3/contenttype/forms">
@@ -13800,6 +13793,16 @@
 </file>
 
 <file path=customXml/itemProps1.xml><?xml version="1.0" encoding="utf-8"?>
+<ds:datastoreItem xmlns:ds="http://schemas.openxmlformats.org/officeDocument/2006/customXml" ds:itemID="{724AFF31-8E32-4607-8DA5-F53690CB721B}">
+  <ds:schemaRefs>
+    <ds:schemaRef ds:uri="http://schemas.microsoft.com/office/2006/metadata/properties"/>
+    <ds:schemaRef ds:uri="http://schemas.microsoft.com/office/infopath/2007/PartnerControls"/>
+    <ds:schemaRef ds:uri="69e60002-4b69-4aad-9e3a-e3a9db2b0f4f"/>
+  </ds:schemaRefs>
+</ds:datastoreItem>
+</file>
+
+<file path=customXml/itemProps2.xml><?xml version="1.0" encoding="utf-8"?>
 <ds:datastoreItem xmlns:ds="http://schemas.openxmlformats.org/officeDocument/2006/customXml" ds:itemID="{0498FCD4-62F2-4C59-824F-30F9B51F9401}">
   <ds:schemaRefs>
     <ds:schemaRef ds:uri="http://schemas.microsoft.com/office/2006/metadata/contentType"/>
@@ -13817,16 +13820,6 @@
 </ds:datastoreItem>
 </file>
 
-<file path=customXml/itemProps2.xml><?xml version="1.0" encoding="utf-8"?>
-<ds:datastoreItem xmlns:ds="http://schemas.openxmlformats.org/officeDocument/2006/customXml" ds:itemID="{724AFF31-8E32-4607-8DA5-F53690CB721B}">
-  <ds:schemaRefs>
-    <ds:schemaRef ds:uri="http://schemas.microsoft.com/office/2006/metadata/properties"/>
-    <ds:schemaRef ds:uri="http://schemas.microsoft.com/office/infopath/2007/PartnerControls"/>
-    <ds:schemaRef ds:uri="69e60002-4b69-4aad-9e3a-e3a9db2b0f4f"/>
-  </ds:schemaRefs>
-</ds:datastoreItem>
-</file>
-
 <file path=customXml/itemProps3.xml><?xml version="1.0" encoding="utf-8"?>
 <ds:datastoreItem xmlns:ds="http://schemas.openxmlformats.org/officeDocument/2006/customXml" ds:itemID="{1F9AB8FE-BD0C-400C-B543-7D7BB2885DFE}">
   <ds:schemaRefs>

--- a/Präsentation/Vorgehen.pptx
+++ b/Präsentation/Vorgehen.pptx
@@ -190,8 +190,40 @@
 </p:presentation>
 </file>
 
+<file path=ppt/revisionInfo.xml><?xml version="1.0" encoding="utf-8"?>
+<p1510:revInfo xmlns:a="http://schemas.openxmlformats.org/drawingml/2006/main" xmlns:r="http://schemas.openxmlformats.org/officeDocument/2006/relationships" xmlns:p1510="http://schemas.microsoft.com/office/powerpoint/2015/10/main">
+  <p1510:revLst>
+    <p1510:client id="{D9D9C94B-6472-408D-8F6A-4FA8657BACE7}" v="22" dt="2022-01-25T07:46:53.019"/>
+  </p1510:revLst>
+</p1510:revInfo>
+</file>
+
 <file path=ppt/changesInfos/changesInfo1.xml><?xml version="1.0" encoding="utf-8"?>
 <pc:chgInfo xmlns:a="http://schemas.openxmlformats.org/drawingml/2006/main" xmlns:r="http://schemas.openxmlformats.org/officeDocument/2006/relationships" xmlns:ac="http://schemas.microsoft.com/office/drawing/2013/main/command" xmlns:pc="http://schemas.microsoft.com/office/powerpoint/2013/main/command">
+  <pc:docChgLst>
+    <pc:chgData name="Julia Lobatón (s)" userId="03631203-4130-44e4-8322-dc08ad4e2bed" providerId="ADAL" clId="{D9D9C94B-6472-408D-8F6A-4FA8657BACE7}"/>
+    <pc:docChg chg="modSld">
+      <pc:chgData name="Julia Lobatón (s)" userId="03631203-4130-44e4-8322-dc08ad4e2bed" providerId="ADAL" clId="{D9D9C94B-6472-408D-8F6A-4FA8657BACE7}" dt="2022-01-25T07:47:10.070" v="23" actId="20577"/>
+      <pc:docMkLst>
+        <pc:docMk/>
+      </pc:docMkLst>
+      <pc:sldChg chg="modSp mod">
+        <pc:chgData name="Julia Lobatón (s)" userId="03631203-4130-44e4-8322-dc08ad4e2bed" providerId="ADAL" clId="{D9D9C94B-6472-408D-8F6A-4FA8657BACE7}" dt="2022-01-25T07:47:10.070" v="23" actId="20577"/>
+        <pc:sldMkLst>
+          <pc:docMk/>
+          <pc:sldMk cId="3621980955" sldId="269"/>
+        </pc:sldMkLst>
+        <pc:spChg chg="mod">
+          <ac:chgData name="Julia Lobatón (s)" userId="03631203-4130-44e4-8322-dc08ad4e2bed" providerId="ADAL" clId="{D9D9C94B-6472-408D-8F6A-4FA8657BACE7}" dt="2022-01-25T07:47:10.070" v="23" actId="20577"/>
+          <ac:spMkLst>
+            <pc:docMk/>
+            <pc:sldMk cId="3621980955" sldId="269"/>
+            <ac:spMk id="7" creationId="{0CD48D1D-38D0-4FFB-BF50-6438E8B3C3DC}"/>
+          </ac:spMkLst>
+        </pc:spChg>
+      </pc:sldChg>
+    </pc:docChg>
+  </pc:docChgLst>
   <pc:docChgLst>
     <pc:chgData name="Thomas Mandelz" userId="8d3a597e08c542e1" providerId="LiveId" clId="{689DCA06-EA32-4C30-B093-43B7E5AB26E1}"/>
     <pc:docChg chg="undo custSel modSld">
@@ -1650,7 +1682,7 @@
             <a:fld id="{C74B13BA-36C6-4300-B5B6-6C1D152DFF13}" type="slidenum">
               <a:rPr lang="de-CH"/>
               <a:pPr/>
-              <a:t>‹#›</a:t>
+              <a:t>‹Nr.›</a:t>
             </a:fld>
             <a:endParaRPr lang="de-CH"/>
           </a:p>
@@ -2103,7 +2135,7 @@
             <a:fld id="{058061DB-DF71-4765-99A4-14E22DF63CCF}" type="slidenum">
               <a:rPr lang="de-CH"/>
               <a:pPr/>
-              <a:t>‹#›</a:t>
+              <a:t>‹Nr.›</a:t>
             </a:fld>
             <a:endParaRPr lang="de-CH"/>
           </a:p>
@@ -4557,7 +4589,7 @@
                 </a:solidFill>
               </a:rPr>
               <a:pPr/>
-              <a:t>‹#›</a:t>
+              <a:t>‹Nr.›</a:t>
             </a:fld>
             <a:endParaRPr lang="de-CH">
               <a:solidFill>
@@ -4759,7 +4791,7 @@
                 </a:solidFill>
               </a:rPr>
               <a:pPr/>
-              <a:t>‹#›</a:t>
+              <a:t>‹Nr.›</a:t>
             </a:fld>
             <a:endParaRPr lang="de-CH">
               <a:solidFill>
@@ -4965,7 +4997,7 @@
                 </a:solidFill>
               </a:rPr>
               <a:pPr/>
-              <a:t>‹#›</a:t>
+              <a:t>‹Nr.›</a:t>
             </a:fld>
             <a:endParaRPr lang="de-CH">
               <a:solidFill>
@@ -5171,7 +5203,7 @@
                 </a:solidFill>
               </a:rPr>
               <a:pPr/>
-              <a:t>‹#›</a:t>
+              <a:t>‹Nr.›</a:t>
             </a:fld>
             <a:endParaRPr lang="de-CH">
               <a:solidFill>
@@ -5716,7 +5748,7 @@
                 </a:solidFill>
               </a:rPr>
               <a:pPr/>
-              <a:t>‹#›</a:t>
+              <a:t>‹Nr.›</a:t>
             </a:fld>
             <a:endParaRPr lang="de-CH">
               <a:solidFill>
@@ -6815,8 +6847,8 @@
           </a:p>
         </p:txBody>
       </p:sp>
-      <mc:AlternateContent xmlns:mc="http://schemas.openxmlformats.org/markup-compatibility/2006" xmlns:a14="http://schemas.microsoft.com/office/drawing/2010/main">
-        <mc:Choice Requires="a14">
+      <mc:AlternateContent xmlns:mc="http://schemas.openxmlformats.org/markup-compatibility/2006">
+        <mc:Choice xmlns:a14="http://schemas.microsoft.com/office/drawing/2010/main" Requires="a14">
           <p:sp>
             <p:nvSpPr>
               <p:cNvPr id="7" name="Inhaltsplatzhalter 2">
@@ -7147,8 +7179,45 @@
                           <a:rPr lang="de-CH" b="0" i="1" smtClean="0">
                             <a:latin typeface="Cambria Math" panose="02040503050406030204" pitchFamily="18" charset="0"/>
                           </a:rPr>
-                          <m:t>𝐺𝑒𝑠𝑐h𝑤𝑖𝑛𝑑𝑖𝑔𝑘𝑒𝑖𝑡𝐴𝑢𝑡𝑜</m:t>
+                          <m:t>𝐺𝑒𝑠𝑐h𝑤𝑖𝑛𝑑𝑖𝑔𝑘𝑒𝑖𝑡</m:t>
                         </m:r>
+                        <m:r>
+                          <a:rPr lang="de-CH" b="0" i="1" smtClean="0">
+                            <a:latin typeface="Cambria Math" panose="02040503050406030204" pitchFamily="18" charset="0"/>
+                          </a:rPr>
+                          <m:t> </m:t>
+                        </m:r>
+                        <m:r>
+                          <a:rPr lang="de-CH" b="0" i="1" smtClean="0">
+                            <a:latin typeface="Cambria Math" panose="02040503050406030204" pitchFamily="18" charset="0"/>
+                          </a:rPr>
+                          <m:t>𝑖𝑛</m:t>
+                        </m:r>
+                        <m:f>
+                          <m:fPr>
+                            <m:ctrlPr>
+                              <a:rPr lang="de-CH" i="1">
+                                <a:latin typeface="Cambria Math" panose="02040503050406030204" pitchFamily="18" charset="0"/>
+                              </a:rPr>
+                            </m:ctrlPr>
+                          </m:fPr>
+                          <m:num>
+                            <m:r>
+                              <a:rPr lang="de-CH" i="1">
+                                <a:latin typeface="Cambria Math" panose="02040503050406030204" pitchFamily="18" charset="0"/>
+                              </a:rPr>
+                              <m:t>𝑘𝑚</m:t>
+                            </m:r>
+                          </m:num>
+                          <m:den>
+                            <m:r>
+                              <a:rPr lang="de-CH" i="1">
+                                <a:latin typeface="Cambria Math" panose="02040503050406030204" pitchFamily="18" charset="0"/>
+                              </a:rPr>
+                              <m:t>h</m:t>
+                            </m:r>
+                          </m:den>
+                        </m:f>
                       </m:num>
                       <m:den>
                         <m:r>
@@ -7175,8 +7244,12 @@
                   <a:buChar char="•"/>
                 </a:pPr>
                 <a:r>
+                  <a:rPr lang="de-CH"/>
+                  <a:t>Autolänge = </a:t>
+                </a:r>
+                <a:r>
                   <a:rPr lang="de-CH" dirty="0"/>
-                  <a:t>Autolänge 4,4 Meter</a:t>
+                  <a:t>4,4 Meter</a:t>
                 </a:r>
               </a:p>
               <a:p>
@@ -7207,7 +7280,7 @@
             </p:txBody>
           </p:sp>
         </mc:Choice>
-        <mc:Fallback xmlns="">
+        <mc:Fallback>
           <p:sp>
             <p:nvSpPr>
               <p:cNvPr id="7" name="Inhaltsplatzhalter 2">
@@ -7232,7 +7305,7 @@
               <a:blipFill>
                 <a:blip r:embed="rId3"/>
                 <a:stretch>
-                  <a:fillRect l="-1544" t="-1228"/>
+                  <a:fillRect l="-1544" t="-1228" b="-1637"/>
                 </a:stretch>
               </a:blipFill>
             </p:spPr>
@@ -13605,6 +13678,17 @@
 </file>
 
 <file path=customXml/item1.xml><?xml version="1.0" encoding="utf-8"?>
+<p:properties xmlns:p="http://schemas.microsoft.com/office/2006/metadata/properties" xmlns:xsi="http://www.w3.org/2001/XMLSchema-instance" xmlns:pc="http://schemas.microsoft.com/office/infopath/2007/PartnerControls">
+  <documentManagement>
+    <Sprache xmlns="69e60002-4b69-4aad-9e3a-e3a9db2b0f4f">Deutsch</Sprache>
+    <Format xmlns="69e60002-4b69-4aad-9e3a-e3a9db2b0f4f" xsi:nil="true"/>
+    <Organisation_x0020__x002f__x0020_Hochschule xmlns="69e60002-4b69-4aad-9e3a-e3a9db2b0f4f">HT</Organisation_x0020__x002f__x0020_Hochschule>
+    <Vorlage xmlns="69e60002-4b69-4aad-9e3a-e3a9db2b0f4f">Power Point</Vorlage>
+  </documentManagement>
+</p:properties>
+</file>
+
+<file path=customXml/item2.xml><?xml version="1.0" encoding="utf-8"?>
 <ct:contentTypeSchema xmlns:ct="http://schemas.microsoft.com/office/2006/metadata/contentType" xmlns:ma="http://schemas.microsoft.com/office/2006/metadata/properties/metaAttributes" ct:_="" ma:_="" ma:contentTypeName="Dokument" ma:contentTypeID="0x010100AC764BFD121A654BAFEE3F0D30D09696" ma:contentTypeVersion="4" ma:contentTypeDescription="Ein neues Dokument erstellen." ma:contentTypeScope="" ma:versionID="f0b21a448d18db25e00af343419af742">
   <xsd:schema xmlns:xsd="http://www.w3.org/2001/XMLSchema" xmlns:xs="http://www.w3.org/2001/XMLSchema" xmlns:p="http://schemas.microsoft.com/office/2006/metadata/properties" xmlns:ns2="69e60002-4b69-4aad-9e3a-e3a9db2b0f4f" targetNamespace="http://schemas.microsoft.com/office/2006/metadata/properties" ma:root="true" ma:fieldsID="a976930b042ac8693047c70f2498f757" ns2:_="">
     <xsd:import namespace="69e60002-4b69-4aad-9e3a-e3a9db2b0f4f"/>
@@ -13779,17 +13863,6 @@
 </ct:contentTypeSchema>
 </file>
 
-<file path=customXml/item2.xml><?xml version="1.0" encoding="utf-8"?>
-<p:properties xmlns:p="http://schemas.microsoft.com/office/2006/metadata/properties" xmlns:xsi="http://www.w3.org/2001/XMLSchema-instance" xmlns:pc="http://schemas.microsoft.com/office/infopath/2007/PartnerControls">
-  <documentManagement>
-    <Sprache xmlns="69e60002-4b69-4aad-9e3a-e3a9db2b0f4f">Deutsch</Sprache>
-    <Format xmlns="69e60002-4b69-4aad-9e3a-e3a9db2b0f4f" xsi:nil="true"/>
-    <Organisation_x0020__x002f__x0020_Hochschule xmlns="69e60002-4b69-4aad-9e3a-e3a9db2b0f4f">HT</Organisation_x0020__x002f__x0020_Hochschule>
-    <Vorlage xmlns="69e60002-4b69-4aad-9e3a-e3a9db2b0f4f">Power Point</Vorlage>
-  </documentManagement>
-</p:properties>
-</file>
-
 <file path=customXml/item3.xml><?xml version="1.0" encoding="utf-8"?>
 <?mso-contentType ?>
 <FormTemplates xmlns="http://schemas.microsoft.com/sharepoint/v3/contenttype/forms">
@@ -13800,6 +13873,16 @@
 </file>
 
 <file path=customXml/itemProps1.xml><?xml version="1.0" encoding="utf-8"?>
+<ds:datastoreItem xmlns:ds="http://schemas.openxmlformats.org/officeDocument/2006/customXml" ds:itemID="{724AFF31-8E32-4607-8DA5-F53690CB721B}">
+  <ds:schemaRefs>
+    <ds:schemaRef ds:uri="http://schemas.microsoft.com/office/2006/metadata/properties"/>
+    <ds:schemaRef ds:uri="http://schemas.microsoft.com/office/infopath/2007/PartnerControls"/>
+    <ds:schemaRef ds:uri="69e60002-4b69-4aad-9e3a-e3a9db2b0f4f"/>
+  </ds:schemaRefs>
+</ds:datastoreItem>
+</file>
+
+<file path=customXml/itemProps2.xml><?xml version="1.0" encoding="utf-8"?>
 <ds:datastoreItem xmlns:ds="http://schemas.openxmlformats.org/officeDocument/2006/customXml" ds:itemID="{0498FCD4-62F2-4C59-824F-30F9B51F9401}">
   <ds:schemaRefs>
     <ds:schemaRef ds:uri="http://schemas.microsoft.com/office/2006/metadata/contentType"/>
@@ -13817,16 +13900,6 @@
 </ds:datastoreItem>
 </file>
 
-<file path=customXml/itemProps2.xml><?xml version="1.0" encoding="utf-8"?>
-<ds:datastoreItem xmlns:ds="http://schemas.openxmlformats.org/officeDocument/2006/customXml" ds:itemID="{724AFF31-8E32-4607-8DA5-F53690CB721B}">
-  <ds:schemaRefs>
-    <ds:schemaRef ds:uri="http://schemas.microsoft.com/office/2006/metadata/properties"/>
-    <ds:schemaRef ds:uri="http://schemas.microsoft.com/office/infopath/2007/PartnerControls"/>
-    <ds:schemaRef ds:uri="69e60002-4b69-4aad-9e3a-e3a9db2b0f4f"/>
-  </ds:schemaRefs>
-</ds:datastoreItem>
-</file>
-
 <file path=customXml/itemProps3.xml><?xml version="1.0" encoding="utf-8"?>
 <ds:datastoreItem xmlns:ds="http://schemas.openxmlformats.org/officeDocument/2006/customXml" ds:itemID="{1F9AB8FE-BD0C-400C-B543-7D7BB2885DFE}">
   <ds:schemaRefs>

--- a/Präsentation/Vorgehen.pptx
+++ b/Präsentation/Vorgehen.pptx
@@ -203,7 +203,7 @@
   <pc:docChgLst>
     <pc:chgData name="Julia Lobatón (s)" userId="03631203-4130-44e4-8322-dc08ad4e2bed" providerId="ADAL" clId="{D9D9C94B-6472-408D-8F6A-4FA8657BACE7}"/>
     <pc:docChg chg="modSld">
-      <pc:chgData name="Julia Lobatón (s)" userId="03631203-4130-44e4-8322-dc08ad4e2bed" providerId="ADAL" clId="{D9D9C94B-6472-408D-8F6A-4FA8657BACE7}" dt="2022-01-25T07:47:10.070" v="23" actId="20577"/>
+      <pc:chgData name="Julia Lobatón (s)" userId="03631203-4130-44e4-8322-dc08ad4e2bed" providerId="ADAL" clId="{D9D9C94B-6472-408D-8F6A-4FA8657BACE7}" dt="2022-01-25T07:52:03.273" v="46" actId="20577"/>
       <pc:docMkLst>
         <pc:docMk/>
       </pc:docMkLst>
@@ -219,6 +219,21 @@
             <pc:docMk/>
             <pc:sldMk cId="3621980955" sldId="269"/>
             <ac:spMk id="7" creationId="{0CD48D1D-38D0-4FFB-BF50-6438E8B3C3DC}"/>
+          </ac:spMkLst>
+        </pc:spChg>
+      </pc:sldChg>
+      <pc:sldChg chg="modSp mod">
+        <pc:chgData name="Julia Lobatón (s)" userId="03631203-4130-44e4-8322-dc08ad4e2bed" providerId="ADAL" clId="{D9D9C94B-6472-408D-8F6A-4FA8657BACE7}" dt="2022-01-25T07:52:03.273" v="46" actId="20577"/>
+        <pc:sldMkLst>
+          <pc:docMk/>
+          <pc:sldMk cId="3244864050" sldId="273"/>
+        </pc:sldMkLst>
+        <pc:spChg chg="mod">
+          <ac:chgData name="Julia Lobatón (s)" userId="03631203-4130-44e4-8322-dc08ad4e2bed" providerId="ADAL" clId="{D9D9C94B-6472-408D-8F6A-4FA8657BACE7}" dt="2022-01-25T07:52:03.273" v="46" actId="20577"/>
+          <ac:spMkLst>
+            <pc:docMk/>
+            <pc:sldMk cId="3244864050" sldId="273"/>
+            <ac:spMk id="6" creationId="{451C4896-2CE8-4057-A08C-B17A1FD75E6B}"/>
           </ac:spMkLst>
         </pc:spChg>
       </pc:sldChg>
@@ -6847,8 +6862,8 @@
           </a:p>
         </p:txBody>
       </p:sp>
-      <mc:AlternateContent xmlns:mc="http://schemas.openxmlformats.org/markup-compatibility/2006">
-        <mc:Choice xmlns:a14="http://schemas.microsoft.com/office/drawing/2010/main" Requires="a14">
+      <mc:AlternateContent xmlns:mc="http://schemas.openxmlformats.org/markup-compatibility/2006" xmlns:a14="http://schemas.microsoft.com/office/drawing/2010/main">
+        <mc:Choice Requires="a14">
           <p:sp>
             <p:nvSpPr>
               <p:cNvPr id="7" name="Inhaltsplatzhalter 2">
@@ -7280,7 +7295,7 @@
             </p:txBody>
           </p:sp>
         </mc:Choice>
-        <mc:Fallback>
+        <mc:Fallback xmlns="">
           <p:sp>
             <p:nvSpPr>
               <p:cNvPr id="7" name="Inhaltsplatzhalter 2">
@@ -7551,7 +7566,19 @@
                           <a:rPr lang="de-CH" i="1">
                             <a:latin typeface="Cambria Math" panose="02040503050406030204" pitchFamily="18" charset="0"/>
                           </a:rPr>
-                          <m:t>𝐺𝑒𝑓𝑎h𝑟𝑒𝑛𝑧𝑜𝑛𝑒</m:t>
+                          <m:t>𝐺𝑒𝑓𝑎</m:t>
+                        </m:r>
+                        <m:r>
+                          <a:rPr lang="de-CH" i="1">
+                            <a:latin typeface="Cambria Math" panose="02040503050406030204" pitchFamily="18" charset="0"/>
+                          </a:rPr>
+                          <m:t>h</m:t>
+                        </m:r>
+                        <m:r>
+                          <a:rPr lang="de-CH" i="1">
+                            <a:latin typeface="Cambria Math" panose="02040503050406030204" pitchFamily="18" charset="0"/>
+                          </a:rPr>
+                          <m:t>𝑟𝑒𝑛𝑧𝑜𝑛𝑒</m:t>
                         </m:r>
                       </m:num>
                       <m:den>
@@ -7559,7 +7586,19 @@
                           <a:rPr lang="de-CH" i="1">
                             <a:latin typeface="Cambria Math" panose="02040503050406030204" pitchFamily="18" charset="0"/>
                           </a:rPr>
-                          <m:t>𝐺𝑒𝑠𝑐h𝑤𝑖𝑛𝑑𝑖𝑔𝑘𝑒𝑖𝑡</m:t>
+                          <m:t>𝐺𝑒𝑠𝑐</m:t>
+                        </m:r>
+                        <m:r>
+                          <a:rPr lang="de-CH" i="1">
+                            <a:latin typeface="Cambria Math" panose="02040503050406030204" pitchFamily="18" charset="0"/>
+                          </a:rPr>
+                          <m:t>h</m:t>
+                        </m:r>
+                        <m:r>
+                          <a:rPr lang="de-CH" i="1">
+                            <a:latin typeface="Cambria Math" panose="02040503050406030204" pitchFamily="18" charset="0"/>
+                          </a:rPr>
+                          <m:t>𝑤𝑖𝑛𝑑𝑖𝑔𝑘𝑒𝑖𝑡</m:t>
                         </m:r>
                         <m:r>
                           <a:rPr lang="de-CH" i="1">
@@ -7616,7 +7655,31 @@
                       <a:rPr lang="de-CH" b="0" i="1" smtClean="0">
                         <a:latin typeface="Cambria Math" panose="02040503050406030204" pitchFamily="18" charset="0"/>
                       </a:rPr>
-                      <m:t>/(60∗60)</m:t>
+                      <m:t>/(</m:t>
+                    </m:r>
+                    <m:r>
+                      <a:rPr lang="de-CH" b="0" i="1" smtClean="0">
+                        <a:latin typeface="Cambria Math" panose="02040503050406030204" pitchFamily="18" charset="0"/>
+                      </a:rPr>
+                      <m:t>60</m:t>
+                    </m:r>
+                    <m:r>
+                      <a:rPr lang="de-CH" b="0" i="1" smtClean="0">
+                        <a:latin typeface="Cambria Math" panose="02040503050406030204" pitchFamily="18" charset="0"/>
+                      </a:rPr>
+                      <m:t>∗</m:t>
+                    </m:r>
+                    <m:r>
+                      <a:rPr lang="de-CH" b="0" i="1" smtClean="0">
+                        <a:latin typeface="Cambria Math" panose="02040503050406030204" pitchFamily="18" charset="0"/>
+                      </a:rPr>
+                      <m:t>60</m:t>
+                    </m:r>
+                    <m:r>
+                      <a:rPr lang="de-CH" b="0" i="1" smtClean="0">
+                        <a:latin typeface="Cambria Math" panose="02040503050406030204" pitchFamily="18" charset="0"/>
+                      </a:rPr>
+                      <m:t>)</m:t>
                     </m:r>
                   </m:oMath>
                 </a14:m>
@@ -8398,6 +8461,23 @@
               <a:rPr lang="de-CH" dirty="0"/>
               <a:t>Strasse kann bis zu einer Reaktionszeit von 12 Stunden offen bleiben</a:t>
             </a:r>
+          </a:p>
+          <a:p>
+            <a:pPr marL="342900" indent="-342900">
+              <a:buFont typeface="Arial" panose="020B0604020202020204" pitchFamily="34" charset="0"/>
+              <a:buChar char="•"/>
+            </a:pPr>
+            <a:r>
+              <a:rPr lang="de-CH" dirty="0"/>
+              <a:t>Radaranlage</a:t>
+            </a:r>
+          </a:p>
+          <a:p>
+            <a:pPr marL="342900" indent="-342900">
+              <a:buFont typeface="Arial" panose="020B0604020202020204" pitchFamily="34" charset="0"/>
+              <a:buChar char="•"/>
+            </a:pPr>
+            <a:endParaRPr lang="de-CH" dirty="0"/>
           </a:p>
           <a:p>
             <a:endParaRPr lang="de-CH" dirty="0"/>
@@ -13678,17 +13758,6 @@
 </file>
 
 <file path=customXml/item1.xml><?xml version="1.0" encoding="utf-8"?>
-<p:properties xmlns:p="http://schemas.microsoft.com/office/2006/metadata/properties" xmlns:xsi="http://www.w3.org/2001/XMLSchema-instance" xmlns:pc="http://schemas.microsoft.com/office/infopath/2007/PartnerControls">
-  <documentManagement>
-    <Sprache xmlns="69e60002-4b69-4aad-9e3a-e3a9db2b0f4f">Deutsch</Sprache>
-    <Format xmlns="69e60002-4b69-4aad-9e3a-e3a9db2b0f4f" xsi:nil="true"/>
-    <Organisation_x0020__x002f__x0020_Hochschule xmlns="69e60002-4b69-4aad-9e3a-e3a9db2b0f4f">HT</Organisation_x0020__x002f__x0020_Hochschule>
-    <Vorlage xmlns="69e60002-4b69-4aad-9e3a-e3a9db2b0f4f">Power Point</Vorlage>
-  </documentManagement>
-</p:properties>
-</file>
-
-<file path=customXml/item2.xml><?xml version="1.0" encoding="utf-8"?>
 <ct:contentTypeSchema xmlns:ct="http://schemas.microsoft.com/office/2006/metadata/contentType" xmlns:ma="http://schemas.microsoft.com/office/2006/metadata/properties/metaAttributes" ct:_="" ma:_="" ma:contentTypeName="Dokument" ma:contentTypeID="0x010100AC764BFD121A654BAFEE3F0D30D09696" ma:contentTypeVersion="4" ma:contentTypeDescription="Ein neues Dokument erstellen." ma:contentTypeScope="" ma:versionID="f0b21a448d18db25e00af343419af742">
   <xsd:schema xmlns:xsd="http://www.w3.org/2001/XMLSchema" xmlns:xs="http://www.w3.org/2001/XMLSchema" xmlns:p="http://schemas.microsoft.com/office/2006/metadata/properties" xmlns:ns2="69e60002-4b69-4aad-9e3a-e3a9db2b0f4f" targetNamespace="http://schemas.microsoft.com/office/2006/metadata/properties" ma:root="true" ma:fieldsID="a976930b042ac8693047c70f2498f757" ns2:_="">
     <xsd:import namespace="69e60002-4b69-4aad-9e3a-e3a9db2b0f4f"/>
@@ -13863,6 +13932,17 @@
 </ct:contentTypeSchema>
 </file>
 
+<file path=customXml/item2.xml><?xml version="1.0" encoding="utf-8"?>
+<p:properties xmlns:p="http://schemas.microsoft.com/office/2006/metadata/properties" xmlns:xsi="http://www.w3.org/2001/XMLSchema-instance" xmlns:pc="http://schemas.microsoft.com/office/infopath/2007/PartnerControls">
+  <documentManagement>
+    <Sprache xmlns="69e60002-4b69-4aad-9e3a-e3a9db2b0f4f">Deutsch</Sprache>
+    <Format xmlns="69e60002-4b69-4aad-9e3a-e3a9db2b0f4f" xsi:nil="true"/>
+    <Organisation_x0020__x002f__x0020_Hochschule xmlns="69e60002-4b69-4aad-9e3a-e3a9db2b0f4f">HT</Organisation_x0020__x002f__x0020_Hochschule>
+    <Vorlage xmlns="69e60002-4b69-4aad-9e3a-e3a9db2b0f4f">Power Point</Vorlage>
+  </documentManagement>
+</p:properties>
+</file>
+
 <file path=customXml/item3.xml><?xml version="1.0" encoding="utf-8"?>
 <?mso-contentType ?>
 <FormTemplates xmlns="http://schemas.microsoft.com/sharepoint/v3/contenttype/forms">
@@ -13873,16 +13953,6 @@
 </file>
 
 <file path=customXml/itemProps1.xml><?xml version="1.0" encoding="utf-8"?>
-<ds:datastoreItem xmlns:ds="http://schemas.openxmlformats.org/officeDocument/2006/customXml" ds:itemID="{724AFF31-8E32-4607-8DA5-F53690CB721B}">
-  <ds:schemaRefs>
-    <ds:schemaRef ds:uri="http://schemas.microsoft.com/office/2006/metadata/properties"/>
-    <ds:schemaRef ds:uri="http://schemas.microsoft.com/office/infopath/2007/PartnerControls"/>
-    <ds:schemaRef ds:uri="69e60002-4b69-4aad-9e3a-e3a9db2b0f4f"/>
-  </ds:schemaRefs>
-</ds:datastoreItem>
-</file>
-
-<file path=customXml/itemProps2.xml><?xml version="1.0" encoding="utf-8"?>
 <ds:datastoreItem xmlns:ds="http://schemas.openxmlformats.org/officeDocument/2006/customXml" ds:itemID="{0498FCD4-62F2-4C59-824F-30F9B51F9401}">
   <ds:schemaRefs>
     <ds:schemaRef ds:uri="http://schemas.microsoft.com/office/2006/metadata/contentType"/>
@@ -13900,6 +13970,16 @@
 </ds:datastoreItem>
 </file>
 
+<file path=customXml/itemProps2.xml><?xml version="1.0" encoding="utf-8"?>
+<ds:datastoreItem xmlns:ds="http://schemas.openxmlformats.org/officeDocument/2006/customXml" ds:itemID="{724AFF31-8E32-4607-8DA5-F53690CB721B}">
+  <ds:schemaRefs>
+    <ds:schemaRef ds:uri="http://schemas.microsoft.com/office/2006/metadata/properties"/>
+    <ds:schemaRef ds:uri="http://schemas.microsoft.com/office/infopath/2007/PartnerControls"/>
+    <ds:schemaRef ds:uri="69e60002-4b69-4aad-9e3a-e3a9db2b0f4f"/>
+  </ds:schemaRefs>
+</ds:datastoreItem>
+</file>
+
 <file path=customXml/itemProps3.xml><?xml version="1.0" encoding="utf-8"?>
 <ds:datastoreItem xmlns:ds="http://schemas.openxmlformats.org/officeDocument/2006/customXml" ds:itemID="{1F9AB8FE-BD0C-400C-B543-7D7BB2885DFE}">
   <ds:schemaRefs>
